--- a/BEMUTATÓ/Halozattervezesi_vizsgaremek_ppt.pptx
+++ b/BEMUTATÓ/Halozattervezesi_vizsgaremek_ppt.pptx
@@ -4,28 +4,28 @@
   <p:sldMasterIdLst>
     <p:sldMasterId id="2147483648" r:id="rId1"/>
   </p:sldMasterIdLst>
+  <p:notesMasterIdLst>
+    <p:notesMasterId r:id="rId20"/>
+  </p:notesMasterIdLst>
   <p:sldIdLst>
-    <p:sldId id="256" r:id="rId7"/>
-    <p:sldId id="257" r:id="rId8"/>
-    <p:sldId id="258" r:id="rId9"/>
-    <p:sldId id="259" r:id="rId10"/>
-    <p:sldId id="260" r:id="rId11"/>
-    <p:sldId id="261" r:id="rId12"/>
-    <p:sldId id="262" r:id="rId13"/>
-    <p:sldId id="263" r:id="rId14"/>
-    <p:sldId id="264" r:id="rId15"/>
-    <p:sldId id="265" r:id="rId16"/>
-    <p:sldId id="266" r:id="rId17"/>
-    <p:sldId id="267" r:id="rId18"/>
-    <p:sldId id="268" r:id="rId19"/>
-    <p:sldId id="269" r:id="rId20"/>
-    <p:sldId id="270" r:id="rId21"/>
-    <p:sldId id="271" r:id="rId22"/>
-    <p:sldId id="272" r:id="rId23"/>
-    <p:sldId id="273" r:id="rId24"/>
-    <p:sldId id="274" r:id="rId25"/>
-    <p:sldId id="275" r:id="rId26"/>
-    <p:sldId id="276" r:id="rId27"/>
+    <p:sldId id="256" r:id="rId2"/>
+    <p:sldId id="258" r:id="rId3"/>
+    <p:sldId id="277" r:id="rId4"/>
+    <p:sldId id="259" r:id="rId5"/>
+    <p:sldId id="260" r:id="rId6"/>
+    <p:sldId id="278" r:id="rId7"/>
+    <p:sldId id="261" r:id="rId8"/>
+    <p:sldId id="262" r:id="rId9"/>
+    <p:sldId id="263" r:id="rId10"/>
+    <p:sldId id="264" r:id="rId11"/>
+    <p:sldId id="265" r:id="rId12"/>
+    <p:sldId id="266" r:id="rId13"/>
+    <p:sldId id="267" r:id="rId14"/>
+    <p:sldId id="268" r:id="rId15"/>
+    <p:sldId id="271" r:id="rId16"/>
+    <p:sldId id="274" r:id="rId17"/>
+    <p:sldId id="275" r:id="rId18"/>
+    <p:sldId id="276" r:id="rId19"/>
   </p:sldIdLst>
   <p:sldSz cx="9144000" cy="6858000" type="screen4x3"/>
   <p:notesSz cx="6858000" cy="9144000"/>
@@ -124,7 +124,2333 @@
       </a:defRPr>
     </a:lvl9pPr>
   </p:defaultTextStyle>
+  <p:extLst>
+    <p:ext uri="{EFAFB233-063F-42B5-8137-9DF3F51BA10A}">
+      <p15:sldGuideLst xmlns:p15="http://schemas.microsoft.com/office/powerpoint/2012/main">
+        <p15:guide id="1" orient="horz" pos="2160">
+          <p15:clr>
+            <a:srgbClr val="A4A3A4"/>
+          </p15:clr>
+        </p15:guide>
+        <p15:guide id="2" pos="2880">
+          <p15:clr>
+            <a:srgbClr val="A4A3A4"/>
+          </p15:clr>
+        </p15:guide>
+      </p15:sldGuideLst>
+    </p:ext>
+  </p:extLst>
 </p:presentation>
+</file>
+
+<file path=ppt/notesMasters/notesMaster1.xml><?xml version="1.0" encoding="utf-8"?>
+<p:notesMaster xmlns:a="http://schemas.openxmlformats.org/drawingml/2006/main" xmlns:r="http://schemas.openxmlformats.org/officeDocument/2006/relationships" xmlns:p="http://schemas.openxmlformats.org/presentationml/2006/main">
+  <p:cSld>
+    <p:bg>
+      <p:bgRef idx="1001">
+        <a:schemeClr val="bg1"/>
+      </p:bgRef>
+    </p:bg>
+    <p:spTree>
+      <p:nvGrpSpPr>
+        <p:cNvPr id="1" name=""/>
+        <p:cNvGrpSpPr/>
+        <p:nvPr/>
+      </p:nvGrpSpPr>
+      <p:grpSpPr>
+        <a:xfrm>
+          <a:off x="0" y="0"/>
+          <a:ext cx="0" cy="0"/>
+          <a:chOff x="0" y="0"/>
+          <a:chExt cx="0" cy="0"/>
+        </a:xfrm>
+      </p:grpSpPr>
+      <p:sp>
+        <p:nvSpPr>
+          <p:cNvPr id="2" name="Élőfej helye 1"/>
+          <p:cNvSpPr>
+            <a:spLocks noGrp="1"/>
+          </p:cNvSpPr>
+          <p:nvPr>
+            <p:ph type="hdr" sz="quarter"/>
+          </p:nvPr>
+        </p:nvSpPr>
+        <p:spPr>
+          <a:xfrm>
+            <a:off x="0" y="0"/>
+            <a:ext cx="2971800" cy="458788"/>
+          </a:xfrm>
+          <a:prstGeom prst="rect">
+            <a:avLst/>
+          </a:prstGeom>
+        </p:spPr>
+        <p:txBody>
+          <a:bodyPr vert="horz" lIns="91440" tIns="45720" rIns="91440" bIns="45720" rtlCol="0"/>
+          <a:lstStyle>
+            <a:lvl1pPr algn="l">
+              <a:defRPr sz="1200"/>
+            </a:lvl1pPr>
+          </a:lstStyle>
+          <a:p>
+            <a:endParaRPr lang="hu-HU"/>
+          </a:p>
+        </p:txBody>
+      </p:sp>
+      <p:sp>
+        <p:nvSpPr>
+          <p:cNvPr id="3" name="Dátum helye 2"/>
+          <p:cNvSpPr>
+            <a:spLocks noGrp="1"/>
+          </p:cNvSpPr>
+          <p:nvPr>
+            <p:ph type="dt" idx="1"/>
+          </p:nvPr>
+        </p:nvSpPr>
+        <p:spPr>
+          <a:xfrm>
+            <a:off x="3884613" y="0"/>
+            <a:ext cx="2971800" cy="458788"/>
+          </a:xfrm>
+          <a:prstGeom prst="rect">
+            <a:avLst/>
+          </a:prstGeom>
+        </p:spPr>
+        <p:txBody>
+          <a:bodyPr vert="horz" lIns="91440" tIns="45720" rIns="91440" bIns="45720" rtlCol="0"/>
+          <a:lstStyle>
+            <a:lvl1pPr algn="r">
+              <a:defRPr sz="1200"/>
+            </a:lvl1pPr>
+          </a:lstStyle>
+          <a:p>
+            <a:fld id="{F7ADC6D0-E922-4141-8754-0138B1CE9B91}" type="datetimeFigureOut">
+              <a:rPr lang="hu-HU" smtClean="0"/>
+              <a:t>2024. 06. 08.</a:t>
+            </a:fld>
+            <a:endParaRPr lang="hu-HU"/>
+          </a:p>
+        </p:txBody>
+      </p:sp>
+      <p:sp>
+        <p:nvSpPr>
+          <p:cNvPr id="4" name="Diakép helye 3"/>
+          <p:cNvSpPr>
+            <a:spLocks noGrp="1" noRot="1" noChangeAspect="1"/>
+          </p:cNvSpPr>
+          <p:nvPr>
+            <p:ph type="sldImg" idx="2"/>
+          </p:nvPr>
+        </p:nvSpPr>
+        <p:spPr>
+          <a:xfrm>
+            <a:off x="1371600" y="1143000"/>
+            <a:ext cx="4114800" cy="3086100"/>
+          </a:xfrm>
+          <a:prstGeom prst="rect">
+            <a:avLst/>
+          </a:prstGeom>
+          <a:noFill/>
+          <a:ln w="12700">
+            <a:solidFill>
+              <a:prstClr val="black"/>
+            </a:solidFill>
+          </a:ln>
+        </p:spPr>
+        <p:txBody>
+          <a:bodyPr vert="horz" lIns="91440" tIns="45720" rIns="91440" bIns="45720" rtlCol="0" anchor="ctr"/>
+          <a:lstStyle/>
+          <a:p>
+            <a:endParaRPr lang="hu-HU"/>
+          </a:p>
+        </p:txBody>
+      </p:sp>
+      <p:sp>
+        <p:nvSpPr>
+          <p:cNvPr id="5" name="Jegyzetek helye 4"/>
+          <p:cNvSpPr>
+            <a:spLocks noGrp="1"/>
+          </p:cNvSpPr>
+          <p:nvPr>
+            <p:ph type="body" sz="quarter" idx="3"/>
+          </p:nvPr>
+        </p:nvSpPr>
+        <p:spPr>
+          <a:xfrm>
+            <a:off x="685800" y="4400550"/>
+            <a:ext cx="5486400" cy="3600450"/>
+          </a:xfrm>
+          <a:prstGeom prst="rect">
+            <a:avLst/>
+          </a:prstGeom>
+        </p:spPr>
+        <p:txBody>
+          <a:bodyPr vert="horz" lIns="91440" tIns="45720" rIns="91440" bIns="45720" rtlCol="0"/>
+          <a:lstStyle/>
+          <a:p>
+            <a:pPr lvl="0"/>
+            <a:r>
+              <a:rPr lang="hu-HU"/>
+              <a:t>Mintaszöveg szerkesztése</a:t>
+            </a:r>
+          </a:p>
+          <a:p>
+            <a:pPr lvl="1"/>
+            <a:r>
+              <a:rPr lang="hu-HU"/>
+              <a:t>Második szint</a:t>
+            </a:r>
+          </a:p>
+          <a:p>
+            <a:pPr lvl="2"/>
+            <a:r>
+              <a:rPr lang="hu-HU"/>
+              <a:t>Harmadik szint</a:t>
+            </a:r>
+          </a:p>
+          <a:p>
+            <a:pPr lvl="3"/>
+            <a:r>
+              <a:rPr lang="hu-HU"/>
+              <a:t>Negyedik szint</a:t>
+            </a:r>
+          </a:p>
+          <a:p>
+            <a:pPr lvl="4"/>
+            <a:r>
+              <a:rPr lang="hu-HU"/>
+              <a:t>Ötödik szint</a:t>
+            </a:r>
+          </a:p>
+        </p:txBody>
+      </p:sp>
+      <p:sp>
+        <p:nvSpPr>
+          <p:cNvPr id="6" name="Élőláb helye 5"/>
+          <p:cNvSpPr>
+            <a:spLocks noGrp="1"/>
+          </p:cNvSpPr>
+          <p:nvPr>
+            <p:ph type="ftr" sz="quarter" idx="4"/>
+          </p:nvPr>
+        </p:nvSpPr>
+        <p:spPr>
+          <a:xfrm>
+            <a:off x="0" y="8685213"/>
+            <a:ext cx="2971800" cy="458787"/>
+          </a:xfrm>
+          <a:prstGeom prst="rect">
+            <a:avLst/>
+          </a:prstGeom>
+        </p:spPr>
+        <p:txBody>
+          <a:bodyPr vert="horz" lIns="91440" tIns="45720" rIns="91440" bIns="45720" rtlCol="0" anchor="b"/>
+          <a:lstStyle>
+            <a:lvl1pPr algn="l">
+              <a:defRPr sz="1200"/>
+            </a:lvl1pPr>
+          </a:lstStyle>
+          <a:p>
+            <a:endParaRPr lang="hu-HU"/>
+          </a:p>
+        </p:txBody>
+      </p:sp>
+      <p:sp>
+        <p:nvSpPr>
+          <p:cNvPr id="7" name="Dia számának helye 6"/>
+          <p:cNvSpPr>
+            <a:spLocks noGrp="1"/>
+          </p:cNvSpPr>
+          <p:nvPr>
+            <p:ph type="sldNum" sz="quarter" idx="5"/>
+          </p:nvPr>
+        </p:nvSpPr>
+        <p:spPr>
+          <a:xfrm>
+            <a:off x="3884613" y="8685213"/>
+            <a:ext cx="2971800" cy="458787"/>
+          </a:xfrm>
+          <a:prstGeom prst="rect">
+            <a:avLst/>
+          </a:prstGeom>
+        </p:spPr>
+        <p:txBody>
+          <a:bodyPr vert="horz" lIns="91440" tIns="45720" rIns="91440" bIns="45720" rtlCol="0" anchor="b"/>
+          <a:lstStyle>
+            <a:lvl1pPr algn="r">
+              <a:defRPr sz="1200"/>
+            </a:lvl1pPr>
+          </a:lstStyle>
+          <a:p>
+            <a:fld id="{3630C05A-7D73-474A-AE9C-0437947E053D}" type="slidenum">
+              <a:rPr lang="hu-HU" smtClean="0"/>
+              <a:t>‹#›</a:t>
+            </a:fld>
+            <a:endParaRPr lang="hu-HU"/>
+          </a:p>
+        </p:txBody>
+      </p:sp>
+    </p:spTree>
+    <p:extLst>
+      <p:ext uri="{BB962C8B-B14F-4D97-AF65-F5344CB8AC3E}">
+        <p14:creationId xmlns:p14="http://schemas.microsoft.com/office/powerpoint/2010/main" val="268215115"/>
+      </p:ext>
+    </p:extLst>
+  </p:cSld>
+  <p:clrMap bg1="lt1" tx1="dk1" bg2="lt2" tx2="dk2" accent1="accent1" accent2="accent2" accent3="accent3" accent4="accent4" accent5="accent5" accent6="accent6" hlink="hlink" folHlink="folHlink"/>
+  <p:notesStyle>
+    <a:lvl1pPr marL="0" algn="l" defTabSz="914400" rtl="0" eaLnBrk="1" latinLnBrk="0" hangingPunct="1">
+      <a:defRPr sz="1200" kern="1200">
+        <a:solidFill>
+          <a:schemeClr val="tx1"/>
+        </a:solidFill>
+        <a:latin typeface="+mn-lt"/>
+        <a:ea typeface="+mn-ea"/>
+        <a:cs typeface="+mn-cs"/>
+      </a:defRPr>
+    </a:lvl1pPr>
+    <a:lvl2pPr marL="457200" algn="l" defTabSz="914400" rtl="0" eaLnBrk="1" latinLnBrk="0" hangingPunct="1">
+      <a:defRPr sz="1200" kern="1200">
+        <a:solidFill>
+          <a:schemeClr val="tx1"/>
+        </a:solidFill>
+        <a:latin typeface="+mn-lt"/>
+        <a:ea typeface="+mn-ea"/>
+        <a:cs typeface="+mn-cs"/>
+      </a:defRPr>
+    </a:lvl2pPr>
+    <a:lvl3pPr marL="914400" algn="l" defTabSz="914400" rtl="0" eaLnBrk="1" latinLnBrk="0" hangingPunct="1">
+      <a:defRPr sz="1200" kern="1200">
+        <a:solidFill>
+          <a:schemeClr val="tx1"/>
+        </a:solidFill>
+        <a:latin typeface="+mn-lt"/>
+        <a:ea typeface="+mn-ea"/>
+        <a:cs typeface="+mn-cs"/>
+      </a:defRPr>
+    </a:lvl3pPr>
+    <a:lvl4pPr marL="1371600" algn="l" defTabSz="914400" rtl="0" eaLnBrk="1" latinLnBrk="0" hangingPunct="1">
+      <a:defRPr sz="1200" kern="1200">
+        <a:solidFill>
+          <a:schemeClr val="tx1"/>
+        </a:solidFill>
+        <a:latin typeface="+mn-lt"/>
+        <a:ea typeface="+mn-ea"/>
+        <a:cs typeface="+mn-cs"/>
+      </a:defRPr>
+    </a:lvl4pPr>
+    <a:lvl5pPr marL="1828800" algn="l" defTabSz="914400" rtl="0" eaLnBrk="1" latinLnBrk="0" hangingPunct="1">
+      <a:defRPr sz="1200" kern="1200">
+        <a:solidFill>
+          <a:schemeClr val="tx1"/>
+        </a:solidFill>
+        <a:latin typeface="+mn-lt"/>
+        <a:ea typeface="+mn-ea"/>
+        <a:cs typeface="+mn-cs"/>
+      </a:defRPr>
+    </a:lvl5pPr>
+    <a:lvl6pPr marL="2286000" algn="l" defTabSz="914400" rtl="0" eaLnBrk="1" latinLnBrk="0" hangingPunct="1">
+      <a:defRPr sz="1200" kern="1200">
+        <a:solidFill>
+          <a:schemeClr val="tx1"/>
+        </a:solidFill>
+        <a:latin typeface="+mn-lt"/>
+        <a:ea typeface="+mn-ea"/>
+        <a:cs typeface="+mn-cs"/>
+      </a:defRPr>
+    </a:lvl6pPr>
+    <a:lvl7pPr marL="2743200" algn="l" defTabSz="914400" rtl="0" eaLnBrk="1" latinLnBrk="0" hangingPunct="1">
+      <a:defRPr sz="1200" kern="1200">
+        <a:solidFill>
+          <a:schemeClr val="tx1"/>
+        </a:solidFill>
+        <a:latin typeface="+mn-lt"/>
+        <a:ea typeface="+mn-ea"/>
+        <a:cs typeface="+mn-cs"/>
+      </a:defRPr>
+    </a:lvl7pPr>
+    <a:lvl8pPr marL="3200400" algn="l" defTabSz="914400" rtl="0" eaLnBrk="1" latinLnBrk="0" hangingPunct="1">
+      <a:defRPr sz="1200" kern="1200">
+        <a:solidFill>
+          <a:schemeClr val="tx1"/>
+        </a:solidFill>
+        <a:latin typeface="+mn-lt"/>
+        <a:ea typeface="+mn-ea"/>
+        <a:cs typeface="+mn-cs"/>
+      </a:defRPr>
+    </a:lvl8pPr>
+    <a:lvl9pPr marL="3657600" algn="l" defTabSz="914400" rtl="0" eaLnBrk="1" latinLnBrk="0" hangingPunct="1">
+      <a:defRPr sz="1200" kern="1200">
+        <a:solidFill>
+          <a:schemeClr val="tx1"/>
+        </a:solidFill>
+        <a:latin typeface="+mn-lt"/>
+        <a:ea typeface="+mn-ea"/>
+        <a:cs typeface="+mn-cs"/>
+      </a:defRPr>
+    </a:lvl9pPr>
+  </p:notesStyle>
+</p:notesMaster>
+</file>
+
+<file path=ppt/notesSlides/notesSlide1.xml><?xml version="1.0" encoding="utf-8"?>
+<p:notes xmlns:a="http://schemas.openxmlformats.org/drawingml/2006/main" xmlns:r="http://schemas.openxmlformats.org/officeDocument/2006/relationships" xmlns:p="http://schemas.openxmlformats.org/presentationml/2006/main">
+  <p:cSld>
+    <p:spTree>
+      <p:nvGrpSpPr>
+        <p:cNvPr id="1" name=""/>
+        <p:cNvGrpSpPr/>
+        <p:nvPr/>
+      </p:nvGrpSpPr>
+      <p:grpSpPr>
+        <a:xfrm>
+          <a:off x="0" y="0"/>
+          <a:ext cx="0" cy="0"/>
+          <a:chOff x="0" y="0"/>
+          <a:chExt cx="0" cy="0"/>
+        </a:xfrm>
+      </p:grpSpPr>
+      <p:sp>
+        <p:nvSpPr>
+          <p:cNvPr id="2" name="Diakép helye 1"/>
+          <p:cNvSpPr>
+            <a:spLocks noGrp="1" noRot="1" noChangeAspect="1"/>
+          </p:cNvSpPr>
+          <p:nvPr>
+            <p:ph type="sldImg"/>
+          </p:nvPr>
+        </p:nvSpPr>
+        <p:spPr/>
+      </p:sp>
+      <p:sp>
+        <p:nvSpPr>
+          <p:cNvPr id="3" name="Jegyzetek helye 2"/>
+          <p:cNvSpPr>
+            <a:spLocks noGrp="1"/>
+          </p:cNvSpPr>
+          <p:nvPr>
+            <p:ph type="body" idx="1"/>
+          </p:nvPr>
+        </p:nvSpPr>
+        <p:spPr/>
+        <p:txBody>
+          <a:bodyPr/>
+          <a:lstStyle/>
+          <a:p>
+            <a:endParaRPr lang="hu-HU"/>
+          </a:p>
+        </p:txBody>
+      </p:sp>
+      <p:sp>
+        <p:nvSpPr>
+          <p:cNvPr id="4" name="Dia számának helye 3"/>
+          <p:cNvSpPr>
+            <a:spLocks noGrp="1"/>
+          </p:cNvSpPr>
+          <p:nvPr>
+            <p:ph type="sldNum" sz="quarter" idx="5"/>
+          </p:nvPr>
+        </p:nvSpPr>
+        <p:spPr/>
+        <p:txBody>
+          <a:bodyPr/>
+          <a:lstStyle/>
+          <a:p>
+            <a:fld id="{3630C05A-7D73-474A-AE9C-0437947E053D}" type="slidenum">
+              <a:rPr lang="hu-HU" smtClean="0"/>
+              <a:t>1</a:t>
+            </a:fld>
+            <a:endParaRPr lang="hu-HU"/>
+          </a:p>
+        </p:txBody>
+      </p:sp>
+    </p:spTree>
+    <p:extLst>
+      <p:ext uri="{BB962C8B-B14F-4D97-AF65-F5344CB8AC3E}">
+        <p14:creationId xmlns:p14="http://schemas.microsoft.com/office/powerpoint/2010/main" val="2765199768"/>
+      </p:ext>
+    </p:extLst>
+  </p:cSld>
+  <p:clrMapOvr>
+    <a:masterClrMapping/>
+  </p:clrMapOvr>
+</p:notes>
+</file>
+
+<file path=ppt/notesSlides/notesSlide10.xml><?xml version="1.0" encoding="utf-8"?>
+<p:notes xmlns:a="http://schemas.openxmlformats.org/drawingml/2006/main" xmlns:r="http://schemas.openxmlformats.org/officeDocument/2006/relationships" xmlns:p="http://schemas.openxmlformats.org/presentationml/2006/main">
+  <p:cSld>
+    <p:spTree>
+      <p:nvGrpSpPr>
+        <p:cNvPr id="1" name=""/>
+        <p:cNvGrpSpPr/>
+        <p:nvPr/>
+      </p:nvGrpSpPr>
+      <p:grpSpPr>
+        <a:xfrm>
+          <a:off x="0" y="0"/>
+          <a:ext cx="0" cy="0"/>
+          <a:chOff x="0" y="0"/>
+          <a:chExt cx="0" cy="0"/>
+        </a:xfrm>
+      </p:grpSpPr>
+      <p:sp>
+        <p:nvSpPr>
+          <p:cNvPr id="2" name="Diakép helye 1"/>
+          <p:cNvSpPr>
+            <a:spLocks noGrp="1" noRot="1" noChangeAspect="1"/>
+          </p:cNvSpPr>
+          <p:nvPr>
+            <p:ph type="sldImg"/>
+          </p:nvPr>
+        </p:nvSpPr>
+        <p:spPr/>
+      </p:sp>
+      <p:sp>
+        <p:nvSpPr>
+          <p:cNvPr id="3" name="Jegyzetek helye 2"/>
+          <p:cNvSpPr>
+            <a:spLocks noGrp="1"/>
+          </p:cNvSpPr>
+          <p:nvPr>
+            <p:ph type="body" idx="1"/>
+          </p:nvPr>
+        </p:nvSpPr>
+        <p:spPr/>
+        <p:txBody>
+          <a:bodyPr/>
+          <a:lstStyle/>
+          <a:p>
+            <a:r>
+              <a:rPr lang="hu-HU" sz="1800" dirty="0">
+                <a:effectLst/>
+                <a:latin typeface="Times New Roman" panose="02020603050405020304" pitchFamily="18" charset="0"/>
+                <a:ea typeface="Calibri" panose="020F0502020204030204" pitchFamily="34" charset="0"/>
+              </a:rPr>
+              <a:t>ASA (</a:t>
+            </a:r>
+            <a:r>
+              <a:rPr lang="hu-HU" sz="1800" dirty="0" err="1">
+                <a:effectLst/>
+                <a:latin typeface="Times New Roman" panose="02020603050405020304" pitchFamily="18" charset="0"/>
+                <a:ea typeface="Calibri" panose="020F0502020204030204" pitchFamily="34" charset="0"/>
+              </a:rPr>
+              <a:t>Adaptive</a:t>
+            </a:r>
+            <a:r>
+              <a:rPr lang="hu-HU" sz="1800" dirty="0">
+                <a:effectLst/>
+                <a:latin typeface="Times New Roman" panose="02020603050405020304" pitchFamily="18" charset="0"/>
+                <a:ea typeface="Calibri" panose="020F0502020204030204" pitchFamily="34" charset="0"/>
+              </a:rPr>
+              <a:t> </a:t>
+            </a:r>
+            <a:r>
+              <a:rPr lang="hu-HU" sz="1800" dirty="0" err="1">
+                <a:effectLst/>
+                <a:latin typeface="Times New Roman" panose="02020603050405020304" pitchFamily="18" charset="0"/>
+                <a:ea typeface="Calibri" panose="020F0502020204030204" pitchFamily="34" charset="0"/>
+              </a:rPr>
+              <a:t>Security</a:t>
+            </a:r>
+            <a:r>
+              <a:rPr lang="hu-HU" sz="1800" dirty="0">
+                <a:effectLst/>
+                <a:latin typeface="Times New Roman" panose="02020603050405020304" pitchFamily="18" charset="0"/>
+                <a:ea typeface="Calibri" panose="020F0502020204030204" pitchFamily="34" charset="0"/>
+              </a:rPr>
+              <a:t> </a:t>
+            </a:r>
+            <a:r>
+              <a:rPr lang="hu-HU" sz="1800" dirty="0" err="1">
+                <a:effectLst/>
+                <a:latin typeface="Times New Roman" panose="02020603050405020304" pitchFamily="18" charset="0"/>
+                <a:ea typeface="Calibri" panose="020F0502020204030204" pitchFamily="34" charset="0"/>
+              </a:rPr>
+              <a:t>Appliance</a:t>
+            </a:r>
+            <a:r>
+              <a:rPr lang="hu-HU" sz="1800" dirty="0">
+                <a:effectLst/>
+                <a:latin typeface="Times New Roman" panose="02020603050405020304" pitchFamily="18" charset="0"/>
+                <a:ea typeface="Calibri" panose="020F0502020204030204" pitchFamily="34" charset="0"/>
+              </a:rPr>
+              <a:t>) </a:t>
+            </a:r>
+          </a:p>
+          <a:p>
+            <a:endParaRPr lang="hu-HU" sz="1800" dirty="0">
+              <a:latin typeface="Times New Roman" panose="02020603050405020304" pitchFamily="18" charset="0"/>
+              <a:ea typeface="Calibri" panose="020F0502020204030204" pitchFamily="34" charset="0"/>
+            </a:endParaRPr>
+          </a:p>
+          <a:p>
+            <a:r>
+              <a:rPr lang="hu-HU" sz="1800" dirty="0">
+                <a:latin typeface="Times New Roman" panose="02020603050405020304" pitchFamily="18" charset="0"/>
+                <a:ea typeface="Calibri" panose="020F0502020204030204" pitchFamily="34" charset="0"/>
+              </a:rPr>
+              <a:t>Internet felé a fizikai tűzfal egy ASA eszközzel lett megvalósítva. A két irányú forgalmat a definiált szabályok alapján szűri, korlátozza.</a:t>
+            </a:r>
+            <a:endParaRPr lang="hu-HU" dirty="0"/>
+          </a:p>
+        </p:txBody>
+      </p:sp>
+      <p:sp>
+        <p:nvSpPr>
+          <p:cNvPr id="4" name="Dia számának helye 3"/>
+          <p:cNvSpPr>
+            <a:spLocks noGrp="1"/>
+          </p:cNvSpPr>
+          <p:nvPr>
+            <p:ph type="sldNum" sz="quarter" idx="5"/>
+          </p:nvPr>
+        </p:nvSpPr>
+        <p:spPr/>
+        <p:txBody>
+          <a:bodyPr/>
+          <a:lstStyle/>
+          <a:p>
+            <a:fld id="{3630C05A-7D73-474A-AE9C-0437947E053D}" type="slidenum">
+              <a:rPr lang="hu-HU" smtClean="0"/>
+              <a:t>11</a:t>
+            </a:fld>
+            <a:endParaRPr lang="hu-HU"/>
+          </a:p>
+        </p:txBody>
+      </p:sp>
+    </p:spTree>
+    <p:extLst>
+      <p:ext uri="{BB962C8B-B14F-4D97-AF65-F5344CB8AC3E}">
+        <p14:creationId xmlns:p14="http://schemas.microsoft.com/office/powerpoint/2010/main" val="2941805166"/>
+      </p:ext>
+    </p:extLst>
+  </p:cSld>
+  <p:clrMapOvr>
+    <a:masterClrMapping/>
+  </p:clrMapOvr>
+</p:notes>
+</file>
+
+<file path=ppt/notesSlides/notesSlide11.xml><?xml version="1.0" encoding="utf-8"?>
+<p:notes xmlns:a="http://schemas.openxmlformats.org/drawingml/2006/main" xmlns:r="http://schemas.openxmlformats.org/officeDocument/2006/relationships" xmlns:p="http://schemas.openxmlformats.org/presentationml/2006/main">
+  <p:cSld>
+    <p:spTree>
+      <p:nvGrpSpPr>
+        <p:cNvPr id="1" name=""/>
+        <p:cNvGrpSpPr/>
+        <p:nvPr/>
+      </p:nvGrpSpPr>
+      <p:grpSpPr>
+        <a:xfrm>
+          <a:off x="0" y="0"/>
+          <a:ext cx="0" cy="0"/>
+          <a:chOff x="0" y="0"/>
+          <a:chExt cx="0" cy="0"/>
+        </a:xfrm>
+      </p:grpSpPr>
+      <p:sp>
+        <p:nvSpPr>
+          <p:cNvPr id="2" name="Diakép helye 1"/>
+          <p:cNvSpPr>
+            <a:spLocks noGrp="1" noRot="1" noChangeAspect="1"/>
+          </p:cNvSpPr>
+          <p:nvPr>
+            <p:ph type="sldImg"/>
+          </p:nvPr>
+        </p:nvSpPr>
+        <p:spPr/>
+      </p:sp>
+      <p:sp>
+        <p:nvSpPr>
+          <p:cNvPr id="3" name="Jegyzetek helye 2"/>
+          <p:cNvSpPr>
+            <a:spLocks noGrp="1"/>
+          </p:cNvSpPr>
+          <p:nvPr>
+            <p:ph type="body" idx="1"/>
+          </p:nvPr>
+        </p:nvSpPr>
+        <p:spPr/>
+        <p:txBody>
+          <a:bodyPr/>
+          <a:lstStyle/>
+          <a:p>
+            <a:r>
+              <a:rPr lang="hu-HU" dirty="0"/>
+              <a:t>Számos biztonsági funkciót meg lehet ACL-kel valósítani.</a:t>
+            </a:r>
+          </a:p>
+          <a:p>
+            <a:r>
+              <a:rPr lang="hu-HU" dirty="0"/>
+              <a:t>A hálózati telephelyek közötti kommunikáció bérelt vonalon zajlik, így biztonság szempontjából nincs akkor fenyegetésnek kitéve, mintha az interneten keresztül zajlana a kommunikáció. Ezért elegendőnek láttuk a http korlátozását első lépésben.</a:t>
+            </a:r>
+          </a:p>
+          <a:p>
+            <a:endParaRPr lang="hu-HU" dirty="0"/>
+          </a:p>
+        </p:txBody>
+      </p:sp>
+      <p:sp>
+        <p:nvSpPr>
+          <p:cNvPr id="4" name="Dia számának helye 3"/>
+          <p:cNvSpPr>
+            <a:spLocks noGrp="1"/>
+          </p:cNvSpPr>
+          <p:nvPr>
+            <p:ph type="sldNum" sz="quarter" idx="5"/>
+          </p:nvPr>
+        </p:nvSpPr>
+        <p:spPr/>
+        <p:txBody>
+          <a:bodyPr/>
+          <a:lstStyle/>
+          <a:p>
+            <a:fld id="{3630C05A-7D73-474A-AE9C-0437947E053D}" type="slidenum">
+              <a:rPr lang="hu-HU" smtClean="0"/>
+              <a:t>12</a:t>
+            </a:fld>
+            <a:endParaRPr lang="hu-HU"/>
+          </a:p>
+        </p:txBody>
+      </p:sp>
+    </p:spTree>
+    <p:extLst>
+      <p:ext uri="{BB962C8B-B14F-4D97-AF65-F5344CB8AC3E}">
+        <p14:creationId xmlns:p14="http://schemas.microsoft.com/office/powerpoint/2010/main" val="1476310968"/>
+      </p:ext>
+    </p:extLst>
+  </p:cSld>
+  <p:clrMapOvr>
+    <a:masterClrMapping/>
+  </p:clrMapOvr>
+</p:notes>
+</file>
+
+<file path=ppt/notesSlides/notesSlide12.xml><?xml version="1.0" encoding="utf-8"?>
+<p:notes xmlns:a="http://schemas.openxmlformats.org/drawingml/2006/main" xmlns:r="http://schemas.openxmlformats.org/officeDocument/2006/relationships" xmlns:p="http://schemas.openxmlformats.org/presentationml/2006/main">
+  <p:cSld>
+    <p:spTree>
+      <p:nvGrpSpPr>
+        <p:cNvPr id="1" name=""/>
+        <p:cNvGrpSpPr/>
+        <p:nvPr/>
+      </p:nvGrpSpPr>
+      <p:grpSpPr>
+        <a:xfrm>
+          <a:off x="0" y="0"/>
+          <a:ext cx="0" cy="0"/>
+          <a:chOff x="0" y="0"/>
+          <a:chExt cx="0" cy="0"/>
+        </a:xfrm>
+      </p:grpSpPr>
+      <p:sp>
+        <p:nvSpPr>
+          <p:cNvPr id="2" name="Diakép helye 1"/>
+          <p:cNvSpPr>
+            <a:spLocks noGrp="1" noRot="1" noChangeAspect="1"/>
+          </p:cNvSpPr>
+          <p:nvPr>
+            <p:ph type="sldImg"/>
+          </p:nvPr>
+        </p:nvSpPr>
+        <p:spPr/>
+      </p:sp>
+      <p:sp>
+        <p:nvSpPr>
+          <p:cNvPr id="3" name="Jegyzetek helye 2"/>
+          <p:cNvSpPr>
+            <a:spLocks noGrp="1"/>
+          </p:cNvSpPr>
+          <p:nvPr>
+            <p:ph type="body" idx="1"/>
+          </p:nvPr>
+        </p:nvSpPr>
+        <p:spPr/>
+        <p:txBody>
+          <a:bodyPr/>
+          <a:lstStyle/>
+          <a:p>
+            <a:r>
+              <a:rPr lang="hu-HU" sz="1800" dirty="0">
+                <a:effectLst/>
+                <a:latin typeface="Times New Roman" panose="02020603050405020304" pitchFamily="18" charset="0"/>
+                <a:ea typeface="Calibri" panose="020F0502020204030204" pitchFamily="34" charset="0"/>
+                <a:cs typeface="Times New Roman" panose="02020603050405020304" pitchFamily="18" charset="0"/>
+              </a:rPr>
+              <a:t>Elkerülhetetlen és nem is lehet cél a vezetéknélküli hálózat használata Az általuk biztosított számos előny mellett hátrányuk jelentéktelen. A mobilitás, a kényelem felhasználói oldalról, míg a skálázhatóság, költségcsökkentés vagy a telepítési rugalmasság tulajdonosi és rendszeradminisztrációs oldalról teszi vonzóvá a technológiát.</a:t>
+            </a:r>
+          </a:p>
+          <a:p>
+            <a:endParaRPr lang="hu-HU" dirty="0"/>
+          </a:p>
+          <a:p>
+            <a:r>
+              <a:rPr lang="hu-HU" dirty="0"/>
+              <a:t>Routerek esetében minden esetben DHCP-vel valósult meg az IP cím kiosztása.</a:t>
+            </a:r>
+          </a:p>
+        </p:txBody>
+      </p:sp>
+      <p:sp>
+        <p:nvSpPr>
+          <p:cNvPr id="4" name="Dia számának helye 3"/>
+          <p:cNvSpPr>
+            <a:spLocks noGrp="1"/>
+          </p:cNvSpPr>
+          <p:nvPr>
+            <p:ph type="sldNum" sz="quarter" idx="5"/>
+          </p:nvPr>
+        </p:nvSpPr>
+        <p:spPr/>
+        <p:txBody>
+          <a:bodyPr/>
+          <a:lstStyle/>
+          <a:p>
+            <a:fld id="{3630C05A-7D73-474A-AE9C-0437947E053D}" type="slidenum">
+              <a:rPr lang="hu-HU" smtClean="0"/>
+              <a:t>13</a:t>
+            </a:fld>
+            <a:endParaRPr lang="hu-HU"/>
+          </a:p>
+        </p:txBody>
+      </p:sp>
+    </p:spTree>
+    <p:extLst>
+      <p:ext uri="{BB962C8B-B14F-4D97-AF65-F5344CB8AC3E}">
+        <p14:creationId xmlns:p14="http://schemas.microsoft.com/office/powerpoint/2010/main" val="1798275601"/>
+      </p:ext>
+    </p:extLst>
+  </p:cSld>
+  <p:clrMapOvr>
+    <a:masterClrMapping/>
+  </p:clrMapOvr>
+</p:notes>
+</file>
+
+<file path=ppt/notesSlides/notesSlide13.xml><?xml version="1.0" encoding="utf-8"?>
+<p:notes xmlns:a="http://schemas.openxmlformats.org/drawingml/2006/main" xmlns:r="http://schemas.openxmlformats.org/officeDocument/2006/relationships" xmlns:p="http://schemas.openxmlformats.org/presentationml/2006/main">
+  <p:cSld>
+    <p:spTree>
+      <p:nvGrpSpPr>
+        <p:cNvPr id="1" name=""/>
+        <p:cNvGrpSpPr/>
+        <p:nvPr/>
+      </p:nvGrpSpPr>
+      <p:grpSpPr>
+        <a:xfrm>
+          <a:off x="0" y="0"/>
+          <a:ext cx="0" cy="0"/>
+          <a:chOff x="0" y="0"/>
+          <a:chExt cx="0" cy="0"/>
+        </a:xfrm>
+      </p:grpSpPr>
+      <p:sp>
+        <p:nvSpPr>
+          <p:cNvPr id="2" name="Diakép helye 1"/>
+          <p:cNvSpPr>
+            <a:spLocks noGrp="1" noRot="1" noChangeAspect="1"/>
+          </p:cNvSpPr>
+          <p:nvPr>
+            <p:ph type="sldImg"/>
+          </p:nvPr>
+        </p:nvSpPr>
+        <p:spPr/>
+      </p:sp>
+      <p:sp>
+        <p:nvSpPr>
+          <p:cNvPr id="3" name="Jegyzetek helye 2"/>
+          <p:cNvSpPr>
+            <a:spLocks noGrp="1"/>
+          </p:cNvSpPr>
+          <p:nvPr>
+            <p:ph type="body" idx="1"/>
+          </p:nvPr>
+        </p:nvSpPr>
+        <p:spPr/>
+        <p:txBody>
+          <a:bodyPr/>
+          <a:lstStyle/>
+          <a:p>
+            <a:endParaRPr lang="hu-HU"/>
+          </a:p>
+        </p:txBody>
+      </p:sp>
+      <p:sp>
+        <p:nvSpPr>
+          <p:cNvPr id="4" name="Dia számának helye 3"/>
+          <p:cNvSpPr>
+            <a:spLocks noGrp="1"/>
+          </p:cNvSpPr>
+          <p:nvPr>
+            <p:ph type="sldNum" sz="quarter" idx="5"/>
+          </p:nvPr>
+        </p:nvSpPr>
+        <p:spPr/>
+        <p:txBody>
+          <a:bodyPr/>
+          <a:lstStyle/>
+          <a:p>
+            <a:fld id="{3630C05A-7D73-474A-AE9C-0437947E053D}" type="slidenum">
+              <a:rPr lang="hu-HU" smtClean="0"/>
+              <a:t>14</a:t>
+            </a:fld>
+            <a:endParaRPr lang="hu-HU"/>
+          </a:p>
+        </p:txBody>
+      </p:sp>
+    </p:spTree>
+    <p:extLst>
+      <p:ext uri="{BB962C8B-B14F-4D97-AF65-F5344CB8AC3E}">
+        <p14:creationId xmlns:p14="http://schemas.microsoft.com/office/powerpoint/2010/main" val="1621457348"/>
+      </p:ext>
+    </p:extLst>
+  </p:cSld>
+  <p:clrMapOvr>
+    <a:masterClrMapping/>
+  </p:clrMapOvr>
+</p:notes>
+</file>
+
+<file path=ppt/notesSlides/notesSlide14.xml><?xml version="1.0" encoding="utf-8"?>
+<p:notes xmlns:a="http://schemas.openxmlformats.org/drawingml/2006/main" xmlns:r="http://schemas.openxmlformats.org/officeDocument/2006/relationships" xmlns:p="http://schemas.openxmlformats.org/presentationml/2006/main">
+  <p:cSld>
+    <p:spTree>
+      <p:nvGrpSpPr>
+        <p:cNvPr id="1" name=""/>
+        <p:cNvGrpSpPr/>
+        <p:nvPr/>
+      </p:nvGrpSpPr>
+      <p:grpSpPr>
+        <a:xfrm>
+          <a:off x="0" y="0"/>
+          <a:ext cx="0" cy="0"/>
+          <a:chOff x="0" y="0"/>
+          <a:chExt cx="0" cy="0"/>
+        </a:xfrm>
+      </p:grpSpPr>
+      <p:sp>
+        <p:nvSpPr>
+          <p:cNvPr id="2" name="Diakép helye 1"/>
+          <p:cNvSpPr>
+            <a:spLocks noGrp="1" noRot="1" noChangeAspect="1"/>
+          </p:cNvSpPr>
+          <p:nvPr>
+            <p:ph type="sldImg"/>
+          </p:nvPr>
+        </p:nvSpPr>
+        <p:spPr/>
+      </p:sp>
+      <p:sp>
+        <p:nvSpPr>
+          <p:cNvPr id="3" name="Jegyzetek helye 2"/>
+          <p:cNvSpPr>
+            <a:spLocks noGrp="1"/>
+          </p:cNvSpPr>
+          <p:nvPr>
+            <p:ph type="body" idx="1"/>
+          </p:nvPr>
+        </p:nvSpPr>
+        <p:spPr/>
+        <p:txBody>
+          <a:bodyPr/>
+          <a:lstStyle/>
+          <a:p>
+            <a:r>
+              <a:rPr lang="hu-HU" dirty="0"/>
+              <a:t>A </a:t>
+            </a:r>
+            <a:r>
+              <a:rPr lang="hu-HU" dirty="0" err="1"/>
+              <a:t>linux</a:t>
+            </a:r>
+            <a:r>
+              <a:rPr lang="hu-HU" dirty="0"/>
+              <a:t> szerver a soproni telephelyen üzemel. A telepítés után a Sopron-</a:t>
+            </a:r>
+            <a:r>
+              <a:rPr lang="hu-HU" dirty="0" err="1"/>
+              <a:t>linux</a:t>
+            </a:r>
+            <a:r>
+              <a:rPr lang="hu-HU" dirty="0"/>
+              <a:t> nevet és statikusan beállított IP címet kapott.</a:t>
+            </a:r>
+          </a:p>
+          <a:p>
+            <a:endParaRPr lang="hu-HU" dirty="0"/>
+          </a:p>
+          <a:p>
+            <a:r>
+              <a:rPr lang="hu-HU" dirty="0"/>
+              <a:t>DNS-&gt; BIND 9, ez a szerver a </a:t>
+            </a:r>
+            <a:r>
+              <a:rPr lang="hu-HU" dirty="0" err="1"/>
+              <a:t>windows</a:t>
+            </a:r>
+            <a:r>
+              <a:rPr lang="hu-HU" dirty="0"/>
+              <a:t> szervernek is meg van adva, így más névfeloldásával is tudnak dolgozni. A webszerver név feloldását végzi</a:t>
+            </a:r>
+          </a:p>
+          <a:p>
+            <a:endParaRPr lang="hu-HU" dirty="0"/>
+          </a:p>
+          <a:p>
+            <a:r>
+              <a:rPr lang="hu-HU" dirty="0" err="1"/>
+              <a:t>Apache</a:t>
+            </a:r>
+            <a:r>
+              <a:rPr lang="hu-HU" dirty="0"/>
+              <a:t> webszerver- intranetes webszolgáltatást, ahol céges </a:t>
+            </a:r>
+            <a:r>
+              <a:rPr lang="hu-HU" dirty="0" err="1"/>
+              <a:t>telefonkönykönyv</a:t>
+            </a:r>
+            <a:r>
+              <a:rPr lang="hu-HU" dirty="0"/>
+              <a:t> található, hasznos dolgozói információk</a:t>
+            </a:r>
+          </a:p>
+          <a:p>
+            <a:endParaRPr lang="hu-HU" dirty="0"/>
+          </a:p>
+          <a:p>
+            <a:r>
+              <a:rPr lang="hu-HU" dirty="0"/>
+              <a:t>SSH – biztonságos távoli belépés, a </a:t>
+            </a:r>
+            <a:r>
+              <a:rPr lang="hu-HU" dirty="0" err="1"/>
+              <a:t>linux</a:t>
+            </a:r>
+            <a:r>
+              <a:rPr lang="hu-HU" dirty="0"/>
+              <a:t> szerver távoli és biztonságos eléréséhez</a:t>
+            </a:r>
+          </a:p>
+          <a:p>
+            <a:endParaRPr lang="hu-HU" dirty="0"/>
+          </a:p>
+          <a:p>
+            <a:r>
+              <a:rPr lang="hu-HU" dirty="0"/>
+              <a:t>FTP – nem használjuk, de alap funkcióként beállításra került</a:t>
+            </a:r>
+          </a:p>
+          <a:p>
+            <a:endParaRPr lang="hu-HU" dirty="0"/>
+          </a:p>
+          <a:p>
+            <a:r>
+              <a:rPr lang="hu-HU" dirty="0"/>
+              <a:t>Samba – fájlszerver – hálózatunk jelentős részén </a:t>
+            </a:r>
+            <a:r>
+              <a:rPr lang="hu-HU" dirty="0" err="1"/>
+              <a:t>windows</a:t>
+            </a:r>
+            <a:r>
+              <a:rPr lang="hu-HU" dirty="0"/>
+              <a:t> kliensek találhatók, ezek a  </a:t>
+            </a:r>
+            <a:r>
+              <a:rPr lang="hu-HU" dirty="0" err="1"/>
+              <a:t>linux</a:t>
+            </a:r>
+            <a:r>
+              <a:rPr lang="hu-HU" dirty="0"/>
+              <a:t> fájlszerverhez a Samba szolgáltatásaival tudnak a legoptimálisabban csatlakozni</a:t>
+            </a:r>
+          </a:p>
+          <a:p>
+            <a:endParaRPr lang="hu-HU" dirty="0"/>
+          </a:p>
+        </p:txBody>
+      </p:sp>
+      <p:sp>
+        <p:nvSpPr>
+          <p:cNvPr id="4" name="Dia számának helye 3"/>
+          <p:cNvSpPr>
+            <a:spLocks noGrp="1"/>
+          </p:cNvSpPr>
+          <p:nvPr>
+            <p:ph type="sldNum" sz="quarter" idx="5"/>
+          </p:nvPr>
+        </p:nvSpPr>
+        <p:spPr/>
+        <p:txBody>
+          <a:bodyPr/>
+          <a:lstStyle/>
+          <a:p>
+            <a:fld id="{3630C05A-7D73-474A-AE9C-0437947E053D}" type="slidenum">
+              <a:rPr lang="hu-HU" smtClean="0"/>
+              <a:t>15</a:t>
+            </a:fld>
+            <a:endParaRPr lang="hu-HU"/>
+          </a:p>
+        </p:txBody>
+      </p:sp>
+    </p:spTree>
+    <p:extLst>
+      <p:ext uri="{BB962C8B-B14F-4D97-AF65-F5344CB8AC3E}">
+        <p14:creationId xmlns:p14="http://schemas.microsoft.com/office/powerpoint/2010/main" val="1855575468"/>
+      </p:ext>
+    </p:extLst>
+  </p:cSld>
+  <p:clrMapOvr>
+    <a:masterClrMapping/>
+  </p:clrMapOvr>
+</p:notes>
+</file>
+
+<file path=ppt/notesSlides/notesSlide15.xml><?xml version="1.0" encoding="utf-8"?>
+<p:notes xmlns:a="http://schemas.openxmlformats.org/drawingml/2006/main" xmlns:r="http://schemas.openxmlformats.org/officeDocument/2006/relationships" xmlns:p="http://schemas.openxmlformats.org/presentationml/2006/main">
+  <p:cSld>
+    <p:spTree>
+      <p:nvGrpSpPr>
+        <p:cNvPr id="1" name=""/>
+        <p:cNvGrpSpPr/>
+        <p:nvPr/>
+      </p:nvGrpSpPr>
+      <p:grpSpPr>
+        <a:xfrm>
+          <a:off x="0" y="0"/>
+          <a:ext cx="0" cy="0"/>
+          <a:chOff x="0" y="0"/>
+          <a:chExt cx="0" cy="0"/>
+        </a:xfrm>
+      </p:grpSpPr>
+      <p:sp>
+        <p:nvSpPr>
+          <p:cNvPr id="2" name="Diakép helye 1"/>
+          <p:cNvSpPr>
+            <a:spLocks noGrp="1" noRot="1" noChangeAspect="1"/>
+          </p:cNvSpPr>
+          <p:nvPr>
+            <p:ph type="sldImg"/>
+          </p:nvPr>
+        </p:nvSpPr>
+        <p:spPr/>
+      </p:sp>
+      <p:sp>
+        <p:nvSpPr>
+          <p:cNvPr id="3" name="Jegyzetek helye 2"/>
+          <p:cNvSpPr>
+            <a:spLocks noGrp="1"/>
+          </p:cNvSpPr>
+          <p:nvPr>
+            <p:ph type="body" idx="1"/>
+          </p:nvPr>
+        </p:nvSpPr>
+        <p:spPr/>
+        <p:txBody>
+          <a:bodyPr/>
+          <a:lstStyle/>
+          <a:p>
+            <a:endParaRPr lang="hu-HU"/>
+          </a:p>
+        </p:txBody>
+      </p:sp>
+      <p:sp>
+        <p:nvSpPr>
+          <p:cNvPr id="4" name="Dia számának helye 3"/>
+          <p:cNvSpPr>
+            <a:spLocks noGrp="1"/>
+          </p:cNvSpPr>
+          <p:nvPr>
+            <p:ph type="sldNum" sz="quarter" idx="5"/>
+          </p:nvPr>
+        </p:nvSpPr>
+        <p:spPr/>
+        <p:txBody>
+          <a:bodyPr/>
+          <a:lstStyle/>
+          <a:p>
+            <a:fld id="{3630C05A-7D73-474A-AE9C-0437947E053D}" type="slidenum">
+              <a:rPr lang="hu-HU" smtClean="0"/>
+              <a:t>16</a:t>
+            </a:fld>
+            <a:endParaRPr lang="hu-HU"/>
+          </a:p>
+        </p:txBody>
+      </p:sp>
+    </p:spTree>
+    <p:extLst>
+      <p:ext uri="{BB962C8B-B14F-4D97-AF65-F5344CB8AC3E}">
+        <p14:creationId xmlns:p14="http://schemas.microsoft.com/office/powerpoint/2010/main" val="574227470"/>
+      </p:ext>
+    </p:extLst>
+  </p:cSld>
+  <p:clrMapOvr>
+    <a:masterClrMapping/>
+  </p:clrMapOvr>
+</p:notes>
+</file>
+
+<file path=ppt/notesSlides/notesSlide16.xml><?xml version="1.0" encoding="utf-8"?>
+<p:notes xmlns:a="http://schemas.openxmlformats.org/drawingml/2006/main" xmlns:r="http://schemas.openxmlformats.org/officeDocument/2006/relationships" xmlns:p="http://schemas.openxmlformats.org/presentationml/2006/main">
+  <p:cSld>
+    <p:spTree>
+      <p:nvGrpSpPr>
+        <p:cNvPr id="1" name=""/>
+        <p:cNvGrpSpPr/>
+        <p:nvPr/>
+      </p:nvGrpSpPr>
+      <p:grpSpPr>
+        <a:xfrm>
+          <a:off x="0" y="0"/>
+          <a:ext cx="0" cy="0"/>
+          <a:chOff x="0" y="0"/>
+          <a:chExt cx="0" cy="0"/>
+        </a:xfrm>
+      </p:grpSpPr>
+      <p:sp>
+        <p:nvSpPr>
+          <p:cNvPr id="2" name="Diakép helye 1"/>
+          <p:cNvSpPr>
+            <a:spLocks noGrp="1" noRot="1" noChangeAspect="1"/>
+          </p:cNvSpPr>
+          <p:nvPr>
+            <p:ph type="sldImg"/>
+          </p:nvPr>
+        </p:nvSpPr>
+        <p:spPr/>
+      </p:sp>
+      <p:sp>
+        <p:nvSpPr>
+          <p:cNvPr id="3" name="Jegyzetek helye 2"/>
+          <p:cNvSpPr>
+            <a:spLocks noGrp="1"/>
+          </p:cNvSpPr>
+          <p:nvPr>
+            <p:ph type="body" idx="1"/>
+          </p:nvPr>
+        </p:nvSpPr>
+        <p:spPr/>
+        <p:txBody>
+          <a:bodyPr/>
+          <a:lstStyle/>
+          <a:p>
+            <a:endParaRPr lang="hu-HU"/>
+          </a:p>
+        </p:txBody>
+      </p:sp>
+      <p:sp>
+        <p:nvSpPr>
+          <p:cNvPr id="4" name="Dia számának helye 3"/>
+          <p:cNvSpPr>
+            <a:spLocks noGrp="1"/>
+          </p:cNvSpPr>
+          <p:nvPr>
+            <p:ph type="sldNum" sz="quarter" idx="5"/>
+          </p:nvPr>
+        </p:nvSpPr>
+        <p:spPr/>
+        <p:txBody>
+          <a:bodyPr/>
+          <a:lstStyle/>
+          <a:p>
+            <a:fld id="{3630C05A-7D73-474A-AE9C-0437947E053D}" type="slidenum">
+              <a:rPr lang="hu-HU" smtClean="0"/>
+              <a:t>17</a:t>
+            </a:fld>
+            <a:endParaRPr lang="hu-HU"/>
+          </a:p>
+        </p:txBody>
+      </p:sp>
+    </p:spTree>
+    <p:extLst>
+      <p:ext uri="{BB962C8B-B14F-4D97-AF65-F5344CB8AC3E}">
+        <p14:creationId xmlns:p14="http://schemas.microsoft.com/office/powerpoint/2010/main" val="3355042260"/>
+      </p:ext>
+    </p:extLst>
+  </p:cSld>
+  <p:clrMapOvr>
+    <a:masterClrMapping/>
+  </p:clrMapOvr>
+</p:notes>
+</file>
+
+<file path=ppt/notesSlides/notesSlide17.xml><?xml version="1.0" encoding="utf-8"?>
+<p:notes xmlns:a="http://schemas.openxmlformats.org/drawingml/2006/main" xmlns:r="http://schemas.openxmlformats.org/officeDocument/2006/relationships" xmlns:p="http://schemas.openxmlformats.org/presentationml/2006/main">
+  <p:cSld>
+    <p:spTree>
+      <p:nvGrpSpPr>
+        <p:cNvPr id="1" name=""/>
+        <p:cNvGrpSpPr/>
+        <p:nvPr/>
+      </p:nvGrpSpPr>
+      <p:grpSpPr>
+        <a:xfrm>
+          <a:off x="0" y="0"/>
+          <a:ext cx="0" cy="0"/>
+          <a:chOff x="0" y="0"/>
+          <a:chExt cx="0" cy="0"/>
+        </a:xfrm>
+      </p:grpSpPr>
+      <p:sp>
+        <p:nvSpPr>
+          <p:cNvPr id="2" name="Diakép helye 1"/>
+          <p:cNvSpPr>
+            <a:spLocks noGrp="1" noRot="1" noChangeAspect="1"/>
+          </p:cNvSpPr>
+          <p:nvPr>
+            <p:ph type="sldImg"/>
+          </p:nvPr>
+        </p:nvSpPr>
+        <p:spPr/>
+      </p:sp>
+      <p:sp>
+        <p:nvSpPr>
+          <p:cNvPr id="3" name="Jegyzetek helye 2"/>
+          <p:cNvSpPr>
+            <a:spLocks noGrp="1"/>
+          </p:cNvSpPr>
+          <p:nvPr>
+            <p:ph type="body" idx="1"/>
+          </p:nvPr>
+        </p:nvSpPr>
+        <p:spPr/>
+        <p:txBody>
+          <a:bodyPr/>
+          <a:lstStyle/>
+          <a:p>
+            <a:endParaRPr lang="hu-HU"/>
+          </a:p>
+        </p:txBody>
+      </p:sp>
+      <p:sp>
+        <p:nvSpPr>
+          <p:cNvPr id="4" name="Dia számának helye 3"/>
+          <p:cNvSpPr>
+            <a:spLocks noGrp="1"/>
+          </p:cNvSpPr>
+          <p:nvPr>
+            <p:ph type="sldNum" sz="quarter" idx="5"/>
+          </p:nvPr>
+        </p:nvSpPr>
+        <p:spPr/>
+        <p:txBody>
+          <a:bodyPr/>
+          <a:lstStyle/>
+          <a:p>
+            <a:fld id="{3630C05A-7D73-474A-AE9C-0437947E053D}" type="slidenum">
+              <a:rPr lang="hu-HU" smtClean="0"/>
+              <a:t>18</a:t>
+            </a:fld>
+            <a:endParaRPr lang="hu-HU"/>
+          </a:p>
+        </p:txBody>
+      </p:sp>
+    </p:spTree>
+    <p:extLst>
+      <p:ext uri="{BB962C8B-B14F-4D97-AF65-F5344CB8AC3E}">
+        <p14:creationId xmlns:p14="http://schemas.microsoft.com/office/powerpoint/2010/main" val="3149438996"/>
+      </p:ext>
+    </p:extLst>
+  </p:cSld>
+  <p:clrMapOvr>
+    <a:masterClrMapping/>
+  </p:clrMapOvr>
+</p:notes>
+</file>
+
+<file path=ppt/notesSlides/notesSlide2.xml><?xml version="1.0" encoding="utf-8"?>
+<p:notes xmlns:a="http://schemas.openxmlformats.org/drawingml/2006/main" xmlns:r="http://schemas.openxmlformats.org/officeDocument/2006/relationships" xmlns:p="http://schemas.openxmlformats.org/presentationml/2006/main">
+  <p:cSld>
+    <p:spTree>
+      <p:nvGrpSpPr>
+        <p:cNvPr id="1" name=""/>
+        <p:cNvGrpSpPr/>
+        <p:nvPr/>
+      </p:nvGrpSpPr>
+      <p:grpSpPr>
+        <a:xfrm>
+          <a:off x="0" y="0"/>
+          <a:ext cx="0" cy="0"/>
+          <a:chOff x="0" y="0"/>
+          <a:chExt cx="0" cy="0"/>
+        </a:xfrm>
+      </p:grpSpPr>
+      <p:sp>
+        <p:nvSpPr>
+          <p:cNvPr id="2" name="Diakép helye 1"/>
+          <p:cNvSpPr>
+            <a:spLocks noGrp="1" noRot="1" noChangeAspect="1"/>
+          </p:cNvSpPr>
+          <p:nvPr>
+            <p:ph type="sldImg"/>
+          </p:nvPr>
+        </p:nvSpPr>
+        <p:spPr/>
+      </p:sp>
+      <p:sp>
+        <p:nvSpPr>
+          <p:cNvPr id="3" name="Jegyzetek helye 2"/>
+          <p:cNvSpPr>
+            <a:spLocks noGrp="1"/>
+          </p:cNvSpPr>
+          <p:nvPr>
+            <p:ph type="body" idx="1"/>
+          </p:nvPr>
+        </p:nvSpPr>
+        <p:spPr/>
+        <p:txBody>
+          <a:bodyPr/>
+          <a:lstStyle/>
+          <a:p>
+            <a:endParaRPr lang="hu-HU"/>
+          </a:p>
+        </p:txBody>
+      </p:sp>
+      <p:sp>
+        <p:nvSpPr>
+          <p:cNvPr id="4" name="Dia számának helye 3"/>
+          <p:cNvSpPr>
+            <a:spLocks noGrp="1"/>
+          </p:cNvSpPr>
+          <p:nvPr>
+            <p:ph type="sldNum" sz="quarter" idx="5"/>
+          </p:nvPr>
+        </p:nvSpPr>
+        <p:spPr/>
+        <p:txBody>
+          <a:bodyPr/>
+          <a:lstStyle/>
+          <a:p>
+            <a:fld id="{3630C05A-7D73-474A-AE9C-0437947E053D}" type="slidenum">
+              <a:rPr lang="hu-HU" smtClean="0"/>
+              <a:t>2</a:t>
+            </a:fld>
+            <a:endParaRPr lang="hu-HU"/>
+          </a:p>
+        </p:txBody>
+      </p:sp>
+    </p:spTree>
+    <p:extLst>
+      <p:ext uri="{BB962C8B-B14F-4D97-AF65-F5344CB8AC3E}">
+        <p14:creationId xmlns:p14="http://schemas.microsoft.com/office/powerpoint/2010/main" val="2992758935"/>
+      </p:ext>
+    </p:extLst>
+  </p:cSld>
+  <p:clrMapOvr>
+    <a:masterClrMapping/>
+  </p:clrMapOvr>
+</p:notes>
+</file>
+
+<file path=ppt/notesSlides/notesSlide3.xml><?xml version="1.0" encoding="utf-8"?>
+<p:notes xmlns:a="http://schemas.openxmlformats.org/drawingml/2006/main" xmlns:r="http://schemas.openxmlformats.org/officeDocument/2006/relationships" xmlns:p="http://schemas.openxmlformats.org/presentationml/2006/main">
+  <p:cSld>
+    <p:spTree>
+      <p:nvGrpSpPr>
+        <p:cNvPr id="1" name=""/>
+        <p:cNvGrpSpPr/>
+        <p:nvPr/>
+      </p:nvGrpSpPr>
+      <p:grpSpPr>
+        <a:xfrm>
+          <a:off x="0" y="0"/>
+          <a:ext cx="0" cy="0"/>
+          <a:chOff x="0" y="0"/>
+          <a:chExt cx="0" cy="0"/>
+        </a:xfrm>
+      </p:grpSpPr>
+      <p:sp>
+        <p:nvSpPr>
+          <p:cNvPr id="2" name="Diakép helye 1"/>
+          <p:cNvSpPr>
+            <a:spLocks noGrp="1" noRot="1" noChangeAspect="1"/>
+          </p:cNvSpPr>
+          <p:nvPr>
+            <p:ph type="sldImg"/>
+          </p:nvPr>
+        </p:nvSpPr>
+        <p:spPr/>
+      </p:sp>
+      <p:sp>
+        <p:nvSpPr>
+          <p:cNvPr id="3" name="Jegyzetek helye 2"/>
+          <p:cNvSpPr>
+            <a:spLocks noGrp="1"/>
+          </p:cNvSpPr>
+          <p:nvPr>
+            <p:ph type="body" idx="1"/>
+          </p:nvPr>
+        </p:nvSpPr>
+        <p:spPr/>
+        <p:txBody>
+          <a:bodyPr/>
+          <a:lstStyle/>
+          <a:p>
+            <a:endParaRPr lang="hu-HU" dirty="0"/>
+          </a:p>
+        </p:txBody>
+      </p:sp>
+      <p:sp>
+        <p:nvSpPr>
+          <p:cNvPr id="4" name="Dia számának helye 3"/>
+          <p:cNvSpPr>
+            <a:spLocks noGrp="1"/>
+          </p:cNvSpPr>
+          <p:nvPr>
+            <p:ph type="sldNum" sz="quarter" idx="5"/>
+          </p:nvPr>
+        </p:nvSpPr>
+        <p:spPr/>
+        <p:txBody>
+          <a:bodyPr/>
+          <a:lstStyle/>
+          <a:p>
+            <a:fld id="{3630C05A-7D73-474A-AE9C-0437947E053D}" type="slidenum">
+              <a:rPr lang="hu-HU" smtClean="0"/>
+              <a:t>3</a:t>
+            </a:fld>
+            <a:endParaRPr lang="hu-HU"/>
+          </a:p>
+        </p:txBody>
+      </p:sp>
+    </p:spTree>
+    <p:extLst>
+      <p:ext uri="{BB962C8B-B14F-4D97-AF65-F5344CB8AC3E}">
+        <p14:creationId xmlns:p14="http://schemas.microsoft.com/office/powerpoint/2010/main" val="2410827071"/>
+      </p:ext>
+    </p:extLst>
+  </p:cSld>
+  <p:clrMapOvr>
+    <a:masterClrMapping/>
+  </p:clrMapOvr>
+</p:notes>
+</file>
+
+<file path=ppt/notesSlides/notesSlide4.xml><?xml version="1.0" encoding="utf-8"?>
+<p:notes xmlns:a="http://schemas.openxmlformats.org/drawingml/2006/main" xmlns:r="http://schemas.openxmlformats.org/officeDocument/2006/relationships" xmlns:p="http://schemas.openxmlformats.org/presentationml/2006/main">
+  <p:cSld>
+    <p:spTree>
+      <p:nvGrpSpPr>
+        <p:cNvPr id="1" name=""/>
+        <p:cNvGrpSpPr/>
+        <p:nvPr/>
+      </p:nvGrpSpPr>
+      <p:grpSpPr>
+        <a:xfrm>
+          <a:off x="0" y="0"/>
+          <a:ext cx="0" cy="0"/>
+          <a:chOff x="0" y="0"/>
+          <a:chExt cx="0" cy="0"/>
+        </a:xfrm>
+      </p:grpSpPr>
+      <p:sp>
+        <p:nvSpPr>
+          <p:cNvPr id="2" name="Diakép helye 1"/>
+          <p:cNvSpPr>
+            <a:spLocks noGrp="1" noRot="1" noChangeAspect="1"/>
+          </p:cNvSpPr>
+          <p:nvPr>
+            <p:ph type="sldImg"/>
+          </p:nvPr>
+        </p:nvSpPr>
+        <p:spPr/>
+      </p:sp>
+      <p:sp>
+        <p:nvSpPr>
+          <p:cNvPr id="3" name="Jegyzetek helye 2"/>
+          <p:cNvSpPr>
+            <a:spLocks noGrp="1"/>
+          </p:cNvSpPr>
+          <p:nvPr>
+            <p:ph type="body" idx="1"/>
+          </p:nvPr>
+        </p:nvSpPr>
+        <p:spPr/>
+        <p:txBody>
+          <a:bodyPr/>
+          <a:lstStyle/>
+          <a:p>
+            <a:r>
+              <a:rPr lang="hu-HU" sz="1800" dirty="0">
+                <a:effectLst/>
+                <a:latin typeface="Times New Roman" panose="02020603050405020304" pitchFamily="18" charset="0"/>
+                <a:ea typeface="Calibri" panose="020F0502020204030204" pitchFamily="34" charset="0"/>
+              </a:rPr>
+              <a:t>Létrehozva:</a:t>
+            </a:r>
+          </a:p>
+          <a:p>
+            <a:pPr marL="342900" indent="-342900">
+              <a:buAutoNum type="arabicPeriod"/>
+            </a:pPr>
+            <a:r>
+              <a:rPr lang="hu-HU" sz="1800" dirty="0">
+                <a:effectLst/>
+                <a:latin typeface="Times New Roman" panose="02020603050405020304" pitchFamily="18" charset="0"/>
+                <a:ea typeface="Calibri" panose="020F0502020204030204" pitchFamily="34" charset="0"/>
+              </a:rPr>
+              <a:t>Sopron</a:t>
+            </a:r>
+          </a:p>
+          <a:p>
+            <a:pPr marL="342900" indent="-342900">
+              <a:buAutoNum type="arabicPeriod"/>
+            </a:pPr>
+            <a:r>
+              <a:rPr lang="hu-HU" sz="1800" dirty="0">
+                <a:latin typeface="Times New Roman" panose="02020603050405020304" pitchFamily="18" charset="0"/>
+                <a:ea typeface="Calibri" panose="020F0502020204030204" pitchFamily="34" charset="0"/>
+              </a:rPr>
+              <a:t>Győr</a:t>
+            </a:r>
+          </a:p>
+          <a:p>
+            <a:pPr marL="342900" indent="-342900">
+              <a:buAutoNum type="arabicPeriod"/>
+            </a:pPr>
+            <a:r>
+              <a:rPr lang="hu-HU" sz="1800" dirty="0">
+                <a:effectLst/>
+                <a:latin typeface="Times New Roman" panose="02020603050405020304" pitchFamily="18" charset="0"/>
+                <a:ea typeface="Calibri" panose="020F0502020204030204" pitchFamily="34" charset="0"/>
+              </a:rPr>
+              <a:t>Pozsony</a:t>
+            </a:r>
+          </a:p>
+          <a:p>
+            <a:endParaRPr lang="hu-HU" sz="1800" dirty="0">
+              <a:latin typeface="Times New Roman" panose="02020603050405020304" pitchFamily="18" charset="0"/>
+              <a:ea typeface="Calibri" panose="020F0502020204030204" pitchFamily="34" charset="0"/>
+            </a:endParaRPr>
+          </a:p>
+          <a:p>
+            <a:r>
+              <a:rPr lang="hu-HU" sz="1800" dirty="0">
+                <a:effectLst/>
+                <a:latin typeface="Times New Roman" panose="02020603050405020304" pitchFamily="18" charset="0"/>
+                <a:ea typeface="Calibri" panose="020F0502020204030204" pitchFamily="34" charset="0"/>
+              </a:rPr>
+              <a:t>Nagysebességű </a:t>
+            </a:r>
+            <a:r>
+              <a:rPr lang="hu-HU" sz="1800" dirty="0" err="1">
+                <a:effectLst/>
+                <a:latin typeface="Times New Roman" panose="02020603050405020304" pitchFamily="18" charset="0"/>
+                <a:ea typeface="Calibri" panose="020F0502020204030204" pitchFamily="34" charset="0"/>
+              </a:rPr>
+              <a:t>béreltvonali</a:t>
+            </a:r>
+            <a:r>
+              <a:rPr lang="hu-HU" sz="1800" dirty="0">
+                <a:effectLst/>
+                <a:latin typeface="Times New Roman" panose="02020603050405020304" pitchFamily="18" charset="0"/>
+                <a:ea typeface="Calibri" panose="020F0502020204030204" pitchFamily="34" charset="0"/>
+              </a:rPr>
+              <a:t>.</a:t>
+            </a:r>
+          </a:p>
+          <a:p>
+            <a:endParaRPr lang="hu-HU" sz="1800" dirty="0">
+              <a:latin typeface="Times New Roman" panose="02020603050405020304" pitchFamily="18" charset="0"/>
+              <a:ea typeface="Calibri" panose="020F0502020204030204" pitchFamily="34" charset="0"/>
+            </a:endParaRPr>
+          </a:p>
+          <a:p>
+            <a:r>
+              <a:rPr lang="hu-HU" sz="1800" dirty="0">
+                <a:latin typeface="Times New Roman" panose="02020603050405020304" pitchFamily="18" charset="0"/>
+                <a:ea typeface="Calibri" panose="020F0502020204030204" pitchFamily="34" charset="0"/>
+              </a:rPr>
+              <a:t>Soproni telephelyen internet csatlakozás.</a:t>
+            </a:r>
+          </a:p>
+          <a:p>
+            <a:endParaRPr lang="hu-HU" sz="1800" dirty="0">
+              <a:latin typeface="Times New Roman" panose="02020603050405020304" pitchFamily="18" charset="0"/>
+              <a:ea typeface="Calibri" panose="020F0502020204030204" pitchFamily="34" charset="0"/>
+            </a:endParaRPr>
+          </a:p>
+          <a:p>
+            <a:r>
+              <a:rPr lang="hu-HU" sz="1800" dirty="0">
+                <a:latin typeface="Times New Roman" panose="02020603050405020304" pitchFamily="18" charset="0"/>
+                <a:ea typeface="Calibri" panose="020F0502020204030204" pitchFamily="34" charset="0"/>
+              </a:rPr>
+              <a:t>Többi telephely is ezt az átjárót használja.</a:t>
+            </a:r>
+          </a:p>
+          <a:p>
+            <a:endParaRPr lang="hu-HU" sz="1800" dirty="0">
+              <a:latin typeface="Times New Roman" panose="02020603050405020304" pitchFamily="18" charset="0"/>
+              <a:ea typeface="Calibri" panose="020F0502020204030204" pitchFamily="34" charset="0"/>
+            </a:endParaRPr>
+          </a:p>
+          <a:p>
+            <a:r>
+              <a:rPr lang="hu-HU" sz="1800" dirty="0">
+                <a:latin typeface="Times New Roman" panose="02020603050405020304" pitchFamily="18" charset="0"/>
+                <a:ea typeface="Calibri" panose="020F0502020204030204" pitchFamily="34" charset="0"/>
+              </a:rPr>
+              <a:t>A fizikai tűzfal is Soproni telephelyre lett telepítve.</a:t>
+            </a:r>
+          </a:p>
+          <a:p>
+            <a:endParaRPr lang="hu-HU" sz="1800" dirty="0">
+              <a:latin typeface="Times New Roman" panose="02020603050405020304" pitchFamily="18" charset="0"/>
+              <a:ea typeface="Calibri" panose="020F0502020204030204" pitchFamily="34" charset="0"/>
+            </a:endParaRPr>
+          </a:p>
+          <a:p>
+            <a:endParaRPr lang="hu-HU" sz="1800" dirty="0">
+              <a:latin typeface="Times New Roman" panose="02020603050405020304" pitchFamily="18" charset="0"/>
+              <a:ea typeface="Calibri" panose="020F0502020204030204" pitchFamily="34" charset="0"/>
+            </a:endParaRPr>
+          </a:p>
+          <a:p>
+            <a:endParaRPr lang="hu-HU" sz="1800" dirty="0">
+              <a:latin typeface="Times New Roman" panose="02020603050405020304" pitchFamily="18" charset="0"/>
+              <a:ea typeface="Calibri" panose="020F0502020204030204" pitchFamily="34" charset="0"/>
+            </a:endParaRPr>
+          </a:p>
+        </p:txBody>
+      </p:sp>
+      <p:sp>
+        <p:nvSpPr>
+          <p:cNvPr id="4" name="Dia számának helye 3"/>
+          <p:cNvSpPr>
+            <a:spLocks noGrp="1"/>
+          </p:cNvSpPr>
+          <p:nvPr>
+            <p:ph type="sldNum" sz="quarter" idx="5"/>
+          </p:nvPr>
+        </p:nvSpPr>
+        <p:spPr/>
+        <p:txBody>
+          <a:bodyPr/>
+          <a:lstStyle/>
+          <a:p>
+            <a:fld id="{3630C05A-7D73-474A-AE9C-0437947E053D}" type="slidenum">
+              <a:rPr lang="hu-HU" smtClean="0"/>
+              <a:t>4</a:t>
+            </a:fld>
+            <a:endParaRPr lang="hu-HU"/>
+          </a:p>
+        </p:txBody>
+      </p:sp>
+    </p:spTree>
+    <p:extLst>
+      <p:ext uri="{BB962C8B-B14F-4D97-AF65-F5344CB8AC3E}">
+        <p14:creationId xmlns:p14="http://schemas.microsoft.com/office/powerpoint/2010/main" val="1301086036"/>
+      </p:ext>
+    </p:extLst>
+  </p:cSld>
+  <p:clrMapOvr>
+    <a:masterClrMapping/>
+  </p:clrMapOvr>
+</p:notes>
+</file>
+
+<file path=ppt/notesSlides/notesSlide5.xml><?xml version="1.0" encoding="utf-8"?>
+<p:notes xmlns:a="http://schemas.openxmlformats.org/drawingml/2006/main" xmlns:r="http://schemas.openxmlformats.org/officeDocument/2006/relationships" xmlns:p="http://schemas.openxmlformats.org/presentationml/2006/main">
+  <p:cSld>
+    <p:spTree>
+      <p:nvGrpSpPr>
+        <p:cNvPr id="1" name=""/>
+        <p:cNvGrpSpPr/>
+        <p:nvPr/>
+      </p:nvGrpSpPr>
+      <p:grpSpPr>
+        <a:xfrm>
+          <a:off x="0" y="0"/>
+          <a:ext cx="0" cy="0"/>
+          <a:chOff x="0" y="0"/>
+          <a:chExt cx="0" cy="0"/>
+        </a:xfrm>
+      </p:grpSpPr>
+      <p:sp>
+        <p:nvSpPr>
+          <p:cNvPr id="2" name="Diakép helye 1"/>
+          <p:cNvSpPr>
+            <a:spLocks noGrp="1" noRot="1" noChangeAspect="1"/>
+          </p:cNvSpPr>
+          <p:nvPr>
+            <p:ph type="sldImg"/>
+          </p:nvPr>
+        </p:nvSpPr>
+        <p:spPr/>
+      </p:sp>
+      <p:sp>
+        <p:nvSpPr>
+          <p:cNvPr id="3" name="Jegyzetek helye 2"/>
+          <p:cNvSpPr>
+            <a:spLocks noGrp="1"/>
+          </p:cNvSpPr>
+          <p:nvPr>
+            <p:ph type="body" idx="1"/>
+          </p:nvPr>
+        </p:nvSpPr>
+        <p:spPr/>
+        <p:txBody>
+          <a:bodyPr/>
+          <a:lstStyle/>
+          <a:p>
+            <a:endParaRPr lang="hu-HU"/>
+          </a:p>
+        </p:txBody>
+      </p:sp>
+      <p:sp>
+        <p:nvSpPr>
+          <p:cNvPr id="4" name="Dia számának helye 3"/>
+          <p:cNvSpPr>
+            <a:spLocks noGrp="1"/>
+          </p:cNvSpPr>
+          <p:nvPr>
+            <p:ph type="sldNum" sz="quarter" idx="5"/>
+          </p:nvPr>
+        </p:nvSpPr>
+        <p:spPr/>
+        <p:txBody>
+          <a:bodyPr/>
+          <a:lstStyle/>
+          <a:p>
+            <a:fld id="{3630C05A-7D73-474A-AE9C-0437947E053D}" type="slidenum">
+              <a:rPr lang="hu-HU" smtClean="0"/>
+              <a:t>5</a:t>
+            </a:fld>
+            <a:endParaRPr lang="hu-HU"/>
+          </a:p>
+        </p:txBody>
+      </p:sp>
+    </p:spTree>
+    <p:extLst>
+      <p:ext uri="{BB962C8B-B14F-4D97-AF65-F5344CB8AC3E}">
+        <p14:creationId xmlns:p14="http://schemas.microsoft.com/office/powerpoint/2010/main" val="120841825"/>
+      </p:ext>
+    </p:extLst>
+  </p:cSld>
+  <p:clrMapOvr>
+    <a:masterClrMapping/>
+  </p:clrMapOvr>
+</p:notes>
+</file>
+
+<file path=ppt/notesSlides/notesSlide6.xml><?xml version="1.0" encoding="utf-8"?>
+<p:notes xmlns:a="http://schemas.openxmlformats.org/drawingml/2006/main" xmlns:r="http://schemas.openxmlformats.org/officeDocument/2006/relationships" xmlns:p="http://schemas.openxmlformats.org/presentationml/2006/main">
+  <p:cSld>
+    <p:spTree>
+      <p:nvGrpSpPr>
+        <p:cNvPr id="1" name=""/>
+        <p:cNvGrpSpPr/>
+        <p:nvPr/>
+      </p:nvGrpSpPr>
+      <p:grpSpPr>
+        <a:xfrm>
+          <a:off x="0" y="0"/>
+          <a:ext cx="0" cy="0"/>
+          <a:chOff x="0" y="0"/>
+          <a:chExt cx="0" cy="0"/>
+        </a:xfrm>
+      </p:grpSpPr>
+      <p:sp>
+        <p:nvSpPr>
+          <p:cNvPr id="2" name="Diakép helye 1"/>
+          <p:cNvSpPr>
+            <a:spLocks noGrp="1" noRot="1" noChangeAspect="1"/>
+          </p:cNvSpPr>
+          <p:nvPr>
+            <p:ph type="sldImg"/>
+          </p:nvPr>
+        </p:nvSpPr>
+        <p:spPr/>
+      </p:sp>
+      <p:sp>
+        <p:nvSpPr>
+          <p:cNvPr id="3" name="Jegyzetek helye 2"/>
+          <p:cNvSpPr>
+            <a:spLocks noGrp="1"/>
+          </p:cNvSpPr>
+          <p:nvPr>
+            <p:ph type="body" idx="1"/>
+          </p:nvPr>
+        </p:nvSpPr>
+        <p:spPr/>
+        <p:txBody>
+          <a:bodyPr/>
+          <a:lstStyle/>
+          <a:p>
+            <a:r>
+              <a:rPr lang="hu-HU" dirty="0"/>
+              <a:t>Több </a:t>
+            </a:r>
+            <a:r>
+              <a:rPr lang="hu-HU" dirty="0" err="1"/>
+              <a:t>területú</a:t>
+            </a:r>
+            <a:r>
+              <a:rPr lang="hu-HU" dirty="0"/>
+              <a:t> OSPF lett létre, ahol a gerinc hálózat kapta a „0”-s </a:t>
+            </a:r>
+            <a:r>
+              <a:rPr lang="hu-HU" dirty="0" err="1"/>
+              <a:t>területett</a:t>
+            </a:r>
+            <a:r>
+              <a:rPr lang="hu-HU" dirty="0"/>
+              <a:t>, minden más esetben</a:t>
+            </a:r>
+          </a:p>
+          <a:p>
+            <a:endParaRPr lang="hu-HU" dirty="0"/>
+          </a:p>
+          <a:p>
+            <a:endParaRPr lang="hu-HU" dirty="0"/>
+          </a:p>
+        </p:txBody>
+      </p:sp>
+      <p:sp>
+        <p:nvSpPr>
+          <p:cNvPr id="4" name="Dia számának helye 3"/>
+          <p:cNvSpPr>
+            <a:spLocks noGrp="1"/>
+          </p:cNvSpPr>
+          <p:nvPr>
+            <p:ph type="sldNum" sz="quarter" idx="5"/>
+          </p:nvPr>
+        </p:nvSpPr>
+        <p:spPr/>
+        <p:txBody>
+          <a:bodyPr/>
+          <a:lstStyle/>
+          <a:p>
+            <a:fld id="{3630C05A-7D73-474A-AE9C-0437947E053D}" type="slidenum">
+              <a:rPr lang="hu-HU" smtClean="0"/>
+              <a:t>7</a:t>
+            </a:fld>
+            <a:endParaRPr lang="hu-HU"/>
+          </a:p>
+        </p:txBody>
+      </p:sp>
+    </p:spTree>
+    <p:extLst>
+      <p:ext uri="{BB962C8B-B14F-4D97-AF65-F5344CB8AC3E}">
+        <p14:creationId xmlns:p14="http://schemas.microsoft.com/office/powerpoint/2010/main" val="1961900226"/>
+      </p:ext>
+    </p:extLst>
+  </p:cSld>
+  <p:clrMapOvr>
+    <a:masterClrMapping/>
+  </p:clrMapOvr>
+</p:notes>
+</file>
+
+<file path=ppt/notesSlides/notesSlide7.xml><?xml version="1.0" encoding="utf-8"?>
+<p:notes xmlns:a="http://schemas.openxmlformats.org/drawingml/2006/main" xmlns:r="http://schemas.openxmlformats.org/officeDocument/2006/relationships" xmlns:p="http://schemas.openxmlformats.org/presentationml/2006/main">
+  <p:cSld>
+    <p:spTree>
+      <p:nvGrpSpPr>
+        <p:cNvPr id="1" name=""/>
+        <p:cNvGrpSpPr/>
+        <p:nvPr/>
+      </p:nvGrpSpPr>
+      <p:grpSpPr>
+        <a:xfrm>
+          <a:off x="0" y="0"/>
+          <a:ext cx="0" cy="0"/>
+          <a:chOff x="0" y="0"/>
+          <a:chExt cx="0" cy="0"/>
+        </a:xfrm>
+      </p:grpSpPr>
+      <p:sp>
+        <p:nvSpPr>
+          <p:cNvPr id="2" name="Diakép helye 1"/>
+          <p:cNvSpPr>
+            <a:spLocks noGrp="1" noRot="1" noChangeAspect="1"/>
+          </p:cNvSpPr>
+          <p:nvPr>
+            <p:ph type="sldImg"/>
+          </p:nvPr>
+        </p:nvSpPr>
+        <p:spPr/>
+      </p:sp>
+      <p:sp>
+        <p:nvSpPr>
+          <p:cNvPr id="3" name="Jegyzetek helye 2"/>
+          <p:cNvSpPr>
+            <a:spLocks noGrp="1"/>
+          </p:cNvSpPr>
+          <p:nvPr>
+            <p:ph type="body" idx="1"/>
+          </p:nvPr>
+        </p:nvSpPr>
+        <p:spPr/>
+        <p:txBody>
+          <a:bodyPr/>
+          <a:lstStyle/>
+          <a:p>
+            <a:r>
+              <a:rPr lang="hu-HU" dirty="0"/>
+              <a:t>Az </a:t>
+            </a:r>
+            <a:r>
+              <a:rPr lang="hu-HU" dirty="0" err="1"/>
+              <a:t>ip</a:t>
+            </a:r>
+            <a:r>
+              <a:rPr lang="hu-HU" dirty="0"/>
+              <a:t> cím kiosztás több féle módon történt.</a:t>
+            </a:r>
+          </a:p>
+          <a:p>
+            <a:r>
+              <a:rPr lang="hu-HU" dirty="0"/>
+              <a:t>Történt DHCP szerver által, router által osztva, illetve statikusan.</a:t>
+            </a:r>
+          </a:p>
+          <a:p>
+            <a:r>
+              <a:rPr lang="hu-HU" dirty="0"/>
+              <a:t>Valamint győri telephelyen meg lett valósítva az IPV6-os cím kiosztás.</a:t>
+            </a:r>
+          </a:p>
+          <a:p>
+            <a:r>
+              <a:rPr lang="hu-HU" dirty="0"/>
+              <a:t>Az IP címek kiosztásánál figyelembe vettük az adott szervezeti egység felhasználási igényeit. Tehát, ahol nagyobb a mozgás ott DHCP-n lett megvalósítva, egy esetben a statikus cím kiosztás, vendégek tudják használni a wifi routert – </a:t>
+            </a:r>
+            <a:r>
+              <a:rPr lang="hu-HU" dirty="0" err="1"/>
+              <a:t>dhcp-vel</a:t>
+            </a:r>
+            <a:r>
+              <a:rPr lang="hu-HU" dirty="0"/>
+              <a:t>.</a:t>
+            </a:r>
+          </a:p>
+          <a:p>
+            <a:endParaRPr lang="hu-HU" dirty="0"/>
+          </a:p>
+        </p:txBody>
+      </p:sp>
+      <p:sp>
+        <p:nvSpPr>
+          <p:cNvPr id="4" name="Dia számának helye 3"/>
+          <p:cNvSpPr>
+            <a:spLocks noGrp="1"/>
+          </p:cNvSpPr>
+          <p:nvPr>
+            <p:ph type="sldNum" sz="quarter" idx="5"/>
+          </p:nvPr>
+        </p:nvSpPr>
+        <p:spPr/>
+        <p:txBody>
+          <a:bodyPr/>
+          <a:lstStyle/>
+          <a:p>
+            <a:fld id="{3630C05A-7D73-474A-AE9C-0437947E053D}" type="slidenum">
+              <a:rPr lang="hu-HU" smtClean="0"/>
+              <a:t>8</a:t>
+            </a:fld>
+            <a:endParaRPr lang="hu-HU"/>
+          </a:p>
+        </p:txBody>
+      </p:sp>
+    </p:spTree>
+    <p:extLst>
+      <p:ext uri="{BB962C8B-B14F-4D97-AF65-F5344CB8AC3E}">
+        <p14:creationId xmlns:p14="http://schemas.microsoft.com/office/powerpoint/2010/main" val="2099503909"/>
+      </p:ext>
+    </p:extLst>
+  </p:cSld>
+  <p:clrMapOvr>
+    <a:masterClrMapping/>
+  </p:clrMapOvr>
+</p:notes>
+</file>
+
+<file path=ppt/notesSlides/notesSlide8.xml><?xml version="1.0" encoding="utf-8"?>
+<p:notes xmlns:a="http://schemas.openxmlformats.org/drawingml/2006/main" xmlns:r="http://schemas.openxmlformats.org/officeDocument/2006/relationships" xmlns:p="http://schemas.openxmlformats.org/presentationml/2006/main">
+  <p:cSld>
+    <p:spTree>
+      <p:nvGrpSpPr>
+        <p:cNvPr id="1" name=""/>
+        <p:cNvGrpSpPr/>
+        <p:nvPr/>
+      </p:nvGrpSpPr>
+      <p:grpSpPr>
+        <a:xfrm>
+          <a:off x="0" y="0"/>
+          <a:ext cx="0" cy="0"/>
+          <a:chOff x="0" y="0"/>
+          <a:chExt cx="0" cy="0"/>
+        </a:xfrm>
+      </p:grpSpPr>
+      <p:sp>
+        <p:nvSpPr>
+          <p:cNvPr id="2" name="Diakép helye 1"/>
+          <p:cNvSpPr>
+            <a:spLocks noGrp="1" noRot="1" noChangeAspect="1"/>
+          </p:cNvSpPr>
+          <p:nvPr>
+            <p:ph type="sldImg"/>
+          </p:nvPr>
+        </p:nvSpPr>
+        <p:spPr/>
+      </p:sp>
+      <p:sp>
+        <p:nvSpPr>
+          <p:cNvPr id="3" name="Jegyzetek helye 2"/>
+          <p:cNvSpPr>
+            <a:spLocks noGrp="1"/>
+          </p:cNvSpPr>
+          <p:nvPr>
+            <p:ph type="body" idx="1"/>
+          </p:nvPr>
+        </p:nvSpPr>
+        <p:spPr/>
+        <p:txBody>
+          <a:bodyPr/>
+          <a:lstStyle/>
+          <a:p>
+            <a:r>
+              <a:rPr lang="hu-HU" dirty="0"/>
+              <a:t>Minden telephelyen meg lett valósítva, ez a győri telephelyen megvalósított </a:t>
+            </a:r>
+            <a:r>
+              <a:rPr lang="hu-HU" dirty="0" err="1"/>
+              <a:t>ether</a:t>
+            </a:r>
+            <a:r>
+              <a:rPr lang="hu-HU" dirty="0"/>
+              <a:t> </a:t>
+            </a:r>
+            <a:r>
+              <a:rPr lang="hu-HU" dirty="0" err="1"/>
+              <a:t>channelt</a:t>
+            </a:r>
+            <a:r>
+              <a:rPr lang="hu-HU" dirty="0"/>
+              <a:t> mutatja be</a:t>
+            </a:r>
+          </a:p>
+          <a:p>
+            <a:r>
+              <a:rPr lang="hu-HU" dirty="0"/>
+              <a:t> </a:t>
+            </a:r>
+          </a:p>
+          <a:p>
+            <a:r>
+              <a:rPr lang="hu-HU" b="1" dirty="0"/>
+              <a:t>Redundancia</a:t>
+            </a:r>
+          </a:p>
+          <a:p>
+            <a:r>
+              <a:rPr lang="hu-HU" dirty="0"/>
+              <a:t>A számítástechnikában redundánsnak nevezünk mindent, ami többször van jelen egy </a:t>
+            </a:r>
+            <a:r>
+              <a:rPr lang="hu-HU" dirty="0">
+                <a:hlinkClick r:id="rId3"/>
+              </a:rPr>
+              <a:t>informatikai rendszerben</a:t>
+            </a:r>
+            <a:r>
+              <a:rPr lang="hu-HU" dirty="0"/>
+              <a:t>, mint amennyire rendszerint szükség van. Ez azért szükséges, mivel amennyiben egy elem valamilyen okból kiesne, akkor a szerepét egy másik hasonló elem képes átvenni, így a rendszer működőképes marad.</a:t>
+            </a:r>
+          </a:p>
+        </p:txBody>
+      </p:sp>
+      <p:sp>
+        <p:nvSpPr>
+          <p:cNvPr id="4" name="Dia számának helye 3"/>
+          <p:cNvSpPr>
+            <a:spLocks noGrp="1"/>
+          </p:cNvSpPr>
+          <p:nvPr>
+            <p:ph type="sldNum" sz="quarter" idx="5"/>
+          </p:nvPr>
+        </p:nvSpPr>
+        <p:spPr/>
+        <p:txBody>
+          <a:bodyPr/>
+          <a:lstStyle/>
+          <a:p>
+            <a:fld id="{3630C05A-7D73-474A-AE9C-0437947E053D}" type="slidenum">
+              <a:rPr lang="hu-HU" smtClean="0"/>
+              <a:t>9</a:t>
+            </a:fld>
+            <a:endParaRPr lang="hu-HU"/>
+          </a:p>
+        </p:txBody>
+      </p:sp>
+    </p:spTree>
+    <p:extLst>
+      <p:ext uri="{BB962C8B-B14F-4D97-AF65-F5344CB8AC3E}">
+        <p14:creationId xmlns:p14="http://schemas.microsoft.com/office/powerpoint/2010/main" val="2988167217"/>
+      </p:ext>
+    </p:extLst>
+  </p:cSld>
+  <p:clrMapOvr>
+    <a:masterClrMapping/>
+  </p:clrMapOvr>
+</p:notes>
+</file>
+
+<file path=ppt/notesSlides/notesSlide9.xml><?xml version="1.0" encoding="utf-8"?>
+<p:notes xmlns:a="http://schemas.openxmlformats.org/drawingml/2006/main" xmlns:r="http://schemas.openxmlformats.org/officeDocument/2006/relationships" xmlns:p="http://schemas.openxmlformats.org/presentationml/2006/main">
+  <p:cSld>
+    <p:spTree>
+      <p:nvGrpSpPr>
+        <p:cNvPr id="1" name=""/>
+        <p:cNvGrpSpPr/>
+        <p:nvPr/>
+      </p:nvGrpSpPr>
+      <p:grpSpPr>
+        <a:xfrm>
+          <a:off x="0" y="0"/>
+          <a:ext cx="0" cy="0"/>
+          <a:chOff x="0" y="0"/>
+          <a:chExt cx="0" cy="0"/>
+        </a:xfrm>
+      </p:grpSpPr>
+      <p:sp>
+        <p:nvSpPr>
+          <p:cNvPr id="2" name="Diakép helye 1"/>
+          <p:cNvSpPr>
+            <a:spLocks noGrp="1" noRot="1" noChangeAspect="1"/>
+          </p:cNvSpPr>
+          <p:nvPr>
+            <p:ph type="sldImg"/>
+          </p:nvPr>
+        </p:nvSpPr>
+        <p:spPr/>
+      </p:sp>
+      <p:sp>
+        <p:nvSpPr>
+          <p:cNvPr id="3" name="Jegyzetek helye 2"/>
+          <p:cNvSpPr>
+            <a:spLocks noGrp="1"/>
+          </p:cNvSpPr>
+          <p:nvPr>
+            <p:ph type="body" idx="1"/>
+          </p:nvPr>
+        </p:nvSpPr>
+        <p:spPr/>
+        <p:txBody>
+          <a:bodyPr/>
+          <a:lstStyle/>
+          <a:p>
+            <a:r>
+              <a:rPr lang="hu-HU" dirty="0"/>
+              <a:t>Belső szabályzat alapján a soproni és a pozsonyi szerver között biztonságosabb VPN kapcsolat lett kialakítva.</a:t>
+            </a:r>
+          </a:p>
+          <a:p>
+            <a:r>
+              <a:rPr lang="hu-HU" dirty="0"/>
+              <a:t>AES 256-bites titkosítás </a:t>
+            </a:r>
+          </a:p>
+          <a:p>
+            <a:r>
+              <a:rPr lang="hu-HU" dirty="0" err="1"/>
+              <a:t>IPsec</a:t>
+            </a:r>
+            <a:r>
+              <a:rPr lang="hu-HU" dirty="0"/>
+              <a:t> és ISAKMP </a:t>
+            </a:r>
+          </a:p>
+          <a:p>
+            <a:endParaRPr lang="hu-HU" dirty="0"/>
+          </a:p>
+          <a:p>
+            <a:r>
+              <a:rPr lang="hu-HU" dirty="0" err="1"/>
+              <a:t>Sh</a:t>
+            </a:r>
+            <a:r>
+              <a:rPr lang="hu-HU" dirty="0"/>
+              <a:t> </a:t>
+            </a:r>
+            <a:r>
+              <a:rPr lang="hu-HU" dirty="0" err="1"/>
+              <a:t>crypto</a:t>
+            </a:r>
+            <a:r>
+              <a:rPr lang="hu-HU" dirty="0"/>
+              <a:t> </a:t>
+            </a:r>
+            <a:r>
+              <a:rPr lang="hu-HU" dirty="0" err="1"/>
+              <a:t>ipsec</a:t>
+            </a:r>
+            <a:r>
+              <a:rPr lang="hu-HU" dirty="0"/>
+              <a:t> </a:t>
+            </a:r>
+            <a:r>
+              <a:rPr lang="hu-HU" dirty="0" err="1"/>
+              <a:t>sa</a:t>
+            </a:r>
+            <a:endParaRPr lang="hu-HU" dirty="0"/>
+          </a:p>
+          <a:p>
+            <a:endParaRPr lang="hu-HU" dirty="0"/>
+          </a:p>
+          <a:p>
+            <a:r>
+              <a:rPr lang="hu-HU" dirty="0"/>
+              <a:t>A leadott vizsgaremek tartalmaz egy </a:t>
+            </a:r>
+            <a:r>
+              <a:rPr lang="hu-HU" dirty="0" err="1"/>
+              <a:t>vidót</a:t>
+            </a:r>
+            <a:r>
+              <a:rPr lang="hu-HU" dirty="0"/>
+              <a:t> a működéséről az idő rövidsége miatt nem kívánjuk ezt levetíteni.</a:t>
+            </a:r>
+          </a:p>
+        </p:txBody>
+      </p:sp>
+      <p:sp>
+        <p:nvSpPr>
+          <p:cNvPr id="4" name="Dia számának helye 3"/>
+          <p:cNvSpPr>
+            <a:spLocks noGrp="1"/>
+          </p:cNvSpPr>
+          <p:nvPr>
+            <p:ph type="sldNum" sz="quarter" idx="5"/>
+          </p:nvPr>
+        </p:nvSpPr>
+        <p:spPr/>
+        <p:txBody>
+          <a:bodyPr/>
+          <a:lstStyle/>
+          <a:p>
+            <a:fld id="{3630C05A-7D73-474A-AE9C-0437947E053D}" type="slidenum">
+              <a:rPr lang="hu-HU" smtClean="0"/>
+              <a:t>10</a:t>
+            </a:fld>
+            <a:endParaRPr lang="hu-HU"/>
+          </a:p>
+        </p:txBody>
+      </p:sp>
+    </p:spTree>
+    <p:extLst>
+      <p:ext uri="{BB962C8B-B14F-4D97-AF65-F5344CB8AC3E}">
+        <p14:creationId xmlns:p14="http://schemas.microsoft.com/office/powerpoint/2010/main" val="347607760"/>
+      </p:ext>
+    </p:extLst>
+  </p:cSld>
+  <p:clrMapOvr>
+    <a:masterClrMapping/>
+  </p:clrMapOvr>
+</p:notes>
 </file>
 
 <file path=ppt/slideLayouts/slideLayout1.xml><?xml version="1.0" encoding="utf-8"?>
@@ -165,10 +2491,9 @@
           <a:lstStyle/>
           <a:p>
             <a:r>
-              <a:rPr lang="en-US" smtClean="0"/>
+              <a:rPr lang="en-US"/>
               <a:t>Click to edit Master title style</a:t>
             </a:r>
-            <a:endParaRPr lang="en-US"/>
           </a:p>
         </p:txBody>
       </p:sp>
@@ -284,10 +2609,9 @@
           </a:lstStyle>
           <a:p>
             <a:r>
-              <a:rPr lang="en-US" smtClean="0"/>
+              <a:rPr lang="en-US"/>
               <a:t>Click to edit Master subtitle style</a:t>
             </a:r>
-            <a:endParaRPr lang="en-US"/>
           </a:p>
         </p:txBody>
       </p:sp>
@@ -308,7 +2632,7 @@
           <a:p>
             <a:fld id="{5BCAD085-E8A6-8845-BD4E-CB4CCA059FC4}" type="datetimeFigureOut">
               <a:rPr lang="en-US" smtClean="0"/>
-              <a:t>1/27/13</a:t>
+              <a:t>6/8/2024</a:t>
             </a:fld>
             <a:endParaRPr lang="en-US"/>
           </a:p>
@@ -402,10 +2726,9 @@
           <a:lstStyle/>
           <a:p>
             <a:r>
-              <a:rPr lang="en-US" smtClean="0"/>
+              <a:rPr lang="en-US"/>
               <a:t>Click to edit Master title style</a:t>
             </a:r>
-            <a:endParaRPr lang="en-US"/>
           </a:p>
         </p:txBody>
       </p:sp>
@@ -426,38 +2749,37 @@
           <a:p>
             <a:pPr lvl="0"/>
             <a:r>
-              <a:rPr lang="en-US" smtClean="0"/>
+              <a:rPr lang="en-US"/>
               <a:t>Click to edit Master text styles</a:t>
             </a:r>
           </a:p>
           <a:p>
             <a:pPr lvl="1"/>
             <a:r>
-              <a:rPr lang="en-US" smtClean="0"/>
+              <a:rPr lang="en-US"/>
               <a:t>Second level</a:t>
             </a:r>
           </a:p>
           <a:p>
             <a:pPr lvl="2"/>
             <a:r>
-              <a:rPr lang="en-US" smtClean="0"/>
+              <a:rPr lang="en-US"/>
               <a:t>Third level</a:t>
             </a:r>
           </a:p>
           <a:p>
             <a:pPr lvl="3"/>
             <a:r>
-              <a:rPr lang="en-US" smtClean="0"/>
+              <a:rPr lang="en-US"/>
               <a:t>Fourth level</a:t>
             </a:r>
           </a:p>
           <a:p>
             <a:pPr lvl="4"/>
             <a:r>
-              <a:rPr lang="en-US" smtClean="0"/>
+              <a:rPr lang="en-US"/>
               <a:t>Fifth level</a:t>
             </a:r>
-            <a:endParaRPr lang="en-US"/>
           </a:p>
         </p:txBody>
       </p:sp>
@@ -478,7 +2800,7 @@
           <a:p>
             <a:fld id="{5BCAD085-E8A6-8845-BD4E-CB4CCA059FC4}" type="datetimeFigureOut">
               <a:rPr lang="en-US" smtClean="0"/>
-              <a:t>1/27/13</a:t>
+              <a:t>6/8/2024</a:t>
             </a:fld>
             <a:endParaRPr lang="en-US"/>
           </a:p>
@@ -577,10 +2899,9 @@
           <a:lstStyle/>
           <a:p>
             <a:r>
-              <a:rPr lang="en-US" smtClean="0"/>
+              <a:rPr lang="en-US"/>
               <a:t>Click to edit Master title style</a:t>
             </a:r>
-            <a:endParaRPr lang="en-US"/>
           </a:p>
         </p:txBody>
       </p:sp>
@@ -606,38 +2927,37 @@
           <a:p>
             <a:pPr lvl="0"/>
             <a:r>
-              <a:rPr lang="en-US" smtClean="0"/>
+              <a:rPr lang="en-US"/>
               <a:t>Click to edit Master text styles</a:t>
             </a:r>
           </a:p>
           <a:p>
             <a:pPr lvl="1"/>
             <a:r>
-              <a:rPr lang="en-US" smtClean="0"/>
+              <a:rPr lang="en-US"/>
               <a:t>Second level</a:t>
             </a:r>
           </a:p>
           <a:p>
             <a:pPr lvl="2"/>
             <a:r>
-              <a:rPr lang="en-US" smtClean="0"/>
+              <a:rPr lang="en-US"/>
               <a:t>Third level</a:t>
             </a:r>
           </a:p>
           <a:p>
             <a:pPr lvl="3"/>
             <a:r>
-              <a:rPr lang="en-US" smtClean="0"/>
+              <a:rPr lang="en-US"/>
               <a:t>Fourth level</a:t>
             </a:r>
           </a:p>
           <a:p>
             <a:pPr lvl="4"/>
             <a:r>
-              <a:rPr lang="en-US" smtClean="0"/>
+              <a:rPr lang="en-US"/>
               <a:t>Fifth level</a:t>
             </a:r>
-            <a:endParaRPr lang="en-US"/>
           </a:p>
         </p:txBody>
       </p:sp>
@@ -658,7 +2978,7 @@
           <a:p>
             <a:fld id="{5BCAD085-E8A6-8845-BD4E-CB4CCA059FC4}" type="datetimeFigureOut">
               <a:rPr lang="en-US" smtClean="0"/>
-              <a:t>1/27/13</a:t>
+              <a:t>6/8/2024</a:t>
             </a:fld>
             <a:endParaRPr lang="en-US"/>
           </a:p>
@@ -752,10 +3072,9 @@
           <a:lstStyle/>
           <a:p>
             <a:r>
-              <a:rPr lang="en-US" smtClean="0"/>
+              <a:rPr lang="en-US"/>
               <a:t>Click to edit Master title style</a:t>
             </a:r>
-            <a:endParaRPr lang="en-US"/>
           </a:p>
         </p:txBody>
       </p:sp>
@@ -776,38 +3095,37 @@
           <a:p>
             <a:pPr lvl="0"/>
             <a:r>
-              <a:rPr lang="en-US" smtClean="0"/>
+              <a:rPr lang="en-US"/>
               <a:t>Click to edit Master text styles</a:t>
             </a:r>
           </a:p>
           <a:p>
             <a:pPr lvl="1"/>
             <a:r>
-              <a:rPr lang="en-US" smtClean="0"/>
+              <a:rPr lang="en-US"/>
               <a:t>Second level</a:t>
             </a:r>
           </a:p>
           <a:p>
             <a:pPr lvl="2"/>
             <a:r>
-              <a:rPr lang="en-US" smtClean="0"/>
+              <a:rPr lang="en-US"/>
               <a:t>Third level</a:t>
             </a:r>
           </a:p>
           <a:p>
             <a:pPr lvl="3"/>
             <a:r>
-              <a:rPr lang="en-US" smtClean="0"/>
+              <a:rPr lang="en-US"/>
               <a:t>Fourth level</a:t>
             </a:r>
           </a:p>
           <a:p>
             <a:pPr lvl="4"/>
             <a:r>
-              <a:rPr lang="en-US" smtClean="0"/>
+              <a:rPr lang="en-US"/>
               <a:t>Fifth level</a:t>
             </a:r>
-            <a:endParaRPr lang="en-US"/>
           </a:p>
         </p:txBody>
       </p:sp>
@@ -828,7 +3146,7 @@
           <a:p>
             <a:fld id="{5BCAD085-E8A6-8845-BD4E-CB4CCA059FC4}" type="datetimeFigureOut">
               <a:rPr lang="en-US" smtClean="0"/>
-              <a:t>1/27/13</a:t>
+              <a:t>6/8/2024</a:t>
             </a:fld>
             <a:endParaRPr lang="en-US"/>
           </a:p>
@@ -931,10 +3249,9 @@
           </a:lstStyle>
           <a:p>
             <a:r>
-              <a:rPr lang="en-US" smtClean="0"/>
+              <a:rPr lang="en-US"/>
               <a:t>Click to edit Master title style</a:t>
             </a:r>
-            <a:endParaRPr lang="en-US"/>
           </a:p>
         </p:txBody>
       </p:sp>
@@ -1051,7 +3368,7 @@
           <a:p>
             <a:pPr lvl="0"/>
             <a:r>
-              <a:rPr lang="en-US" smtClean="0"/>
+              <a:rPr lang="en-US"/>
               <a:t>Click to edit Master text styles</a:t>
             </a:r>
           </a:p>
@@ -1074,7 +3391,7 @@
           <a:p>
             <a:fld id="{5BCAD085-E8A6-8845-BD4E-CB4CCA059FC4}" type="datetimeFigureOut">
               <a:rPr lang="en-US" smtClean="0"/>
-              <a:t>1/27/13</a:t>
+              <a:t>6/8/2024</a:t>
             </a:fld>
             <a:endParaRPr lang="en-US"/>
           </a:p>
@@ -1168,10 +3485,9 @@
           <a:lstStyle/>
           <a:p>
             <a:r>
-              <a:rPr lang="en-US" smtClean="0"/>
+              <a:rPr lang="en-US"/>
               <a:t>Click to edit Master title style</a:t>
             </a:r>
-            <a:endParaRPr lang="en-US"/>
           </a:p>
         </p:txBody>
       </p:sp>
@@ -1225,38 +3541,37 @@
           <a:p>
             <a:pPr lvl="0"/>
             <a:r>
-              <a:rPr lang="en-US" smtClean="0"/>
+              <a:rPr lang="en-US"/>
               <a:t>Click to edit Master text styles</a:t>
             </a:r>
           </a:p>
           <a:p>
             <a:pPr lvl="1"/>
             <a:r>
-              <a:rPr lang="en-US" smtClean="0"/>
+              <a:rPr lang="en-US"/>
               <a:t>Second level</a:t>
             </a:r>
           </a:p>
           <a:p>
             <a:pPr lvl="2"/>
             <a:r>
-              <a:rPr lang="en-US" smtClean="0"/>
+              <a:rPr lang="en-US"/>
               <a:t>Third level</a:t>
             </a:r>
           </a:p>
           <a:p>
             <a:pPr lvl="3"/>
             <a:r>
-              <a:rPr lang="en-US" smtClean="0"/>
+              <a:rPr lang="en-US"/>
               <a:t>Fourth level</a:t>
             </a:r>
           </a:p>
           <a:p>
             <a:pPr lvl="4"/>
             <a:r>
-              <a:rPr lang="en-US" smtClean="0"/>
+              <a:rPr lang="en-US"/>
               <a:t>Fifth level</a:t>
             </a:r>
-            <a:endParaRPr lang="en-US"/>
           </a:p>
         </p:txBody>
       </p:sp>
@@ -1310,38 +3625,37 @@
           <a:p>
             <a:pPr lvl="0"/>
             <a:r>
-              <a:rPr lang="en-US" smtClean="0"/>
+              <a:rPr lang="en-US"/>
               <a:t>Click to edit Master text styles</a:t>
             </a:r>
           </a:p>
           <a:p>
             <a:pPr lvl="1"/>
             <a:r>
-              <a:rPr lang="en-US" smtClean="0"/>
+              <a:rPr lang="en-US"/>
               <a:t>Second level</a:t>
             </a:r>
           </a:p>
           <a:p>
             <a:pPr lvl="2"/>
             <a:r>
-              <a:rPr lang="en-US" smtClean="0"/>
+              <a:rPr lang="en-US"/>
               <a:t>Third level</a:t>
             </a:r>
           </a:p>
           <a:p>
             <a:pPr lvl="3"/>
             <a:r>
-              <a:rPr lang="en-US" smtClean="0"/>
+              <a:rPr lang="en-US"/>
               <a:t>Fourth level</a:t>
             </a:r>
           </a:p>
           <a:p>
             <a:pPr lvl="4"/>
             <a:r>
-              <a:rPr lang="en-US" smtClean="0"/>
+              <a:rPr lang="en-US"/>
               <a:t>Fifth level</a:t>
             </a:r>
-            <a:endParaRPr lang="en-US"/>
           </a:p>
         </p:txBody>
       </p:sp>
@@ -1362,7 +3676,7 @@
           <a:p>
             <a:fld id="{5BCAD085-E8A6-8845-BD4E-CB4CCA059FC4}" type="datetimeFigureOut">
               <a:rPr lang="en-US" smtClean="0"/>
-              <a:t>1/27/13</a:t>
+              <a:t>6/8/2024</a:t>
             </a:fld>
             <a:endParaRPr lang="en-US"/>
           </a:p>
@@ -1460,10 +3774,9 @@
           </a:lstStyle>
           <a:p>
             <a:r>
-              <a:rPr lang="en-US" smtClean="0"/>
+              <a:rPr lang="en-US"/>
               <a:t>Click to edit Master title style</a:t>
             </a:r>
-            <a:endParaRPr lang="en-US"/>
           </a:p>
         </p:txBody>
       </p:sp>
@@ -1526,7 +3839,7 @@
           <a:p>
             <a:pPr lvl="0"/>
             <a:r>
-              <a:rPr lang="en-US" smtClean="0"/>
+              <a:rPr lang="en-US"/>
               <a:t>Click to edit Master text styles</a:t>
             </a:r>
           </a:p>
@@ -1582,38 +3895,37 @@
           <a:p>
             <a:pPr lvl="0"/>
             <a:r>
-              <a:rPr lang="en-US" smtClean="0"/>
+              <a:rPr lang="en-US"/>
               <a:t>Click to edit Master text styles</a:t>
             </a:r>
           </a:p>
           <a:p>
             <a:pPr lvl="1"/>
             <a:r>
-              <a:rPr lang="en-US" smtClean="0"/>
+              <a:rPr lang="en-US"/>
               <a:t>Second level</a:t>
             </a:r>
           </a:p>
           <a:p>
             <a:pPr lvl="2"/>
             <a:r>
-              <a:rPr lang="en-US" smtClean="0"/>
+              <a:rPr lang="en-US"/>
               <a:t>Third level</a:t>
             </a:r>
           </a:p>
           <a:p>
             <a:pPr lvl="3"/>
             <a:r>
-              <a:rPr lang="en-US" smtClean="0"/>
+              <a:rPr lang="en-US"/>
               <a:t>Fourth level</a:t>
             </a:r>
           </a:p>
           <a:p>
             <a:pPr lvl="4"/>
             <a:r>
-              <a:rPr lang="en-US" smtClean="0"/>
+              <a:rPr lang="en-US"/>
               <a:t>Fifth level</a:t>
             </a:r>
-            <a:endParaRPr lang="en-US"/>
           </a:p>
         </p:txBody>
       </p:sp>
@@ -1676,7 +3988,7 @@
           <a:p>
             <a:pPr lvl="0"/>
             <a:r>
-              <a:rPr lang="en-US" smtClean="0"/>
+              <a:rPr lang="en-US"/>
               <a:t>Click to edit Master text styles</a:t>
             </a:r>
           </a:p>
@@ -1732,38 +4044,37 @@
           <a:p>
             <a:pPr lvl="0"/>
             <a:r>
-              <a:rPr lang="en-US" smtClean="0"/>
+              <a:rPr lang="en-US"/>
               <a:t>Click to edit Master text styles</a:t>
             </a:r>
           </a:p>
           <a:p>
             <a:pPr lvl="1"/>
             <a:r>
-              <a:rPr lang="en-US" smtClean="0"/>
+              <a:rPr lang="en-US"/>
               <a:t>Second level</a:t>
             </a:r>
           </a:p>
           <a:p>
             <a:pPr lvl="2"/>
             <a:r>
-              <a:rPr lang="en-US" smtClean="0"/>
+              <a:rPr lang="en-US"/>
               <a:t>Third level</a:t>
             </a:r>
           </a:p>
           <a:p>
             <a:pPr lvl="3"/>
             <a:r>
-              <a:rPr lang="en-US" smtClean="0"/>
+              <a:rPr lang="en-US"/>
               <a:t>Fourth level</a:t>
             </a:r>
           </a:p>
           <a:p>
             <a:pPr lvl="4"/>
             <a:r>
-              <a:rPr lang="en-US" smtClean="0"/>
+              <a:rPr lang="en-US"/>
               <a:t>Fifth level</a:t>
             </a:r>
-            <a:endParaRPr lang="en-US"/>
           </a:p>
         </p:txBody>
       </p:sp>
@@ -1784,7 +4095,7 @@
           <a:p>
             <a:fld id="{5BCAD085-E8A6-8845-BD4E-CB4CCA059FC4}" type="datetimeFigureOut">
               <a:rPr lang="en-US" smtClean="0"/>
-              <a:t>1/27/13</a:t>
+              <a:t>6/8/2024</a:t>
             </a:fld>
             <a:endParaRPr lang="en-US"/>
           </a:p>
@@ -1878,10 +4189,9 @@
           <a:lstStyle/>
           <a:p>
             <a:r>
-              <a:rPr lang="en-US" smtClean="0"/>
+              <a:rPr lang="en-US"/>
               <a:t>Click to edit Master title style</a:t>
             </a:r>
-            <a:endParaRPr lang="en-US"/>
           </a:p>
         </p:txBody>
       </p:sp>
@@ -1902,7 +4212,7 @@
           <a:p>
             <a:fld id="{5BCAD085-E8A6-8845-BD4E-CB4CCA059FC4}" type="datetimeFigureOut">
               <a:rPr lang="en-US" smtClean="0"/>
-              <a:t>1/27/13</a:t>
+              <a:t>6/8/2024</a:t>
             </a:fld>
             <a:endParaRPr lang="en-US"/>
           </a:p>
@@ -1997,7 +4307,7 @@
           <a:p>
             <a:fld id="{5BCAD085-E8A6-8845-BD4E-CB4CCA059FC4}" type="datetimeFigureOut">
               <a:rPr lang="en-US" smtClean="0"/>
-              <a:t>1/27/13</a:t>
+              <a:t>6/8/2024</a:t>
             </a:fld>
             <a:endParaRPr lang="en-US"/>
           </a:p>
@@ -2100,10 +4410,9 @@
           </a:lstStyle>
           <a:p>
             <a:r>
-              <a:rPr lang="en-US" smtClean="0"/>
+              <a:rPr lang="en-US"/>
               <a:t>Click to edit Master title style</a:t>
             </a:r>
-            <a:endParaRPr lang="en-US"/>
           </a:p>
         </p:txBody>
       </p:sp>
@@ -2157,38 +4466,37 @@
           <a:p>
             <a:pPr lvl="0"/>
             <a:r>
-              <a:rPr lang="en-US" smtClean="0"/>
+              <a:rPr lang="en-US"/>
               <a:t>Click to edit Master text styles</a:t>
             </a:r>
           </a:p>
           <a:p>
             <a:pPr lvl="1"/>
             <a:r>
-              <a:rPr lang="en-US" smtClean="0"/>
+              <a:rPr lang="en-US"/>
               <a:t>Second level</a:t>
             </a:r>
           </a:p>
           <a:p>
             <a:pPr lvl="2"/>
             <a:r>
-              <a:rPr lang="en-US" smtClean="0"/>
+              <a:rPr lang="en-US"/>
               <a:t>Third level</a:t>
             </a:r>
           </a:p>
           <a:p>
             <a:pPr lvl="3"/>
             <a:r>
-              <a:rPr lang="en-US" smtClean="0"/>
+              <a:rPr lang="en-US"/>
               <a:t>Fourth level</a:t>
             </a:r>
           </a:p>
           <a:p>
             <a:pPr lvl="4"/>
             <a:r>
-              <a:rPr lang="en-US" smtClean="0"/>
+              <a:rPr lang="en-US"/>
               <a:t>Fifth level</a:t>
             </a:r>
-            <a:endParaRPr lang="en-US"/>
           </a:p>
         </p:txBody>
       </p:sp>
@@ -2251,7 +4559,7 @@
           <a:p>
             <a:pPr lvl="0"/>
             <a:r>
-              <a:rPr lang="en-US" smtClean="0"/>
+              <a:rPr lang="en-US"/>
               <a:t>Click to edit Master text styles</a:t>
             </a:r>
           </a:p>
@@ -2274,7 +4582,7 @@
           <a:p>
             <a:fld id="{5BCAD085-E8A6-8845-BD4E-CB4CCA059FC4}" type="datetimeFigureOut">
               <a:rPr lang="en-US" smtClean="0"/>
-              <a:t>1/27/13</a:t>
+              <a:t>6/8/2024</a:t>
             </a:fld>
             <a:endParaRPr lang="en-US"/>
           </a:p>
@@ -2377,10 +4685,9 @@
           </a:lstStyle>
           <a:p>
             <a:r>
-              <a:rPr lang="en-US" smtClean="0"/>
+              <a:rPr lang="en-US"/>
               <a:t>Click to edit Master title style</a:t>
             </a:r>
-            <a:endParaRPr lang="en-US"/>
           </a:p>
         </p:txBody>
       </p:sp>
@@ -2504,7 +4811,7 @@
           <a:p>
             <a:pPr lvl="0"/>
             <a:r>
-              <a:rPr lang="en-US" smtClean="0"/>
+              <a:rPr lang="en-US"/>
               <a:t>Click to edit Master text styles</a:t>
             </a:r>
           </a:p>
@@ -2527,7 +4834,7 @@
           <a:p>
             <a:fld id="{5BCAD085-E8A6-8845-BD4E-CB4CCA059FC4}" type="datetimeFigureOut">
               <a:rPr lang="en-US" smtClean="0"/>
-              <a:t>1/27/13</a:t>
+              <a:t>6/8/2024</a:t>
             </a:fld>
             <a:endParaRPr lang="en-US"/>
           </a:p>
@@ -2636,10 +4943,9 @@
           <a:lstStyle/>
           <a:p>
             <a:r>
-              <a:rPr lang="en-US" smtClean="0"/>
+              <a:rPr lang="en-US"/>
               <a:t>Click to edit Master title style</a:t>
             </a:r>
-            <a:endParaRPr lang="en-US"/>
           </a:p>
         </p:txBody>
       </p:sp>
@@ -2670,38 +4976,37 @@
           <a:p>
             <a:pPr lvl="0"/>
             <a:r>
-              <a:rPr lang="en-US" smtClean="0"/>
+              <a:rPr lang="en-US"/>
               <a:t>Click to edit Master text styles</a:t>
             </a:r>
           </a:p>
           <a:p>
             <a:pPr lvl="1"/>
             <a:r>
-              <a:rPr lang="en-US" smtClean="0"/>
+              <a:rPr lang="en-US"/>
               <a:t>Second level</a:t>
             </a:r>
           </a:p>
           <a:p>
             <a:pPr lvl="2"/>
             <a:r>
-              <a:rPr lang="en-US" smtClean="0"/>
+              <a:rPr lang="en-US"/>
               <a:t>Third level</a:t>
             </a:r>
           </a:p>
           <a:p>
             <a:pPr lvl="3"/>
             <a:r>
-              <a:rPr lang="en-US" smtClean="0"/>
+              <a:rPr lang="en-US"/>
               <a:t>Fourth level</a:t>
             </a:r>
           </a:p>
           <a:p>
             <a:pPr lvl="4"/>
             <a:r>
-              <a:rPr lang="en-US" smtClean="0"/>
+              <a:rPr lang="en-US"/>
               <a:t>Fifth level</a:t>
             </a:r>
-            <a:endParaRPr lang="en-US"/>
           </a:p>
         </p:txBody>
       </p:sp>
@@ -2740,7 +5045,7 @@
           <a:p>
             <a:fld id="{5BCAD085-E8A6-8845-BD4E-CB4CCA059FC4}" type="datetimeFigureOut">
               <a:rPr lang="en-US" smtClean="0"/>
-              <a:t>1/27/13</a:t>
+              <a:t>6/8/2024</a:t>
             </a:fld>
             <a:endParaRPr lang="en-US"/>
           </a:p>
@@ -3099,7 +5404,7 @@
 </file>
 
 <file path=ppt/slides/slide1.xml><?xml version="1.0" encoding="utf-8"?>
-<p:sld xmlns:a="http://schemas.openxmlformats.org/drawingml/2006/main" xmlns:p="http://schemas.openxmlformats.org/presentationml/2006/main" xmlns:r="http://schemas.openxmlformats.org/officeDocument/2006/relationships">
+<p:sld xmlns:a="http://schemas.openxmlformats.org/drawingml/2006/main" xmlns:r="http://schemas.openxmlformats.org/officeDocument/2006/relationships" xmlns:p="http://schemas.openxmlformats.org/presentationml/2006/main">
   <p:cSld>
     <p:spTree>
       <p:nvGrpSpPr>
@@ -3107,7 +5412,14 @@
         <p:cNvGrpSpPr/>
         <p:nvPr/>
       </p:nvGrpSpPr>
-      <p:grpSpPr/>
+      <p:grpSpPr>
+        <a:xfrm>
+          <a:off x="0" y="0"/>
+          <a:ext cx="0" cy="0"/>
+          <a:chOff x="0" y="0"/>
+          <a:chExt cx="0" cy="0"/>
+        </a:xfrm>
+      </p:grpSpPr>
       <p:sp>
         <p:nvSpPr>
           <p:cNvPr id="2" name="Title 1"/>
@@ -3124,8 +5436,34 @@
           <a:lstStyle/>
           <a:p>
             <a:r>
-              <a:t>Hálózattervezési és kivitelezési vizsgaremek</a:t>
-            </a:r>
+              <a:rPr dirty="0" err="1"/>
+              <a:t>Hálózattervezési</a:t>
+            </a:r>
+            <a:r>
+              <a:rPr dirty="0"/>
+              <a:t> </a:t>
+            </a:r>
+            <a:r>
+              <a:rPr dirty="0" err="1"/>
+              <a:t>és</a:t>
+            </a:r>
+            <a:r>
+              <a:rPr dirty="0"/>
+              <a:t> </a:t>
+            </a:r>
+            <a:r>
+              <a:rPr dirty="0" err="1"/>
+              <a:t>kivitelezési</a:t>
+            </a:r>
+            <a:r>
+              <a:rPr dirty="0"/>
+              <a:t> </a:t>
+            </a:r>
+            <a:r>
+              <a:rPr dirty="0" err="1"/>
+              <a:t>vizsgaremek</a:t>
+            </a:r>
+            <a:endParaRPr dirty="0"/>
           </a:p>
         </p:txBody>
       </p:sp>
@@ -3141,7 +5479,9 @@
         </p:nvSpPr>
         <p:spPr/>
         <p:txBody>
-          <a:bodyPr/>
+          <a:bodyPr>
+            <a:normAutofit fontScale="92500" lnSpcReduction="20000"/>
+          </a:bodyPr>
           <a:lstStyle/>
           <a:p>
             <a:r>
@@ -3164,7 +5504,7 @@
 </file>
 
 <file path=ppt/slides/slide10.xml><?xml version="1.0" encoding="utf-8"?>
-<p:sld xmlns:a="http://schemas.openxmlformats.org/drawingml/2006/main" xmlns:p="http://schemas.openxmlformats.org/presentationml/2006/main" xmlns:r="http://schemas.openxmlformats.org/officeDocument/2006/relationships">
+<p:sld xmlns:a="http://schemas.openxmlformats.org/drawingml/2006/main" xmlns:r="http://schemas.openxmlformats.org/officeDocument/2006/relationships" xmlns:p="http://schemas.openxmlformats.org/presentationml/2006/main">
   <p:cSld>
     <p:spTree>
       <p:nvGrpSpPr>
@@ -3172,7 +5512,14 @@
         <p:cNvGrpSpPr/>
         <p:nvPr/>
       </p:nvGrpSpPr>
-      <p:grpSpPr/>
+      <p:grpSpPr>
+        <a:xfrm>
+          <a:off x="0" y="0"/>
+          <a:ext cx="0" cy="0"/>
+          <a:chOff x="0" y="0"/>
+          <a:chExt cx="0" cy="0"/>
+        </a:xfrm>
+      </p:grpSpPr>
       <p:sp>
         <p:nvSpPr>
           <p:cNvPr id="2" name="Title 1"/>
@@ -3189,7 +5536,7 @@
           <a:lstStyle/>
           <a:p>
             <a:r>
-              <a:t>Tűzfal - Adaptive Security Appliance</a:t>
+              <a:t>Virtual Private Network</a:t>
             </a:r>
           </a:p>
         </p:txBody>
@@ -3209,9 +5556,127 @@
           <a:bodyPr/>
           <a:lstStyle/>
           <a:p>
-            <a:r>
-              <a:t>A hálózatban megvalósított konfiguráció részletes áttekintésével megérthetjük a tűzfalak és hálózati eszközök kritikus szerepét...</a:t>
-            </a:r>
+            <a:pPr marL="0" indent="0">
+              <a:buNone/>
+            </a:pPr>
+            <a:r>
+              <a:rPr dirty="0"/>
+              <a:t>A VPN (Virtual Private Network) </a:t>
+            </a:r>
+            <a:r>
+              <a:rPr dirty="0" err="1"/>
+              <a:t>konfigurációja</a:t>
+            </a:r>
+            <a:r>
+              <a:rPr dirty="0"/>
+              <a:t> </a:t>
+            </a:r>
+            <a:r>
+              <a:rPr dirty="0" err="1"/>
+              <a:t>és</a:t>
+            </a:r>
+            <a:r>
+              <a:rPr dirty="0"/>
+              <a:t> </a:t>
+            </a:r>
+            <a:r>
+              <a:rPr dirty="0" err="1"/>
+              <a:t>implementációja</a:t>
+            </a:r>
+            <a:r>
+              <a:rPr dirty="0"/>
+              <a:t> </a:t>
+            </a:r>
+            <a:r>
+              <a:rPr dirty="0" err="1"/>
+              <a:t>alapvető</a:t>
+            </a:r>
+            <a:r>
+              <a:rPr dirty="0"/>
+              <a:t> </a:t>
+            </a:r>
+            <a:r>
+              <a:rPr dirty="0" err="1"/>
+              <a:t>fontosságú</a:t>
+            </a:r>
+            <a:r>
+              <a:rPr dirty="0"/>
+              <a:t> a </a:t>
+            </a:r>
+            <a:r>
+              <a:rPr dirty="0" err="1"/>
+              <a:t>két</a:t>
+            </a:r>
+            <a:r>
+              <a:rPr dirty="0"/>
+              <a:t> </a:t>
+            </a:r>
+            <a:r>
+              <a:rPr dirty="0" err="1"/>
+              <a:t>szervezet</a:t>
+            </a:r>
+            <a:r>
+              <a:rPr dirty="0"/>
+              <a:t> </a:t>
+            </a:r>
+            <a:r>
+              <a:rPr dirty="0" err="1"/>
+              <a:t>belső</a:t>
+            </a:r>
+            <a:r>
+              <a:rPr dirty="0"/>
+              <a:t> </a:t>
+            </a:r>
+            <a:r>
+              <a:rPr dirty="0" err="1"/>
+              <a:t>hálózatai</a:t>
+            </a:r>
+            <a:r>
+              <a:rPr dirty="0"/>
+              <a:t> </a:t>
+            </a:r>
+            <a:r>
+              <a:rPr dirty="0" err="1"/>
+              <a:t>közötti</a:t>
+            </a:r>
+            <a:r>
+              <a:rPr dirty="0"/>
+              <a:t> </a:t>
+            </a:r>
+            <a:r>
+              <a:rPr dirty="0" err="1"/>
+              <a:t>biztonságos</a:t>
+            </a:r>
+            <a:r>
+              <a:rPr dirty="0"/>
+              <a:t> </a:t>
+            </a:r>
+            <a:r>
+              <a:rPr dirty="0" err="1"/>
+              <a:t>kommunikációhoz</a:t>
+            </a:r>
+            <a:r>
+              <a:rPr lang="hu-HU" dirty="0"/>
+              <a:t>.</a:t>
+            </a:r>
+          </a:p>
+          <a:p>
+            <a:pPr marL="0" indent="0">
+              <a:buNone/>
+            </a:pPr>
+            <a:r>
+              <a:rPr lang="hu-HU" dirty="0"/>
+              <a:t>A soproni szerver és a pozsonyi szerver </a:t>
+            </a:r>
+            <a:r>
+              <a:rPr lang="hu-HU" dirty="0" err="1"/>
+              <a:t>kommunkációját</a:t>
+            </a:r>
+            <a:r>
+              <a:rPr lang="hu-HU" dirty="0"/>
+              <a:t> VPN kapcsolattal valósítottuk meg. </a:t>
+            </a:r>
+            <a:endParaRPr dirty="0"/>
           </a:p>
         </p:txBody>
       </p:sp>
@@ -3224,7 +5689,7 @@
 </file>
 
 <file path=ppt/slides/slide11.xml><?xml version="1.0" encoding="utf-8"?>
-<p:sld xmlns:a="http://schemas.openxmlformats.org/drawingml/2006/main" xmlns:p="http://schemas.openxmlformats.org/presentationml/2006/main" xmlns:r="http://schemas.openxmlformats.org/officeDocument/2006/relationships">
+<p:sld xmlns:a="http://schemas.openxmlformats.org/drawingml/2006/main" xmlns:r="http://schemas.openxmlformats.org/officeDocument/2006/relationships" xmlns:p="http://schemas.openxmlformats.org/presentationml/2006/main">
   <p:cSld>
     <p:spTree>
       <p:nvGrpSpPr>
@@ -3232,7 +5697,14 @@
         <p:cNvGrpSpPr/>
         <p:nvPr/>
       </p:nvGrpSpPr>
-      <p:grpSpPr/>
+      <p:grpSpPr>
+        <a:xfrm>
+          <a:off x="0" y="0"/>
+          <a:ext cx="0" cy="0"/>
+          <a:chOff x="0" y="0"/>
+          <a:chExt cx="0" cy="0"/>
+        </a:xfrm>
+      </p:grpSpPr>
       <p:sp>
         <p:nvSpPr>
           <p:cNvPr id="2" name="Title 1"/>
@@ -3245,11 +5717,13 @@
         </p:nvSpPr>
         <p:spPr/>
         <p:txBody>
-          <a:bodyPr/>
-          <a:lstStyle/>
-          <a:p>
-            <a:r>
-              <a:t>Biztonsági funkciók forgalomirányítón</a:t>
+          <a:bodyPr>
+            <a:normAutofit fontScale="90000"/>
+          </a:bodyPr>
+          <a:lstStyle/>
+          <a:p>
+            <a:r>
+              <a:t>Tűzfal - Adaptive Security Appliance</a:t>
             </a:r>
           </a:p>
         </p:txBody>
@@ -3269,12 +5743,154 @@
           <a:bodyPr/>
           <a:lstStyle/>
           <a:p>
-            <a:r>
-              <a:t>Alapvető biztonsági funkcióként a hálózat minden forgalomirányítója jelszavas védelemmel és hozzáférési szabályok beállításával korlátozza az eszközökhöz...</a:t>
-            </a:r>
-          </a:p>
-        </p:txBody>
-      </p:sp>
+            <a:pPr marL="0" indent="0">
+              <a:buNone/>
+            </a:pPr>
+            <a:r>
+              <a:rPr dirty="0"/>
+              <a:t>A </a:t>
+            </a:r>
+            <a:r>
+              <a:rPr dirty="0" err="1"/>
+              <a:t>hálózatban</a:t>
+            </a:r>
+            <a:r>
+              <a:rPr dirty="0"/>
+              <a:t> </a:t>
+            </a:r>
+            <a:r>
+              <a:rPr dirty="0" err="1"/>
+              <a:t>megvalósított</a:t>
+            </a:r>
+            <a:r>
+              <a:rPr dirty="0"/>
+              <a:t> </a:t>
+            </a:r>
+            <a:r>
+              <a:rPr dirty="0" err="1"/>
+              <a:t>konfiguráció</a:t>
+            </a:r>
+            <a:r>
+              <a:rPr dirty="0"/>
+              <a:t> </a:t>
+            </a:r>
+            <a:r>
+              <a:rPr dirty="0" err="1"/>
+              <a:t>részletes</a:t>
+            </a:r>
+            <a:r>
+              <a:rPr dirty="0"/>
+              <a:t> </a:t>
+            </a:r>
+            <a:r>
+              <a:rPr dirty="0" err="1"/>
+              <a:t>áttekintésével</a:t>
+            </a:r>
+            <a:r>
+              <a:rPr dirty="0"/>
+              <a:t> </a:t>
+            </a:r>
+            <a:r>
+              <a:rPr dirty="0" err="1"/>
+              <a:t>megérthetjük</a:t>
+            </a:r>
+            <a:r>
+              <a:rPr dirty="0"/>
+              <a:t> a </a:t>
+            </a:r>
+            <a:r>
+              <a:rPr dirty="0" err="1"/>
+              <a:t>tűzfalak</a:t>
+            </a:r>
+            <a:r>
+              <a:rPr dirty="0"/>
+              <a:t> </a:t>
+            </a:r>
+            <a:r>
+              <a:rPr dirty="0" err="1"/>
+              <a:t>és</a:t>
+            </a:r>
+            <a:r>
+              <a:rPr dirty="0"/>
+              <a:t> </a:t>
+            </a:r>
+            <a:r>
+              <a:rPr dirty="0" err="1"/>
+              <a:t>hálózati</a:t>
+            </a:r>
+            <a:r>
+              <a:rPr dirty="0"/>
+              <a:t> </a:t>
+            </a:r>
+            <a:r>
+              <a:rPr dirty="0" err="1"/>
+              <a:t>eszközök</a:t>
+            </a:r>
+            <a:r>
+              <a:rPr dirty="0"/>
+              <a:t> </a:t>
+            </a:r>
+            <a:r>
+              <a:rPr dirty="0" err="1"/>
+              <a:t>kritikus</a:t>
+            </a:r>
+            <a:r>
+              <a:rPr dirty="0"/>
+              <a:t> </a:t>
+            </a:r>
+            <a:r>
+              <a:rPr dirty="0" err="1"/>
+              <a:t>szerepét</a:t>
+            </a:r>
+            <a:r>
+              <a:rPr lang="hu-HU" dirty="0"/>
+              <a:t>.</a:t>
+            </a:r>
+          </a:p>
+          <a:p>
+            <a:pPr marL="0" indent="0">
+              <a:buNone/>
+            </a:pPr>
+            <a:endParaRPr lang="hu-HU" dirty="0"/>
+          </a:p>
+          <a:p>
+            <a:pPr marL="0" indent="0">
+              <a:buNone/>
+            </a:pPr>
+            <a:endParaRPr dirty="0"/>
+          </a:p>
+        </p:txBody>
+      </p:sp>
+      <p:pic>
+        <p:nvPicPr>
+          <p:cNvPr id="5" name="Kép 4">
+            <a:extLst>
+              <a:ext uri="{FF2B5EF4-FFF2-40B4-BE49-F238E27FC236}">
+                <a16:creationId xmlns:a16="http://schemas.microsoft.com/office/drawing/2014/main" id="{F18AFC83-B3E2-98B6-77B9-BCBC1A83DD62}"/>
+              </a:ext>
+            </a:extLst>
+          </p:cNvPr>
+          <p:cNvPicPr>
+            <a:picLocks noChangeAspect="1"/>
+          </p:cNvPicPr>
+          <p:nvPr/>
+        </p:nvPicPr>
+        <p:blipFill>
+          <a:blip r:embed="rId3"/>
+          <a:stretch>
+            <a:fillRect/>
+          </a:stretch>
+        </p:blipFill>
+        <p:spPr>
+          <a:xfrm>
+            <a:off x="2680673" y="3542664"/>
+            <a:ext cx="3782653" cy="2766061"/>
+          </a:xfrm>
+          <a:prstGeom prst="rect">
+            <a:avLst/>
+          </a:prstGeom>
+        </p:spPr>
+      </p:pic>
     </p:spTree>
   </p:cSld>
   <p:clrMapOvr>
@@ -3284,7 +5900,7 @@
 </file>
 
 <file path=ppt/slides/slide12.xml><?xml version="1.0" encoding="utf-8"?>
-<p:sld xmlns:a="http://schemas.openxmlformats.org/drawingml/2006/main" xmlns:p="http://schemas.openxmlformats.org/presentationml/2006/main" xmlns:r="http://schemas.openxmlformats.org/officeDocument/2006/relationships">
+<p:sld xmlns:a="http://schemas.openxmlformats.org/drawingml/2006/main" xmlns:r="http://schemas.openxmlformats.org/officeDocument/2006/relationships" xmlns:p="http://schemas.openxmlformats.org/presentationml/2006/main">
   <p:cSld>
     <p:spTree>
       <p:nvGrpSpPr>
@@ -3292,7 +5908,14 @@
         <p:cNvGrpSpPr/>
         <p:nvPr/>
       </p:nvGrpSpPr>
-      <p:grpSpPr/>
+      <p:grpSpPr>
+        <a:xfrm>
+          <a:off x="0" y="0"/>
+          <a:ext cx="0" cy="0"/>
+          <a:chOff x="0" y="0"/>
+          <a:chExt cx="0" cy="0"/>
+        </a:xfrm>
+      </p:grpSpPr>
       <p:sp>
         <p:nvSpPr>
           <p:cNvPr id="2" name="Title 1"/>
@@ -3305,11 +5928,13 @@
         </p:nvSpPr>
         <p:spPr/>
         <p:txBody>
-          <a:bodyPr/>
-          <a:lstStyle/>
-          <a:p>
-            <a:r>
-              <a:t>Vezeték nélküli hálózat</a:t>
+          <a:bodyPr>
+            <a:normAutofit fontScale="90000"/>
+          </a:bodyPr>
+          <a:lstStyle/>
+          <a:p>
+            <a:r>
+              <a:t>Biztonsági funkciók forgalomirányítón</a:t>
             </a:r>
           </a:p>
         </p:txBody>
@@ -3329,9 +5954,139 @@
           <a:bodyPr/>
           <a:lstStyle/>
           <a:p>
-            <a:r>
-              <a:t>Elkerülhetetlen és nem is lehet cél a vezetéknélküli hálózat használata...</a:t>
-            </a:r>
+            <a:pPr marL="0" indent="0">
+              <a:buNone/>
+            </a:pPr>
+            <a:r>
+              <a:rPr dirty="0" err="1"/>
+              <a:t>Alapvető</a:t>
+            </a:r>
+            <a:r>
+              <a:rPr dirty="0"/>
+              <a:t> </a:t>
+            </a:r>
+            <a:r>
+              <a:rPr dirty="0" err="1"/>
+              <a:t>biztonsági</a:t>
+            </a:r>
+            <a:r>
+              <a:rPr dirty="0"/>
+              <a:t> </a:t>
+            </a:r>
+            <a:r>
+              <a:rPr dirty="0" err="1"/>
+              <a:t>funkcióként</a:t>
+            </a:r>
+            <a:r>
+              <a:rPr dirty="0"/>
+              <a:t> a </a:t>
+            </a:r>
+            <a:r>
+              <a:rPr dirty="0" err="1"/>
+              <a:t>hálózat</a:t>
+            </a:r>
+            <a:r>
+              <a:rPr dirty="0"/>
+              <a:t> </a:t>
+            </a:r>
+            <a:r>
+              <a:rPr dirty="0" err="1"/>
+              <a:t>minden</a:t>
+            </a:r>
+            <a:r>
+              <a:rPr dirty="0"/>
+              <a:t> </a:t>
+            </a:r>
+            <a:r>
+              <a:rPr dirty="0" err="1"/>
+              <a:t>forgalomirányítója</a:t>
+            </a:r>
+            <a:r>
+              <a:rPr dirty="0"/>
+              <a:t> </a:t>
+            </a:r>
+            <a:r>
+              <a:rPr dirty="0" err="1"/>
+              <a:t>jelszavas</a:t>
+            </a:r>
+            <a:r>
+              <a:rPr dirty="0"/>
+              <a:t> </a:t>
+            </a:r>
+            <a:r>
+              <a:rPr dirty="0" err="1"/>
+              <a:t>védelemmel</a:t>
+            </a:r>
+            <a:r>
+              <a:rPr dirty="0"/>
+              <a:t> </a:t>
+            </a:r>
+            <a:r>
+              <a:rPr dirty="0" err="1"/>
+              <a:t>és</a:t>
+            </a:r>
+            <a:r>
+              <a:rPr dirty="0"/>
+              <a:t> </a:t>
+            </a:r>
+            <a:r>
+              <a:rPr dirty="0" err="1"/>
+              <a:t>hozzáférési</a:t>
+            </a:r>
+            <a:r>
+              <a:rPr dirty="0"/>
+              <a:t> </a:t>
+            </a:r>
+            <a:r>
+              <a:rPr dirty="0" err="1"/>
+              <a:t>szabályok</a:t>
+            </a:r>
+            <a:r>
+              <a:rPr dirty="0"/>
+              <a:t> </a:t>
+            </a:r>
+            <a:r>
+              <a:rPr dirty="0" err="1"/>
+              <a:t>beállításával</a:t>
+            </a:r>
+            <a:r>
+              <a:rPr dirty="0"/>
+              <a:t> </a:t>
+            </a:r>
+            <a:r>
+              <a:rPr dirty="0" err="1"/>
+              <a:t>korlátozza</a:t>
+            </a:r>
+            <a:r>
+              <a:rPr dirty="0"/>
+              <a:t> </a:t>
+            </a:r>
+            <a:r>
+              <a:rPr dirty="0" err="1"/>
+              <a:t>az</a:t>
+            </a:r>
+            <a:r>
+              <a:rPr dirty="0"/>
+              <a:t> </a:t>
+            </a:r>
+            <a:r>
+              <a:rPr dirty="0" err="1"/>
+              <a:t>eszközökhöz</a:t>
+            </a:r>
+            <a:r>
+              <a:rPr lang="hu-HU" dirty="0"/>
+              <a:t> való hozzáférést.</a:t>
+            </a:r>
+          </a:p>
+          <a:p>
+            <a:pPr marL="0" indent="0">
+              <a:buNone/>
+            </a:pPr>
+            <a:r>
+              <a:rPr lang="hu-HU" dirty="0"/>
+              <a:t>Illetve az intranetes web site elérhetősége esetében a https protokollt tettük kizárólagossá. </a:t>
+            </a:r>
+            <a:endParaRPr dirty="0"/>
           </a:p>
         </p:txBody>
       </p:sp>
@@ -3344,7 +6099,7 @@
 </file>
 
 <file path=ppt/slides/slide13.xml><?xml version="1.0" encoding="utf-8"?>
-<p:sld xmlns:a="http://schemas.openxmlformats.org/drawingml/2006/main" xmlns:p="http://schemas.openxmlformats.org/presentationml/2006/main" xmlns:r="http://schemas.openxmlformats.org/officeDocument/2006/relationships">
+<p:sld xmlns:a="http://schemas.openxmlformats.org/drawingml/2006/main" xmlns:r="http://schemas.openxmlformats.org/officeDocument/2006/relationships" xmlns:p="http://schemas.openxmlformats.org/presentationml/2006/main">
   <p:cSld>
     <p:spTree>
       <p:nvGrpSpPr>
@@ -3352,7 +6107,14 @@
         <p:cNvGrpSpPr/>
         <p:nvPr/>
       </p:nvGrpSpPr>
-      <p:grpSpPr/>
+      <p:grpSpPr>
+        <a:xfrm>
+          <a:off x="0" y="0"/>
+          <a:ext cx="0" cy="0"/>
+          <a:chOff x="0" y="0"/>
+          <a:chExt cx="0" cy="0"/>
+        </a:xfrm>
+      </p:grpSpPr>
       <p:sp>
         <p:nvSpPr>
           <p:cNvPr id="2" name="Title 1"/>
@@ -3369,7 +6131,7 @@
           <a:lstStyle/>
           <a:p>
             <a:r>
-              <a:t>Windows szerver konfigurálása - DHCP</a:t>
+              <a:t>Vezeték nélküli hálózat</a:t>
             </a:r>
           </a:p>
         </p:txBody>
@@ -3389,12 +6151,54 @@
           <a:bodyPr/>
           <a:lstStyle/>
           <a:p>
-            <a:r>
-              <a:t>A Windows Server 2016-os operációs rendszerre DHCP szolgáltatást telepítettünk...</a:t>
-            </a:r>
-          </a:p>
-        </p:txBody>
-      </p:sp>
+            <a:pPr marL="0" indent="0">
+              <a:buNone/>
+            </a:pPr>
+            <a:r>
+              <a:rPr lang="hu-HU" dirty="0"/>
+              <a:t>Több hálózati szegmensben is található WiFi hozzáférési lehetőség. Egyes helyeken ez Access </a:t>
+            </a:r>
+            <a:r>
+              <a:rPr lang="hu-HU" dirty="0" err="1"/>
+              <a:t>Point-tal</a:t>
+            </a:r>
+            <a:r>
+              <a:rPr lang="hu-HU" dirty="0"/>
+              <a:t> míg máshol WiFi Routerrel valósul meg.</a:t>
+            </a:r>
+          </a:p>
+        </p:txBody>
+      </p:sp>
+      <p:pic>
+        <p:nvPicPr>
+          <p:cNvPr id="5" name="Kép 4">
+            <a:extLst>
+              <a:ext uri="{FF2B5EF4-FFF2-40B4-BE49-F238E27FC236}">
+                <a16:creationId xmlns:a16="http://schemas.microsoft.com/office/drawing/2014/main" id="{4DBCB473-54D6-4B57-C620-A5B91E10DAAE}"/>
+              </a:ext>
+            </a:extLst>
+          </p:cNvPr>
+          <p:cNvPicPr>
+            <a:picLocks noChangeAspect="1"/>
+          </p:cNvPicPr>
+          <p:nvPr/>
+        </p:nvPicPr>
+        <p:blipFill>
+          <a:blip r:embed="rId3"/>
+          <a:stretch>
+            <a:fillRect/>
+          </a:stretch>
+        </p:blipFill>
+        <p:spPr>
+          <a:xfrm>
+            <a:off x="3447386" y="3429000"/>
+            <a:ext cx="2249228" cy="3041570"/>
+          </a:xfrm>
+          <a:prstGeom prst="rect">
+            <a:avLst/>
+          </a:prstGeom>
+        </p:spPr>
+      </p:pic>
     </p:spTree>
   </p:cSld>
   <p:clrMapOvr>
@@ -3404,7 +6208,7 @@
 </file>
 
 <file path=ppt/slides/slide14.xml><?xml version="1.0" encoding="utf-8"?>
-<p:sld xmlns:a="http://schemas.openxmlformats.org/drawingml/2006/main" xmlns:p="http://schemas.openxmlformats.org/presentationml/2006/main" xmlns:r="http://schemas.openxmlformats.org/officeDocument/2006/relationships">
+<p:sld xmlns:a="http://schemas.openxmlformats.org/drawingml/2006/main" xmlns:r="http://schemas.openxmlformats.org/officeDocument/2006/relationships" xmlns:p="http://schemas.openxmlformats.org/presentationml/2006/main">
   <p:cSld>
     <p:spTree>
       <p:nvGrpSpPr>
@@ -3412,7 +6216,14 @@
         <p:cNvGrpSpPr/>
         <p:nvPr/>
       </p:nvGrpSpPr>
-      <p:grpSpPr/>
+      <p:grpSpPr>
+        <a:xfrm>
+          <a:off x="0" y="0"/>
+          <a:ext cx="0" cy="0"/>
+          <a:chOff x="0" y="0"/>
+          <a:chExt cx="0" cy="0"/>
+        </a:xfrm>
+      </p:grpSpPr>
       <p:sp>
         <p:nvSpPr>
           <p:cNvPr id="2" name="Title 1"/>
@@ -3425,12 +6236,28 @@
         </p:nvSpPr>
         <p:spPr/>
         <p:txBody>
-          <a:bodyPr/>
-          <a:lstStyle/>
-          <a:p>
-            <a:r>
-              <a:t>Windows szerver konfigurálása - Active Directory</a:t>
-            </a:r>
+          <a:bodyPr>
+            <a:normAutofit/>
+          </a:bodyPr>
+          <a:lstStyle/>
+          <a:p>
+            <a:r>
+              <a:rPr dirty="0"/>
+              <a:t>Windows </a:t>
+            </a:r>
+            <a:r>
+              <a:rPr dirty="0" err="1"/>
+              <a:t>szerver</a:t>
+            </a:r>
+            <a:r>
+              <a:rPr dirty="0"/>
+              <a:t> </a:t>
+            </a:r>
+            <a:r>
+              <a:rPr dirty="0" err="1"/>
+              <a:t>konfigurálása</a:t>
+            </a:r>
+            <a:endParaRPr dirty="0"/>
           </a:p>
         </p:txBody>
       </p:sp>
@@ -3449,9 +6276,98 @@
           <a:bodyPr/>
           <a:lstStyle/>
           <a:p>
-            <a:r>
-              <a:t>A megfelelő IP cím kiosztása után a klienst a szerveren létrehozott AD-ba léptettük...</a:t>
-            </a:r>
+            <a:pPr marL="0" indent="0">
+              <a:buNone/>
+            </a:pPr>
+            <a:r>
+              <a:rPr dirty="0"/>
+              <a:t>A Windows Server 2016-os </a:t>
+            </a:r>
+            <a:r>
+              <a:rPr dirty="0" err="1"/>
+              <a:t>operációs</a:t>
+            </a:r>
+            <a:r>
+              <a:rPr dirty="0"/>
+              <a:t> </a:t>
+            </a:r>
+            <a:r>
+              <a:rPr dirty="0" err="1"/>
+              <a:t>rendszerre</a:t>
+            </a:r>
+            <a:r>
+              <a:rPr dirty="0"/>
+              <a:t> </a:t>
+            </a:r>
+            <a:r>
+              <a:rPr lang="hu-HU" dirty="0"/>
+              <a:t>a következő </a:t>
+            </a:r>
+            <a:r>
+              <a:rPr dirty="0" err="1"/>
+              <a:t>szolgáltatás</a:t>
+            </a:r>
+            <a:r>
+              <a:rPr lang="hu-HU" dirty="0"/>
+              <a:t>oka</a:t>
+            </a:r>
+            <a:r>
+              <a:rPr dirty="0"/>
+              <a:t>t </a:t>
+            </a:r>
+            <a:r>
+              <a:rPr dirty="0" err="1"/>
+              <a:t>telepítettü</a:t>
+            </a:r>
+            <a:r>
+              <a:rPr lang="hu-HU" dirty="0"/>
+              <a:t>k:</a:t>
+            </a:r>
+          </a:p>
+          <a:p>
+            <a:r>
+              <a:rPr lang="hu-HU" dirty="0"/>
+              <a:t>DHCP</a:t>
+            </a:r>
+          </a:p>
+          <a:p>
+            <a:r>
+              <a:rPr lang="hu-HU" dirty="0" err="1"/>
+              <a:t>Active</a:t>
+            </a:r>
+            <a:r>
+              <a:rPr lang="hu-HU" dirty="0"/>
+              <a:t> </a:t>
+            </a:r>
+            <a:r>
+              <a:rPr lang="hu-HU" dirty="0" err="1"/>
+              <a:t>Directory</a:t>
+            </a:r>
+            <a:endParaRPr lang="hu-HU" dirty="0"/>
+          </a:p>
+          <a:p>
+            <a:r>
+              <a:rPr lang="hu-HU" dirty="0"/>
+              <a:t>DNS</a:t>
+            </a:r>
+          </a:p>
+          <a:p>
+            <a:r>
+              <a:rPr lang="hu-HU" dirty="0"/>
+              <a:t>Fájl-és nyomtatószerver</a:t>
+            </a:r>
+          </a:p>
+          <a:p>
+            <a:r>
+              <a:rPr lang="hu-HU" dirty="0"/>
+              <a:t>Időzített biztonsági mentés</a:t>
+            </a:r>
+          </a:p>
+          <a:p>
+            <a:endParaRPr lang="hu-HU" dirty="0"/>
+          </a:p>
+          <a:p>
+            <a:endParaRPr dirty="0"/>
           </a:p>
         </p:txBody>
       </p:sp>
@@ -3464,7 +6380,7 @@
 </file>
 
 <file path=ppt/slides/slide15.xml><?xml version="1.0" encoding="utf-8"?>
-<p:sld xmlns:a="http://schemas.openxmlformats.org/drawingml/2006/main" xmlns:p="http://schemas.openxmlformats.org/presentationml/2006/main" xmlns:r="http://schemas.openxmlformats.org/officeDocument/2006/relationships">
+<p:sld xmlns:a="http://schemas.openxmlformats.org/drawingml/2006/main" xmlns:r="http://schemas.openxmlformats.org/officeDocument/2006/relationships" xmlns:p="http://schemas.openxmlformats.org/presentationml/2006/main">
   <p:cSld>
     <p:spTree>
       <p:nvGrpSpPr>
@@ -3472,7 +6388,14 @@
         <p:cNvGrpSpPr/>
         <p:nvPr/>
       </p:nvGrpSpPr>
-      <p:grpSpPr/>
+      <p:grpSpPr>
+        <a:xfrm>
+          <a:off x="0" y="0"/>
+          <a:ext cx="0" cy="0"/>
+          <a:chOff x="0" y="0"/>
+          <a:chExt cx="0" cy="0"/>
+        </a:xfrm>
+      </p:grpSpPr>
       <p:sp>
         <p:nvSpPr>
           <p:cNvPr id="2" name="Title 1"/>
@@ -3485,12 +6408,28 @@
         </p:nvSpPr>
         <p:spPr/>
         <p:txBody>
-          <a:bodyPr/>
-          <a:lstStyle/>
-          <a:p>
-            <a:r>
-              <a:t>Windows szerver konfigurálása - Biztonsági mentés</a:t>
-            </a:r>
+          <a:bodyPr>
+            <a:normAutofit/>
+          </a:bodyPr>
+          <a:lstStyle/>
+          <a:p>
+            <a:r>
+              <a:rPr dirty="0"/>
+              <a:t>Linux </a:t>
+            </a:r>
+            <a:r>
+              <a:rPr dirty="0" err="1"/>
+              <a:t>szerver</a:t>
+            </a:r>
+            <a:r>
+              <a:rPr dirty="0"/>
+              <a:t> </a:t>
+            </a:r>
+            <a:r>
+              <a:rPr dirty="0" err="1"/>
+              <a:t>konfigurálása</a:t>
+            </a:r>
+            <a:endParaRPr dirty="0"/>
           </a:p>
         </p:txBody>
       </p:sp>
@@ -3506,12 +6445,64 @@
         </p:nvSpPr>
         <p:spPr/>
         <p:txBody>
-          <a:bodyPr/>
-          <a:lstStyle/>
-          <a:p>
-            <a:r>
-              <a:t>A kiszolgáló biztonsági mentése elengedhetetlen a fontos adatok elvesztésének megakadályozása érdekében...</a:t>
-            </a:r>
+          <a:bodyPr>
+            <a:normAutofit lnSpcReduction="10000"/>
+          </a:bodyPr>
+          <a:lstStyle/>
+          <a:p>
+            <a:pPr marL="0" indent="0">
+              <a:buNone/>
+            </a:pPr>
+            <a:endParaRPr lang="hu-HU" dirty="0"/>
+          </a:p>
+          <a:p>
+            <a:pPr marL="0" indent="0">
+              <a:buNone/>
+            </a:pPr>
+            <a:r>
+              <a:rPr lang="hu-HU" dirty="0"/>
+              <a:t>A Linux (Ubuntu server) operációs rendszerre a következő szolgáltatásokat telepítettük:</a:t>
+            </a:r>
+          </a:p>
+          <a:p>
+            <a:r>
+              <a:rPr lang="hu-HU" dirty="0"/>
+              <a:t>DNS </a:t>
+            </a:r>
+          </a:p>
+          <a:p>
+            <a:r>
+              <a:rPr lang="hu-HU" dirty="0" err="1"/>
+              <a:t>Apache</a:t>
+            </a:r>
+            <a:r>
+              <a:rPr lang="hu-HU" dirty="0"/>
+              <a:t> webszerver</a:t>
+            </a:r>
+          </a:p>
+          <a:p>
+            <a:r>
+              <a:rPr lang="hu-HU" dirty="0"/>
+              <a:t>SSH</a:t>
+            </a:r>
+          </a:p>
+          <a:p>
+            <a:r>
+              <a:rPr lang="hu-HU" dirty="0"/>
+              <a:t>FTP</a:t>
+            </a:r>
+          </a:p>
+          <a:p>
+            <a:r>
+              <a:rPr lang="hu-HU" dirty="0"/>
+              <a:t>Samba - fájlszerver</a:t>
+            </a:r>
+          </a:p>
+          <a:p>
+            <a:pPr marL="0" indent="0">
+              <a:buNone/>
+            </a:pPr>
+            <a:endParaRPr dirty="0"/>
           </a:p>
         </p:txBody>
       </p:sp>
@@ -3524,7 +6515,7 @@
 </file>
 
 <file path=ppt/slides/slide16.xml><?xml version="1.0" encoding="utf-8"?>
-<p:sld xmlns:a="http://schemas.openxmlformats.org/drawingml/2006/main" xmlns:p="http://schemas.openxmlformats.org/presentationml/2006/main" xmlns:r="http://schemas.openxmlformats.org/officeDocument/2006/relationships">
+<p:sld xmlns:a="http://schemas.openxmlformats.org/drawingml/2006/main" xmlns:r="http://schemas.openxmlformats.org/officeDocument/2006/relationships" xmlns:p="http://schemas.openxmlformats.org/presentationml/2006/main">
   <p:cSld>
     <p:spTree>
       <p:nvGrpSpPr>
@@ -3532,7 +6523,14 @@
         <p:cNvGrpSpPr/>
         <p:nvPr/>
       </p:nvGrpSpPr>
-      <p:grpSpPr/>
+      <p:grpSpPr>
+        <a:xfrm>
+          <a:off x="0" y="0"/>
+          <a:ext cx="0" cy="0"/>
+          <a:chOff x="0" y="0"/>
+          <a:chExt cx="0" cy="0"/>
+        </a:xfrm>
+      </p:grpSpPr>
       <p:sp>
         <p:nvSpPr>
           <p:cNvPr id="2" name="Title 1"/>
@@ -3549,7 +6547,7 @@
           <a:lstStyle/>
           <a:p>
             <a:r>
-              <a:t>Linux szerver konfigurálása - Általános</a:t>
+              <a:t>Jövőbeni fejlesztések</a:t>
             </a:r>
           </a:p>
         </p:txBody>
@@ -3570,7 +6568,7 @@
           <a:lstStyle/>
           <a:p>
             <a:r>
-              <a:t>A linux szerver a soproni telephelyen üzemel. A telepítés után a Sopron-linux nevet és statikusan beállított IP címet kapott...</a:t>
+              <a:t>A statikus és dinamikus címfordítás olyan technikák amelyek segítenek az IP címek és hálózati címek kezelésében...</a:t>
             </a:r>
           </a:p>
         </p:txBody>
@@ -3584,7 +6582,7 @@
 </file>
 
 <file path=ppt/slides/slide17.xml><?xml version="1.0" encoding="utf-8"?>
-<p:sld xmlns:a="http://schemas.openxmlformats.org/drawingml/2006/main" xmlns:p="http://schemas.openxmlformats.org/presentationml/2006/main" xmlns:r="http://schemas.openxmlformats.org/officeDocument/2006/relationships">
+<p:sld xmlns:a="http://schemas.openxmlformats.org/drawingml/2006/main" xmlns:r="http://schemas.openxmlformats.org/officeDocument/2006/relationships" xmlns:p="http://schemas.openxmlformats.org/presentationml/2006/main">
   <p:cSld>
     <p:spTree>
       <p:nvGrpSpPr>
@@ -3592,7 +6590,14 @@
         <p:cNvGrpSpPr/>
         <p:nvPr/>
       </p:nvGrpSpPr>
-      <p:grpSpPr/>
+      <p:grpSpPr>
+        <a:xfrm>
+          <a:off x="0" y="0"/>
+          <a:ext cx="0" cy="0"/>
+          <a:chOff x="0" y="0"/>
+          <a:chExt cx="0" cy="0"/>
+        </a:xfrm>
+      </p:grpSpPr>
       <p:sp>
         <p:nvSpPr>
           <p:cNvPr id="2" name="Title 1"/>
@@ -3609,7 +6614,7 @@
           <a:lstStyle/>
           <a:p>
             <a:r>
-              <a:t>Linux szerver konfigurálása - DNS</a:t>
+              <a:t>Csapatmunka</a:t>
             </a:r>
           </a:p>
         </p:txBody>
@@ -3630,7 +6635,7 @@
           <a:lstStyle/>
           <a:p>
             <a:r>
-              <a:t>BIND9 DNS szerver szolgáltatás fut rajta...</a:t>
+              <a:t>A csapatmunka megvalósításához elengedhetetlen tényező az együttműködés türelem és egy kis humor...</a:t>
             </a:r>
           </a:p>
         </p:txBody>
@@ -3644,7 +6649,7 @@
 </file>
 
 <file path=ppt/slides/slide18.xml><?xml version="1.0" encoding="utf-8"?>
-<p:sld xmlns:a="http://schemas.openxmlformats.org/drawingml/2006/main" xmlns:p="http://schemas.openxmlformats.org/presentationml/2006/main" xmlns:r="http://schemas.openxmlformats.org/officeDocument/2006/relationships">
+<p:sld xmlns:a="http://schemas.openxmlformats.org/drawingml/2006/main" xmlns:r="http://schemas.openxmlformats.org/officeDocument/2006/relationships" xmlns:p="http://schemas.openxmlformats.org/presentationml/2006/main">
   <p:cSld>
     <p:spTree>
       <p:nvGrpSpPr>
@@ -3652,7 +6657,14 @@
         <p:cNvGrpSpPr/>
         <p:nvPr/>
       </p:nvGrpSpPr>
-      <p:grpSpPr/>
+      <p:grpSpPr>
+        <a:xfrm>
+          <a:off x="0" y="0"/>
+          <a:ext cx="0" cy="0"/>
+          <a:chOff x="0" y="0"/>
+          <a:chExt cx="0" cy="0"/>
+        </a:xfrm>
+      </p:grpSpPr>
       <p:sp>
         <p:nvSpPr>
           <p:cNvPr id="2" name="Title 1"/>
@@ -3669,7 +6681,7 @@
           <a:lstStyle/>
           <a:p>
             <a:r>
-              <a:t>Linux szerver konfigurálása - SSH, Samba, Apache, FTP</a:t>
+              <a:t>Záró Dia</a:t>
             </a:r>
           </a:p>
         </p:txBody>
@@ -3690,67 +6702,12 @@
           <a:lstStyle/>
           <a:p>
             <a:r>
-              <a:t>Egy távoli Windows 10 kliens gépről léptünk be SSH-val...</a:t>
-            </a:r>
-          </a:p>
-        </p:txBody>
-      </p:sp>
-    </p:spTree>
-  </p:cSld>
-  <p:clrMapOvr>
-    <a:masterClrMapping/>
-  </p:clrMapOvr>
-</p:sld>
-</file>
-
-<file path=ppt/slides/slide19.xml><?xml version="1.0" encoding="utf-8"?>
-<p:sld xmlns:a="http://schemas.openxmlformats.org/drawingml/2006/main" xmlns:p="http://schemas.openxmlformats.org/presentationml/2006/main" xmlns:r="http://schemas.openxmlformats.org/officeDocument/2006/relationships">
-  <p:cSld>
-    <p:spTree>
-      <p:nvGrpSpPr>
-        <p:cNvPr id="1" name=""/>
-        <p:cNvGrpSpPr/>
-        <p:nvPr/>
-      </p:nvGrpSpPr>
-      <p:grpSpPr/>
-      <p:sp>
-        <p:nvSpPr>
-          <p:cNvPr id="2" name="Title 1"/>
-          <p:cNvSpPr>
-            <a:spLocks noGrp="1"/>
-          </p:cNvSpPr>
-          <p:nvPr>
-            <p:ph type="title"/>
-          </p:nvPr>
-        </p:nvSpPr>
-        <p:spPr/>
-        <p:txBody>
-          <a:bodyPr/>
-          <a:lstStyle/>
-          <a:p>
-            <a:r>
-              <a:t>Jövőbeni fejlesztések</a:t>
-            </a:r>
-          </a:p>
-        </p:txBody>
-      </p:sp>
-      <p:sp>
-        <p:nvSpPr>
-          <p:cNvPr id="3" name="Content Placeholder 2"/>
-          <p:cNvSpPr>
-            <a:spLocks noGrp="1"/>
-          </p:cNvSpPr>
-          <p:nvPr>
-            <p:ph idx="1"/>
-          </p:nvPr>
-        </p:nvSpPr>
-        <p:spPr/>
-        <p:txBody>
-          <a:bodyPr/>
-          <a:lstStyle/>
-          <a:p>
-            <a:r>
-              <a:t>A statikus és dinamikus címfordítás olyan technikák amelyek segítenek az IP címek és hálózati címek kezelésében...</a:t>
+              <a:t>Összegzés</a:t>
+            </a:r>
+          </a:p>
+          <a:p>
+            <a:r>
+              <a:t>Kérdések és válaszok szekció</a:t>
             </a:r>
           </a:p>
         </p:txBody>
@@ -3764,7 +6721,7 @@
 </file>
 
 <file path=ppt/slides/slide2.xml><?xml version="1.0" encoding="utf-8"?>
-<p:sld xmlns:a="http://schemas.openxmlformats.org/drawingml/2006/main" xmlns:p="http://schemas.openxmlformats.org/presentationml/2006/main" xmlns:r="http://schemas.openxmlformats.org/officeDocument/2006/relationships">
+<p:sld xmlns:a="http://schemas.openxmlformats.org/drawingml/2006/main" xmlns:r="http://schemas.openxmlformats.org/officeDocument/2006/relationships" xmlns:p="http://schemas.openxmlformats.org/presentationml/2006/main">
   <p:cSld>
     <p:spTree>
       <p:nvGrpSpPr>
@@ -3772,7 +6729,14 @@
         <p:cNvGrpSpPr/>
         <p:nvPr/>
       </p:nvGrpSpPr>
-      <p:grpSpPr/>
+      <p:grpSpPr>
+        <a:xfrm>
+          <a:off x="0" y="0"/>
+          <a:ext cx="0" cy="0"/>
+          <a:chOff x="0" y="0"/>
+          <a:chExt cx="0" cy="0"/>
+        </a:xfrm>
+      </p:grpSpPr>
       <p:sp>
         <p:nvSpPr>
           <p:cNvPr id="2" name="Title 1"/>
@@ -3789,7 +6753,7 @@
           <a:lstStyle/>
           <a:p>
             <a:r>
-              <a:t>Tartalomjegyzék</a:t>
+              <a:t>Bevezetés</a:t>
             </a:r>
           </a:p>
         </p:txBody>
@@ -3809,202 +6773,158 @@
           <a:bodyPr/>
           <a:lstStyle/>
           <a:p>
-            <a:r>
-              <a:t>1. Bevezetés</a:t>
-            </a:r>
-          </a:p>
-          <a:p>
-            <a:r>
-              <a:t>2. Hálózat fizikai struktúrája</a:t>
-            </a:r>
-          </a:p>
-          <a:p>
-            <a:r>
-              <a:t>3. Hálózati logikai struktúrája</a:t>
-            </a:r>
-          </a:p>
-          <a:p>
-            <a:r>
-              <a:t>4. Alkalmazott hálózati konfigurációk</a:t>
-            </a:r>
-          </a:p>
-          <a:p>
-            <a:r>
-              <a:t>5. EtherChannel</a:t>
-            </a:r>
-          </a:p>
-          <a:p>
-            <a:r>
-              <a:t>6. Virtual Private Network</a:t>
-            </a:r>
-          </a:p>
-          <a:p>
-            <a:r>
-              <a:t>7. Tűzfal - Adaptive Security Appliance</a:t>
-            </a:r>
-          </a:p>
-          <a:p>
-            <a:r>
-              <a:t>8. Biztonsági funkciók forgalomirányítón</a:t>
-            </a:r>
-          </a:p>
-          <a:p>
-            <a:r>
-              <a:t>9. Vezeték nélküli hálózat</a:t>
-            </a:r>
-          </a:p>
-          <a:p>
-            <a:r>
-              <a:t>10. Windows szerver konfigurálása</a:t>
-            </a:r>
-          </a:p>
-          <a:p>
-            <a:r>
-              <a:t>11. Linux szerver konfigurálása</a:t>
-            </a:r>
-          </a:p>
-          <a:p>
-            <a:r>
-              <a:t>12. Jövőbeni fejlesztések</a:t>
-            </a:r>
-          </a:p>
-          <a:p>
-            <a:r>
-              <a:t>13. Csapatmunka</a:t>
-            </a:r>
-          </a:p>
-          <a:p>
-            <a:r>
-              <a:t>14. Mellékletek</a:t>
-            </a:r>
-          </a:p>
-        </p:txBody>
-      </p:sp>
-    </p:spTree>
-  </p:cSld>
-  <p:clrMapOvr>
-    <a:masterClrMapping/>
-  </p:clrMapOvr>
-</p:sld>
-</file>
-
-<file path=ppt/slides/slide20.xml><?xml version="1.0" encoding="utf-8"?>
-<p:sld xmlns:a="http://schemas.openxmlformats.org/drawingml/2006/main" xmlns:p="http://schemas.openxmlformats.org/presentationml/2006/main" xmlns:r="http://schemas.openxmlformats.org/officeDocument/2006/relationships">
-  <p:cSld>
-    <p:spTree>
-      <p:nvGrpSpPr>
-        <p:cNvPr id="1" name=""/>
-        <p:cNvGrpSpPr/>
-        <p:nvPr/>
-      </p:nvGrpSpPr>
-      <p:grpSpPr/>
-      <p:sp>
-        <p:nvSpPr>
-          <p:cNvPr id="2" name="Title 1"/>
-          <p:cNvSpPr>
-            <a:spLocks noGrp="1"/>
-          </p:cNvSpPr>
-          <p:nvPr>
-            <p:ph type="title"/>
-          </p:nvPr>
-        </p:nvSpPr>
-        <p:spPr/>
-        <p:txBody>
-          <a:bodyPr/>
-          <a:lstStyle/>
-          <a:p>
-            <a:r>
-              <a:t>Csapatmunka</a:t>
-            </a:r>
-          </a:p>
-        </p:txBody>
-      </p:sp>
-      <p:sp>
-        <p:nvSpPr>
-          <p:cNvPr id="3" name="Content Placeholder 2"/>
-          <p:cNvSpPr>
-            <a:spLocks noGrp="1"/>
-          </p:cNvSpPr>
-          <p:nvPr>
-            <p:ph idx="1"/>
-          </p:nvPr>
-        </p:nvSpPr>
-        <p:spPr/>
-        <p:txBody>
-          <a:bodyPr/>
-          <a:lstStyle/>
-          <a:p>
-            <a:r>
-              <a:t>A csapatmunka megvalósításához elengedhetetlen tényező az együttműködés türelem és egy kis humor...</a:t>
-            </a:r>
-          </a:p>
-        </p:txBody>
-      </p:sp>
-    </p:spTree>
-  </p:cSld>
-  <p:clrMapOvr>
-    <a:masterClrMapping/>
-  </p:clrMapOvr>
-</p:sld>
-</file>
-
-<file path=ppt/slides/slide21.xml><?xml version="1.0" encoding="utf-8"?>
-<p:sld xmlns:a="http://schemas.openxmlformats.org/drawingml/2006/main" xmlns:p="http://schemas.openxmlformats.org/presentationml/2006/main" xmlns:r="http://schemas.openxmlformats.org/officeDocument/2006/relationships">
-  <p:cSld>
-    <p:spTree>
-      <p:nvGrpSpPr>
-        <p:cNvPr id="1" name=""/>
-        <p:cNvGrpSpPr/>
-        <p:nvPr/>
-      </p:nvGrpSpPr>
-      <p:grpSpPr/>
-      <p:sp>
-        <p:nvSpPr>
-          <p:cNvPr id="2" name="Title 1"/>
-          <p:cNvSpPr>
-            <a:spLocks noGrp="1"/>
-          </p:cNvSpPr>
-          <p:nvPr>
-            <p:ph type="title"/>
-          </p:nvPr>
-        </p:nvSpPr>
-        <p:spPr/>
-        <p:txBody>
-          <a:bodyPr/>
-          <a:lstStyle/>
-          <a:p>
-            <a:r>
-              <a:t>Záró Dia</a:t>
-            </a:r>
-          </a:p>
-        </p:txBody>
-      </p:sp>
-      <p:sp>
-        <p:nvSpPr>
-          <p:cNvPr id="3" name="Content Placeholder 2"/>
-          <p:cNvSpPr>
-            <a:spLocks noGrp="1"/>
-          </p:cNvSpPr>
-          <p:nvPr>
-            <p:ph idx="1"/>
-          </p:nvPr>
-        </p:nvSpPr>
-        <p:spPr/>
-        <p:txBody>
-          <a:bodyPr/>
-          <a:lstStyle/>
-          <a:p>
-            <a:r>
-              <a:t>Összegzés</a:t>
-            </a:r>
-          </a:p>
-          <a:p>
-            <a:r>
-              <a:t>Kérdések és válaszok szekció</a:t>
-            </a:r>
-          </a:p>
-        </p:txBody>
-      </p:sp>
+            <a:pPr marL="0" indent="0">
+              <a:buNone/>
+            </a:pPr>
+            <a:endParaRPr lang="hu-HU" dirty="0"/>
+          </a:p>
+          <a:p>
+            <a:pPr marL="0" indent="0">
+              <a:buNone/>
+            </a:pPr>
+            <a:endParaRPr lang="hu-HU" dirty="0"/>
+          </a:p>
+          <a:p>
+            <a:pPr marL="0" indent="0">
+              <a:buNone/>
+            </a:pPr>
+            <a:endParaRPr lang="hu-HU" dirty="0"/>
+          </a:p>
+          <a:p>
+            <a:pPr marL="0" indent="0">
+              <a:buNone/>
+            </a:pPr>
+            <a:endParaRPr lang="hu-HU" dirty="0"/>
+          </a:p>
+          <a:p>
+            <a:pPr marL="0" indent="0">
+              <a:buNone/>
+            </a:pPr>
+            <a:endParaRPr lang="hu-HU" dirty="0"/>
+          </a:p>
+          <a:p>
+            <a:pPr marL="0" indent="0">
+              <a:buNone/>
+            </a:pPr>
+            <a:r>
+              <a:rPr dirty="0"/>
+              <a:t>A </a:t>
+            </a:r>
+            <a:r>
+              <a:rPr dirty="0" err="1"/>
+              <a:t>Szálkapari</a:t>
+            </a:r>
+            <a:r>
+              <a:rPr dirty="0"/>
+              <a:t> </a:t>
+            </a:r>
+            <a:r>
+              <a:rPr dirty="0" err="1"/>
+              <a:t>Zrt</a:t>
+            </a:r>
+            <a:r>
+              <a:rPr dirty="0"/>
+              <a:t>. mint </a:t>
+            </a:r>
+            <a:r>
+              <a:rPr dirty="0" err="1"/>
+              <a:t>jelentős</a:t>
+            </a:r>
+            <a:r>
+              <a:rPr dirty="0"/>
+              <a:t> </a:t>
+            </a:r>
+            <a:r>
+              <a:rPr dirty="0" err="1"/>
+              <a:t>szereplő</a:t>
+            </a:r>
+            <a:r>
+              <a:rPr dirty="0"/>
+              <a:t> a </a:t>
+            </a:r>
+            <a:r>
+              <a:rPr dirty="0" err="1"/>
+              <a:t>bútoriparban</a:t>
+            </a:r>
+            <a:r>
+              <a:rPr dirty="0"/>
+              <a:t> </a:t>
+            </a:r>
+            <a:r>
+              <a:rPr dirty="0" err="1"/>
+              <a:t>komplex</a:t>
+            </a:r>
+            <a:r>
+              <a:rPr dirty="0"/>
+              <a:t> </a:t>
+            </a:r>
+            <a:r>
+              <a:rPr dirty="0" err="1"/>
+              <a:t>hálózati</a:t>
+            </a:r>
+            <a:r>
+              <a:rPr dirty="0"/>
+              <a:t> </a:t>
+            </a:r>
+            <a:r>
+              <a:rPr dirty="0" err="1"/>
+              <a:t>infrastruktúrával</a:t>
+            </a:r>
+            <a:r>
+              <a:rPr dirty="0"/>
+              <a:t> </a:t>
+            </a:r>
+            <a:r>
+              <a:rPr dirty="0" err="1"/>
+              <a:t>rendelkezik</a:t>
+            </a:r>
+            <a:r>
+              <a:rPr lang="hu-HU" dirty="0"/>
+              <a:t>:</a:t>
+            </a:r>
+          </a:p>
+          <a:p>
+            <a:endParaRPr dirty="0"/>
+          </a:p>
+        </p:txBody>
+      </p:sp>
+      <p:pic>
+        <p:nvPicPr>
+          <p:cNvPr id="4" name="Kép 3">
+            <a:extLst>
+              <a:ext uri="{FF2B5EF4-FFF2-40B4-BE49-F238E27FC236}">
+                <a16:creationId xmlns:a16="http://schemas.microsoft.com/office/drawing/2014/main" id="{79561E7D-F9F2-7E90-2B7A-2B15E4A1ABD9}"/>
+              </a:ext>
+            </a:extLst>
+          </p:cNvPr>
+          <p:cNvPicPr>
+            <a:picLocks noChangeAspect="1"/>
+          </p:cNvPicPr>
+          <p:nvPr/>
+        </p:nvPicPr>
+        <p:blipFill>
+          <a:blip r:embed="rId3" cstate="print">
+            <a:alphaModFix/>
+            <a:extLst>
+              <a:ext uri="{28A0092B-C50C-407E-A947-70E740481C1C}">
+                <a14:useLocalDpi xmlns:a14="http://schemas.microsoft.com/office/drawing/2010/main" val="0"/>
+              </a:ext>
+            </a:extLst>
+          </a:blip>
+          <a:stretch>
+            <a:fillRect/>
+          </a:stretch>
+        </p:blipFill>
+        <p:spPr>
+          <a:xfrm>
+            <a:off x="3451860" y="1890124"/>
+            <a:ext cx="2240280" cy="2493010"/>
+          </a:xfrm>
+          <a:prstGeom prst="rect">
+            <a:avLst/>
+          </a:prstGeom>
+        </p:spPr>
+      </p:pic>
     </p:spTree>
   </p:cSld>
   <p:clrMapOvr>
@@ -4014,7 +6934,7 @@
 </file>
 
 <file path=ppt/slides/slide3.xml><?xml version="1.0" encoding="utf-8"?>
-<p:sld xmlns:a="http://schemas.openxmlformats.org/drawingml/2006/main" xmlns:p="http://schemas.openxmlformats.org/presentationml/2006/main" xmlns:r="http://schemas.openxmlformats.org/officeDocument/2006/relationships">
+<p:sld xmlns:a="http://schemas.openxmlformats.org/drawingml/2006/main" xmlns:r="http://schemas.openxmlformats.org/officeDocument/2006/relationships" xmlns:p="http://schemas.openxmlformats.org/presentationml/2006/main">
   <p:cSld>
     <p:spTree>
       <p:nvGrpSpPr>
@@ -4022,50 +6942,56 @@
         <p:cNvGrpSpPr/>
         <p:nvPr/>
       </p:nvGrpSpPr>
-      <p:grpSpPr/>
-      <p:sp>
-        <p:nvSpPr>
-          <p:cNvPr id="2" name="Title 1"/>
-          <p:cNvSpPr>
-            <a:spLocks noGrp="1"/>
-          </p:cNvSpPr>
-          <p:nvPr>
-            <p:ph type="title"/>
-          </p:nvPr>
-        </p:nvSpPr>
-        <p:spPr/>
-        <p:txBody>
-          <a:bodyPr/>
-          <a:lstStyle/>
-          <a:p>
-            <a:r>
-              <a:t>Bevezetés</a:t>
-            </a:r>
-          </a:p>
-        </p:txBody>
-      </p:sp>
-      <p:sp>
-        <p:nvSpPr>
-          <p:cNvPr id="3" name="Content Placeholder 2"/>
-          <p:cNvSpPr>
-            <a:spLocks noGrp="1"/>
-          </p:cNvSpPr>
-          <p:nvPr>
-            <p:ph idx="1"/>
-          </p:nvPr>
-        </p:nvSpPr>
-        <p:spPr/>
-        <p:txBody>
-          <a:bodyPr/>
-          <a:lstStyle/>
-          <a:p>
-            <a:r>
-              <a:t>A Szálkapari Zrt. mint jelentős szereplő a bútoriparban komplex hálózati infrastruktúrával rendelkezik...</a:t>
-            </a:r>
-          </a:p>
-        </p:txBody>
-      </p:sp>
+      <p:grpSpPr>
+        <a:xfrm>
+          <a:off x="0" y="0"/>
+          <a:ext cx="0" cy="0"/>
+          <a:chOff x="0" y="0"/>
+          <a:chExt cx="0" cy="0"/>
+        </a:xfrm>
+      </p:grpSpPr>
+      <p:pic>
+        <p:nvPicPr>
+          <p:cNvPr id="4" name="Kép 3">
+            <a:extLst>
+              <a:ext uri="{FF2B5EF4-FFF2-40B4-BE49-F238E27FC236}">
+                <a16:creationId xmlns:a16="http://schemas.microsoft.com/office/drawing/2014/main" id="{AA77F4B4-52FB-BDBC-E9AD-6ED23874FFFE}"/>
+              </a:ext>
+            </a:extLst>
+          </p:cNvPr>
+          <p:cNvPicPr>
+            <a:picLocks noChangeAspect="1"/>
+          </p:cNvPicPr>
+          <p:nvPr/>
+        </p:nvPicPr>
+        <p:blipFill>
+          <a:blip r:embed="rId3">
+            <a:extLst>
+              <a:ext uri="{28A0092B-C50C-407E-A947-70E740481C1C}">
+                <a14:useLocalDpi xmlns:a14="http://schemas.microsoft.com/office/drawing/2010/main" val="0"/>
+              </a:ext>
+            </a:extLst>
+          </a:blip>
+          <a:stretch>
+            <a:fillRect/>
+          </a:stretch>
+        </p:blipFill>
+        <p:spPr>
+          <a:xfrm>
+            <a:off x="164379" y="609600"/>
+            <a:ext cx="8648470" cy="5532120"/>
+          </a:xfrm>
+          <a:prstGeom prst="rect">
+            <a:avLst/>
+          </a:prstGeom>
+        </p:spPr>
+      </p:pic>
     </p:spTree>
+    <p:extLst>
+      <p:ext uri="{BB962C8B-B14F-4D97-AF65-F5344CB8AC3E}">
+        <p14:creationId xmlns:p14="http://schemas.microsoft.com/office/powerpoint/2010/main" val="1915289722"/>
+      </p:ext>
+    </p:extLst>
   </p:cSld>
   <p:clrMapOvr>
     <a:masterClrMapping/>
@@ -4074,7 +7000,7 @@
 </file>
 
 <file path=ppt/slides/slide4.xml><?xml version="1.0" encoding="utf-8"?>
-<p:sld xmlns:a="http://schemas.openxmlformats.org/drawingml/2006/main" xmlns:p="http://schemas.openxmlformats.org/presentationml/2006/main" xmlns:r="http://schemas.openxmlformats.org/officeDocument/2006/relationships">
+<p:sld xmlns:a="http://schemas.openxmlformats.org/drawingml/2006/main" xmlns:r="http://schemas.openxmlformats.org/officeDocument/2006/relationships" xmlns:p="http://schemas.openxmlformats.org/presentationml/2006/main">
   <p:cSld>
     <p:spTree>
       <p:nvGrpSpPr>
@@ -4082,7 +7008,14 @@
         <p:cNvGrpSpPr/>
         <p:nvPr/>
       </p:nvGrpSpPr>
-      <p:grpSpPr/>
+      <p:grpSpPr>
+        <a:xfrm>
+          <a:off x="0" y="0"/>
+          <a:ext cx="0" cy="0"/>
+          <a:chOff x="0" y="0"/>
+          <a:chExt cx="0" cy="0"/>
+        </a:xfrm>
+      </p:grpSpPr>
       <p:sp>
         <p:nvSpPr>
           <p:cNvPr id="2" name="Title 1"/>
@@ -4099,8 +7032,26 @@
           <a:lstStyle/>
           <a:p>
             <a:r>
-              <a:t>Hálózat fizikai struktúrája</a:t>
-            </a:r>
+              <a:rPr dirty="0" err="1"/>
+              <a:t>Hálózat</a:t>
+            </a:r>
+            <a:r>
+              <a:rPr dirty="0"/>
+              <a:t> </a:t>
+            </a:r>
+            <a:r>
+              <a:rPr dirty="0" err="1"/>
+              <a:t>fizikai</a:t>
+            </a:r>
+            <a:r>
+              <a:rPr dirty="0"/>
+              <a:t> </a:t>
+            </a:r>
+            <a:r>
+              <a:rPr dirty="0" err="1"/>
+              <a:t>struktúrája</a:t>
+            </a:r>
+            <a:endParaRPr dirty="0"/>
           </a:p>
         </p:txBody>
       </p:sp>
@@ -4114,14 +7065,128 @@
             <p:ph idx="1"/>
           </p:nvPr>
         </p:nvSpPr>
-        <p:spPr/>
-        <p:txBody>
-          <a:bodyPr/>
-          <a:lstStyle/>
-          <a:p>
-            <a:r>
-              <a:t>A vállalati hálózatban a kommunikáció létrejöttéhez a forrás és cél állomás összeköttetéséhez meg kell teremtenünk a csatornát...</a:t>
-            </a:r>
+        <p:spPr>
+          <a:xfrm>
+            <a:off x="457200" y="1600200"/>
+            <a:ext cx="8229600" cy="2828365"/>
+          </a:xfrm>
+        </p:spPr>
+        <p:txBody>
+          <a:bodyPr/>
+          <a:lstStyle/>
+          <a:p>
+            <a:pPr marL="0" indent="0" algn="ctr">
+              <a:buNone/>
+            </a:pPr>
+            <a:r>
+              <a:rPr dirty="0"/>
+              <a:t>A </a:t>
+            </a:r>
+            <a:r>
+              <a:rPr dirty="0" err="1"/>
+              <a:t>vállalati</a:t>
+            </a:r>
+            <a:r>
+              <a:rPr dirty="0"/>
+              <a:t> </a:t>
+            </a:r>
+            <a:r>
+              <a:rPr dirty="0" err="1"/>
+              <a:t>hálózatban</a:t>
+            </a:r>
+            <a:r>
+              <a:rPr dirty="0"/>
+              <a:t> a </a:t>
+            </a:r>
+            <a:r>
+              <a:rPr dirty="0" err="1"/>
+              <a:t>kommunikáció</a:t>
+            </a:r>
+            <a:r>
+              <a:rPr dirty="0"/>
+              <a:t> </a:t>
+            </a:r>
+            <a:r>
+              <a:rPr dirty="0" err="1"/>
+              <a:t>létrejöttéhez</a:t>
+            </a:r>
+            <a:r>
+              <a:rPr dirty="0"/>
+              <a:t> a </a:t>
+            </a:r>
+            <a:r>
+              <a:rPr dirty="0" err="1"/>
+              <a:t>forrás</a:t>
+            </a:r>
+            <a:r>
+              <a:rPr dirty="0"/>
+              <a:t> </a:t>
+            </a:r>
+            <a:r>
+              <a:rPr dirty="0" err="1"/>
+              <a:t>és</a:t>
+            </a:r>
+            <a:r>
+              <a:rPr dirty="0"/>
+              <a:t> </a:t>
+            </a:r>
+            <a:r>
+              <a:rPr dirty="0" err="1"/>
+              <a:t>cél</a:t>
+            </a:r>
+            <a:r>
+              <a:rPr dirty="0"/>
+              <a:t> </a:t>
+            </a:r>
+            <a:r>
+              <a:rPr dirty="0" err="1"/>
+              <a:t>állomás</a:t>
+            </a:r>
+            <a:r>
+              <a:rPr dirty="0"/>
+              <a:t> </a:t>
+            </a:r>
+            <a:r>
+              <a:rPr dirty="0" err="1"/>
+              <a:t>összeköttetéséhez</a:t>
+            </a:r>
+            <a:r>
+              <a:rPr dirty="0"/>
+              <a:t> meg </a:t>
+            </a:r>
+            <a:r>
+              <a:rPr dirty="0" err="1"/>
+              <a:t>kell</a:t>
+            </a:r>
+            <a:r>
+              <a:rPr dirty="0"/>
+              <a:t> </a:t>
+            </a:r>
+            <a:r>
+              <a:rPr dirty="0" err="1"/>
+              <a:t>teremtenünk</a:t>
+            </a:r>
+            <a:r>
+              <a:rPr dirty="0"/>
+              <a:t> a </a:t>
+            </a:r>
+            <a:r>
+              <a:rPr dirty="0" err="1"/>
+              <a:t>csatornát</a:t>
+            </a:r>
+            <a:r>
+              <a:rPr lang="hu-HU" dirty="0"/>
+              <a:t> győri, soproni és a pozsonyi </a:t>
+            </a:r>
+            <a:r>
+              <a:rPr lang="hu-HU" dirty="0" err="1"/>
+              <a:t>telelephelyek</a:t>
+            </a:r>
+            <a:r>
+              <a:rPr lang="hu-HU" dirty="0"/>
+              <a:t> között. </a:t>
+            </a:r>
+            <a:endParaRPr dirty="0"/>
           </a:p>
         </p:txBody>
       </p:sp>
@@ -4134,7 +7199,7 @@
 </file>
 
 <file path=ppt/slides/slide5.xml><?xml version="1.0" encoding="utf-8"?>
-<p:sld xmlns:a="http://schemas.openxmlformats.org/drawingml/2006/main" xmlns:p="http://schemas.openxmlformats.org/presentationml/2006/main" xmlns:r="http://schemas.openxmlformats.org/officeDocument/2006/relationships">
+<p:sld xmlns:a="http://schemas.openxmlformats.org/drawingml/2006/main" xmlns:r="http://schemas.openxmlformats.org/officeDocument/2006/relationships" xmlns:p="http://schemas.openxmlformats.org/presentationml/2006/main">
   <p:cSld>
     <p:spTree>
       <p:nvGrpSpPr>
@@ -4142,7 +7207,14 @@
         <p:cNvGrpSpPr/>
         <p:nvPr/>
       </p:nvGrpSpPr>
-      <p:grpSpPr/>
+      <p:grpSpPr>
+        <a:xfrm>
+          <a:off x="0" y="0"/>
+          <a:ext cx="0" cy="0"/>
+          <a:chOff x="0" y="0"/>
+          <a:chExt cx="0" cy="0"/>
+        </a:xfrm>
+      </p:grpSpPr>
       <p:sp>
         <p:nvSpPr>
           <p:cNvPr id="2" name="Title 1"/>
@@ -4179,9 +7251,94 @@
           <a:bodyPr/>
           <a:lstStyle/>
           <a:p>
-            <a:r>
-              <a:t>Az elosztási réteg minden telephelyen több logikailag különálló részre osztott...</a:t>
-            </a:r>
+            <a:pPr marL="0" indent="0">
+              <a:buNone/>
+            </a:pPr>
+            <a:r>
+              <a:rPr dirty="0"/>
+              <a:t>Az </a:t>
+            </a:r>
+            <a:r>
+              <a:rPr dirty="0" err="1"/>
+              <a:t>elosztási</a:t>
+            </a:r>
+            <a:r>
+              <a:rPr dirty="0"/>
+              <a:t> </a:t>
+            </a:r>
+            <a:r>
+              <a:rPr dirty="0" err="1"/>
+              <a:t>réteg</a:t>
+            </a:r>
+            <a:r>
+              <a:rPr dirty="0"/>
+              <a:t> </a:t>
+            </a:r>
+            <a:r>
+              <a:rPr dirty="0" err="1"/>
+              <a:t>minden</a:t>
+            </a:r>
+            <a:r>
+              <a:rPr dirty="0"/>
+              <a:t> </a:t>
+            </a:r>
+            <a:r>
+              <a:rPr dirty="0" err="1"/>
+              <a:t>telephelyen</a:t>
+            </a:r>
+            <a:r>
+              <a:rPr dirty="0"/>
+              <a:t> </a:t>
+            </a:r>
+            <a:r>
+              <a:rPr dirty="0" err="1"/>
+              <a:t>több</a:t>
+            </a:r>
+            <a:r>
+              <a:rPr dirty="0"/>
+              <a:t> </a:t>
+            </a:r>
+            <a:r>
+              <a:rPr dirty="0" err="1"/>
+              <a:t>logikailag</a:t>
+            </a:r>
+            <a:r>
+              <a:rPr dirty="0"/>
+              <a:t> </a:t>
+            </a:r>
+            <a:r>
+              <a:rPr dirty="0" err="1"/>
+              <a:t>különálló</a:t>
+            </a:r>
+            <a:r>
+              <a:rPr dirty="0"/>
+              <a:t> </a:t>
+            </a:r>
+            <a:r>
+              <a:rPr dirty="0" err="1"/>
+              <a:t>részre</a:t>
+            </a:r>
+            <a:r>
+              <a:rPr dirty="0"/>
+              <a:t> </a:t>
+            </a:r>
+            <a:r>
+              <a:rPr dirty="0" err="1"/>
+              <a:t>osztott</a:t>
+            </a:r>
+            <a:r>
+              <a:rPr lang="hu-HU" dirty="0"/>
+              <a:t>, például virtuális hálózatok segítségével. A következő ábrán látható a </a:t>
+            </a:r>
+            <a:r>
+              <a:rPr lang="hu-HU" dirty="0" err="1"/>
+              <a:t>vlan</a:t>
+            </a:r>
+            <a:r>
+              <a:rPr lang="hu-HU" dirty="0"/>
+              <a:t>-ok kialakítása:</a:t>
+            </a:r>
+            <a:endParaRPr dirty="0"/>
           </a:p>
         </p:txBody>
       </p:sp>
@@ -4194,7 +7351,7 @@
 </file>
 
 <file path=ppt/slides/slide6.xml><?xml version="1.0" encoding="utf-8"?>
-<p:sld xmlns:a="http://schemas.openxmlformats.org/drawingml/2006/main" xmlns:p="http://schemas.openxmlformats.org/presentationml/2006/main" xmlns:r="http://schemas.openxmlformats.org/officeDocument/2006/relationships">
+<p:sld xmlns:a="http://schemas.openxmlformats.org/drawingml/2006/main" xmlns:r="http://schemas.openxmlformats.org/officeDocument/2006/relationships" xmlns:p="http://schemas.openxmlformats.org/presentationml/2006/main">
   <p:cSld>
     <p:spTree>
       <p:nvGrpSpPr>
@@ -4202,50 +7359,50 @@
         <p:cNvGrpSpPr/>
         <p:nvPr/>
       </p:nvGrpSpPr>
-      <p:grpSpPr/>
-      <p:sp>
-        <p:nvSpPr>
-          <p:cNvPr id="2" name="Title 1"/>
-          <p:cNvSpPr>
-            <a:spLocks noGrp="1"/>
-          </p:cNvSpPr>
-          <p:nvPr>
-            <p:ph type="title"/>
-          </p:nvPr>
-        </p:nvSpPr>
-        <p:spPr/>
-        <p:txBody>
-          <a:bodyPr/>
-          <a:lstStyle/>
-          <a:p>
-            <a:r>
-              <a:t>Forgalomirányítás</a:t>
-            </a:r>
-          </a:p>
-        </p:txBody>
-      </p:sp>
-      <p:sp>
-        <p:nvSpPr>
-          <p:cNvPr id="3" name="Content Placeholder 2"/>
-          <p:cNvSpPr>
-            <a:spLocks noGrp="1"/>
-          </p:cNvSpPr>
-          <p:nvPr>
-            <p:ph idx="1"/>
-          </p:nvPr>
-        </p:nvSpPr>
-        <p:spPr/>
-        <p:txBody>
-          <a:bodyPr/>
-          <a:lstStyle/>
-          <a:p>
-            <a:r>
-              <a:t>A telephelyeken illetve azok között a dinamikus forgalomirányítást OSPF területek kialakításával oldottuk meg...</a:t>
-            </a:r>
-          </a:p>
-        </p:txBody>
-      </p:sp>
+      <p:grpSpPr>
+        <a:xfrm>
+          <a:off x="0" y="0"/>
+          <a:ext cx="0" cy="0"/>
+          <a:chOff x="0" y="0"/>
+          <a:chExt cx="0" cy="0"/>
+        </a:xfrm>
+      </p:grpSpPr>
+      <p:pic>
+        <p:nvPicPr>
+          <p:cNvPr id="12" name="Kép 11">
+            <a:extLst>
+              <a:ext uri="{FF2B5EF4-FFF2-40B4-BE49-F238E27FC236}">
+                <a16:creationId xmlns:a16="http://schemas.microsoft.com/office/drawing/2014/main" id="{B1A10A31-29FE-A148-3C64-FFB2597B1F91}"/>
+              </a:ext>
+            </a:extLst>
+          </p:cNvPr>
+          <p:cNvPicPr>
+            <a:picLocks noChangeAspect="1"/>
+          </p:cNvPicPr>
+          <p:nvPr/>
+        </p:nvPicPr>
+        <p:blipFill>
+          <a:blip r:embed="rId2"/>
+          <a:stretch>
+            <a:fillRect/>
+          </a:stretch>
+        </p:blipFill>
+        <p:spPr>
+          <a:xfrm>
+            <a:off x="279400" y="483123"/>
+            <a:ext cx="8636000" cy="5891753"/>
+          </a:xfrm>
+          <a:prstGeom prst="rect">
+            <a:avLst/>
+          </a:prstGeom>
+        </p:spPr>
+      </p:pic>
     </p:spTree>
+    <p:extLst>
+      <p:ext uri="{BB962C8B-B14F-4D97-AF65-F5344CB8AC3E}">
+        <p14:creationId xmlns:p14="http://schemas.microsoft.com/office/powerpoint/2010/main" val="2698256563"/>
+      </p:ext>
+    </p:extLst>
   </p:cSld>
   <p:clrMapOvr>
     <a:masterClrMapping/>
@@ -4254,7 +7411,7 @@
 </file>
 
 <file path=ppt/slides/slide7.xml><?xml version="1.0" encoding="utf-8"?>
-<p:sld xmlns:a="http://schemas.openxmlformats.org/drawingml/2006/main" xmlns:p="http://schemas.openxmlformats.org/presentationml/2006/main" xmlns:r="http://schemas.openxmlformats.org/officeDocument/2006/relationships">
+<p:sld xmlns:a="http://schemas.openxmlformats.org/drawingml/2006/main" xmlns:r="http://schemas.openxmlformats.org/officeDocument/2006/relationships" xmlns:p="http://schemas.openxmlformats.org/presentationml/2006/main">
   <p:cSld>
     <p:spTree>
       <p:nvGrpSpPr>
@@ -4262,7 +7419,14 @@
         <p:cNvGrpSpPr/>
         <p:nvPr/>
       </p:nvGrpSpPr>
-      <p:grpSpPr/>
+      <p:grpSpPr>
+        <a:xfrm>
+          <a:off x="0" y="0"/>
+          <a:ext cx="0" cy="0"/>
+          <a:chOff x="0" y="0"/>
+          <a:chExt cx="0" cy="0"/>
+        </a:xfrm>
+      </p:grpSpPr>
       <p:sp>
         <p:nvSpPr>
           <p:cNvPr id="2" name="Title 1"/>
@@ -4279,8 +7443,10 @@
           <a:lstStyle/>
           <a:p>
             <a:r>
-              <a:t>IP címek kiosztása</a:t>
-            </a:r>
+              <a:rPr dirty="0" err="1"/>
+              <a:t>Forgalomirányítás</a:t>
+            </a:r>
+            <a:endParaRPr dirty="0"/>
           </a:p>
         </p:txBody>
       </p:sp>
@@ -4299,12 +7465,130 @@
           <a:bodyPr/>
           <a:lstStyle/>
           <a:p>
-            <a:r>
-              <a:t>A teljes hálózaton alkalmaztunk Szerver PC általi forgalomirányító általi és statikusan beállított IP cím kiosztást...</a:t>
-            </a:r>
-          </a:p>
-        </p:txBody>
-      </p:sp>
+            <a:pPr marL="0" indent="0">
+              <a:buNone/>
+            </a:pPr>
+            <a:r>
+              <a:rPr dirty="0"/>
+              <a:t>A </a:t>
+            </a:r>
+            <a:r>
+              <a:rPr dirty="0" err="1"/>
+              <a:t>telephelyeken</a:t>
+            </a:r>
+            <a:r>
+              <a:rPr dirty="0"/>
+              <a:t> </a:t>
+            </a:r>
+            <a:r>
+              <a:rPr dirty="0" err="1"/>
+              <a:t>illetve</a:t>
+            </a:r>
+            <a:r>
+              <a:rPr dirty="0"/>
+              <a:t> </a:t>
+            </a:r>
+            <a:r>
+              <a:rPr dirty="0" err="1"/>
+              <a:t>azok</a:t>
+            </a:r>
+            <a:r>
+              <a:rPr dirty="0"/>
+              <a:t> </a:t>
+            </a:r>
+            <a:r>
+              <a:rPr dirty="0" err="1"/>
+              <a:t>között</a:t>
+            </a:r>
+            <a:r>
+              <a:rPr dirty="0"/>
+              <a:t> a </a:t>
+            </a:r>
+            <a:r>
+              <a:rPr dirty="0" err="1"/>
+              <a:t>dinamikus</a:t>
+            </a:r>
+            <a:r>
+              <a:rPr dirty="0"/>
+              <a:t> </a:t>
+            </a:r>
+            <a:r>
+              <a:rPr dirty="0" err="1"/>
+              <a:t>forgalomirányítást</a:t>
+            </a:r>
+            <a:r>
+              <a:rPr dirty="0"/>
+              <a:t> OSPF </a:t>
+            </a:r>
+            <a:r>
+              <a:rPr dirty="0" err="1"/>
+              <a:t>területek</a:t>
+            </a:r>
+            <a:r>
+              <a:rPr dirty="0"/>
+              <a:t> </a:t>
+            </a:r>
+            <a:r>
+              <a:rPr dirty="0" err="1"/>
+              <a:t>kialakításával</a:t>
+            </a:r>
+            <a:r>
+              <a:rPr dirty="0"/>
+              <a:t> </a:t>
+            </a:r>
+            <a:r>
+              <a:rPr dirty="0" err="1"/>
+              <a:t>oldottuk</a:t>
+            </a:r>
+            <a:r>
+              <a:rPr dirty="0"/>
+              <a:t> meg</a:t>
+            </a:r>
+            <a:r>
+              <a:rPr lang="hu-HU" dirty="0"/>
+              <a:t>:</a:t>
+            </a:r>
+            <a:endParaRPr dirty="0"/>
+          </a:p>
+        </p:txBody>
+      </p:sp>
+      <p:pic>
+        <p:nvPicPr>
+          <p:cNvPr id="6" name="Kép 5">
+            <a:extLst>
+              <a:ext uri="{FF2B5EF4-FFF2-40B4-BE49-F238E27FC236}">
+                <a16:creationId xmlns:a16="http://schemas.microsoft.com/office/drawing/2014/main" id="{1C0D726C-CCA2-C21C-1427-D9C6AD6EBDE1}"/>
+              </a:ext>
+            </a:extLst>
+          </p:cNvPr>
+          <p:cNvPicPr>
+            <a:picLocks noChangeAspect="1"/>
+          </p:cNvPicPr>
+          <p:nvPr/>
+        </p:nvPicPr>
+        <p:blipFill>
+          <a:blip r:embed="rId3"/>
+          <a:stretch>
+            <a:fillRect/>
+          </a:stretch>
+        </p:blipFill>
+        <p:spPr>
+          <a:xfrm>
+            <a:off x="1661160" y="3284713"/>
+            <a:ext cx="6074990" cy="2473934"/>
+          </a:xfrm>
+          <a:prstGeom prst="rect">
+            <a:avLst/>
+          </a:prstGeom>
+          <a:ln>
+            <a:solidFill>
+              <a:schemeClr val="accent1">
+                <a:alpha val="99000"/>
+              </a:schemeClr>
+            </a:solidFill>
+          </a:ln>
+        </p:spPr>
+      </p:pic>
     </p:spTree>
   </p:cSld>
   <p:clrMapOvr>
@@ -4314,7 +7598,7 @@
 </file>
 
 <file path=ppt/slides/slide8.xml><?xml version="1.0" encoding="utf-8"?>
-<p:sld xmlns:a="http://schemas.openxmlformats.org/drawingml/2006/main" xmlns:p="http://schemas.openxmlformats.org/presentationml/2006/main" xmlns:r="http://schemas.openxmlformats.org/officeDocument/2006/relationships">
+<p:sld xmlns:a="http://schemas.openxmlformats.org/drawingml/2006/main" xmlns:r="http://schemas.openxmlformats.org/officeDocument/2006/relationships" xmlns:p="http://schemas.openxmlformats.org/presentationml/2006/main">
   <p:cSld>
     <p:spTree>
       <p:nvGrpSpPr>
@@ -4322,7 +7606,14 @@
         <p:cNvGrpSpPr/>
         <p:nvPr/>
       </p:nvGrpSpPr>
-      <p:grpSpPr/>
+      <p:grpSpPr>
+        <a:xfrm>
+          <a:off x="0" y="0"/>
+          <a:ext cx="0" cy="0"/>
+          <a:chOff x="0" y="0"/>
+          <a:chExt cx="0" cy="0"/>
+        </a:xfrm>
+      </p:grpSpPr>
       <p:sp>
         <p:nvSpPr>
           <p:cNvPr id="2" name="Title 1"/>
@@ -4339,8 +7630,22 @@
           <a:lstStyle/>
           <a:p>
             <a:r>
-              <a:t>EtherChannel</a:t>
-            </a:r>
+              <a:rPr dirty="0"/>
+              <a:t>IP </a:t>
+            </a:r>
+            <a:r>
+              <a:rPr dirty="0" err="1"/>
+              <a:t>címek</a:t>
+            </a:r>
+            <a:r>
+              <a:rPr dirty="0"/>
+              <a:t> </a:t>
+            </a:r>
+            <a:r>
+              <a:rPr dirty="0" err="1"/>
+              <a:t>kiosztása</a:t>
+            </a:r>
+            <a:endParaRPr dirty="0"/>
           </a:p>
         </p:txBody>
       </p:sp>
@@ -4359,14 +7664,106 @@
           <a:bodyPr/>
           <a:lstStyle/>
           <a:p>
-            <a:r>
-              <a:t>Az EtherChannel előnyei</a:t>
-            </a:r>
-          </a:p>
-          <a:p>
-            <a:r>
-              <a:t>Az EtherChannel (portcsatorna) interfész számos előnnyel jár...</a:t>
-            </a:r>
+            <a:pPr marL="0" indent="0">
+              <a:buNone/>
+            </a:pPr>
+            <a:r>
+              <a:rPr dirty="0"/>
+              <a:t>A </a:t>
+            </a:r>
+            <a:r>
+              <a:rPr lang="hu-HU" dirty="0"/>
+              <a:t>vállalat egyes hálózati részein </a:t>
+            </a:r>
+            <a:r>
+              <a:rPr dirty="0" err="1"/>
+              <a:t>alkalmaz</a:t>
+            </a:r>
+            <a:r>
+              <a:rPr lang="hu-HU" dirty="0" err="1"/>
+              <a:t>ásra</a:t>
+            </a:r>
+            <a:r>
+              <a:rPr lang="hu-HU" dirty="0"/>
+              <a:t> került</a:t>
+            </a:r>
+            <a:r>
+              <a:rPr dirty="0"/>
+              <a:t> </a:t>
+            </a:r>
+            <a:r>
+              <a:rPr dirty="0" err="1"/>
+              <a:t>Szerver</a:t>
+            </a:r>
+            <a:r>
+              <a:rPr dirty="0"/>
+              <a:t> PC</a:t>
+            </a:r>
+            <a:r>
+              <a:rPr lang="hu-HU" dirty="0"/>
+              <a:t>,</a:t>
+            </a:r>
+            <a:r>
+              <a:rPr dirty="0"/>
+              <a:t> </a:t>
+            </a:r>
+            <a:r>
+              <a:rPr dirty="0" err="1"/>
+              <a:t>forgalomirányító</a:t>
+            </a:r>
+            <a:r>
+              <a:rPr dirty="0"/>
+              <a:t> </a:t>
+            </a:r>
+            <a:r>
+              <a:rPr dirty="0" err="1"/>
+              <a:t>általi</a:t>
+            </a:r>
+            <a:r>
+              <a:rPr dirty="0"/>
+              <a:t> </a:t>
+            </a:r>
+            <a:r>
+              <a:rPr dirty="0" err="1"/>
+              <a:t>és</a:t>
+            </a:r>
+            <a:r>
+              <a:rPr dirty="0"/>
+              <a:t> </a:t>
+            </a:r>
+            <a:r>
+              <a:rPr dirty="0" err="1"/>
+              <a:t>statikusan</a:t>
+            </a:r>
+            <a:r>
+              <a:rPr dirty="0"/>
+              <a:t> </a:t>
+            </a:r>
+            <a:r>
+              <a:rPr dirty="0" err="1"/>
+              <a:t>beállított</a:t>
+            </a:r>
+            <a:r>
+              <a:rPr dirty="0"/>
+              <a:t> IP </a:t>
+            </a:r>
+            <a:r>
+              <a:rPr dirty="0" err="1"/>
+              <a:t>cím</a:t>
+            </a:r>
+            <a:r>
+              <a:rPr dirty="0"/>
+              <a:t> </a:t>
+            </a:r>
+            <a:r>
+              <a:rPr dirty="0" err="1"/>
+              <a:t>kiosztás</a:t>
+            </a:r>
+            <a:r>
+              <a:rPr lang="hu-HU" dirty="0"/>
+              <a:t> is.</a:t>
+            </a:r>
+            <a:endParaRPr dirty="0"/>
           </a:p>
         </p:txBody>
       </p:sp>
@@ -4379,7 +7776,7 @@
 </file>
 
 <file path=ppt/slides/slide9.xml><?xml version="1.0" encoding="utf-8"?>
-<p:sld xmlns:a="http://schemas.openxmlformats.org/drawingml/2006/main" xmlns:p="http://schemas.openxmlformats.org/presentationml/2006/main" xmlns:r="http://schemas.openxmlformats.org/officeDocument/2006/relationships">
+<p:sld xmlns:a="http://schemas.openxmlformats.org/drawingml/2006/main" xmlns:r="http://schemas.openxmlformats.org/officeDocument/2006/relationships" xmlns:p="http://schemas.openxmlformats.org/presentationml/2006/main">
   <p:cSld>
     <p:spTree>
       <p:nvGrpSpPr>
@@ -4387,7 +7784,14 @@
         <p:cNvGrpSpPr/>
         <p:nvPr/>
       </p:nvGrpSpPr>
-      <p:grpSpPr/>
+      <p:grpSpPr>
+        <a:xfrm>
+          <a:off x="0" y="0"/>
+          <a:ext cx="0" cy="0"/>
+          <a:chOff x="0" y="0"/>
+          <a:chExt cx="0" cy="0"/>
+        </a:xfrm>
+      </p:grpSpPr>
       <p:sp>
         <p:nvSpPr>
           <p:cNvPr id="2" name="Title 1"/>
@@ -4404,7 +7808,7 @@
           <a:lstStyle/>
           <a:p>
             <a:r>
-              <a:t>Virtual Private Network</a:t>
+              <a:t>EtherChannel</a:t>
             </a:r>
           </a:p>
         </p:txBody>
@@ -4419,17 +7823,131 @@
             <p:ph idx="1"/>
           </p:nvPr>
         </p:nvSpPr>
-        <p:spPr/>
-        <p:txBody>
-          <a:bodyPr/>
-          <a:lstStyle/>
-          <a:p>
-            <a:r>
-              <a:t>A VPN (Virtual Private Network) konfigurációja és implementációja alapvető fontosságú a két szervezet belső hálózatai közötti biztonságos kommunikációhoz...</a:t>
-            </a:r>
-          </a:p>
-        </p:txBody>
-      </p:sp>
+        <p:spPr>
+          <a:xfrm>
+            <a:off x="457200" y="1600201"/>
+            <a:ext cx="8229600" cy="2270760"/>
+          </a:xfrm>
+        </p:spPr>
+        <p:txBody>
+          <a:bodyPr/>
+          <a:lstStyle/>
+          <a:p>
+            <a:pPr marL="0" indent="0">
+              <a:buNone/>
+            </a:pPr>
+            <a:r>
+              <a:rPr dirty="0"/>
+              <a:t>Az EtherChannel (</a:t>
+            </a:r>
+            <a:r>
+              <a:rPr dirty="0" err="1"/>
+              <a:t>portcsatorna</a:t>
+            </a:r>
+            <a:r>
+              <a:rPr dirty="0"/>
+              <a:t>) </a:t>
+            </a:r>
+            <a:r>
+              <a:rPr dirty="0" err="1"/>
+              <a:t>interfész</a:t>
+            </a:r>
+            <a:r>
+              <a:rPr dirty="0"/>
+              <a:t> </a:t>
+            </a:r>
+            <a:r>
+              <a:rPr dirty="0" err="1"/>
+              <a:t>számos</a:t>
+            </a:r>
+            <a:r>
+              <a:rPr dirty="0"/>
+              <a:t> </a:t>
+            </a:r>
+            <a:r>
+              <a:rPr dirty="0" err="1"/>
+              <a:t>előnnyel</a:t>
+            </a:r>
+            <a:r>
+              <a:rPr dirty="0"/>
+              <a:t> </a:t>
+            </a:r>
+            <a:r>
+              <a:rPr dirty="0" err="1"/>
+              <a:t>jár</a:t>
+            </a:r>
+            <a:r>
+              <a:rPr lang="hu-HU" dirty="0"/>
+              <a:t>:</a:t>
+            </a:r>
+          </a:p>
+          <a:p>
+            <a:r>
+              <a:rPr lang="hu-HU" dirty="0"/>
+              <a:t>Redundanciát biztosít</a:t>
+            </a:r>
+          </a:p>
+          <a:p>
+            <a:r>
+              <a:rPr lang="hu-HU" dirty="0"/>
+              <a:t>Sebességet lehet vele növelni</a:t>
+            </a:r>
+          </a:p>
+          <a:p>
+            <a:endParaRPr lang="hu-HU" dirty="0"/>
+          </a:p>
+          <a:p>
+            <a:pPr marL="0" indent="0">
+              <a:buNone/>
+            </a:pPr>
+            <a:endParaRPr dirty="0"/>
+          </a:p>
+        </p:txBody>
+      </p:sp>
+      <p:pic>
+        <p:nvPicPr>
+          <p:cNvPr id="4" name="Kép 3">
+            <a:extLst>
+              <a:ext uri="{FF2B5EF4-FFF2-40B4-BE49-F238E27FC236}">
+                <a16:creationId xmlns:a16="http://schemas.microsoft.com/office/drawing/2014/main" id="{0194E1B2-EC10-6A58-058A-CC749D356C9E}"/>
+              </a:ext>
+            </a:extLst>
+          </p:cNvPr>
+          <p:cNvPicPr>
+            <a:picLocks noChangeAspect="1"/>
+          </p:cNvPicPr>
+          <p:nvPr/>
+        </p:nvPicPr>
+        <p:blipFill rotWithShape="1">
+          <a:blip r:embed="rId3">
+            <a:extLst>
+              <a:ext uri="{28A0092B-C50C-407E-A947-70E740481C1C}">
+                <a14:useLocalDpi xmlns:a14="http://schemas.microsoft.com/office/drawing/2010/main" val="0"/>
+              </a:ext>
+            </a:extLst>
+          </a:blip>
+          <a:srcRect l="5294" t="11315" r="4219" b="10357"/>
+          <a:stretch/>
+        </p:blipFill>
+        <p:spPr bwMode="auto">
+          <a:xfrm>
+            <a:off x="2835275" y="4053524"/>
+            <a:ext cx="3473450" cy="1714500"/>
+          </a:xfrm>
+          <a:prstGeom prst="rect">
+            <a:avLst/>
+          </a:prstGeom>
+          <a:noFill/>
+          <a:ln>
+            <a:noFill/>
+          </a:ln>
+          <a:extLst>
+            <a:ext uri="{53640926-AAD7-44D8-BBD7-CCE9431645EC}">
+              <a14:shadowObscured xmlns:a14="http://schemas.microsoft.com/office/drawing/2010/main"/>
+            </a:ext>
+          </a:extLst>
+        </p:spPr>
+      </p:pic>
     </p:spTree>
   </p:cSld>
   <p:clrMapOvr>
@@ -4756,4 +8274,299 @@
   </a:objectDefaults>
   <a:extraClrSchemeLst/>
 </a:theme>
+</file>
+
+<file path=ppt/theme/theme2.xml><?xml version="1.0" encoding="utf-8"?>
+<a:theme xmlns:a="http://schemas.openxmlformats.org/drawingml/2006/main" name="Office-téma">
+  <a:themeElements>
+    <a:clrScheme name="Office">
+      <a:dk1>
+        <a:sysClr val="windowText" lastClr="000000"/>
+      </a:dk1>
+      <a:lt1>
+        <a:sysClr val="window" lastClr="FFFFFF"/>
+      </a:lt1>
+      <a:dk2>
+        <a:srgbClr val="44546A"/>
+      </a:dk2>
+      <a:lt2>
+        <a:srgbClr val="E7E6E6"/>
+      </a:lt2>
+      <a:accent1>
+        <a:srgbClr val="4472C4"/>
+      </a:accent1>
+      <a:accent2>
+        <a:srgbClr val="ED7D31"/>
+      </a:accent2>
+      <a:accent3>
+        <a:srgbClr val="A5A5A5"/>
+      </a:accent3>
+      <a:accent4>
+        <a:srgbClr val="FFC000"/>
+      </a:accent4>
+      <a:accent5>
+        <a:srgbClr val="5B9BD5"/>
+      </a:accent5>
+      <a:accent6>
+        <a:srgbClr val="70AD47"/>
+      </a:accent6>
+      <a:hlink>
+        <a:srgbClr val="0563C1"/>
+      </a:hlink>
+      <a:folHlink>
+        <a:srgbClr val="954F72"/>
+      </a:folHlink>
+    </a:clrScheme>
+    <a:fontScheme name="Office">
+      <a:majorFont>
+        <a:latin typeface="Calibri Light" panose="020F0302020204030204"/>
+        <a:ea typeface=""/>
+        <a:cs typeface=""/>
+        <a:font script="Jpan" typeface="游ゴシック Light"/>
+        <a:font script="Hang" typeface="맑은 고딕"/>
+        <a:font script="Hans" typeface="等线 Light"/>
+        <a:font script="Hant" typeface="新細明體"/>
+        <a:font script="Arab" typeface="Times New Roman"/>
+        <a:font script="Hebr" typeface="Times New Roman"/>
+        <a:font script="Thai" typeface="Angsana New"/>
+        <a:font script="Ethi" typeface="Nyala"/>
+        <a:font script="Beng" typeface="Vrinda"/>
+        <a:font script="Gujr" typeface="Shruti"/>
+        <a:font script="Khmr" typeface="MoolBoran"/>
+        <a:font script="Knda" typeface="Tunga"/>
+        <a:font script="Guru" typeface="Raavi"/>
+        <a:font script="Cans" typeface="Euphemia"/>
+        <a:font script="Cher" typeface="Plantagenet Cherokee"/>
+        <a:font script="Yiii" typeface="Microsoft Yi Baiti"/>
+        <a:font script="Tibt" typeface="Microsoft Himalaya"/>
+        <a:font script="Thaa" typeface="MV Boli"/>
+        <a:font script="Deva" typeface="Mangal"/>
+        <a:font script="Telu" typeface="Gautami"/>
+        <a:font script="Taml" typeface="Latha"/>
+        <a:font script="Syrc" typeface="Estrangelo Edessa"/>
+        <a:font script="Orya" typeface="Kalinga"/>
+        <a:font script="Mlym" typeface="Kartika"/>
+        <a:font script="Laoo" typeface="DokChampa"/>
+        <a:font script="Sinh" typeface="Iskoola Pota"/>
+        <a:font script="Mong" typeface="Mongolian Baiti"/>
+        <a:font script="Viet" typeface="Times New Roman"/>
+        <a:font script="Uigh" typeface="Microsoft Uighur"/>
+        <a:font script="Geor" typeface="Sylfaen"/>
+        <a:font script="Armn" typeface="Arial"/>
+        <a:font script="Bugi" typeface="Leelawadee UI"/>
+        <a:font script="Bopo" typeface="Microsoft JhengHei"/>
+        <a:font script="Java" typeface="Javanese Text"/>
+        <a:font script="Lisu" typeface="Segoe UI"/>
+        <a:font script="Mymr" typeface="Myanmar Text"/>
+        <a:font script="Nkoo" typeface="Ebrima"/>
+        <a:font script="Olck" typeface="Nirmala UI"/>
+        <a:font script="Osma" typeface="Ebrima"/>
+        <a:font script="Phag" typeface="Phagspa"/>
+        <a:font script="Syrn" typeface="Estrangelo Edessa"/>
+        <a:font script="Syrj" typeface="Estrangelo Edessa"/>
+        <a:font script="Syre" typeface="Estrangelo Edessa"/>
+        <a:font script="Sora" typeface="Nirmala UI"/>
+        <a:font script="Tale" typeface="Microsoft Tai Le"/>
+        <a:font script="Talu" typeface="Microsoft New Tai Lue"/>
+        <a:font script="Tfng" typeface="Ebrima"/>
+      </a:majorFont>
+      <a:minorFont>
+        <a:latin typeface="Calibri" panose="020F0502020204030204"/>
+        <a:ea typeface=""/>
+        <a:cs typeface=""/>
+        <a:font script="Jpan" typeface="游ゴシック"/>
+        <a:font script="Hang" typeface="맑은 고딕"/>
+        <a:font script="Hans" typeface="等线"/>
+        <a:font script="Hant" typeface="新細明體"/>
+        <a:font script="Arab" typeface="Arial"/>
+        <a:font script="Hebr" typeface="Arial"/>
+        <a:font script="Thai" typeface="Cordia New"/>
+        <a:font script="Ethi" typeface="Nyala"/>
+        <a:font script="Beng" typeface="Vrinda"/>
+        <a:font script="Gujr" typeface="Shruti"/>
+        <a:font script="Khmr" typeface="DaunPenh"/>
+        <a:font script="Knda" typeface="Tunga"/>
+        <a:font script="Guru" typeface="Raavi"/>
+        <a:font script="Cans" typeface="Euphemia"/>
+        <a:font script="Cher" typeface="Plantagenet Cherokee"/>
+        <a:font script="Yiii" typeface="Microsoft Yi Baiti"/>
+        <a:font script="Tibt" typeface="Microsoft Himalaya"/>
+        <a:font script="Thaa" typeface="MV Boli"/>
+        <a:font script="Deva" typeface="Mangal"/>
+        <a:font script="Telu" typeface="Gautami"/>
+        <a:font script="Taml" typeface="Latha"/>
+        <a:font script="Syrc" typeface="Estrangelo Edessa"/>
+        <a:font script="Orya" typeface="Kalinga"/>
+        <a:font script="Mlym" typeface="Kartika"/>
+        <a:font script="Laoo" typeface="DokChampa"/>
+        <a:font script="Sinh" typeface="Iskoola Pota"/>
+        <a:font script="Mong" typeface="Mongolian Baiti"/>
+        <a:font script="Viet" typeface="Arial"/>
+        <a:font script="Uigh" typeface="Microsoft Uighur"/>
+        <a:font script="Geor" typeface="Sylfaen"/>
+        <a:font script="Armn" typeface="Arial"/>
+        <a:font script="Bugi" typeface="Leelawadee UI"/>
+        <a:font script="Bopo" typeface="Microsoft JhengHei"/>
+        <a:font script="Java" typeface="Javanese Text"/>
+        <a:font script="Lisu" typeface="Segoe UI"/>
+        <a:font script="Mymr" typeface="Myanmar Text"/>
+        <a:font script="Nkoo" typeface="Ebrima"/>
+        <a:font script="Olck" typeface="Nirmala UI"/>
+        <a:font script="Osma" typeface="Ebrima"/>
+        <a:font script="Phag" typeface="Phagspa"/>
+        <a:font script="Syrn" typeface="Estrangelo Edessa"/>
+        <a:font script="Syrj" typeface="Estrangelo Edessa"/>
+        <a:font script="Syre" typeface="Estrangelo Edessa"/>
+        <a:font script="Sora" typeface="Nirmala UI"/>
+        <a:font script="Tale" typeface="Microsoft Tai Le"/>
+        <a:font script="Talu" typeface="Microsoft New Tai Lue"/>
+        <a:font script="Tfng" typeface="Ebrima"/>
+      </a:minorFont>
+    </a:fontScheme>
+    <a:fmtScheme name="Office">
+      <a:fillStyleLst>
+        <a:solidFill>
+          <a:schemeClr val="phClr"/>
+        </a:solidFill>
+        <a:gradFill rotWithShape="1">
+          <a:gsLst>
+            <a:gs pos="0">
+              <a:schemeClr val="phClr">
+                <a:lumMod val="110000"/>
+                <a:satMod val="105000"/>
+                <a:tint val="67000"/>
+              </a:schemeClr>
+            </a:gs>
+            <a:gs pos="50000">
+              <a:schemeClr val="phClr">
+                <a:lumMod val="105000"/>
+                <a:satMod val="103000"/>
+                <a:tint val="73000"/>
+              </a:schemeClr>
+            </a:gs>
+            <a:gs pos="100000">
+              <a:schemeClr val="phClr">
+                <a:lumMod val="105000"/>
+                <a:satMod val="109000"/>
+                <a:tint val="81000"/>
+              </a:schemeClr>
+            </a:gs>
+          </a:gsLst>
+          <a:lin ang="5400000" scaled="0"/>
+        </a:gradFill>
+        <a:gradFill rotWithShape="1">
+          <a:gsLst>
+            <a:gs pos="0">
+              <a:schemeClr val="phClr">
+                <a:satMod val="103000"/>
+                <a:lumMod val="102000"/>
+                <a:tint val="94000"/>
+              </a:schemeClr>
+            </a:gs>
+            <a:gs pos="50000">
+              <a:schemeClr val="phClr">
+                <a:satMod val="110000"/>
+                <a:lumMod val="100000"/>
+                <a:shade val="100000"/>
+              </a:schemeClr>
+            </a:gs>
+            <a:gs pos="100000">
+              <a:schemeClr val="phClr">
+                <a:lumMod val="99000"/>
+                <a:satMod val="120000"/>
+                <a:shade val="78000"/>
+              </a:schemeClr>
+            </a:gs>
+          </a:gsLst>
+          <a:lin ang="5400000" scaled="0"/>
+        </a:gradFill>
+      </a:fillStyleLst>
+      <a:lnStyleLst>
+        <a:ln w="6350" cap="flat" cmpd="sng" algn="ctr">
+          <a:solidFill>
+            <a:schemeClr val="phClr"/>
+          </a:solidFill>
+          <a:prstDash val="solid"/>
+          <a:miter lim="800000"/>
+        </a:ln>
+        <a:ln w="12700" cap="flat" cmpd="sng" algn="ctr">
+          <a:solidFill>
+            <a:schemeClr val="phClr"/>
+          </a:solidFill>
+          <a:prstDash val="solid"/>
+          <a:miter lim="800000"/>
+        </a:ln>
+        <a:ln w="19050" cap="flat" cmpd="sng" algn="ctr">
+          <a:solidFill>
+            <a:schemeClr val="phClr"/>
+          </a:solidFill>
+          <a:prstDash val="solid"/>
+          <a:miter lim="800000"/>
+        </a:ln>
+      </a:lnStyleLst>
+      <a:effectStyleLst>
+        <a:effectStyle>
+          <a:effectLst/>
+        </a:effectStyle>
+        <a:effectStyle>
+          <a:effectLst/>
+        </a:effectStyle>
+        <a:effectStyle>
+          <a:effectLst>
+            <a:outerShdw blurRad="57150" dist="19050" dir="5400000" algn="ctr" rotWithShape="0">
+              <a:srgbClr val="000000">
+                <a:alpha val="63000"/>
+              </a:srgbClr>
+            </a:outerShdw>
+          </a:effectLst>
+        </a:effectStyle>
+      </a:effectStyleLst>
+      <a:bgFillStyleLst>
+        <a:solidFill>
+          <a:schemeClr val="phClr"/>
+        </a:solidFill>
+        <a:solidFill>
+          <a:schemeClr val="phClr">
+            <a:tint val="95000"/>
+            <a:satMod val="170000"/>
+          </a:schemeClr>
+        </a:solidFill>
+        <a:gradFill rotWithShape="1">
+          <a:gsLst>
+            <a:gs pos="0">
+              <a:schemeClr val="phClr">
+                <a:tint val="93000"/>
+                <a:satMod val="150000"/>
+                <a:shade val="98000"/>
+                <a:lumMod val="102000"/>
+              </a:schemeClr>
+            </a:gs>
+            <a:gs pos="50000">
+              <a:schemeClr val="phClr">
+                <a:tint val="98000"/>
+                <a:satMod val="130000"/>
+                <a:shade val="90000"/>
+                <a:lumMod val="103000"/>
+              </a:schemeClr>
+            </a:gs>
+            <a:gs pos="100000">
+              <a:schemeClr val="phClr">
+                <a:shade val="63000"/>
+                <a:satMod val="120000"/>
+              </a:schemeClr>
+            </a:gs>
+          </a:gsLst>
+          <a:lin ang="5400000" scaled="0"/>
+        </a:gradFill>
+      </a:bgFillStyleLst>
+    </a:fmtScheme>
+  </a:themeElements>
+  <a:objectDefaults/>
+  <a:extraClrSchemeLst/>
+  <a:extLst>
+    <a:ext uri="{05A4C25C-085E-4340-85A3-A5531E510DB2}">
+      <thm15:themeFamily xmlns:thm15="http://schemas.microsoft.com/office/thememl/2012/main" name="Office Theme" id="{62F939B6-93AF-4DB8-9C6B-D6C7DFDC589F}" vid="{4A3C46E8-61CC-4603-A589-7422A47A8E4A}"/>
+    </a:ext>
+  </a:extLst>
+</a:theme>
 </file>
--- a/BEMUTATÓ/Halozattervezesi_vizsgaremek_ppt.pptx
+++ b/BEMUTATÓ/Halozattervezesi_vizsgaremek_ppt.pptx
@@ -139,6 +139,9 @@
         </p15:guide>
       </p15:sldGuideLst>
     </p:ext>
+    <p:ext uri="{2D200454-40CA-4A62-9FC3-DE9A4176ACB9}">
+      <p15:notesGuideLst xmlns:p15="http://schemas.microsoft.com/office/powerpoint/2012/main"/>
+    </p:ext>
   </p:extLst>
 </p:presentation>
 </file>
@@ -225,7 +228,7 @@
           <a:p>
             <a:fld id="{F7ADC6D0-E922-4141-8754-0138B1CE9B91}" type="datetimeFigureOut">
               <a:rPr lang="hu-HU" smtClean="0"/>
-              <a:t>2024. 06. 08.</a:t>
+              <a:t>2024. 06. 09.</a:t>
             </a:fld>
             <a:endParaRPr lang="hu-HU"/>
           </a:p>
@@ -972,7 +975,78 @@
           <a:bodyPr/>
           <a:lstStyle/>
           <a:p>
-            <a:endParaRPr lang="hu-HU"/>
+            <a:r>
+              <a:rPr lang="hu-HU" dirty="0"/>
+              <a:t>Miért </a:t>
+            </a:r>
+            <a:r>
+              <a:rPr lang="hu-HU" dirty="0" err="1"/>
+              <a:t>WinServer</a:t>
+            </a:r>
+            <a:r>
+              <a:rPr lang="hu-HU" dirty="0"/>
+              <a:t>? </a:t>
+            </a:r>
+          </a:p>
+          <a:p>
+            <a:r>
+              <a:rPr lang="hu-HU" dirty="0"/>
+              <a:t>Felhasználóbarát felület</a:t>
+            </a:r>
+          </a:p>
+          <a:p>
+            <a:r>
+              <a:rPr lang="hu-HU" dirty="0"/>
+              <a:t>Kompatibilitás a kliensekkel</a:t>
+            </a:r>
+          </a:p>
+          <a:p>
+            <a:r>
+              <a:rPr lang="hu-HU" dirty="0"/>
+              <a:t>Széleskörű </a:t>
+            </a:r>
+            <a:r>
+              <a:rPr lang="hu-HU" dirty="0" err="1"/>
+              <a:t>támogats</a:t>
+            </a:r>
+            <a:r>
+              <a:rPr lang="hu-HU" dirty="0"/>
+              <a:t> (hibajavítás, frissítés)</a:t>
+            </a:r>
+          </a:p>
+          <a:p>
+            <a:r>
+              <a:rPr lang="hu-HU" dirty="0"/>
+              <a:t>Versenyképes </a:t>
+            </a:r>
+            <a:r>
+              <a:rPr lang="hu-HU" dirty="0" err="1"/>
+              <a:t>virtualizációs</a:t>
+            </a:r>
+            <a:r>
+              <a:rPr lang="hu-HU" dirty="0"/>
+              <a:t> megoldás (</a:t>
+            </a:r>
+            <a:r>
+              <a:rPr lang="hu-HU" dirty="0" err="1"/>
+              <a:t>Hyper</a:t>
+            </a:r>
+            <a:r>
+              <a:rPr lang="hu-HU" dirty="0"/>
+              <a:t>-V)</a:t>
+            </a:r>
+          </a:p>
+          <a:p>
+            <a:r>
+              <a:rPr lang="hu-HU" dirty="0"/>
+              <a:t>Számos alkalmazás</a:t>
+            </a:r>
+          </a:p>
+          <a:p>
+            <a:r>
+              <a:rPr lang="hu-HU" dirty="0"/>
+              <a:t>Házirendek</a:t>
+            </a:r>
           </a:p>
         </p:txBody>
       </p:sp>
@@ -1058,6 +1132,26 @@
           <a:p>
             <a:r>
               <a:rPr lang="hu-HU" dirty="0"/>
+              <a:t>Miért nem </a:t>
+            </a:r>
+            <a:r>
+              <a:rPr lang="hu-HU" dirty="0" err="1"/>
+              <a:t>WinServer</a:t>
+            </a:r>
+            <a:r>
+              <a:rPr lang="hu-HU" dirty="0"/>
+              <a:t>?</a:t>
+            </a:r>
+          </a:p>
+          <a:p>
+            <a:r>
+              <a:rPr lang="hu-HU" dirty="0"/>
+              <a:t>Licence költség, Erőforrás követelmény, Zárt forráskód, </a:t>
+            </a:r>
+          </a:p>
+          <a:p>
+            <a:r>
+              <a:rPr lang="hu-HU" dirty="0"/>
               <a:t>A </a:t>
             </a:r>
             <a:r>
@@ -1078,9 +1172,6 @@
             </a:r>
           </a:p>
           <a:p>
-            <a:endParaRPr lang="hu-HU" dirty="0"/>
-          </a:p>
-          <a:p>
             <a:r>
               <a:rPr lang="hu-HU" dirty="0"/>
               <a:t>DNS-&gt; BIND 9, ez a szerver a </a:t>
@@ -1095,9 +1186,6 @@
             </a:r>
           </a:p>
           <a:p>
-            <a:endParaRPr lang="hu-HU" dirty="0"/>
-          </a:p>
-          <a:p>
             <a:r>
               <a:rPr lang="hu-HU" dirty="0" err="1"/>
               <a:t>Apache</a:t>
@@ -1116,9 +1204,6 @@
             </a:r>
           </a:p>
           <a:p>
-            <a:endParaRPr lang="hu-HU" dirty="0"/>
-          </a:p>
-          <a:p>
             <a:r>
               <a:rPr lang="hu-HU" dirty="0"/>
               <a:t>SSH – biztonságos távoli belépés, a </a:t>
@@ -1133,16 +1218,10 @@
             </a:r>
           </a:p>
           <a:p>
-            <a:endParaRPr lang="hu-HU" dirty="0"/>
-          </a:p>
-          <a:p>
             <a:r>
               <a:rPr lang="hu-HU" dirty="0"/>
               <a:t>FTP – nem használjuk, de alap funkcióként beállításra került</a:t>
             </a:r>
-          </a:p>
-          <a:p>
-            <a:endParaRPr lang="hu-HU" dirty="0"/>
           </a:p>
           <a:p>
             <a:r>
@@ -2632,7 +2711,7 @@
           <a:p>
             <a:fld id="{5BCAD085-E8A6-8845-BD4E-CB4CCA059FC4}" type="datetimeFigureOut">
               <a:rPr lang="en-US" smtClean="0"/>
-              <a:t>6/8/2024</a:t>
+              <a:t>6/9/2024</a:t>
             </a:fld>
             <a:endParaRPr lang="en-US"/>
           </a:p>
@@ -2800,7 +2879,7 @@
           <a:p>
             <a:fld id="{5BCAD085-E8A6-8845-BD4E-CB4CCA059FC4}" type="datetimeFigureOut">
               <a:rPr lang="en-US" smtClean="0"/>
-              <a:t>6/8/2024</a:t>
+              <a:t>6/9/2024</a:t>
             </a:fld>
             <a:endParaRPr lang="en-US"/>
           </a:p>
@@ -2978,7 +3057,7 @@
           <a:p>
             <a:fld id="{5BCAD085-E8A6-8845-BD4E-CB4CCA059FC4}" type="datetimeFigureOut">
               <a:rPr lang="en-US" smtClean="0"/>
-              <a:t>6/8/2024</a:t>
+              <a:t>6/9/2024</a:t>
             </a:fld>
             <a:endParaRPr lang="en-US"/>
           </a:p>
@@ -3146,7 +3225,7 @@
           <a:p>
             <a:fld id="{5BCAD085-E8A6-8845-BD4E-CB4CCA059FC4}" type="datetimeFigureOut">
               <a:rPr lang="en-US" smtClean="0"/>
-              <a:t>6/8/2024</a:t>
+              <a:t>6/9/2024</a:t>
             </a:fld>
             <a:endParaRPr lang="en-US"/>
           </a:p>
@@ -3391,7 +3470,7 @@
           <a:p>
             <a:fld id="{5BCAD085-E8A6-8845-BD4E-CB4CCA059FC4}" type="datetimeFigureOut">
               <a:rPr lang="en-US" smtClean="0"/>
-              <a:t>6/8/2024</a:t>
+              <a:t>6/9/2024</a:t>
             </a:fld>
             <a:endParaRPr lang="en-US"/>
           </a:p>
@@ -3676,7 +3755,7 @@
           <a:p>
             <a:fld id="{5BCAD085-E8A6-8845-BD4E-CB4CCA059FC4}" type="datetimeFigureOut">
               <a:rPr lang="en-US" smtClean="0"/>
-              <a:t>6/8/2024</a:t>
+              <a:t>6/9/2024</a:t>
             </a:fld>
             <a:endParaRPr lang="en-US"/>
           </a:p>
@@ -4095,7 +4174,7 @@
           <a:p>
             <a:fld id="{5BCAD085-E8A6-8845-BD4E-CB4CCA059FC4}" type="datetimeFigureOut">
               <a:rPr lang="en-US" smtClean="0"/>
-              <a:t>6/8/2024</a:t>
+              <a:t>6/9/2024</a:t>
             </a:fld>
             <a:endParaRPr lang="en-US"/>
           </a:p>
@@ -4212,7 +4291,7 @@
           <a:p>
             <a:fld id="{5BCAD085-E8A6-8845-BD4E-CB4CCA059FC4}" type="datetimeFigureOut">
               <a:rPr lang="en-US" smtClean="0"/>
-              <a:t>6/8/2024</a:t>
+              <a:t>6/9/2024</a:t>
             </a:fld>
             <a:endParaRPr lang="en-US"/>
           </a:p>
@@ -4307,7 +4386,7 @@
           <a:p>
             <a:fld id="{5BCAD085-E8A6-8845-BD4E-CB4CCA059FC4}" type="datetimeFigureOut">
               <a:rPr lang="en-US" smtClean="0"/>
-              <a:t>6/8/2024</a:t>
+              <a:t>6/9/2024</a:t>
             </a:fld>
             <a:endParaRPr lang="en-US"/>
           </a:p>
@@ -4582,7 +4661,7 @@
           <a:p>
             <a:fld id="{5BCAD085-E8A6-8845-BD4E-CB4CCA059FC4}" type="datetimeFigureOut">
               <a:rPr lang="en-US" smtClean="0"/>
-              <a:t>6/8/2024</a:t>
+              <a:t>6/9/2024</a:t>
             </a:fld>
             <a:endParaRPr lang="en-US"/>
           </a:p>
@@ -4834,7 +4913,7 @@
           <a:p>
             <a:fld id="{5BCAD085-E8A6-8845-BD4E-CB4CCA059FC4}" type="datetimeFigureOut">
               <a:rPr lang="en-US" smtClean="0"/>
-              <a:t>6/8/2024</a:t>
+              <a:t>6/9/2024</a:t>
             </a:fld>
             <a:endParaRPr lang="en-US"/>
           </a:p>
@@ -5045,7 +5124,7 @@
           <a:p>
             <a:fld id="{5BCAD085-E8A6-8845-BD4E-CB4CCA059FC4}" type="datetimeFigureOut">
               <a:rPr lang="en-US" smtClean="0"/>
-              <a:t>6/8/2024</a:t>
+              <a:t>6/9/2024</a:t>
             </a:fld>
             <a:endParaRPr lang="en-US"/>
           </a:p>

--- a/BEMUTATÓ/Halozattervezesi_vizsgaremek_ppt.pptx
+++ b/BEMUTATÓ/Halozattervezesi_vizsgaremek_ppt.pptx
@@ -228,7 +228,7 @@
           <a:p>
             <a:fld id="{F7ADC6D0-E922-4141-8754-0138B1CE9B91}" type="datetimeFigureOut">
               <a:rPr lang="hu-HU" smtClean="0"/>
-              <a:t>2024. 06. 09.</a:t>
+              <a:t>2024. 06. 10.</a:t>
             </a:fld>
             <a:endParaRPr lang="hu-HU"/>
           </a:p>
@@ -2665,7 +2665,7 @@
             </a:r>
             <a:r>
               <a:rPr lang="hu-HU" dirty="0"/>
-              <a:t> cím kiosztás több féle módon történt.</a:t>
+              <a:t> cím kiosztást három féle módon valósítottunk meg.</a:t>
             </a:r>
           </a:p>
           <a:p>
@@ -2932,7 +2932,7 @@
           <a:noFill/>
           <a:extLst>
             <a:ext uri="{909E8E84-426E-40dd-AFC4-6F175D3DCCD1}">
-              <a14:hiddenFill xmlns:a14="http://schemas.microsoft.com/office/drawing/2010/main" xmlns="">
+              <a14:hiddenFill xmlns="" xmlns:a14="http://schemas.microsoft.com/office/drawing/2010/main">
                 <a:solidFill>
                   <a:srgbClr val="FFFFFF"/>
                 </a:solidFill>
@@ -2992,7 +2992,7 @@
             </a:ln>
             <a:extLst>
               <a:ext uri="{91240B29-F687-4f45-9708-019B960494DF}">
-                <a14:hiddenLine xmlns:a14="http://schemas.microsoft.com/office/drawing/2010/main" xmlns="" w="9525">
+                <a14:hiddenLine xmlns="" xmlns:a14="http://schemas.microsoft.com/office/drawing/2010/main" w="9525">
                   <a:solidFill>
                     <a:srgbClr val="000000"/>
                   </a:solidFill>
@@ -3082,7 +3082,7 @@
             </a:ln>
             <a:extLst>
               <a:ext uri="{91240B29-F687-4f45-9708-019B960494DF}">
-                <a14:hiddenLine xmlns:a14="http://schemas.microsoft.com/office/drawing/2010/main" xmlns="" w="9525">
+                <a14:hiddenLine xmlns="" xmlns:a14="http://schemas.microsoft.com/office/drawing/2010/main" w="9525">
                   <a:solidFill>
                     <a:srgbClr val="000000"/>
                   </a:solidFill>
@@ -3172,7 +3172,7 @@
             </a:ln>
             <a:extLst>
               <a:ext uri="{91240B29-F687-4f45-9708-019B960494DF}">
-                <a14:hiddenLine xmlns:a14="http://schemas.microsoft.com/office/drawing/2010/main" xmlns="" w="9525">
+                <a14:hiddenLine xmlns="" xmlns:a14="http://schemas.microsoft.com/office/drawing/2010/main" w="9525">
                   <a:solidFill>
                     <a:srgbClr val="000000"/>
                   </a:solidFill>
@@ -3206,7 +3206,7 @@
             </a:ln>
             <a:extLst>
               <a:ext uri="{91240B29-F687-4f45-9708-019B960494DF}">
-                <a14:hiddenLine xmlns:a14="http://schemas.microsoft.com/office/drawing/2010/main" xmlns="" w="9525">
+                <a14:hiddenLine xmlns="" xmlns:a14="http://schemas.microsoft.com/office/drawing/2010/main" w="9525">
                   <a:solidFill>
                     <a:srgbClr val="000000"/>
                   </a:solidFill>
@@ -3296,7 +3296,7 @@
             </a:ln>
             <a:extLst>
               <a:ext uri="{91240B29-F687-4f45-9708-019B960494DF}">
-                <a14:hiddenLine xmlns:a14="http://schemas.microsoft.com/office/drawing/2010/main" xmlns="" w="9525">
+                <a14:hiddenLine xmlns="" xmlns:a14="http://schemas.microsoft.com/office/drawing/2010/main" w="9525">
                   <a:solidFill>
                     <a:srgbClr val="000000"/>
                   </a:solidFill>
@@ -3358,7 +3358,7 @@
             </a:ln>
             <a:extLst>
               <a:ext uri="{91240B29-F687-4f45-9708-019B960494DF}">
-                <a14:hiddenLine xmlns:a14="http://schemas.microsoft.com/office/drawing/2010/main" xmlns="" w="9525">
+                <a14:hiddenLine xmlns="" xmlns:a14="http://schemas.microsoft.com/office/drawing/2010/main" w="9525">
                   <a:solidFill>
                     <a:srgbClr val="000000"/>
                   </a:solidFill>
@@ -3420,7 +3420,7 @@
             </a:ln>
             <a:extLst>
               <a:ext uri="{91240B29-F687-4f45-9708-019B960494DF}">
-                <a14:hiddenLine xmlns:a14="http://schemas.microsoft.com/office/drawing/2010/main" xmlns="" w="9525">
+                <a14:hiddenLine xmlns="" xmlns:a14="http://schemas.microsoft.com/office/drawing/2010/main" w="9525">
                   <a:solidFill>
                     <a:srgbClr val="000000"/>
                   </a:solidFill>
@@ -3510,7 +3510,7 @@
             </a:ln>
             <a:extLst>
               <a:ext uri="{91240B29-F687-4f45-9708-019B960494DF}">
-                <a14:hiddenLine xmlns:a14="http://schemas.microsoft.com/office/drawing/2010/main" xmlns="" w="9525">
+                <a14:hiddenLine xmlns="" xmlns:a14="http://schemas.microsoft.com/office/drawing/2010/main" w="9525">
                   <a:solidFill>
                     <a:srgbClr val="000000"/>
                   </a:solidFill>
@@ -3572,7 +3572,7 @@
             </a:ln>
             <a:extLst>
               <a:ext uri="{91240B29-F687-4f45-9708-019B960494DF}">
-                <a14:hiddenLine xmlns:a14="http://schemas.microsoft.com/office/drawing/2010/main" xmlns="" w="9525">
+                <a14:hiddenLine xmlns="" xmlns:a14="http://schemas.microsoft.com/office/drawing/2010/main" w="9525">
                   <a:solidFill>
                     <a:srgbClr val="000000"/>
                   </a:solidFill>
@@ -3634,7 +3634,7 @@
             </a:ln>
             <a:extLst>
               <a:ext uri="{91240B29-F687-4f45-9708-019B960494DF}">
-                <a14:hiddenLine xmlns:a14="http://schemas.microsoft.com/office/drawing/2010/main" xmlns="" w="9525">
+                <a14:hiddenLine xmlns="" xmlns:a14="http://schemas.microsoft.com/office/drawing/2010/main" w="9525">
                   <a:solidFill>
                     <a:srgbClr val="000000"/>
                   </a:solidFill>
@@ -3724,7 +3724,7 @@
             </a:ln>
             <a:extLst>
               <a:ext uri="{91240B29-F687-4f45-9708-019B960494DF}">
-                <a14:hiddenLine xmlns:a14="http://schemas.microsoft.com/office/drawing/2010/main" xmlns="" w="9525">
+                <a14:hiddenLine xmlns="" xmlns:a14="http://schemas.microsoft.com/office/drawing/2010/main" w="9525">
                   <a:solidFill>
                     <a:srgbClr val="000000"/>
                   </a:solidFill>
@@ -3814,7 +3814,7 @@
             </a:ln>
             <a:extLst>
               <a:ext uri="{91240B29-F687-4f45-9708-019B960494DF}">
-                <a14:hiddenLine xmlns:a14="http://schemas.microsoft.com/office/drawing/2010/main" xmlns="" w="9525">
+                <a14:hiddenLine xmlns="" xmlns:a14="http://schemas.microsoft.com/office/drawing/2010/main" w="9525">
                   <a:solidFill>
                     <a:srgbClr val="000000"/>
                   </a:solidFill>
@@ -3876,7 +3876,7 @@
             </a:ln>
             <a:extLst>
               <a:ext uri="{91240B29-F687-4f45-9708-019B960494DF}">
-                <a14:hiddenLine xmlns:a14="http://schemas.microsoft.com/office/drawing/2010/main" xmlns="" w="9525">
+                <a14:hiddenLine xmlns="" xmlns:a14="http://schemas.microsoft.com/office/drawing/2010/main" w="9525">
                   <a:solidFill>
                     <a:srgbClr val="000000"/>
                   </a:solidFill>
@@ -3986,7 +3986,7 @@
             </a:ln>
             <a:extLst>
               <a:ext uri="{91240B29-F687-4f45-9708-019B960494DF}">
-                <a14:hiddenLine xmlns:a14="http://schemas.microsoft.com/office/drawing/2010/main" xmlns="" w="9525">
+                <a14:hiddenLine xmlns="" xmlns:a14="http://schemas.microsoft.com/office/drawing/2010/main" w="9525">
                   <a:solidFill>
                     <a:srgbClr val="000000"/>
                   </a:solidFill>
@@ -4048,7 +4048,7 @@
             </a:ln>
             <a:extLst>
               <a:ext uri="{91240B29-F687-4f45-9708-019B960494DF}">
-                <a14:hiddenLine xmlns:a14="http://schemas.microsoft.com/office/drawing/2010/main" xmlns="" w="9525">
+                <a14:hiddenLine xmlns="" xmlns:a14="http://schemas.microsoft.com/office/drawing/2010/main" w="9525">
                   <a:solidFill>
                     <a:srgbClr val="000000"/>
                   </a:solidFill>
@@ -4138,7 +4138,7 @@
             </a:ln>
             <a:extLst>
               <a:ext uri="{91240B29-F687-4f45-9708-019B960494DF}">
-                <a14:hiddenLine xmlns:a14="http://schemas.microsoft.com/office/drawing/2010/main" xmlns="" w="9525">
+                <a14:hiddenLine xmlns="" xmlns:a14="http://schemas.microsoft.com/office/drawing/2010/main" w="9525">
                   <a:solidFill>
                     <a:srgbClr val="000000"/>
                   </a:solidFill>
@@ -4228,7 +4228,7 @@
             </a:ln>
             <a:extLst>
               <a:ext uri="{91240B29-F687-4f45-9708-019B960494DF}">
-                <a14:hiddenLine xmlns:a14="http://schemas.microsoft.com/office/drawing/2010/main" xmlns="" w="9525">
+                <a14:hiddenLine xmlns="" xmlns:a14="http://schemas.microsoft.com/office/drawing/2010/main" w="9525">
                   <a:solidFill>
                     <a:srgbClr val="000000"/>
                   </a:solidFill>
@@ -4290,7 +4290,7 @@
             </a:ln>
             <a:extLst>
               <a:ext uri="{91240B29-F687-4f45-9708-019B960494DF}">
-                <a14:hiddenLine xmlns:a14="http://schemas.microsoft.com/office/drawing/2010/main" xmlns="" w="9525">
+                <a14:hiddenLine xmlns="" xmlns:a14="http://schemas.microsoft.com/office/drawing/2010/main" w="9525">
                   <a:solidFill>
                     <a:srgbClr val="000000"/>
                   </a:solidFill>
@@ -4380,7 +4380,7 @@
             </a:ln>
             <a:extLst>
               <a:ext uri="{91240B29-F687-4f45-9708-019B960494DF}">
-                <a14:hiddenLine xmlns:a14="http://schemas.microsoft.com/office/drawing/2010/main" xmlns="" w="9525">
+                <a14:hiddenLine xmlns="" xmlns:a14="http://schemas.microsoft.com/office/drawing/2010/main" w="9525">
                   <a:solidFill>
                     <a:srgbClr val="000000"/>
                   </a:solidFill>
@@ -4470,7 +4470,7 @@
             </a:ln>
             <a:extLst>
               <a:ext uri="{91240B29-F687-4f45-9708-019B960494DF}">
-                <a14:hiddenLine xmlns:a14="http://schemas.microsoft.com/office/drawing/2010/main" xmlns="" w="9525">
+                <a14:hiddenLine xmlns="" xmlns:a14="http://schemas.microsoft.com/office/drawing/2010/main" w="9525">
                   <a:solidFill>
                     <a:srgbClr val="000000"/>
                   </a:solidFill>
@@ -4526,7 +4526,7 @@
             </a:ln>
             <a:extLst>
               <a:ext uri="{91240B29-F687-4f45-9708-019B960494DF}">
-                <a14:hiddenLine xmlns:a14="http://schemas.microsoft.com/office/drawing/2010/main" xmlns="" w="9525">
+                <a14:hiddenLine xmlns="" xmlns:a14="http://schemas.microsoft.com/office/drawing/2010/main" w="9525">
                   <a:solidFill>
                     <a:srgbClr val="000000"/>
                   </a:solidFill>
@@ -4616,7 +4616,7 @@
             </a:ln>
             <a:extLst>
               <a:ext uri="{91240B29-F687-4f45-9708-019B960494DF}">
-                <a14:hiddenLine xmlns:a14="http://schemas.microsoft.com/office/drawing/2010/main" xmlns="" w="9525">
+                <a14:hiddenLine xmlns="" xmlns:a14="http://schemas.microsoft.com/office/drawing/2010/main" w="9525">
                   <a:solidFill>
                     <a:srgbClr val="000000"/>
                   </a:solidFill>
@@ -4672,7 +4672,7 @@
             </a:ln>
             <a:extLst>
               <a:ext uri="{91240B29-F687-4f45-9708-019B960494DF}">
-                <a14:hiddenLine xmlns:a14="http://schemas.microsoft.com/office/drawing/2010/main" xmlns="" w="9525">
+                <a14:hiddenLine xmlns="" xmlns:a14="http://schemas.microsoft.com/office/drawing/2010/main" w="9525">
                   <a:solidFill>
                     <a:srgbClr val="000000"/>
                   </a:solidFill>
@@ -4762,7 +4762,7 @@
             </a:ln>
             <a:extLst>
               <a:ext uri="{91240B29-F687-4f45-9708-019B960494DF}">
-                <a14:hiddenLine xmlns:a14="http://schemas.microsoft.com/office/drawing/2010/main" xmlns="" w="9525">
+                <a14:hiddenLine xmlns="" xmlns:a14="http://schemas.microsoft.com/office/drawing/2010/main" w="9525">
                   <a:solidFill>
                     <a:srgbClr val="000000"/>
                   </a:solidFill>
@@ -4830,7 +4830,7 @@
             </a:ln>
             <a:extLst>
               <a:ext uri="{91240B29-F687-4f45-9708-019B960494DF}">
-                <a14:hiddenLine xmlns:a14="http://schemas.microsoft.com/office/drawing/2010/main" xmlns="" w="9525">
+                <a14:hiddenLine xmlns="" xmlns:a14="http://schemas.microsoft.com/office/drawing/2010/main" w="9525">
                   <a:solidFill>
                     <a:srgbClr val="000000"/>
                   </a:solidFill>
@@ -4920,7 +4920,7 @@
             </a:ln>
             <a:extLst>
               <a:ext uri="{91240B29-F687-4f45-9708-019B960494DF}">
-                <a14:hiddenLine xmlns:a14="http://schemas.microsoft.com/office/drawing/2010/main" xmlns="" w="9525">
+                <a14:hiddenLine xmlns="" xmlns:a14="http://schemas.microsoft.com/office/drawing/2010/main" w="9525">
                   <a:solidFill>
                     <a:srgbClr val="000000"/>
                   </a:solidFill>
@@ -4988,7 +4988,7 @@
             </a:ln>
             <a:extLst>
               <a:ext uri="{91240B29-F687-4f45-9708-019B960494DF}">
-                <a14:hiddenLine xmlns:a14="http://schemas.microsoft.com/office/drawing/2010/main" xmlns="" w="9525">
+                <a14:hiddenLine xmlns="" xmlns:a14="http://schemas.microsoft.com/office/drawing/2010/main" w="9525">
                   <a:solidFill>
                     <a:srgbClr val="000000"/>
                   </a:solidFill>
@@ -5078,7 +5078,7 @@
             </a:ln>
             <a:extLst>
               <a:ext uri="{91240B29-F687-4f45-9708-019B960494DF}">
-                <a14:hiddenLine xmlns:a14="http://schemas.microsoft.com/office/drawing/2010/main" xmlns="" w="9525">
+                <a14:hiddenLine xmlns="" xmlns:a14="http://schemas.microsoft.com/office/drawing/2010/main" w="9525">
                   <a:solidFill>
                     <a:srgbClr val="000000"/>
                   </a:solidFill>
@@ -5112,7 +5112,7 @@
             </a:ln>
             <a:extLst>
               <a:ext uri="{91240B29-F687-4f45-9708-019B960494DF}">
-                <a14:hiddenLine xmlns:a14="http://schemas.microsoft.com/office/drawing/2010/main" xmlns="" w="9525">
+                <a14:hiddenLine xmlns="" xmlns:a14="http://schemas.microsoft.com/office/drawing/2010/main" w="9525">
                   <a:solidFill>
                     <a:srgbClr val="000000"/>
                   </a:solidFill>
@@ -5202,7 +5202,7 @@
             </a:ln>
             <a:extLst>
               <a:ext uri="{91240B29-F687-4f45-9708-019B960494DF}">
-                <a14:hiddenLine xmlns:a14="http://schemas.microsoft.com/office/drawing/2010/main" xmlns="" w="9525">
+                <a14:hiddenLine xmlns="" xmlns:a14="http://schemas.microsoft.com/office/drawing/2010/main" w="9525">
                   <a:solidFill>
                     <a:srgbClr val="000000"/>
                   </a:solidFill>
@@ -5264,7 +5264,7 @@
             </a:ln>
             <a:extLst>
               <a:ext uri="{91240B29-F687-4f45-9708-019B960494DF}">
-                <a14:hiddenLine xmlns:a14="http://schemas.microsoft.com/office/drawing/2010/main" xmlns="" w="9525">
+                <a14:hiddenLine xmlns="" xmlns:a14="http://schemas.microsoft.com/office/drawing/2010/main" w="9525">
                   <a:solidFill>
                     <a:srgbClr val="000000"/>
                   </a:solidFill>
@@ -5326,7 +5326,7 @@
             </a:ln>
             <a:extLst>
               <a:ext uri="{91240B29-F687-4f45-9708-019B960494DF}">
-                <a14:hiddenLine xmlns:a14="http://schemas.microsoft.com/office/drawing/2010/main" xmlns="" w="9525">
+                <a14:hiddenLine xmlns="" xmlns:a14="http://schemas.microsoft.com/office/drawing/2010/main" w="9525">
                   <a:solidFill>
                     <a:srgbClr val="000000"/>
                   </a:solidFill>
@@ -5416,7 +5416,7 @@
             </a:ln>
             <a:extLst>
               <a:ext uri="{91240B29-F687-4f45-9708-019B960494DF}">
-                <a14:hiddenLine xmlns:a14="http://schemas.microsoft.com/office/drawing/2010/main" xmlns="" w="9525">
+                <a14:hiddenLine xmlns="" xmlns:a14="http://schemas.microsoft.com/office/drawing/2010/main" w="9525">
                   <a:solidFill>
                     <a:srgbClr val="000000"/>
                   </a:solidFill>
@@ -5484,7 +5484,7 @@
             </a:ln>
             <a:extLst>
               <a:ext uri="{91240B29-F687-4f45-9708-019B960494DF}">
-                <a14:hiddenLine xmlns:a14="http://schemas.microsoft.com/office/drawing/2010/main" xmlns="" w="9525">
+                <a14:hiddenLine xmlns="" xmlns:a14="http://schemas.microsoft.com/office/drawing/2010/main" w="9525">
                   <a:solidFill>
                     <a:srgbClr val="000000"/>
                   </a:solidFill>
@@ -5546,7 +5546,7 @@
             </a:ln>
             <a:extLst>
               <a:ext uri="{91240B29-F687-4f45-9708-019B960494DF}">
-                <a14:hiddenLine xmlns:a14="http://schemas.microsoft.com/office/drawing/2010/main" xmlns="" w="9525">
+                <a14:hiddenLine xmlns="" xmlns:a14="http://schemas.microsoft.com/office/drawing/2010/main" w="9525">
                   <a:solidFill>
                     <a:srgbClr val="000000"/>
                   </a:solidFill>
@@ -5636,7 +5636,7 @@
             </a:ln>
             <a:extLst>
               <a:ext uri="{91240B29-F687-4f45-9708-019B960494DF}">
-                <a14:hiddenLine xmlns:a14="http://schemas.microsoft.com/office/drawing/2010/main" xmlns="" w="9525">
+                <a14:hiddenLine xmlns="" xmlns:a14="http://schemas.microsoft.com/office/drawing/2010/main" w="9525">
                   <a:solidFill>
                     <a:srgbClr val="000000"/>
                   </a:solidFill>
@@ -5698,7 +5698,7 @@
             </a:ln>
             <a:extLst>
               <a:ext uri="{91240B29-F687-4f45-9708-019B960494DF}">
-                <a14:hiddenLine xmlns:a14="http://schemas.microsoft.com/office/drawing/2010/main" xmlns="" w="9525">
+                <a14:hiddenLine xmlns="" xmlns:a14="http://schemas.microsoft.com/office/drawing/2010/main" w="9525">
                   <a:solidFill>
                     <a:srgbClr val="000000"/>
                   </a:solidFill>
@@ -5788,7 +5788,7 @@
             </a:ln>
             <a:extLst>
               <a:ext uri="{91240B29-F687-4f45-9708-019B960494DF}">
-                <a14:hiddenLine xmlns:a14="http://schemas.microsoft.com/office/drawing/2010/main" xmlns="" w="9525">
+                <a14:hiddenLine xmlns="" xmlns:a14="http://schemas.microsoft.com/office/drawing/2010/main" w="9525">
                   <a:solidFill>
                     <a:srgbClr val="000000"/>
                   </a:solidFill>
@@ -5850,7 +5850,7 @@
             </a:ln>
             <a:extLst>
               <a:ext uri="{91240B29-F687-4f45-9708-019B960494DF}">
-                <a14:hiddenLine xmlns:a14="http://schemas.microsoft.com/office/drawing/2010/main" xmlns="" w="9525">
+                <a14:hiddenLine xmlns="" xmlns:a14="http://schemas.microsoft.com/office/drawing/2010/main" w="9525">
                   <a:solidFill>
                     <a:srgbClr val="000000"/>
                   </a:solidFill>
@@ -5940,7 +5940,7 @@
             </a:ln>
             <a:extLst>
               <a:ext uri="{91240B29-F687-4f45-9708-019B960494DF}">
-                <a14:hiddenLine xmlns:a14="http://schemas.microsoft.com/office/drawing/2010/main" xmlns="" w="9525">
+                <a14:hiddenLine xmlns="" xmlns:a14="http://schemas.microsoft.com/office/drawing/2010/main" w="9525">
                   <a:solidFill>
                     <a:srgbClr val="000000"/>
                   </a:solidFill>
@@ -5974,7 +5974,7 @@
             </a:ln>
             <a:extLst>
               <a:ext uri="{91240B29-F687-4f45-9708-019B960494DF}">
-                <a14:hiddenLine xmlns:a14="http://schemas.microsoft.com/office/drawing/2010/main" xmlns="" w="9525">
+                <a14:hiddenLine xmlns="" xmlns:a14="http://schemas.microsoft.com/office/drawing/2010/main" w="9525">
                   <a:solidFill>
                     <a:srgbClr val="000000"/>
                   </a:solidFill>
@@ -6039,7 +6039,7 @@
             </a:ln>
             <a:extLst>
               <a:ext uri="{91240B29-F687-4f45-9708-019B960494DF}">
-                <a14:hiddenLine xmlns:a14="http://schemas.microsoft.com/office/drawing/2010/main" xmlns="" w="9525">
+                <a14:hiddenLine xmlns="" xmlns:a14="http://schemas.microsoft.com/office/drawing/2010/main" w="9525">
                   <a:solidFill>
                     <a:srgbClr val="000000"/>
                   </a:solidFill>
@@ -6129,7 +6129,7 @@
             </a:ln>
             <a:extLst>
               <a:ext uri="{91240B29-F687-4f45-9708-019B960494DF}">
-                <a14:hiddenLine xmlns:a14="http://schemas.microsoft.com/office/drawing/2010/main" xmlns="" w="9525">
+                <a14:hiddenLine xmlns="" xmlns:a14="http://schemas.microsoft.com/office/drawing/2010/main" w="9525">
                   <a:solidFill>
                     <a:srgbClr val="000000"/>
                   </a:solidFill>
@@ -6191,7 +6191,7 @@
             </a:ln>
             <a:extLst>
               <a:ext uri="{91240B29-F687-4f45-9708-019B960494DF}">
-                <a14:hiddenLine xmlns:a14="http://schemas.microsoft.com/office/drawing/2010/main" xmlns="" w="9525">
+                <a14:hiddenLine xmlns="" xmlns:a14="http://schemas.microsoft.com/office/drawing/2010/main" w="9525">
                   <a:solidFill>
                     <a:srgbClr val="000000"/>
                   </a:solidFill>
@@ -6281,7 +6281,7 @@
             </a:ln>
             <a:extLst>
               <a:ext uri="{91240B29-F687-4f45-9708-019B960494DF}">
-                <a14:hiddenLine xmlns:a14="http://schemas.microsoft.com/office/drawing/2010/main" xmlns="" w="9525">
+                <a14:hiddenLine xmlns="" xmlns:a14="http://schemas.microsoft.com/office/drawing/2010/main" w="9525">
                   <a:solidFill>
                     <a:srgbClr val="000000"/>
                   </a:solidFill>
@@ -6371,7 +6371,7 @@
             </a:ln>
             <a:extLst>
               <a:ext uri="{91240B29-F687-4f45-9708-019B960494DF}">
-                <a14:hiddenLine xmlns:a14="http://schemas.microsoft.com/office/drawing/2010/main" xmlns="" w="9525">
+                <a14:hiddenLine xmlns="" xmlns:a14="http://schemas.microsoft.com/office/drawing/2010/main" w="9525">
                   <a:solidFill>
                     <a:srgbClr val="000000"/>
                   </a:solidFill>
@@ -6436,7 +6436,7 @@
             </a:ln>
             <a:extLst>
               <a:ext uri="{91240B29-F687-4f45-9708-019B960494DF}">
-                <a14:hiddenLine xmlns:a14="http://schemas.microsoft.com/office/drawing/2010/main" xmlns="" w="9525">
+                <a14:hiddenLine xmlns="" xmlns:a14="http://schemas.microsoft.com/office/drawing/2010/main" w="9525">
                   <a:solidFill>
                     <a:srgbClr val="000000"/>
                   </a:solidFill>
@@ -6498,7 +6498,7 @@
             </a:ln>
             <a:extLst>
               <a:ext uri="{91240B29-F687-4f45-9708-019B960494DF}">
-                <a14:hiddenLine xmlns:a14="http://schemas.microsoft.com/office/drawing/2010/main" xmlns="" w="9525">
+                <a14:hiddenLine xmlns="" xmlns:a14="http://schemas.microsoft.com/office/drawing/2010/main" w="9525">
                   <a:solidFill>
                     <a:srgbClr val="000000"/>
                   </a:solidFill>
@@ -6588,7 +6588,7 @@
             </a:ln>
             <a:extLst>
               <a:ext uri="{91240B29-F687-4f45-9708-019B960494DF}">
-                <a14:hiddenLine xmlns:a14="http://schemas.microsoft.com/office/drawing/2010/main" xmlns="" w="9525">
+                <a14:hiddenLine xmlns="" xmlns:a14="http://schemas.microsoft.com/office/drawing/2010/main" w="9525">
                   <a:solidFill>
                     <a:srgbClr val="000000"/>
                   </a:solidFill>
@@ -6678,7 +6678,7 @@
             </a:ln>
             <a:extLst>
               <a:ext uri="{91240B29-F687-4f45-9708-019B960494DF}">
-                <a14:hiddenLine xmlns:a14="http://schemas.microsoft.com/office/drawing/2010/main" xmlns="" w="9525">
+                <a14:hiddenLine xmlns="" xmlns:a14="http://schemas.microsoft.com/office/drawing/2010/main" w="9525">
                   <a:solidFill>
                     <a:srgbClr val="000000"/>
                   </a:solidFill>
@@ -6740,7 +6740,7 @@
             </a:ln>
             <a:extLst>
               <a:ext uri="{91240B29-F687-4f45-9708-019B960494DF}">
-                <a14:hiddenLine xmlns:a14="http://schemas.microsoft.com/office/drawing/2010/main" xmlns="" w="9525">
+                <a14:hiddenLine xmlns="" xmlns:a14="http://schemas.microsoft.com/office/drawing/2010/main" w="9525">
                   <a:solidFill>
                     <a:srgbClr val="000000"/>
                   </a:solidFill>
@@ -6860,7 +6860,7 @@
             </a:ln>
             <a:extLst>
               <a:ext uri="{91240B29-F687-4f45-9708-019B960494DF}">
-                <a14:hiddenLine xmlns:a14="http://schemas.microsoft.com/office/drawing/2010/main" xmlns="" w="9525">
+                <a14:hiddenLine xmlns="" xmlns:a14="http://schemas.microsoft.com/office/drawing/2010/main" w="9525">
                   <a:solidFill>
                     <a:srgbClr val="000000"/>
                   </a:solidFill>
@@ -6928,7 +6928,7 @@
             </a:ln>
             <a:extLst>
               <a:ext uri="{91240B29-F687-4f45-9708-019B960494DF}">
-                <a14:hiddenLine xmlns:a14="http://schemas.microsoft.com/office/drawing/2010/main" xmlns="" w="9525">
+                <a14:hiddenLine xmlns="" xmlns:a14="http://schemas.microsoft.com/office/drawing/2010/main" w="9525">
                   <a:solidFill>
                     <a:srgbClr val="000000"/>
                   </a:solidFill>
@@ -7018,7 +7018,7 @@
             </a:ln>
             <a:extLst>
               <a:ext uri="{91240B29-F687-4f45-9708-019B960494DF}">
-                <a14:hiddenLine xmlns:a14="http://schemas.microsoft.com/office/drawing/2010/main" xmlns="" w="9525">
+                <a14:hiddenLine xmlns="" xmlns:a14="http://schemas.microsoft.com/office/drawing/2010/main" w="9525">
                   <a:solidFill>
                     <a:srgbClr val="000000"/>
                   </a:solidFill>
@@ -7158,7 +7158,7 @@
           <a:p>
             <a:fld id="{5BCAD085-E8A6-8845-BD4E-CB4CCA059FC4}" type="datetimeFigureOut">
               <a:rPr lang="en-US" smtClean="0"/>
-              <a:t>6/9/2024</a:t>
+              <a:t>6/10/2024</a:t>
             </a:fld>
             <a:endParaRPr lang="en-US"/>
           </a:p>
@@ -7425,7 +7425,7 @@
           <a:p>
             <a:fld id="{5BCAD085-E8A6-8845-BD4E-CB4CCA059FC4}" type="datetimeFigureOut">
               <a:rPr lang="en-US" smtClean="0"/>
-              <a:t>6/9/2024</a:t>
+              <a:t>6/10/2024</a:t>
             </a:fld>
             <a:endParaRPr lang="en-US"/>
           </a:p>
@@ -7621,7 +7621,7 @@
           <a:p>
             <a:fld id="{5BCAD085-E8A6-8845-BD4E-CB4CCA059FC4}" type="datetimeFigureOut">
               <a:rPr lang="en-US" smtClean="0"/>
-              <a:t>6/9/2024</a:t>
+              <a:t>6/10/2024</a:t>
             </a:fld>
             <a:endParaRPr lang="en-US"/>
           </a:p>
@@ -7884,7 +7884,7 @@
           <a:p>
             <a:fld id="{5BCAD085-E8A6-8845-BD4E-CB4CCA059FC4}" type="datetimeFigureOut">
               <a:rPr lang="en-US" smtClean="0"/>
-              <a:t>6/9/2024</a:t>
+              <a:t>6/10/2024</a:t>
             </a:fld>
             <a:endParaRPr lang="en-US"/>
           </a:p>
@@ -8318,7 +8318,7 @@
           <a:p>
             <a:fld id="{5BCAD085-E8A6-8845-BD4E-CB4CCA059FC4}" type="datetimeFigureOut">
               <a:rPr lang="en-US" smtClean="0"/>
-              <a:t>6/9/2024</a:t>
+              <a:t>6/10/2024</a:t>
             </a:fld>
             <a:endParaRPr lang="en-US"/>
           </a:p>
@@ -8864,7 +8864,7 @@
           <a:p>
             <a:fld id="{5BCAD085-E8A6-8845-BD4E-CB4CCA059FC4}" type="datetimeFigureOut">
               <a:rPr lang="en-US" smtClean="0"/>
-              <a:t>6/9/2024</a:t>
+              <a:t>6/10/2024</a:t>
             </a:fld>
             <a:endParaRPr lang="en-US"/>
           </a:p>
@@ -9584,7 +9584,7 @@
           <a:p>
             <a:fld id="{5BCAD085-E8A6-8845-BD4E-CB4CCA059FC4}" type="datetimeFigureOut">
               <a:rPr lang="en-US" smtClean="0"/>
-              <a:t>6/9/2024</a:t>
+              <a:t>6/10/2024</a:t>
             </a:fld>
             <a:endParaRPr lang="en-US"/>
           </a:p>
@@ -9758,7 +9758,7 @@
           <a:p>
             <a:fld id="{5BCAD085-E8A6-8845-BD4E-CB4CCA059FC4}" type="datetimeFigureOut">
               <a:rPr lang="en-US" smtClean="0"/>
-              <a:t>6/9/2024</a:t>
+              <a:t>6/10/2024</a:t>
             </a:fld>
             <a:endParaRPr lang="en-US"/>
           </a:p>
@@ -9938,7 +9938,7 @@
           <a:p>
             <a:fld id="{5BCAD085-E8A6-8845-BD4E-CB4CCA059FC4}" type="datetimeFigureOut">
               <a:rPr lang="en-US" smtClean="0"/>
-              <a:t>6/9/2024</a:t>
+              <a:t>6/10/2024</a:t>
             </a:fld>
             <a:endParaRPr lang="en-US"/>
           </a:p>
@@ -10123,7 +10123,7 @@
           <a:p>
             <a:fld id="{5BCAD085-E8A6-8845-BD4E-CB4CCA059FC4}" type="datetimeFigureOut">
               <a:rPr lang="en-US" smtClean="0"/>
-              <a:t>6/9/2024</a:t>
+              <a:t>6/10/2024</a:t>
             </a:fld>
             <a:endParaRPr lang="en-US"/>
           </a:p>
@@ -10383,7 +10383,7 @@
           <a:p>
             <a:fld id="{5BCAD085-E8A6-8845-BD4E-CB4CCA059FC4}" type="datetimeFigureOut">
               <a:rPr lang="en-US" smtClean="0"/>
-              <a:t>6/9/2024</a:t>
+              <a:t>6/10/2024</a:t>
             </a:fld>
             <a:endParaRPr lang="en-US"/>
           </a:p>
@@ -10615,7 +10615,7 @@
           <a:p>
             <a:fld id="{5BCAD085-E8A6-8845-BD4E-CB4CCA059FC4}" type="datetimeFigureOut">
               <a:rPr lang="en-US" smtClean="0"/>
-              <a:t>6/9/2024</a:t>
+              <a:t>6/10/2024</a:t>
             </a:fld>
             <a:endParaRPr lang="en-US"/>
           </a:p>
@@ -10996,7 +10996,7 @@
           <a:p>
             <a:fld id="{5BCAD085-E8A6-8845-BD4E-CB4CCA059FC4}" type="datetimeFigureOut">
               <a:rPr lang="en-US" smtClean="0"/>
-              <a:t>6/9/2024</a:t>
+              <a:t>6/10/2024</a:t>
             </a:fld>
             <a:endParaRPr lang="en-US"/>
           </a:p>
@@ -11114,7 +11114,7 @@
           <a:p>
             <a:fld id="{5BCAD085-E8A6-8845-BD4E-CB4CCA059FC4}" type="datetimeFigureOut">
               <a:rPr lang="en-US" smtClean="0"/>
-              <a:t>6/9/2024</a:t>
+              <a:t>6/10/2024</a:t>
             </a:fld>
             <a:endParaRPr lang="en-US"/>
           </a:p>
@@ -11209,7 +11209,7 @@
           <a:p>
             <a:fld id="{5BCAD085-E8A6-8845-BD4E-CB4CCA059FC4}" type="datetimeFigureOut">
               <a:rPr lang="en-US" smtClean="0"/>
-              <a:t>6/9/2024</a:t>
+              <a:t>6/10/2024</a:t>
             </a:fld>
             <a:endParaRPr lang="en-US"/>
           </a:p>
@@ -11458,7 +11458,7 @@
           <a:p>
             <a:fld id="{5BCAD085-E8A6-8845-BD4E-CB4CCA059FC4}" type="datetimeFigureOut">
               <a:rPr lang="en-US" smtClean="0"/>
-              <a:t>6/9/2024</a:t>
+              <a:t>6/10/2024</a:t>
             </a:fld>
             <a:endParaRPr lang="en-US"/>
           </a:p>
@@ -11710,7 +11710,7 @@
           <a:p>
             <a:fld id="{5BCAD085-E8A6-8845-BD4E-CB4CCA059FC4}" type="datetimeFigureOut">
               <a:rPr lang="en-US" smtClean="0"/>
-              <a:t>6/9/2024</a:t>
+              <a:t>6/10/2024</a:t>
             </a:fld>
             <a:endParaRPr lang="en-US"/>
           </a:p>
@@ -11833,7 +11833,7 @@
           <a:noFill/>
           <a:extLst>
             <a:ext uri="{909E8E84-426E-40dd-AFC4-6F175D3DCCD1}">
-              <a14:hiddenFill xmlns:a14="http://schemas.microsoft.com/office/drawing/2010/main" xmlns="">
+              <a14:hiddenFill xmlns="" xmlns:a14="http://schemas.microsoft.com/office/drawing/2010/main">
                 <a:solidFill>
                   <a:srgbClr val="FFFFFF"/>
                 </a:solidFill>
@@ -11907,7 +11907,7 @@
               </a:ln>
               <a:extLst>
                 <a:ext uri="{91240B29-F687-4f45-9708-019B960494DF}">
-                  <a14:hiddenLine xmlns:a14="http://schemas.microsoft.com/office/drawing/2010/main" xmlns="" w="9525">
+                  <a14:hiddenLine xmlns="" xmlns:a14="http://schemas.microsoft.com/office/drawing/2010/main" w="9525">
                     <a:solidFill>
                       <a:srgbClr val="000000"/>
                     </a:solidFill>
@@ -11997,7 +11997,7 @@
               </a:ln>
               <a:extLst>
                 <a:ext uri="{91240B29-F687-4f45-9708-019B960494DF}">
-                  <a14:hiddenLine xmlns:a14="http://schemas.microsoft.com/office/drawing/2010/main" xmlns="" w="9525">
+                  <a14:hiddenLine xmlns="" xmlns:a14="http://schemas.microsoft.com/office/drawing/2010/main" w="9525">
                     <a:solidFill>
                       <a:srgbClr val="000000"/>
                     </a:solidFill>
@@ -12087,7 +12087,7 @@
               </a:ln>
               <a:extLst>
                 <a:ext uri="{91240B29-F687-4f45-9708-019B960494DF}">
-                  <a14:hiddenLine xmlns:a14="http://schemas.microsoft.com/office/drawing/2010/main" xmlns="" w="9525">
+                  <a14:hiddenLine xmlns="" xmlns:a14="http://schemas.microsoft.com/office/drawing/2010/main" w="9525">
                     <a:solidFill>
                       <a:srgbClr val="000000"/>
                     </a:solidFill>
@@ -12149,7 +12149,7 @@
               </a:ln>
               <a:extLst>
                 <a:ext uri="{91240B29-F687-4f45-9708-019B960494DF}">
-                  <a14:hiddenLine xmlns:a14="http://schemas.microsoft.com/office/drawing/2010/main" xmlns="" w="9525">
+                  <a14:hiddenLine xmlns="" xmlns:a14="http://schemas.microsoft.com/office/drawing/2010/main" w="9525">
                     <a:solidFill>
                       <a:srgbClr val="000000"/>
                     </a:solidFill>
@@ -12239,7 +12239,7 @@
               </a:ln>
               <a:extLst>
                 <a:ext uri="{91240B29-F687-4f45-9708-019B960494DF}">
-                  <a14:hiddenLine xmlns:a14="http://schemas.microsoft.com/office/drawing/2010/main" xmlns="" w="9525">
+                  <a14:hiddenLine xmlns="" xmlns:a14="http://schemas.microsoft.com/office/drawing/2010/main" w="9525">
                     <a:solidFill>
                       <a:srgbClr val="000000"/>
                     </a:solidFill>
@@ -12301,7 +12301,7 @@
               </a:ln>
               <a:extLst>
                 <a:ext uri="{91240B29-F687-4f45-9708-019B960494DF}">
-                  <a14:hiddenLine xmlns:a14="http://schemas.microsoft.com/office/drawing/2010/main" xmlns="" w="9525">
+                  <a14:hiddenLine xmlns="" xmlns:a14="http://schemas.microsoft.com/office/drawing/2010/main" w="9525">
                     <a:solidFill>
                       <a:srgbClr val="000000"/>
                     </a:solidFill>
@@ -12363,7 +12363,7 @@
               </a:ln>
               <a:extLst>
                 <a:ext uri="{91240B29-F687-4f45-9708-019B960494DF}">
-                  <a14:hiddenLine xmlns:a14="http://schemas.microsoft.com/office/drawing/2010/main" xmlns="" w="9525">
+                  <a14:hiddenLine xmlns="" xmlns:a14="http://schemas.microsoft.com/office/drawing/2010/main" w="9525">
                     <a:solidFill>
                       <a:srgbClr val="000000"/>
                     </a:solidFill>
@@ -12453,7 +12453,7 @@
               </a:ln>
               <a:extLst>
                 <a:ext uri="{91240B29-F687-4f45-9708-019B960494DF}">
-                  <a14:hiddenLine xmlns:a14="http://schemas.microsoft.com/office/drawing/2010/main" xmlns="" w="9525">
+                  <a14:hiddenLine xmlns="" xmlns:a14="http://schemas.microsoft.com/office/drawing/2010/main" w="9525">
                     <a:solidFill>
                       <a:srgbClr val="000000"/>
                     </a:solidFill>
@@ -12543,7 +12543,7 @@
               </a:ln>
               <a:extLst>
                 <a:ext uri="{91240B29-F687-4f45-9708-019B960494DF}">
-                  <a14:hiddenLine xmlns:a14="http://schemas.microsoft.com/office/drawing/2010/main" xmlns="" w="9525">
+                  <a14:hiddenLine xmlns="" xmlns:a14="http://schemas.microsoft.com/office/drawing/2010/main" w="9525">
                     <a:solidFill>
                       <a:srgbClr val="000000"/>
                     </a:solidFill>
@@ -12605,7 +12605,7 @@
               </a:ln>
               <a:extLst>
                 <a:ext uri="{91240B29-F687-4f45-9708-019B960494DF}">
-                  <a14:hiddenLine xmlns:a14="http://schemas.microsoft.com/office/drawing/2010/main" xmlns="" w="9525">
+                  <a14:hiddenLine xmlns="" xmlns:a14="http://schemas.microsoft.com/office/drawing/2010/main" w="9525">
                     <a:solidFill>
                       <a:srgbClr val="000000"/>
                     </a:solidFill>
@@ -12715,7 +12715,7 @@
               </a:ln>
               <a:extLst>
                 <a:ext uri="{91240B29-F687-4f45-9708-019B960494DF}">
-                  <a14:hiddenLine xmlns:a14="http://schemas.microsoft.com/office/drawing/2010/main" xmlns="" w="9525">
+                  <a14:hiddenLine xmlns="" xmlns:a14="http://schemas.microsoft.com/office/drawing/2010/main" w="9525">
                     <a:solidFill>
                       <a:srgbClr val="000000"/>
                     </a:solidFill>
@@ -12799,7 +12799,7 @@
               </a:ln>
               <a:extLst>
                 <a:ext uri="{91240B29-F687-4f45-9708-019B960494DF}">
-                  <a14:hiddenLine xmlns:a14="http://schemas.microsoft.com/office/drawing/2010/main" xmlns="" w="9525">
+                  <a14:hiddenLine xmlns="" xmlns:a14="http://schemas.microsoft.com/office/drawing/2010/main" w="9525">
                     <a:solidFill>
                       <a:srgbClr val="000000"/>
                     </a:solidFill>
@@ -12861,7 +12861,7 @@
               </a:ln>
               <a:extLst>
                 <a:ext uri="{91240B29-F687-4f45-9708-019B960494DF}">
-                  <a14:hiddenLine xmlns:a14="http://schemas.microsoft.com/office/drawing/2010/main" xmlns="" w="9525">
+                  <a14:hiddenLine xmlns="" xmlns:a14="http://schemas.microsoft.com/office/drawing/2010/main" w="9525">
                     <a:solidFill>
                       <a:srgbClr val="000000"/>
                     </a:solidFill>
@@ -12923,7 +12923,7 @@
               </a:ln>
               <a:extLst>
                 <a:ext uri="{91240B29-F687-4f45-9708-019B960494DF}">
-                  <a14:hiddenLine xmlns:a14="http://schemas.microsoft.com/office/drawing/2010/main" xmlns="" w="9525">
+                  <a14:hiddenLine xmlns="" xmlns:a14="http://schemas.microsoft.com/office/drawing/2010/main" w="9525">
                     <a:solidFill>
                       <a:srgbClr val="000000"/>
                     </a:solidFill>
@@ -13013,7 +13013,7 @@
               </a:ln>
               <a:extLst>
                 <a:ext uri="{91240B29-F687-4f45-9708-019B960494DF}">
-                  <a14:hiddenLine xmlns:a14="http://schemas.microsoft.com/office/drawing/2010/main" xmlns="" w="9525">
+                  <a14:hiddenLine xmlns="" xmlns:a14="http://schemas.microsoft.com/office/drawing/2010/main" w="9525">
                     <a:solidFill>
                       <a:srgbClr val="000000"/>
                     </a:solidFill>
@@ -13047,7 +13047,7 @@
               </a:ln>
               <a:extLst>
                 <a:ext uri="{91240B29-F687-4f45-9708-019B960494DF}">
-                  <a14:hiddenLine xmlns:a14="http://schemas.microsoft.com/office/drawing/2010/main" xmlns="" w="9525">
+                  <a14:hiddenLine xmlns="" xmlns:a14="http://schemas.microsoft.com/office/drawing/2010/main" w="9525">
                     <a:solidFill>
                       <a:srgbClr val="000000"/>
                     </a:solidFill>
@@ -13112,7 +13112,7 @@
               </a:ln>
               <a:extLst>
                 <a:ext uri="{91240B29-F687-4f45-9708-019B960494DF}">
-                  <a14:hiddenLine xmlns:a14="http://schemas.microsoft.com/office/drawing/2010/main" xmlns="" w="9525">
+                  <a14:hiddenLine xmlns="" xmlns:a14="http://schemas.microsoft.com/office/drawing/2010/main" w="9525">
                     <a:solidFill>
                       <a:srgbClr val="000000"/>
                     </a:solidFill>
@@ -13202,7 +13202,7 @@
               </a:ln>
               <a:extLst>
                 <a:ext uri="{91240B29-F687-4f45-9708-019B960494DF}">
-                  <a14:hiddenLine xmlns:a14="http://schemas.microsoft.com/office/drawing/2010/main" xmlns="" w="9525">
+                  <a14:hiddenLine xmlns="" xmlns:a14="http://schemas.microsoft.com/office/drawing/2010/main" w="9525">
                     <a:solidFill>
                       <a:srgbClr val="000000"/>
                     </a:solidFill>
@@ -13264,7 +13264,7 @@
               </a:ln>
               <a:extLst>
                 <a:ext uri="{91240B29-F687-4f45-9708-019B960494DF}">
-                  <a14:hiddenLine xmlns:a14="http://schemas.microsoft.com/office/drawing/2010/main" xmlns="" w="9525">
+                  <a14:hiddenLine xmlns="" xmlns:a14="http://schemas.microsoft.com/office/drawing/2010/main" w="9525">
                     <a:solidFill>
                       <a:srgbClr val="000000"/>
                     </a:solidFill>
@@ -13354,7 +13354,7 @@
               </a:ln>
               <a:extLst>
                 <a:ext uri="{91240B29-F687-4f45-9708-019B960494DF}">
-                  <a14:hiddenLine xmlns:a14="http://schemas.microsoft.com/office/drawing/2010/main" xmlns="" w="9525">
+                  <a14:hiddenLine xmlns="" xmlns:a14="http://schemas.microsoft.com/office/drawing/2010/main" w="9525">
                     <a:solidFill>
                       <a:srgbClr val="000000"/>
                     </a:solidFill>
@@ -13419,7 +13419,7 @@
               </a:ln>
               <a:extLst>
                 <a:ext uri="{91240B29-F687-4f45-9708-019B960494DF}">
-                  <a14:hiddenLine xmlns:a14="http://schemas.microsoft.com/office/drawing/2010/main" xmlns="" w="9525">
+                  <a14:hiddenLine xmlns="" xmlns:a14="http://schemas.microsoft.com/office/drawing/2010/main" w="9525">
                     <a:solidFill>
                       <a:srgbClr val="000000"/>
                     </a:solidFill>
@@ -13481,7 +13481,7 @@
               </a:ln>
               <a:extLst>
                 <a:ext uri="{91240B29-F687-4f45-9708-019B960494DF}">
-                  <a14:hiddenLine xmlns:a14="http://schemas.microsoft.com/office/drawing/2010/main" xmlns="" w="9525">
+                  <a14:hiddenLine xmlns="" xmlns:a14="http://schemas.microsoft.com/office/drawing/2010/main" w="9525">
                     <a:solidFill>
                       <a:srgbClr val="000000"/>
                     </a:solidFill>
@@ -13571,7 +13571,7 @@
               </a:ln>
               <a:extLst>
                 <a:ext uri="{91240B29-F687-4f45-9708-019B960494DF}">
-                  <a14:hiddenLine xmlns:a14="http://schemas.microsoft.com/office/drawing/2010/main" xmlns="" w="9525">
+                  <a14:hiddenLine xmlns="" xmlns:a14="http://schemas.microsoft.com/office/drawing/2010/main" w="9525">
                     <a:solidFill>
                       <a:srgbClr val="000000"/>
                     </a:solidFill>
@@ -13661,7 +13661,7 @@
               </a:ln>
               <a:extLst>
                 <a:ext uri="{91240B29-F687-4f45-9708-019B960494DF}">
-                  <a14:hiddenLine xmlns:a14="http://schemas.microsoft.com/office/drawing/2010/main" xmlns="" w="9525">
+                  <a14:hiddenLine xmlns="" xmlns:a14="http://schemas.microsoft.com/office/drawing/2010/main" w="9525">
                     <a:solidFill>
                       <a:srgbClr val="000000"/>
                     </a:solidFill>
@@ -13726,7 +13726,7 @@
               </a:ln>
               <a:extLst>
                 <a:ext uri="{91240B29-F687-4f45-9708-019B960494DF}">
-                  <a14:hiddenLine xmlns:a14="http://schemas.microsoft.com/office/drawing/2010/main" xmlns="" w="9525">
+                  <a14:hiddenLine xmlns="" xmlns:a14="http://schemas.microsoft.com/office/drawing/2010/main" w="9525">
                     <a:solidFill>
                       <a:srgbClr val="000000"/>
                     </a:solidFill>
@@ -13846,7 +13846,7 @@
               </a:ln>
               <a:extLst>
                 <a:ext uri="{91240B29-F687-4f45-9708-019B960494DF}">
-                  <a14:hiddenLine xmlns:a14="http://schemas.microsoft.com/office/drawing/2010/main" xmlns="" w="9525">
+                  <a14:hiddenLine xmlns="" xmlns:a14="http://schemas.microsoft.com/office/drawing/2010/main" w="9525">
                     <a:solidFill>
                       <a:srgbClr val="000000"/>
                     </a:solidFill>
@@ -13944,7 +13944,7 @@
               </a:ln>
               <a:extLst>
                 <a:ext uri="{91240B29-F687-4f45-9708-019B960494DF}">
-                  <a14:hiddenLine xmlns:a14="http://schemas.microsoft.com/office/drawing/2010/main" xmlns="" w="9525">
+                  <a14:hiddenLine xmlns="" xmlns:a14="http://schemas.microsoft.com/office/drawing/2010/main" w="9525">
                     <a:solidFill>
                       <a:srgbClr val="000000"/>
                     </a:solidFill>
@@ -14059,7 +14059,7 @@
               </a:ln>
               <a:extLst>
                 <a:ext uri="{91240B29-F687-4f45-9708-019B960494DF}">
-                  <a14:hiddenLine xmlns:a14="http://schemas.microsoft.com/office/drawing/2010/main" xmlns="" w="9525">
+                  <a14:hiddenLine xmlns="" xmlns:a14="http://schemas.microsoft.com/office/drawing/2010/main" w="9525">
                     <a:solidFill>
                       <a:srgbClr val="000000"/>
                     </a:solidFill>
@@ -14149,7 +14149,7 @@
               </a:ln>
               <a:extLst>
                 <a:ext uri="{91240B29-F687-4f45-9708-019B960494DF}">
-                  <a14:hiddenLine xmlns:a14="http://schemas.microsoft.com/office/drawing/2010/main" xmlns="" w="9525">
+                  <a14:hiddenLine xmlns="" xmlns:a14="http://schemas.microsoft.com/office/drawing/2010/main" w="9525">
                     <a:solidFill>
                       <a:srgbClr val="000000"/>
                     </a:solidFill>
@@ -14214,7 +14214,7 @@
               </a:ln>
               <a:extLst>
                 <a:ext uri="{91240B29-F687-4f45-9708-019B960494DF}">
-                  <a14:hiddenLine xmlns:a14="http://schemas.microsoft.com/office/drawing/2010/main" xmlns="" w="9525">
+                  <a14:hiddenLine xmlns="" xmlns:a14="http://schemas.microsoft.com/office/drawing/2010/main" w="9525">
                     <a:solidFill>
                       <a:srgbClr val="000000"/>
                     </a:solidFill>
@@ -14304,7 +14304,7 @@
               </a:ln>
               <a:extLst>
                 <a:ext uri="{91240B29-F687-4f45-9708-019B960494DF}">
-                  <a14:hiddenLine xmlns:a14="http://schemas.microsoft.com/office/drawing/2010/main" xmlns="" w="9525">
+                  <a14:hiddenLine xmlns="" xmlns:a14="http://schemas.microsoft.com/office/drawing/2010/main" w="9525">
                     <a:solidFill>
                       <a:srgbClr val="000000"/>
                     </a:solidFill>
@@ -14372,7 +14372,7 @@
               </a:ln>
               <a:extLst>
                 <a:ext uri="{91240B29-F687-4f45-9708-019B960494DF}">
-                  <a14:hiddenLine xmlns:a14="http://schemas.microsoft.com/office/drawing/2010/main" xmlns="" w="9525">
+                  <a14:hiddenLine xmlns="" xmlns:a14="http://schemas.microsoft.com/office/drawing/2010/main" w="9525">
                     <a:solidFill>
                       <a:srgbClr val="000000"/>
                     </a:solidFill>
@@ -14462,7 +14462,7 @@
               </a:ln>
               <a:extLst>
                 <a:ext uri="{91240B29-F687-4f45-9708-019B960494DF}">
-                  <a14:hiddenLine xmlns:a14="http://schemas.microsoft.com/office/drawing/2010/main" xmlns="" w="9525">
+                  <a14:hiddenLine xmlns="" xmlns:a14="http://schemas.microsoft.com/office/drawing/2010/main" w="9525">
                     <a:solidFill>
                       <a:srgbClr val="000000"/>
                     </a:solidFill>
@@ -14530,7 +14530,7 @@
               </a:ln>
               <a:extLst>
                 <a:ext uri="{91240B29-F687-4f45-9708-019B960494DF}">
-                  <a14:hiddenLine xmlns:a14="http://schemas.microsoft.com/office/drawing/2010/main" xmlns="" w="9525">
+                  <a14:hiddenLine xmlns="" xmlns:a14="http://schemas.microsoft.com/office/drawing/2010/main" w="9525">
                     <a:solidFill>
                       <a:srgbClr val="000000"/>
                     </a:solidFill>
@@ -14620,7 +14620,7 @@
               </a:ln>
               <a:extLst>
                 <a:ext uri="{91240B29-F687-4f45-9708-019B960494DF}">
-                  <a14:hiddenLine xmlns:a14="http://schemas.microsoft.com/office/drawing/2010/main" xmlns="" w="9525">
+                  <a14:hiddenLine xmlns="" xmlns:a14="http://schemas.microsoft.com/office/drawing/2010/main" w="9525">
                     <a:solidFill>
                       <a:srgbClr val="000000"/>
                     </a:solidFill>
@@ -14654,7 +14654,7 @@
               </a:ln>
               <a:extLst>
                 <a:ext uri="{91240B29-F687-4f45-9708-019B960494DF}">
-                  <a14:hiddenLine xmlns:a14="http://schemas.microsoft.com/office/drawing/2010/main" xmlns="" w="9525">
+                  <a14:hiddenLine xmlns="" xmlns:a14="http://schemas.microsoft.com/office/drawing/2010/main" w="9525">
                     <a:solidFill>
                       <a:srgbClr val="000000"/>
                     </a:solidFill>
@@ -14794,7 +14794,7 @@
           <a:p>
             <a:fld id="{5BCAD085-E8A6-8845-BD4E-CB4CCA059FC4}" type="datetimeFigureOut">
               <a:rPr lang="en-US" smtClean="0"/>
-              <a:t>6/9/2024</a:t>
+              <a:t>6/10/2024</a:t>
             </a:fld>
             <a:endParaRPr lang="en-US"/>
           </a:p>

--- a/BEMUTATÓ/Halozattervezesi_vizsgaremek_ppt.pptx
+++ b/BEMUTATÓ/Halozattervezesi_vizsgaremek_ppt.pptx
@@ -2932,7 +2932,7 @@
           <a:noFill/>
           <a:extLst>
             <a:ext uri="{909E8E84-426E-40dd-AFC4-6F175D3DCCD1}">
-              <a14:hiddenFill xmlns="" xmlns:a14="http://schemas.microsoft.com/office/drawing/2010/main">
+              <a14:hiddenFill xmlns:a14="http://schemas.microsoft.com/office/drawing/2010/main" xmlns="">
                 <a:solidFill>
                   <a:srgbClr val="FFFFFF"/>
                 </a:solidFill>
@@ -2992,7 +2992,7 @@
             </a:ln>
             <a:extLst>
               <a:ext uri="{91240B29-F687-4f45-9708-019B960494DF}">
-                <a14:hiddenLine xmlns="" xmlns:a14="http://schemas.microsoft.com/office/drawing/2010/main" w="9525">
+                <a14:hiddenLine xmlns:a14="http://schemas.microsoft.com/office/drawing/2010/main" xmlns="" w="9525">
                   <a:solidFill>
                     <a:srgbClr val="000000"/>
                   </a:solidFill>
@@ -3082,7 +3082,7 @@
             </a:ln>
             <a:extLst>
               <a:ext uri="{91240B29-F687-4f45-9708-019B960494DF}">
-                <a14:hiddenLine xmlns="" xmlns:a14="http://schemas.microsoft.com/office/drawing/2010/main" w="9525">
+                <a14:hiddenLine xmlns:a14="http://schemas.microsoft.com/office/drawing/2010/main" xmlns="" w="9525">
                   <a:solidFill>
                     <a:srgbClr val="000000"/>
                   </a:solidFill>
@@ -3172,7 +3172,7 @@
             </a:ln>
             <a:extLst>
               <a:ext uri="{91240B29-F687-4f45-9708-019B960494DF}">
-                <a14:hiddenLine xmlns="" xmlns:a14="http://schemas.microsoft.com/office/drawing/2010/main" w="9525">
+                <a14:hiddenLine xmlns:a14="http://schemas.microsoft.com/office/drawing/2010/main" xmlns="" w="9525">
                   <a:solidFill>
                     <a:srgbClr val="000000"/>
                   </a:solidFill>
@@ -3206,7 +3206,7 @@
             </a:ln>
             <a:extLst>
               <a:ext uri="{91240B29-F687-4f45-9708-019B960494DF}">
-                <a14:hiddenLine xmlns="" xmlns:a14="http://schemas.microsoft.com/office/drawing/2010/main" w="9525">
+                <a14:hiddenLine xmlns:a14="http://schemas.microsoft.com/office/drawing/2010/main" xmlns="" w="9525">
                   <a:solidFill>
                     <a:srgbClr val="000000"/>
                   </a:solidFill>
@@ -3296,7 +3296,7 @@
             </a:ln>
             <a:extLst>
               <a:ext uri="{91240B29-F687-4f45-9708-019B960494DF}">
-                <a14:hiddenLine xmlns="" xmlns:a14="http://schemas.microsoft.com/office/drawing/2010/main" w="9525">
+                <a14:hiddenLine xmlns:a14="http://schemas.microsoft.com/office/drawing/2010/main" xmlns="" w="9525">
                   <a:solidFill>
                     <a:srgbClr val="000000"/>
                   </a:solidFill>
@@ -3358,7 +3358,7 @@
             </a:ln>
             <a:extLst>
               <a:ext uri="{91240B29-F687-4f45-9708-019B960494DF}">
-                <a14:hiddenLine xmlns="" xmlns:a14="http://schemas.microsoft.com/office/drawing/2010/main" w="9525">
+                <a14:hiddenLine xmlns:a14="http://schemas.microsoft.com/office/drawing/2010/main" xmlns="" w="9525">
                   <a:solidFill>
                     <a:srgbClr val="000000"/>
                   </a:solidFill>
@@ -3420,7 +3420,7 @@
             </a:ln>
             <a:extLst>
               <a:ext uri="{91240B29-F687-4f45-9708-019B960494DF}">
-                <a14:hiddenLine xmlns="" xmlns:a14="http://schemas.microsoft.com/office/drawing/2010/main" w="9525">
+                <a14:hiddenLine xmlns:a14="http://schemas.microsoft.com/office/drawing/2010/main" xmlns="" w="9525">
                   <a:solidFill>
                     <a:srgbClr val="000000"/>
                   </a:solidFill>
@@ -3510,7 +3510,7 @@
             </a:ln>
             <a:extLst>
               <a:ext uri="{91240B29-F687-4f45-9708-019B960494DF}">
-                <a14:hiddenLine xmlns="" xmlns:a14="http://schemas.microsoft.com/office/drawing/2010/main" w="9525">
+                <a14:hiddenLine xmlns:a14="http://schemas.microsoft.com/office/drawing/2010/main" xmlns="" w="9525">
                   <a:solidFill>
                     <a:srgbClr val="000000"/>
                   </a:solidFill>
@@ -3572,7 +3572,7 @@
             </a:ln>
             <a:extLst>
               <a:ext uri="{91240B29-F687-4f45-9708-019B960494DF}">
-                <a14:hiddenLine xmlns="" xmlns:a14="http://schemas.microsoft.com/office/drawing/2010/main" w="9525">
+                <a14:hiddenLine xmlns:a14="http://schemas.microsoft.com/office/drawing/2010/main" xmlns="" w="9525">
                   <a:solidFill>
                     <a:srgbClr val="000000"/>
                   </a:solidFill>
@@ -3634,7 +3634,7 @@
             </a:ln>
             <a:extLst>
               <a:ext uri="{91240B29-F687-4f45-9708-019B960494DF}">
-                <a14:hiddenLine xmlns="" xmlns:a14="http://schemas.microsoft.com/office/drawing/2010/main" w="9525">
+                <a14:hiddenLine xmlns:a14="http://schemas.microsoft.com/office/drawing/2010/main" xmlns="" w="9525">
                   <a:solidFill>
                     <a:srgbClr val="000000"/>
                   </a:solidFill>
@@ -3724,7 +3724,7 @@
             </a:ln>
             <a:extLst>
               <a:ext uri="{91240B29-F687-4f45-9708-019B960494DF}">
-                <a14:hiddenLine xmlns="" xmlns:a14="http://schemas.microsoft.com/office/drawing/2010/main" w="9525">
+                <a14:hiddenLine xmlns:a14="http://schemas.microsoft.com/office/drawing/2010/main" xmlns="" w="9525">
                   <a:solidFill>
                     <a:srgbClr val="000000"/>
                   </a:solidFill>
@@ -3814,7 +3814,7 @@
             </a:ln>
             <a:extLst>
               <a:ext uri="{91240B29-F687-4f45-9708-019B960494DF}">
-                <a14:hiddenLine xmlns="" xmlns:a14="http://schemas.microsoft.com/office/drawing/2010/main" w="9525">
+                <a14:hiddenLine xmlns:a14="http://schemas.microsoft.com/office/drawing/2010/main" xmlns="" w="9525">
                   <a:solidFill>
                     <a:srgbClr val="000000"/>
                   </a:solidFill>
@@ -3876,7 +3876,7 @@
             </a:ln>
             <a:extLst>
               <a:ext uri="{91240B29-F687-4f45-9708-019B960494DF}">
-                <a14:hiddenLine xmlns="" xmlns:a14="http://schemas.microsoft.com/office/drawing/2010/main" w="9525">
+                <a14:hiddenLine xmlns:a14="http://schemas.microsoft.com/office/drawing/2010/main" xmlns="" w="9525">
                   <a:solidFill>
                     <a:srgbClr val="000000"/>
                   </a:solidFill>
@@ -3986,7 +3986,7 @@
             </a:ln>
             <a:extLst>
               <a:ext uri="{91240B29-F687-4f45-9708-019B960494DF}">
-                <a14:hiddenLine xmlns="" xmlns:a14="http://schemas.microsoft.com/office/drawing/2010/main" w="9525">
+                <a14:hiddenLine xmlns:a14="http://schemas.microsoft.com/office/drawing/2010/main" xmlns="" w="9525">
                   <a:solidFill>
                     <a:srgbClr val="000000"/>
                   </a:solidFill>
@@ -4048,7 +4048,7 @@
             </a:ln>
             <a:extLst>
               <a:ext uri="{91240B29-F687-4f45-9708-019B960494DF}">
-                <a14:hiddenLine xmlns="" xmlns:a14="http://schemas.microsoft.com/office/drawing/2010/main" w="9525">
+                <a14:hiddenLine xmlns:a14="http://schemas.microsoft.com/office/drawing/2010/main" xmlns="" w="9525">
                   <a:solidFill>
                     <a:srgbClr val="000000"/>
                   </a:solidFill>
@@ -4138,7 +4138,7 @@
             </a:ln>
             <a:extLst>
               <a:ext uri="{91240B29-F687-4f45-9708-019B960494DF}">
-                <a14:hiddenLine xmlns="" xmlns:a14="http://schemas.microsoft.com/office/drawing/2010/main" w="9525">
+                <a14:hiddenLine xmlns:a14="http://schemas.microsoft.com/office/drawing/2010/main" xmlns="" w="9525">
                   <a:solidFill>
                     <a:srgbClr val="000000"/>
                   </a:solidFill>
@@ -4228,7 +4228,7 @@
             </a:ln>
             <a:extLst>
               <a:ext uri="{91240B29-F687-4f45-9708-019B960494DF}">
-                <a14:hiddenLine xmlns="" xmlns:a14="http://schemas.microsoft.com/office/drawing/2010/main" w="9525">
+                <a14:hiddenLine xmlns:a14="http://schemas.microsoft.com/office/drawing/2010/main" xmlns="" w="9525">
                   <a:solidFill>
                     <a:srgbClr val="000000"/>
                   </a:solidFill>
@@ -4290,7 +4290,7 @@
             </a:ln>
             <a:extLst>
               <a:ext uri="{91240B29-F687-4f45-9708-019B960494DF}">
-                <a14:hiddenLine xmlns="" xmlns:a14="http://schemas.microsoft.com/office/drawing/2010/main" w="9525">
+                <a14:hiddenLine xmlns:a14="http://schemas.microsoft.com/office/drawing/2010/main" xmlns="" w="9525">
                   <a:solidFill>
                     <a:srgbClr val="000000"/>
                   </a:solidFill>
@@ -4380,7 +4380,7 @@
             </a:ln>
             <a:extLst>
               <a:ext uri="{91240B29-F687-4f45-9708-019B960494DF}">
-                <a14:hiddenLine xmlns="" xmlns:a14="http://schemas.microsoft.com/office/drawing/2010/main" w="9525">
+                <a14:hiddenLine xmlns:a14="http://schemas.microsoft.com/office/drawing/2010/main" xmlns="" w="9525">
                   <a:solidFill>
                     <a:srgbClr val="000000"/>
                   </a:solidFill>
@@ -4470,7 +4470,7 @@
             </a:ln>
             <a:extLst>
               <a:ext uri="{91240B29-F687-4f45-9708-019B960494DF}">
-                <a14:hiddenLine xmlns="" xmlns:a14="http://schemas.microsoft.com/office/drawing/2010/main" w="9525">
+                <a14:hiddenLine xmlns:a14="http://schemas.microsoft.com/office/drawing/2010/main" xmlns="" w="9525">
                   <a:solidFill>
                     <a:srgbClr val="000000"/>
                   </a:solidFill>
@@ -4526,7 +4526,7 @@
             </a:ln>
             <a:extLst>
               <a:ext uri="{91240B29-F687-4f45-9708-019B960494DF}">
-                <a14:hiddenLine xmlns="" xmlns:a14="http://schemas.microsoft.com/office/drawing/2010/main" w="9525">
+                <a14:hiddenLine xmlns:a14="http://schemas.microsoft.com/office/drawing/2010/main" xmlns="" w="9525">
                   <a:solidFill>
                     <a:srgbClr val="000000"/>
                   </a:solidFill>
@@ -4616,7 +4616,7 @@
             </a:ln>
             <a:extLst>
               <a:ext uri="{91240B29-F687-4f45-9708-019B960494DF}">
-                <a14:hiddenLine xmlns="" xmlns:a14="http://schemas.microsoft.com/office/drawing/2010/main" w="9525">
+                <a14:hiddenLine xmlns:a14="http://schemas.microsoft.com/office/drawing/2010/main" xmlns="" w="9525">
                   <a:solidFill>
                     <a:srgbClr val="000000"/>
                   </a:solidFill>
@@ -4672,7 +4672,7 @@
             </a:ln>
             <a:extLst>
               <a:ext uri="{91240B29-F687-4f45-9708-019B960494DF}">
-                <a14:hiddenLine xmlns="" xmlns:a14="http://schemas.microsoft.com/office/drawing/2010/main" w="9525">
+                <a14:hiddenLine xmlns:a14="http://schemas.microsoft.com/office/drawing/2010/main" xmlns="" w="9525">
                   <a:solidFill>
                     <a:srgbClr val="000000"/>
                   </a:solidFill>
@@ -4762,7 +4762,7 @@
             </a:ln>
             <a:extLst>
               <a:ext uri="{91240B29-F687-4f45-9708-019B960494DF}">
-                <a14:hiddenLine xmlns="" xmlns:a14="http://schemas.microsoft.com/office/drawing/2010/main" w="9525">
+                <a14:hiddenLine xmlns:a14="http://schemas.microsoft.com/office/drawing/2010/main" xmlns="" w="9525">
                   <a:solidFill>
                     <a:srgbClr val="000000"/>
                   </a:solidFill>
@@ -4830,7 +4830,7 @@
             </a:ln>
             <a:extLst>
               <a:ext uri="{91240B29-F687-4f45-9708-019B960494DF}">
-                <a14:hiddenLine xmlns="" xmlns:a14="http://schemas.microsoft.com/office/drawing/2010/main" w="9525">
+                <a14:hiddenLine xmlns:a14="http://schemas.microsoft.com/office/drawing/2010/main" xmlns="" w="9525">
                   <a:solidFill>
                     <a:srgbClr val="000000"/>
                   </a:solidFill>
@@ -4920,7 +4920,7 @@
             </a:ln>
             <a:extLst>
               <a:ext uri="{91240B29-F687-4f45-9708-019B960494DF}">
-                <a14:hiddenLine xmlns="" xmlns:a14="http://schemas.microsoft.com/office/drawing/2010/main" w="9525">
+                <a14:hiddenLine xmlns:a14="http://schemas.microsoft.com/office/drawing/2010/main" xmlns="" w="9525">
                   <a:solidFill>
                     <a:srgbClr val="000000"/>
                   </a:solidFill>
@@ -4988,7 +4988,7 @@
             </a:ln>
             <a:extLst>
               <a:ext uri="{91240B29-F687-4f45-9708-019B960494DF}">
-                <a14:hiddenLine xmlns="" xmlns:a14="http://schemas.microsoft.com/office/drawing/2010/main" w="9525">
+                <a14:hiddenLine xmlns:a14="http://schemas.microsoft.com/office/drawing/2010/main" xmlns="" w="9525">
                   <a:solidFill>
                     <a:srgbClr val="000000"/>
                   </a:solidFill>
@@ -5078,7 +5078,7 @@
             </a:ln>
             <a:extLst>
               <a:ext uri="{91240B29-F687-4f45-9708-019B960494DF}">
-                <a14:hiddenLine xmlns="" xmlns:a14="http://schemas.microsoft.com/office/drawing/2010/main" w="9525">
+                <a14:hiddenLine xmlns:a14="http://schemas.microsoft.com/office/drawing/2010/main" xmlns="" w="9525">
                   <a:solidFill>
                     <a:srgbClr val="000000"/>
                   </a:solidFill>
@@ -5112,7 +5112,7 @@
             </a:ln>
             <a:extLst>
               <a:ext uri="{91240B29-F687-4f45-9708-019B960494DF}">
-                <a14:hiddenLine xmlns="" xmlns:a14="http://schemas.microsoft.com/office/drawing/2010/main" w="9525">
+                <a14:hiddenLine xmlns:a14="http://schemas.microsoft.com/office/drawing/2010/main" xmlns="" w="9525">
                   <a:solidFill>
                     <a:srgbClr val="000000"/>
                   </a:solidFill>
@@ -5202,7 +5202,7 @@
             </a:ln>
             <a:extLst>
               <a:ext uri="{91240B29-F687-4f45-9708-019B960494DF}">
-                <a14:hiddenLine xmlns="" xmlns:a14="http://schemas.microsoft.com/office/drawing/2010/main" w="9525">
+                <a14:hiddenLine xmlns:a14="http://schemas.microsoft.com/office/drawing/2010/main" xmlns="" w="9525">
                   <a:solidFill>
                     <a:srgbClr val="000000"/>
                   </a:solidFill>
@@ -5264,7 +5264,7 @@
             </a:ln>
             <a:extLst>
               <a:ext uri="{91240B29-F687-4f45-9708-019B960494DF}">
-                <a14:hiddenLine xmlns="" xmlns:a14="http://schemas.microsoft.com/office/drawing/2010/main" w="9525">
+                <a14:hiddenLine xmlns:a14="http://schemas.microsoft.com/office/drawing/2010/main" xmlns="" w="9525">
                   <a:solidFill>
                     <a:srgbClr val="000000"/>
                   </a:solidFill>
@@ -5326,7 +5326,7 @@
             </a:ln>
             <a:extLst>
               <a:ext uri="{91240B29-F687-4f45-9708-019B960494DF}">
-                <a14:hiddenLine xmlns="" xmlns:a14="http://schemas.microsoft.com/office/drawing/2010/main" w="9525">
+                <a14:hiddenLine xmlns:a14="http://schemas.microsoft.com/office/drawing/2010/main" xmlns="" w="9525">
                   <a:solidFill>
                     <a:srgbClr val="000000"/>
                   </a:solidFill>
@@ -5416,7 +5416,7 @@
             </a:ln>
             <a:extLst>
               <a:ext uri="{91240B29-F687-4f45-9708-019B960494DF}">
-                <a14:hiddenLine xmlns="" xmlns:a14="http://schemas.microsoft.com/office/drawing/2010/main" w="9525">
+                <a14:hiddenLine xmlns:a14="http://schemas.microsoft.com/office/drawing/2010/main" xmlns="" w="9525">
                   <a:solidFill>
                     <a:srgbClr val="000000"/>
                   </a:solidFill>
@@ -5484,7 +5484,7 @@
             </a:ln>
             <a:extLst>
               <a:ext uri="{91240B29-F687-4f45-9708-019B960494DF}">
-                <a14:hiddenLine xmlns="" xmlns:a14="http://schemas.microsoft.com/office/drawing/2010/main" w="9525">
+                <a14:hiddenLine xmlns:a14="http://schemas.microsoft.com/office/drawing/2010/main" xmlns="" w="9525">
                   <a:solidFill>
                     <a:srgbClr val="000000"/>
                   </a:solidFill>
@@ -5546,7 +5546,7 @@
             </a:ln>
             <a:extLst>
               <a:ext uri="{91240B29-F687-4f45-9708-019B960494DF}">
-                <a14:hiddenLine xmlns="" xmlns:a14="http://schemas.microsoft.com/office/drawing/2010/main" w="9525">
+                <a14:hiddenLine xmlns:a14="http://schemas.microsoft.com/office/drawing/2010/main" xmlns="" w="9525">
                   <a:solidFill>
                     <a:srgbClr val="000000"/>
                   </a:solidFill>
@@ -5636,7 +5636,7 @@
             </a:ln>
             <a:extLst>
               <a:ext uri="{91240B29-F687-4f45-9708-019B960494DF}">
-                <a14:hiddenLine xmlns="" xmlns:a14="http://schemas.microsoft.com/office/drawing/2010/main" w="9525">
+                <a14:hiddenLine xmlns:a14="http://schemas.microsoft.com/office/drawing/2010/main" xmlns="" w="9525">
                   <a:solidFill>
                     <a:srgbClr val="000000"/>
                   </a:solidFill>
@@ -5698,7 +5698,7 @@
             </a:ln>
             <a:extLst>
               <a:ext uri="{91240B29-F687-4f45-9708-019B960494DF}">
-                <a14:hiddenLine xmlns="" xmlns:a14="http://schemas.microsoft.com/office/drawing/2010/main" w="9525">
+                <a14:hiddenLine xmlns:a14="http://schemas.microsoft.com/office/drawing/2010/main" xmlns="" w="9525">
                   <a:solidFill>
                     <a:srgbClr val="000000"/>
                   </a:solidFill>
@@ -5788,7 +5788,7 @@
             </a:ln>
             <a:extLst>
               <a:ext uri="{91240B29-F687-4f45-9708-019B960494DF}">
-                <a14:hiddenLine xmlns="" xmlns:a14="http://schemas.microsoft.com/office/drawing/2010/main" w="9525">
+                <a14:hiddenLine xmlns:a14="http://schemas.microsoft.com/office/drawing/2010/main" xmlns="" w="9525">
                   <a:solidFill>
                     <a:srgbClr val="000000"/>
                   </a:solidFill>
@@ -5850,7 +5850,7 @@
             </a:ln>
             <a:extLst>
               <a:ext uri="{91240B29-F687-4f45-9708-019B960494DF}">
-                <a14:hiddenLine xmlns="" xmlns:a14="http://schemas.microsoft.com/office/drawing/2010/main" w="9525">
+                <a14:hiddenLine xmlns:a14="http://schemas.microsoft.com/office/drawing/2010/main" xmlns="" w="9525">
                   <a:solidFill>
                     <a:srgbClr val="000000"/>
                   </a:solidFill>
@@ -5940,7 +5940,7 @@
             </a:ln>
             <a:extLst>
               <a:ext uri="{91240B29-F687-4f45-9708-019B960494DF}">
-                <a14:hiddenLine xmlns="" xmlns:a14="http://schemas.microsoft.com/office/drawing/2010/main" w="9525">
+                <a14:hiddenLine xmlns:a14="http://schemas.microsoft.com/office/drawing/2010/main" xmlns="" w="9525">
                   <a:solidFill>
                     <a:srgbClr val="000000"/>
                   </a:solidFill>
@@ -5974,7 +5974,7 @@
             </a:ln>
             <a:extLst>
               <a:ext uri="{91240B29-F687-4f45-9708-019B960494DF}">
-                <a14:hiddenLine xmlns="" xmlns:a14="http://schemas.microsoft.com/office/drawing/2010/main" w="9525">
+                <a14:hiddenLine xmlns:a14="http://schemas.microsoft.com/office/drawing/2010/main" xmlns="" w="9525">
                   <a:solidFill>
                     <a:srgbClr val="000000"/>
                   </a:solidFill>
@@ -6039,7 +6039,7 @@
             </a:ln>
             <a:extLst>
               <a:ext uri="{91240B29-F687-4f45-9708-019B960494DF}">
-                <a14:hiddenLine xmlns="" xmlns:a14="http://schemas.microsoft.com/office/drawing/2010/main" w="9525">
+                <a14:hiddenLine xmlns:a14="http://schemas.microsoft.com/office/drawing/2010/main" xmlns="" w="9525">
                   <a:solidFill>
                     <a:srgbClr val="000000"/>
                   </a:solidFill>
@@ -6129,7 +6129,7 @@
             </a:ln>
             <a:extLst>
               <a:ext uri="{91240B29-F687-4f45-9708-019B960494DF}">
-                <a14:hiddenLine xmlns="" xmlns:a14="http://schemas.microsoft.com/office/drawing/2010/main" w="9525">
+                <a14:hiddenLine xmlns:a14="http://schemas.microsoft.com/office/drawing/2010/main" xmlns="" w="9525">
                   <a:solidFill>
                     <a:srgbClr val="000000"/>
                   </a:solidFill>
@@ -6191,7 +6191,7 @@
             </a:ln>
             <a:extLst>
               <a:ext uri="{91240B29-F687-4f45-9708-019B960494DF}">
-                <a14:hiddenLine xmlns="" xmlns:a14="http://schemas.microsoft.com/office/drawing/2010/main" w="9525">
+                <a14:hiddenLine xmlns:a14="http://schemas.microsoft.com/office/drawing/2010/main" xmlns="" w="9525">
                   <a:solidFill>
                     <a:srgbClr val="000000"/>
                   </a:solidFill>
@@ -6281,7 +6281,7 @@
             </a:ln>
             <a:extLst>
               <a:ext uri="{91240B29-F687-4f45-9708-019B960494DF}">
-                <a14:hiddenLine xmlns="" xmlns:a14="http://schemas.microsoft.com/office/drawing/2010/main" w="9525">
+                <a14:hiddenLine xmlns:a14="http://schemas.microsoft.com/office/drawing/2010/main" xmlns="" w="9525">
                   <a:solidFill>
                     <a:srgbClr val="000000"/>
                   </a:solidFill>
@@ -6371,7 +6371,7 @@
             </a:ln>
             <a:extLst>
               <a:ext uri="{91240B29-F687-4f45-9708-019B960494DF}">
-                <a14:hiddenLine xmlns="" xmlns:a14="http://schemas.microsoft.com/office/drawing/2010/main" w="9525">
+                <a14:hiddenLine xmlns:a14="http://schemas.microsoft.com/office/drawing/2010/main" xmlns="" w="9525">
                   <a:solidFill>
                     <a:srgbClr val="000000"/>
                   </a:solidFill>
@@ -6436,7 +6436,7 @@
             </a:ln>
             <a:extLst>
               <a:ext uri="{91240B29-F687-4f45-9708-019B960494DF}">
-                <a14:hiddenLine xmlns="" xmlns:a14="http://schemas.microsoft.com/office/drawing/2010/main" w="9525">
+                <a14:hiddenLine xmlns:a14="http://schemas.microsoft.com/office/drawing/2010/main" xmlns="" w="9525">
                   <a:solidFill>
                     <a:srgbClr val="000000"/>
                   </a:solidFill>
@@ -6498,7 +6498,7 @@
             </a:ln>
             <a:extLst>
               <a:ext uri="{91240B29-F687-4f45-9708-019B960494DF}">
-                <a14:hiddenLine xmlns="" xmlns:a14="http://schemas.microsoft.com/office/drawing/2010/main" w="9525">
+                <a14:hiddenLine xmlns:a14="http://schemas.microsoft.com/office/drawing/2010/main" xmlns="" w="9525">
                   <a:solidFill>
                     <a:srgbClr val="000000"/>
                   </a:solidFill>
@@ -6588,7 +6588,7 @@
             </a:ln>
             <a:extLst>
               <a:ext uri="{91240B29-F687-4f45-9708-019B960494DF}">
-                <a14:hiddenLine xmlns="" xmlns:a14="http://schemas.microsoft.com/office/drawing/2010/main" w="9525">
+                <a14:hiddenLine xmlns:a14="http://schemas.microsoft.com/office/drawing/2010/main" xmlns="" w="9525">
                   <a:solidFill>
                     <a:srgbClr val="000000"/>
                   </a:solidFill>
@@ -6678,7 +6678,7 @@
             </a:ln>
             <a:extLst>
               <a:ext uri="{91240B29-F687-4f45-9708-019B960494DF}">
-                <a14:hiddenLine xmlns="" xmlns:a14="http://schemas.microsoft.com/office/drawing/2010/main" w="9525">
+                <a14:hiddenLine xmlns:a14="http://schemas.microsoft.com/office/drawing/2010/main" xmlns="" w="9525">
                   <a:solidFill>
                     <a:srgbClr val="000000"/>
                   </a:solidFill>
@@ -6740,7 +6740,7 @@
             </a:ln>
             <a:extLst>
               <a:ext uri="{91240B29-F687-4f45-9708-019B960494DF}">
-                <a14:hiddenLine xmlns="" xmlns:a14="http://schemas.microsoft.com/office/drawing/2010/main" w="9525">
+                <a14:hiddenLine xmlns:a14="http://schemas.microsoft.com/office/drawing/2010/main" xmlns="" w="9525">
                   <a:solidFill>
                     <a:srgbClr val="000000"/>
                   </a:solidFill>
@@ -6860,7 +6860,7 @@
             </a:ln>
             <a:extLst>
               <a:ext uri="{91240B29-F687-4f45-9708-019B960494DF}">
-                <a14:hiddenLine xmlns="" xmlns:a14="http://schemas.microsoft.com/office/drawing/2010/main" w="9525">
+                <a14:hiddenLine xmlns:a14="http://schemas.microsoft.com/office/drawing/2010/main" xmlns="" w="9525">
                   <a:solidFill>
                     <a:srgbClr val="000000"/>
                   </a:solidFill>
@@ -6928,7 +6928,7 @@
             </a:ln>
             <a:extLst>
               <a:ext uri="{91240B29-F687-4f45-9708-019B960494DF}">
-                <a14:hiddenLine xmlns="" xmlns:a14="http://schemas.microsoft.com/office/drawing/2010/main" w="9525">
+                <a14:hiddenLine xmlns:a14="http://schemas.microsoft.com/office/drawing/2010/main" xmlns="" w="9525">
                   <a:solidFill>
                     <a:srgbClr val="000000"/>
                   </a:solidFill>
@@ -7018,7 +7018,7 @@
             </a:ln>
             <a:extLst>
               <a:ext uri="{91240B29-F687-4f45-9708-019B960494DF}">
-                <a14:hiddenLine xmlns="" xmlns:a14="http://schemas.microsoft.com/office/drawing/2010/main" w="9525">
+                <a14:hiddenLine xmlns:a14="http://schemas.microsoft.com/office/drawing/2010/main" xmlns="" w="9525">
                   <a:solidFill>
                     <a:srgbClr val="000000"/>
                   </a:solidFill>
@@ -11833,7 +11833,7 @@
           <a:noFill/>
           <a:extLst>
             <a:ext uri="{909E8E84-426E-40dd-AFC4-6F175D3DCCD1}">
-              <a14:hiddenFill xmlns="" xmlns:a14="http://schemas.microsoft.com/office/drawing/2010/main">
+              <a14:hiddenFill xmlns:a14="http://schemas.microsoft.com/office/drawing/2010/main" xmlns="">
                 <a:solidFill>
                   <a:srgbClr val="FFFFFF"/>
                 </a:solidFill>
@@ -11907,7 +11907,7 @@
               </a:ln>
               <a:extLst>
                 <a:ext uri="{91240B29-F687-4f45-9708-019B960494DF}">
-                  <a14:hiddenLine xmlns="" xmlns:a14="http://schemas.microsoft.com/office/drawing/2010/main" w="9525">
+                  <a14:hiddenLine xmlns:a14="http://schemas.microsoft.com/office/drawing/2010/main" xmlns="" w="9525">
                     <a:solidFill>
                       <a:srgbClr val="000000"/>
                     </a:solidFill>
@@ -11997,7 +11997,7 @@
               </a:ln>
               <a:extLst>
                 <a:ext uri="{91240B29-F687-4f45-9708-019B960494DF}">
-                  <a14:hiddenLine xmlns="" xmlns:a14="http://schemas.microsoft.com/office/drawing/2010/main" w="9525">
+                  <a14:hiddenLine xmlns:a14="http://schemas.microsoft.com/office/drawing/2010/main" xmlns="" w="9525">
                     <a:solidFill>
                       <a:srgbClr val="000000"/>
                     </a:solidFill>
@@ -12087,7 +12087,7 @@
               </a:ln>
               <a:extLst>
                 <a:ext uri="{91240B29-F687-4f45-9708-019B960494DF}">
-                  <a14:hiddenLine xmlns="" xmlns:a14="http://schemas.microsoft.com/office/drawing/2010/main" w="9525">
+                  <a14:hiddenLine xmlns:a14="http://schemas.microsoft.com/office/drawing/2010/main" xmlns="" w="9525">
                     <a:solidFill>
                       <a:srgbClr val="000000"/>
                     </a:solidFill>
@@ -12149,7 +12149,7 @@
               </a:ln>
               <a:extLst>
                 <a:ext uri="{91240B29-F687-4f45-9708-019B960494DF}">
-                  <a14:hiddenLine xmlns="" xmlns:a14="http://schemas.microsoft.com/office/drawing/2010/main" w="9525">
+                  <a14:hiddenLine xmlns:a14="http://schemas.microsoft.com/office/drawing/2010/main" xmlns="" w="9525">
                     <a:solidFill>
                       <a:srgbClr val="000000"/>
                     </a:solidFill>
@@ -12239,7 +12239,7 @@
               </a:ln>
               <a:extLst>
                 <a:ext uri="{91240B29-F687-4f45-9708-019B960494DF}">
-                  <a14:hiddenLine xmlns="" xmlns:a14="http://schemas.microsoft.com/office/drawing/2010/main" w="9525">
+                  <a14:hiddenLine xmlns:a14="http://schemas.microsoft.com/office/drawing/2010/main" xmlns="" w="9525">
                     <a:solidFill>
                       <a:srgbClr val="000000"/>
                     </a:solidFill>
@@ -12301,7 +12301,7 @@
               </a:ln>
               <a:extLst>
                 <a:ext uri="{91240B29-F687-4f45-9708-019B960494DF}">
-                  <a14:hiddenLine xmlns="" xmlns:a14="http://schemas.microsoft.com/office/drawing/2010/main" w="9525">
+                  <a14:hiddenLine xmlns:a14="http://schemas.microsoft.com/office/drawing/2010/main" xmlns="" w="9525">
                     <a:solidFill>
                       <a:srgbClr val="000000"/>
                     </a:solidFill>
@@ -12363,7 +12363,7 @@
               </a:ln>
               <a:extLst>
                 <a:ext uri="{91240B29-F687-4f45-9708-019B960494DF}">
-                  <a14:hiddenLine xmlns="" xmlns:a14="http://schemas.microsoft.com/office/drawing/2010/main" w="9525">
+                  <a14:hiddenLine xmlns:a14="http://schemas.microsoft.com/office/drawing/2010/main" xmlns="" w="9525">
                     <a:solidFill>
                       <a:srgbClr val="000000"/>
                     </a:solidFill>
@@ -12453,7 +12453,7 @@
               </a:ln>
               <a:extLst>
                 <a:ext uri="{91240B29-F687-4f45-9708-019B960494DF}">
-                  <a14:hiddenLine xmlns="" xmlns:a14="http://schemas.microsoft.com/office/drawing/2010/main" w="9525">
+                  <a14:hiddenLine xmlns:a14="http://schemas.microsoft.com/office/drawing/2010/main" xmlns="" w="9525">
                     <a:solidFill>
                       <a:srgbClr val="000000"/>
                     </a:solidFill>
@@ -12543,7 +12543,7 @@
               </a:ln>
               <a:extLst>
                 <a:ext uri="{91240B29-F687-4f45-9708-019B960494DF}">
-                  <a14:hiddenLine xmlns="" xmlns:a14="http://schemas.microsoft.com/office/drawing/2010/main" w="9525">
+                  <a14:hiddenLine xmlns:a14="http://schemas.microsoft.com/office/drawing/2010/main" xmlns="" w="9525">
                     <a:solidFill>
                       <a:srgbClr val="000000"/>
                     </a:solidFill>
@@ -12605,7 +12605,7 @@
               </a:ln>
               <a:extLst>
                 <a:ext uri="{91240B29-F687-4f45-9708-019B960494DF}">
-                  <a14:hiddenLine xmlns="" xmlns:a14="http://schemas.microsoft.com/office/drawing/2010/main" w="9525">
+                  <a14:hiddenLine xmlns:a14="http://schemas.microsoft.com/office/drawing/2010/main" xmlns="" w="9525">
                     <a:solidFill>
                       <a:srgbClr val="000000"/>
                     </a:solidFill>
@@ -12715,7 +12715,7 @@
               </a:ln>
               <a:extLst>
                 <a:ext uri="{91240B29-F687-4f45-9708-019B960494DF}">
-                  <a14:hiddenLine xmlns="" xmlns:a14="http://schemas.microsoft.com/office/drawing/2010/main" w="9525">
+                  <a14:hiddenLine xmlns:a14="http://schemas.microsoft.com/office/drawing/2010/main" xmlns="" w="9525">
                     <a:solidFill>
                       <a:srgbClr val="000000"/>
                     </a:solidFill>
@@ -12799,7 +12799,7 @@
               </a:ln>
               <a:extLst>
                 <a:ext uri="{91240B29-F687-4f45-9708-019B960494DF}">
-                  <a14:hiddenLine xmlns="" xmlns:a14="http://schemas.microsoft.com/office/drawing/2010/main" w="9525">
+                  <a14:hiddenLine xmlns:a14="http://schemas.microsoft.com/office/drawing/2010/main" xmlns="" w="9525">
                     <a:solidFill>
                       <a:srgbClr val="000000"/>
                     </a:solidFill>
@@ -12861,7 +12861,7 @@
               </a:ln>
               <a:extLst>
                 <a:ext uri="{91240B29-F687-4f45-9708-019B960494DF}">
-                  <a14:hiddenLine xmlns="" xmlns:a14="http://schemas.microsoft.com/office/drawing/2010/main" w="9525">
+                  <a14:hiddenLine xmlns:a14="http://schemas.microsoft.com/office/drawing/2010/main" xmlns="" w="9525">
                     <a:solidFill>
                       <a:srgbClr val="000000"/>
                     </a:solidFill>
@@ -12923,7 +12923,7 @@
               </a:ln>
               <a:extLst>
                 <a:ext uri="{91240B29-F687-4f45-9708-019B960494DF}">
-                  <a14:hiddenLine xmlns="" xmlns:a14="http://schemas.microsoft.com/office/drawing/2010/main" w="9525">
+                  <a14:hiddenLine xmlns:a14="http://schemas.microsoft.com/office/drawing/2010/main" xmlns="" w="9525">
                     <a:solidFill>
                       <a:srgbClr val="000000"/>
                     </a:solidFill>
@@ -13013,7 +13013,7 @@
               </a:ln>
               <a:extLst>
                 <a:ext uri="{91240B29-F687-4f45-9708-019B960494DF}">
-                  <a14:hiddenLine xmlns="" xmlns:a14="http://schemas.microsoft.com/office/drawing/2010/main" w="9525">
+                  <a14:hiddenLine xmlns:a14="http://schemas.microsoft.com/office/drawing/2010/main" xmlns="" w="9525">
                     <a:solidFill>
                       <a:srgbClr val="000000"/>
                     </a:solidFill>
@@ -13047,7 +13047,7 @@
               </a:ln>
               <a:extLst>
                 <a:ext uri="{91240B29-F687-4f45-9708-019B960494DF}">
-                  <a14:hiddenLine xmlns="" xmlns:a14="http://schemas.microsoft.com/office/drawing/2010/main" w="9525">
+                  <a14:hiddenLine xmlns:a14="http://schemas.microsoft.com/office/drawing/2010/main" xmlns="" w="9525">
                     <a:solidFill>
                       <a:srgbClr val="000000"/>
                     </a:solidFill>
@@ -13112,7 +13112,7 @@
               </a:ln>
               <a:extLst>
                 <a:ext uri="{91240B29-F687-4f45-9708-019B960494DF}">
-                  <a14:hiddenLine xmlns="" xmlns:a14="http://schemas.microsoft.com/office/drawing/2010/main" w="9525">
+                  <a14:hiddenLine xmlns:a14="http://schemas.microsoft.com/office/drawing/2010/main" xmlns="" w="9525">
                     <a:solidFill>
                       <a:srgbClr val="000000"/>
                     </a:solidFill>
@@ -13202,7 +13202,7 @@
               </a:ln>
               <a:extLst>
                 <a:ext uri="{91240B29-F687-4f45-9708-019B960494DF}">
-                  <a14:hiddenLine xmlns="" xmlns:a14="http://schemas.microsoft.com/office/drawing/2010/main" w="9525">
+                  <a14:hiddenLine xmlns:a14="http://schemas.microsoft.com/office/drawing/2010/main" xmlns="" w="9525">
                     <a:solidFill>
                       <a:srgbClr val="000000"/>
                     </a:solidFill>
@@ -13264,7 +13264,7 @@
               </a:ln>
               <a:extLst>
                 <a:ext uri="{91240B29-F687-4f45-9708-019B960494DF}">
-                  <a14:hiddenLine xmlns="" xmlns:a14="http://schemas.microsoft.com/office/drawing/2010/main" w="9525">
+                  <a14:hiddenLine xmlns:a14="http://schemas.microsoft.com/office/drawing/2010/main" xmlns="" w="9525">
                     <a:solidFill>
                       <a:srgbClr val="000000"/>
                     </a:solidFill>
@@ -13354,7 +13354,7 @@
               </a:ln>
               <a:extLst>
                 <a:ext uri="{91240B29-F687-4f45-9708-019B960494DF}">
-                  <a14:hiddenLine xmlns="" xmlns:a14="http://schemas.microsoft.com/office/drawing/2010/main" w="9525">
+                  <a14:hiddenLine xmlns:a14="http://schemas.microsoft.com/office/drawing/2010/main" xmlns="" w="9525">
                     <a:solidFill>
                       <a:srgbClr val="000000"/>
                     </a:solidFill>
@@ -13419,7 +13419,7 @@
               </a:ln>
               <a:extLst>
                 <a:ext uri="{91240B29-F687-4f45-9708-019B960494DF}">
-                  <a14:hiddenLine xmlns="" xmlns:a14="http://schemas.microsoft.com/office/drawing/2010/main" w="9525">
+                  <a14:hiddenLine xmlns:a14="http://schemas.microsoft.com/office/drawing/2010/main" xmlns="" w="9525">
                     <a:solidFill>
                       <a:srgbClr val="000000"/>
                     </a:solidFill>
@@ -13481,7 +13481,7 @@
               </a:ln>
               <a:extLst>
                 <a:ext uri="{91240B29-F687-4f45-9708-019B960494DF}">
-                  <a14:hiddenLine xmlns="" xmlns:a14="http://schemas.microsoft.com/office/drawing/2010/main" w="9525">
+                  <a14:hiddenLine xmlns:a14="http://schemas.microsoft.com/office/drawing/2010/main" xmlns="" w="9525">
                     <a:solidFill>
                       <a:srgbClr val="000000"/>
                     </a:solidFill>
@@ -13571,7 +13571,7 @@
               </a:ln>
               <a:extLst>
                 <a:ext uri="{91240B29-F687-4f45-9708-019B960494DF}">
-                  <a14:hiddenLine xmlns="" xmlns:a14="http://schemas.microsoft.com/office/drawing/2010/main" w="9525">
+                  <a14:hiddenLine xmlns:a14="http://schemas.microsoft.com/office/drawing/2010/main" xmlns="" w="9525">
                     <a:solidFill>
                       <a:srgbClr val="000000"/>
                     </a:solidFill>
@@ -13661,7 +13661,7 @@
               </a:ln>
               <a:extLst>
                 <a:ext uri="{91240B29-F687-4f45-9708-019B960494DF}">
-                  <a14:hiddenLine xmlns="" xmlns:a14="http://schemas.microsoft.com/office/drawing/2010/main" w="9525">
+                  <a14:hiddenLine xmlns:a14="http://schemas.microsoft.com/office/drawing/2010/main" xmlns="" w="9525">
                     <a:solidFill>
                       <a:srgbClr val="000000"/>
                     </a:solidFill>
@@ -13726,7 +13726,7 @@
               </a:ln>
               <a:extLst>
                 <a:ext uri="{91240B29-F687-4f45-9708-019B960494DF}">
-                  <a14:hiddenLine xmlns="" xmlns:a14="http://schemas.microsoft.com/office/drawing/2010/main" w="9525">
+                  <a14:hiddenLine xmlns:a14="http://schemas.microsoft.com/office/drawing/2010/main" xmlns="" w="9525">
                     <a:solidFill>
                       <a:srgbClr val="000000"/>
                     </a:solidFill>
@@ -13846,7 +13846,7 @@
               </a:ln>
               <a:extLst>
                 <a:ext uri="{91240B29-F687-4f45-9708-019B960494DF}">
-                  <a14:hiddenLine xmlns="" xmlns:a14="http://schemas.microsoft.com/office/drawing/2010/main" w="9525">
+                  <a14:hiddenLine xmlns:a14="http://schemas.microsoft.com/office/drawing/2010/main" xmlns="" w="9525">
                     <a:solidFill>
                       <a:srgbClr val="000000"/>
                     </a:solidFill>
@@ -13944,7 +13944,7 @@
               </a:ln>
               <a:extLst>
                 <a:ext uri="{91240B29-F687-4f45-9708-019B960494DF}">
-                  <a14:hiddenLine xmlns="" xmlns:a14="http://schemas.microsoft.com/office/drawing/2010/main" w="9525">
+                  <a14:hiddenLine xmlns:a14="http://schemas.microsoft.com/office/drawing/2010/main" xmlns="" w="9525">
                     <a:solidFill>
                       <a:srgbClr val="000000"/>
                     </a:solidFill>
@@ -14059,7 +14059,7 @@
               </a:ln>
               <a:extLst>
                 <a:ext uri="{91240B29-F687-4f45-9708-019B960494DF}">
-                  <a14:hiddenLine xmlns="" xmlns:a14="http://schemas.microsoft.com/office/drawing/2010/main" w="9525">
+                  <a14:hiddenLine xmlns:a14="http://schemas.microsoft.com/office/drawing/2010/main" xmlns="" w="9525">
                     <a:solidFill>
                       <a:srgbClr val="000000"/>
                     </a:solidFill>
@@ -14149,7 +14149,7 @@
               </a:ln>
               <a:extLst>
                 <a:ext uri="{91240B29-F687-4f45-9708-019B960494DF}">
-                  <a14:hiddenLine xmlns="" xmlns:a14="http://schemas.microsoft.com/office/drawing/2010/main" w="9525">
+                  <a14:hiddenLine xmlns:a14="http://schemas.microsoft.com/office/drawing/2010/main" xmlns="" w="9525">
                     <a:solidFill>
                       <a:srgbClr val="000000"/>
                     </a:solidFill>
@@ -14214,7 +14214,7 @@
               </a:ln>
               <a:extLst>
                 <a:ext uri="{91240B29-F687-4f45-9708-019B960494DF}">
-                  <a14:hiddenLine xmlns="" xmlns:a14="http://schemas.microsoft.com/office/drawing/2010/main" w="9525">
+                  <a14:hiddenLine xmlns:a14="http://schemas.microsoft.com/office/drawing/2010/main" xmlns="" w="9525">
                     <a:solidFill>
                       <a:srgbClr val="000000"/>
                     </a:solidFill>
@@ -14304,7 +14304,7 @@
               </a:ln>
               <a:extLst>
                 <a:ext uri="{91240B29-F687-4f45-9708-019B960494DF}">
-                  <a14:hiddenLine xmlns="" xmlns:a14="http://schemas.microsoft.com/office/drawing/2010/main" w="9525">
+                  <a14:hiddenLine xmlns:a14="http://schemas.microsoft.com/office/drawing/2010/main" xmlns="" w="9525">
                     <a:solidFill>
                       <a:srgbClr val="000000"/>
                     </a:solidFill>
@@ -14372,7 +14372,7 @@
               </a:ln>
               <a:extLst>
                 <a:ext uri="{91240B29-F687-4f45-9708-019B960494DF}">
-                  <a14:hiddenLine xmlns="" xmlns:a14="http://schemas.microsoft.com/office/drawing/2010/main" w="9525">
+                  <a14:hiddenLine xmlns:a14="http://schemas.microsoft.com/office/drawing/2010/main" xmlns="" w="9525">
                     <a:solidFill>
                       <a:srgbClr val="000000"/>
                     </a:solidFill>
@@ -14462,7 +14462,7 @@
               </a:ln>
               <a:extLst>
                 <a:ext uri="{91240B29-F687-4f45-9708-019B960494DF}">
-                  <a14:hiddenLine xmlns="" xmlns:a14="http://schemas.microsoft.com/office/drawing/2010/main" w="9525">
+                  <a14:hiddenLine xmlns:a14="http://schemas.microsoft.com/office/drawing/2010/main" xmlns="" w="9525">
                     <a:solidFill>
                       <a:srgbClr val="000000"/>
                     </a:solidFill>
@@ -14530,7 +14530,7 @@
               </a:ln>
               <a:extLst>
                 <a:ext uri="{91240B29-F687-4f45-9708-019B960494DF}">
-                  <a14:hiddenLine xmlns="" xmlns:a14="http://schemas.microsoft.com/office/drawing/2010/main" w="9525">
+                  <a14:hiddenLine xmlns:a14="http://schemas.microsoft.com/office/drawing/2010/main" xmlns="" w="9525">
                     <a:solidFill>
                       <a:srgbClr val="000000"/>
                     </a:solidFill>
@@ -14620,7 +14620,7 @@
               </a:ln>
               <a:extLst>
                 <a:ext uri="{91240B29-F687-4f45-9708-019B960494DF}">
-                  <a14:hiddenLine xmlns="" xmlns:a14="http://schemas.microsoft.com/office/drawing/2010/main" w="9525">
+                  <a14:hiddenLine xmlns:a14="http://schemas.microsoft.com/office/drawing/2010/main" xmlns="" w="9525">
                     <a:solidFill>
                       <a:srgbClr val="000000"/>
                     </a:solidFill>
@@ -14654,7 +14654,7 @@
               </a:ln>
               <a:extLst>
                 <a:ext uri="{91240B29-F687-4f45-9708-019B960494DF}">
-                  <a14:hiddenLine xmlns="" xmlns:a14="http://schemas.microsoft.com/office/drawing/2010/main" w="9525">
+                  <a14:hiddenLine xmlns:a14="http://schemas.microsoft.com/office/drawing/2010/main" xmlns="" w="9525">
                     <a:solidFill>
                       <a:srgbClr val="000000"/>
                     </a:solidFill>
@@ -18276,7 +18276,7 @@
             </a:pPr>
             <a:r>
               <a:rPr lang="hu-HU" sz="3200" cap="none" noProof="1"/>
-              <a:t>A vállalat egyes hálózati részein alkalmazásra került Szerver PC, forgalomirányító általi és statikusan beállított IP cím kiosztás is.</a:t>
+              <a:t>A vállalat egyes hálózati részein alkalmaztunk Szerver PC, forgalomirányító általi és statikusan beállított IP cím kiosztás is.</a:t>
             </a:r>
           </a:p>
         </p:txBody>

--- a/BEMUTATÓ/Halozattervezesi_vizsgaremek_ppt.pptx
+++ b/BEMUTATÓ/Halozattervezesi_vizsgaremek_ppt.pptx
@@ -228,7 +228,7 @@
           <a:p>
             <a:fld id="{F7ADC6D0-E922-4141-8754-0138B1CE9B91}" type="datetimeFigureOut">
               <a:rPr lang="hu-HU" smtClean="0"/>
-              <a:t>2024. 06. 10.</a:t>
+              <a:t>2024. 06. 11.</a:t>
             </a:fld>
             <a:endParaRPr lang="hu-HU"/>
           </a:p>
@@ -2932,7 +2932,7 @@
           <a:noFill/>
           <a:extLst>
             <a:ext uri="{909E8E84-426E-40dd-AFC4-6F175D3DCCD1}">
-              <a14:hiddenFill xmlns:a14="http://schemas.microsoft.com/office/drawing/2010/main" xmlns="">
+              <a14:hiddenFill xmlns="" xmlns:a14="http://schemas.microsoft.com/office/drawing/2010/main">
                 <a:solidFill>
                   <a:srgbClr val="FFFFFF"/>
                 </a:solidFill>
@@ -2992,7 +2992,7 @@
             </a:ln>
             <a:extLst>
               <a:ext uri="{91240B29-F687-4f45-9708-019B960494DF}">
-                <a14:hiddenLine xmlns:a14="http://schemas.microsoft.com/office/drawing/2010/main" xmlns="" w="9525">
+                <a14:hiddenLine xmlns="" xmlns:a14="http://schemas.microsoft.com/office/drawing/2010/main" w="9525">
                   <a:solidFill>
                     <a:srgbClr val="000000"/>
                   </a:solidFill>
@@ -3082,7 +3082,7 @@
             </a:ln>
             <a:extLst>
               <a:ext uri="{91240B29-F687-4f45-9708-019B960494DF}">
-                <a14:hiddenLine xmlns:a14="http://schemas.microsoft.com/office/drawing/2010/main" xmlns="" w="9525">
+                <a14:hiddenLine xmlns="" xmlns:a14="http://schemas.microsoft.com/office/drawing/2010/main" w="9525">
                   <a:solidFill>
                     <a:srgbClr val="000000"/>
                   </a:solidFill>
@@ -3172,7 +3172,7 @@
             </a:ln>
             <a:extLst>
               <a:ext uri="{91240B29-F687-4f45-9708-019B960494DF}">
-                <a14:hiddenLine xmlns:a14="http://schemas.microsoft.com/office/drawing/2010/main" xmlns="" w="9525">
+                <a14:hiddenLine xmlns="" xmlns:a14="http://schemas.microsoft.com/office/drawing/2010/main" w="9525">
                   <a:solidFill>
                     <a:srgbClr val="000000"/>
                   </a:solidFill>
@@ -3206,7 +3206,7 @@
             </a:ln>
             <a:extLst>
               <a:ext uri="{91240B29-F687-4f45-9708-019B960494DF}">
-                <a14:hiddenLine xmlns:a14="http://schemas.microsoft.com/office/drawing/2010/main" xmlns="" w="9525">
+                <a14:hiddenLine xmlns="" xmlns:a14="http://schemas.microsoft.com/office/drawing/2010/main" w="9525">
                   <a:solidFill>
                     <a:srgbClr val="000000"/>
                   </a:solidFill>
@@ -3296,7 +3296,7 @@
             </a:ln>
             <a:extLst>
               <a:ext uri="{91240B29-F687-4f45-9708-019B960494DF}">
-                <a14:hiddenLine xmlns:a14="http://schemas.microsoft.com/office/drawing/2010/main" xmlns="" w="9525">
+                <a14:hiddenLine xmlns="" xmlns:a14="http://schemas.microsoft.com/office/drawing/2010/main" w="9525">
                   <a:solidFill>
                     <a:srgbClr val="000000"/>
                   </a:solidFill>
@@ -3358,7 +3358,7 @@
             </a:ln>
             <a:extLst>
               <a:ext uri="{91240B29-F687-4f45-9708-019B960494DF}">
-                <a14:hiddenLine xmlns:a14="http://schemas.microsoft.com/office/drawing/2010/main" xmlns="" w="9525">
+                <a14:hiddenLine xmlns="" xmlns:a14="http://schemas.microsoft.com/office/drawing/2010/main" w="9525">
                   <a:solidFill>
                     <a:srgbClr val="000000"/>
                   </a:solidFill>
@@ -3420,7 +3420,7 @@
             </a:ln>
             <a:extLst>
               <a:ext uri="{91240B29-F687-4f45-9708-019B960494DF}">
-                <a14:hiddenLine xmlns:a14="http://schemas.microsoft.com/office/drawing/2010/main" xmlns="" w="9525">
+                <a14:hiddenLine xmlns="" xmlns:a14="http://schemas.microsoft.com/office/drawing/2010/main" w="9525">
                   <a:solidFill>
                     <a:srgbClr val="000000"/>
                   </a:solidFill>
@@ -3510,7 +3510,7 @@
             </a:ln>
             <a:extLst>
               <a:ext uri="{91240B29-F687-4f45-9708-019B960494DF}">
-                <a14:hiddenLine xmlns:a14="http://schemas.microsoft.com/office/drawing/2010/main" xmlns="" w="9525">
+                <a14:hiddenLine xmlns="" xmlns:a14="http://schemas.microsoft.com/office/drawing/2010/main" w="9525">
                   <a:solidFill>
                     <a:srgbClr val="000000"/>
                   </a:solidFill>
@@ -3572,7 +3572,7 @@
             </a:ln>
             <a:extLst>
               <a:ext uri="{91240B29-F687-4f45-9708-019B960494DF}">
-                <a14:hiddenLine xmlns:a14="http://schemas.microsoft.com/office/drawing/2010/main" xmlns="" w="9525">
+                <a14:hiddenLine xmlns="" xmlns:a14="http://schemas.microsoft.com/office/drawing/2010/main" w="9525">
                   <a:solidFill>
                     <a:srgbClr val="000000"/>
                   </a:solidFill>
@@ -3634,7 +3634,7 @@
             </a:ln>
             <a:extLst>
               <a:ext uri="{91240B29-F687-4f45-9708-019B960494DF}">
-                <a14:hiddenLine xmlns:a14="http://schemas.microsoft.com/office/drawing/2010/main" xmlns="" w="9525">
+                <a14:hiddenLine xmlns="" xmlns:a14="http://schemas.microsoft.com/office/drawing/2010/main" w="9525">
                   <a:solidFill>
                     <a:srgbClr val="000000"/>
                   </a:solidFill>
@@ -3724,7 +3724,7 @@
             </a:ln>
             <a:extLst>
               <a:ext uri="{91240B29-F687-4f45-9708-019B960494DF}">
-                <a14:hiddenLine xmlns:a14="http://schemas.microsoft.com/office/drawing/2010/main" xmlns="" w="9525">
+                <a14:hiddenLine xmlns="" xmlns:a14="http://schemas.microsoft.com/office/drawing/2010/main" w="9525">
                   <a:solidFill>
                     <a:srgbClr val="000000"/>
                   </a:solidFill>
@@ -3814,7 +3814,7 @@
             </a:ln>
             <a:extLst>
               <a:ext uri="{91240B29-F687-4f45-9708-019B960494DF}">
-                <a14:hiddenLine xmlns:a14="http://schemas.microsoft.com/office/drawing/2010/main" xmlns="" w="9525">
+                <a14:hiddenLine xmlns="" xmlns:a14="http://schemas.microsoft.com/office/drawing/2010/main" w="9525">
                   <a:solidFill>
                     <a:srgbClr val="000000"/>
                   </a:solidFill>
@@ -3876,7 +3876,7 @@
             </a:ln>
             <a:extLst>
               <a:ext uri="{91240B29-F687-4f45-9708-019B960494DF}">
-                <a14:hiddenLine xmlns:a14="http://schemas.microsoft.com/office/drawing/2010/main" xmlns="" w="9525">
+                <a14:hiddenLine xmlns="" xmlns:a14="http://schemas.microsoft.com/office/drawing/2010/main" w="9525">
                   <a:solidFill>
                     <a:srgbClr val="000000"/>
                   </a:solidFill>
@@ -3986,7 +3986,7 @@
             </a:ln>
             <a:extLst>
               <a:ext uri="{91240B29-F687-4f45-9708-019B960494DF}">
-                <a14:hiddenLine xmlns:a14="http://schemas.microsoft.com/office/drawing/2010/main" xmlns="" w="9525">
+                <a14:hiddenLine xmlns="" xmlns:a14="http://schemas.microsoft.com/office/drawing/2010/main" w="9525">
                   <a:solidFill>
                     <a:srgbClr val="000000"/>
                   </a:solidFill>
@@ -4048,7 +4048,7 @@
             </a:ln>
             <a:extLst>
               <a:ext uri="{91240B29-F687-4f45-9708-019B960494DF}">
-                <a14:hiddenLine xmlns:a14="http://schemas.microsoft.com/office/drawing/2010/main" xmlns="" w="9525">
+                <a14:hiddenLine xmlns="" xmlns:a14="http://schemas.microsoft.com/office/drawing/2010/main" w="9525">
                   <a:solidFill>
                     <a:srgbClr val="000000"/>
                   </a:solidFill>
@@ -4138,7 +4138,7 @@
             </a:ln>
             <a:extLst>
               <a:ext uri="{91240B29-F687-4f45-9708-019B960494DF}">
-                <a14:hiddenLine xmlns:a14="http://schemas.microsoft.com/office/drawing/2010/main" xmlns="" w="9525">
+                <a14:hiddenLine xmlns="" xmlns:a14="http://schemas.microsoft.com/office/drawing/2010/main" w="9525">
                   <a:solidFill>
                     <a:srgbClr val="000000"/>
                   </a:solidFill>
@@ -4228,7 +4228,7 @@
             </a:ln>
             <a:extLst>
               <a:ext uri="{91240B29-F687-4f45-9708-019B960494DF}">
-                <a14:hiddenLine xmlns:a14="http://schemas.microsoft.com/office/drawing/2010/main" xmlns="" w="9525">
+                <a14:hiddenLine xmlns="" xmlns:a14="http://schemas.microsoft.com/office/drawing/2010/main" w="9525">
                   <a:solidFill>
                     <a:srgbClr val="000000"/>
                   </a:solidFill>
@@ -4290,7 +4290,7 @@
             </a:ln>
             <a:extLst>
               <a:ext uri="{91240B29-F687-4f45-9708-019B960494DF}">
-                <a14:hiddenLine xmlns:a14="http://schemas.microsoft.com/office/drawing/2010/main" xmlns="" w="9525">
+                <a14:hiddenLine xmlns="" xmlns:a14="http://schemas.microsoft.com/office/drawing/2010/main" w="9525">
                   <a:solidFill>
                     <a:srgbClr val="000000"/>
                   </a:solidFill>
@@ -4380,7 +4380,7 @@
             </a:ln>
             <a:extLst>
               <a:ext uri="{91240B29-F687-4f45-9708-019B960494DF}">
-                <a14:hiddenLine xmlns:a14="http://schemas.microsoft.com/office/drawing/2010/main" xmlns="" w="9525">
+                <a14:hiddenLine xmlns="" xmlns:a14="http://schemas.microsoft.com/office/drawing/2010/main" w="9525">
                   <a:solidFill>
                     <a:srgbClr val="000000"/>
                   </a:solidFill>
@@ -4470,7 +4470,7 @@
             </a:ln>
             <a:extLst>
               <a:ext uri="{91240B29-F687-4f45-9708-019B960494DF}">
-                <a14:hiddenLine xmlns:a14="http://schemas.microsoft.com/office/drawing/2010/main" xmlns="" w="9525">
+                <a14:hiddenLine xmlns="" xmlns:a14="http://schemas.microsoft.com/office/drawing/2010/main" w="9525">
                   <a:solidFill>
                     <a:srgbClr val="000000"/>
                   </a:solidFill>
@@ -4526,7 +4526,7 @@
             </a:ln>
             <a:extLst>
               <a:ext uri="{91240B29-F687-4f45-9708-019B960494DF}">
-                <a14:hiddenLine xmlns:a14="http://schemas.microsoft.com/office/drawing/2010/main" xmlns="" w="9525">
+                <a14:hiddenLine xmlns="" xmlns:a14="http://schemas.microsoft.com/office/drawing/2010/main" w="9525">
                   <a:solidFill>
                     <a:srgbClr val="000000"/>
                   </a:solidFill>
@@ -4616,7 +4616,7 @@
             </a:ln>
             <a:extLst>
               <a:ext uri="{91240B29-F687-4f45-9708-019B960494DF}">
-                <a14:hiddenLine xmlns:a14="http://schemas.microsoft.com/office/drawing/2010/main" xmlns="" w="9525">
+                <a14:hiddenLine xmlns="" xmlns:a14="http://schemas.microsoft.com/office/drawing/2010/main" w="9525">
                   <a:solidFill>
                     <a:srgbClr val="000000"/>
                   </a:solidFill>
@@ -4672,7 +4672,7 @@
             </a:ln>
             <a:extLst>
               <a:ext uri="{91240B29-F687-4f45-9708-019B960494DF}">
-                <a14:hiddenLine xmlns:a14="http://schemas.microsoft.com/office/drawing/2010/main" xmlns="" w="9525">
+                <a14:hiddenLine xmlns="" xmlns:a14="http://schemas.microsoft.com/office/drawing/2010/main" w="9525">
                   <a:solidFill>
                     <a:srgbClr val="000000"/>
                   </a:solidFill>
@@ -4762,7 +4762,7 @@
             </a:ln>
             <a:extLst>
               <a:ext uri="{91240B29-F687-4f45-9708-019B960494DF}">
-                <a14:hiddenLine xmlns:a14="http://schemas.microsoft.com/office/drawing/2010/main" xmlns="" w="9525">
+                <a14:hiddenLine xmlns="" xmlns:a14="http://schemas.microsoft.com/office/drawing/2010/main" w="9525">
                   <a:solidFill>
                     <a:srgbClr val="000000"/>
                   </a:solidFill>
@@ -4830,7 +4830,7 @@
             </a:ln>
             <a:extLst>
               <a:ext uri="{91240B29-F687-4f45-9708-019B960494DF}">
-                <a14:hiddenLine xmlns:a14="http://schemas.microsoft.com/office/drawing/2010/main" xmlns="" w="9525">
+                <a14:hiddenLine xmlns="" xmlns:a14="http://schemas.microsoft.com/office/drawing/2010/main" w="9525">
                   <a:solidFill>
                     <a:srgbClr val="000000"/>
                   </a:solidFill>
@@ -4920,7 +4920,7 @@
             </a:ln>
             <a:extLst>
               <a:ext uri="{91240B29-F687-4f45-9708-019B960494DF}">
-                <a14:hiddenLine xmlns:a14="http://schemas.microsoft.com/office/drawing/2010/main" xmlns="" w="9525">
+                <a14:hiddenLine xmlns="" xmlns:a14="http://schemas.microsoft.com/office/drawing/2010/main" w="9525">
                   <a:solidFill>
                     <a:srgbClr val="000000"/>
                   </a:solidFill>
@@ -4988,7 +4988,7 @@
             </a:ln>
             <a:extLst>
               <a:ext uri="{91240B29-F687-4f45-9708-019B960494DF}">
-                <a14:hiddenLine xmlns:a14="http://schemas.microsoft.com/office/drawing/2010/main" xmlns="" w="9525">
+                <a14:hiddenLine xmlns="" xmlns:a14="http://schemas.microsoft.com/office/drawing/2010/main" w="9525">
                   <a:solidFill>
                     <a:srgbClr val="000000"/>
                   </a:solidFill>
@@ -5078,7 +5078,7 @@
             </a:ln>
             <a:extLst>
               <a:ext uri="{91240B29-F687-4f45-9708-019B960494DF}">
-                <a14:hiddenLine xmlns:a14="http://schemas.microsoft.com/office/drawing/2010/main" xmlns="" w="9525">
+                <a14:hiddenLine xmlns="" xmlns:a14="http://schemas.microsoft.com/office/drawing/2010/main" w="9525">
                   <a:solidFill>
                     <a:srgbClr val="000000"/>
                   </a:solidFill>
@@ -5112,7 +5112,7 @@
             </a:ln>
             <a:extLst>
               <a:ext uri="{91240B29-F687-4f45-9708-019B960494DF}">
-                <a14:hiddenLine xmlns:a14="http://schemas.microsoft.com/office/drawing/2010/main" xmlns="" w="9525">
+                <a14:hiddenLine xmlns="" xmlns:a14="http://schemas.microsoft.com/office/drawing/2010/main" w="9525">
                   <a:solidFill>
                     <a:srgbClr val="000000"/>
                   </a:solidFill>
@@ -5202,7 +5202,7 @@
             </a:ln>
             <a:extLst>
               <a:ext uri="{91240B29-F687-4f45-9708-019B960494DF}">
-                <a14:hiddenLine xmlns:a14="http://schemas.microsoft.com/office/drawing/2010/main" xmlns="" w="9525">
+                <a14:hiddenLine xmlns="" xmlns:a14="http://schemas.microsoft.com/office/drawing/2010/main" w="9525">
                   <a:solidFill>
                     <a:srgbClr val="000000"/>
                   </a:solidFill>
@@ -5264,7 +5264,7 @@
             </a:ln>
             <a:extLst>
               <a:ext uri="{91240B29-F687-4f45-9708-019B960494DF}">
-                <a14:hiddenLine xmlns:a14="http://schemas.microsoft.com/office/drawing/2010/main" xmlns="" w="9525">
+                <a14:hiddenLine xmlns="" xmlns:a14="http://schemas.microsoft.com/office/drawing/2010/main" w="9525">
                   <a:solidFill>
                     <a:srgbClr val="000000"/>
                   </a:solidFill>
@@ -5326,7 +5326,7 @@
             </a:ln>
             <a:extLst>
               <a:ext uri="{91240B29-F687-4f45-9708-019B960494DF}">
-                <a14:hiddenLine xmlns:a14="http://schemas.microsoft.com/office/drawing/2010/main" xmlns="" w="9525">
+                <a14:hiddenLine xmlns="" xmlns:a14="http://schemas.microsoft.com/office/drawing/2010/main" w="9525">
                   <a:solidFill>
                     <a:srgbClr val="000000"/>
                   </a:solidFill>
@@ -5416,7 +5416,7 @@
             </a:ln>
             <a:extLst>
               <a:ext uri="{91240B29-F687-4f45-9708-019B960494DF}">
-                <a14:hiddenLine xmlns:a14="http://schemas.microsoft.com/office/drawing/2010/main" xmlns="" w="9525">
+                <a14:hiddenLine xmlns="" xmlns:a14="http://schemas.microsoft.com/office/drawing/2010/main" w="9525">
                   <a:solidFill>
                     <a:srgbClr val="000000"/>
                   </a:solidFill>
@@ -5484,7 +5484,7 @@
             </a:ln>
             <a:extLst>
               <a:ext uri="{91240B29-F687-4f45-9708-019B960494DF}">
-                <a14:hiddenLine xmlns:a14="http://schemas.microsoft.com/office/drawing/2010/main" xmlns="" w="9525">
+                <a14:hiddenLine xmlns="" xmlns:a14="http://schemas.microsoft.com/office/drawing/2010/main" w="9525">
                   <a:solidFill>
                     <a:srgbClr val="000000"/>
                   </a:solidFill>
@@ -5546,7 +5546,7 @@
             </a:ln>
             <a:extLst>
               <a:ext uri="{91240B29-F687-4f45-9708-019B960494DF}">
-                <a14:hiddenLine xmlns:a14="http://schemas.microsoft.com/office/drawing/2010/main" xmlns="" w="9525">
+                <a14:hiddenLine xmlns="" xmlns:a14="http://schemas.microsoft.com/office/drawing/2010/main" w="9525">
                   <a:solidFill>
                     <a:srgbClr val="000000"/>
                   </a:solidFill>
@@ -5636,7 +5636,7 @@
             </a:ln>
             <a:extLst>
               <a:ext uri="{91240B29-F687-4f45-9708-019B960494DF}">
-                <a14:hiddenLine xmlns:a14="http://schemas.microsoft.com/office/drawing/2010/main" xmlns="" w="9525">
+                <a14:hiddenLine xmlns="" xmlns:a14="http://schemas.microsoft.com/office/drawing/2010/main" w="9525">
                   <a:solidFill>
                     <a:srgbClr val="000000"/>
                   </a:solidFill>
@@ -5698,7 +5698,7 @@
             </a:ln>
             <a:extLst>
               <a:ext uri="{91240B29-F687-4f45-9708-019B960494DF}">
-                <a14:hiddenLine xmlns:a14="http://schemas.microsoft.com/office/drawing/2010/main" xmlns="" w="9525">
+                <a14:hiddenLine xmlns="" xmlns:a14="http://schemas.microsoft.com/office/drawing/2010/main" w="9525">
                   <a:solidFill>
                     <a:srgbClr val="000000"/>
                   </a:solidFill>
@@ -5788,7 +5788,7 @@
             </a:ln>
             <a:extLst>
               <a:ext uri="{91240B29-F687-4f45-9708-019B960494DF}">
-                <a14:hiddenLine xmlns:a14="http://schemas.microsoft.com/office/drawing/2010/main" xmlns="" w="9525">
+                <a14:hiddenLine xmlns="" xmlns:a14="http://schemas.microsoft.com/office/drawing/2010/main" w="9525">
                   <a:solidFill>
                     <a:srgbClr val="000000"/>
                   </a:solidFill>
@@ -5850,7 +5850,7 @@
             </a:ln>
             <a:extLst>
               <a:ext uri="{91240B29-F687-4f45-9708-019B960494DF}">
-                <a14:hiddenLine xmlns:a14="http://schemas.microsoft.com/office/drawing/2010/main" xmlns="" w="9525">
+                <a14:hiddenLine xmlns="" xmlns:a14="http://schemas.microsoft.com/office/drawing/2010/main" w="9525">
                   <a:solidFill>
                     <a:srgbClr val="000000"/>
                   </a:solidFill>
@@ -5940,7 +5940,7 @@
             </a:ln>
             <a:extLst>
               <a:ext uri="{91240B29-F687-4f45-9708-019B960494DF}">
-                <a14:hiddenLine xmlns:a14="http://schemas.microsoft.com/office/drawing/2010/main" xmlns="" w="9525">
+                <a14:hiddenLine xmlns="" xmlns:a14="http://schemas.microsoft.com/office/drawing/2010/main" w="9525">
                   <a:solidFill>
                     <a:srgbClr val="000000"/>
                   </a:solidFill>
@@ -5974,7 +5974,7 @@
             </a:ln>
             <a:extLst>
               <a:ext uri="{91240B29-F687-4f45-9708-019B960494DF}">
-                <a14:hiddenLine xmlns:a14="http://schemas.microsoft.com/office/drawing/2010/main" xmlns="" w="9525">
+                <a14:hiddenLine xmlns="" xmlns:a14="http://schemas.microsoft.com/office/drawing/2010/main" w="9525">
                   <a:solidFill>
                     <a:srgbClr val="000000"/>
                   </a:solidFill>
@@ -6039,7 +6039,7 @@
             </a:ln>
             <a:extLst>
               <a:ext uri="{91240B29-F687-4f45-9708-019B960494DF}">
-                <a14:hiddenLine xmlns:a14="http://schemas.microsoft.com/office/drawing/2010/main" xmlns="" w="9525">
+                <a14:hiddenLine xmlns="" xmlns:a14="http://schemas.microsoft.com/office/drawing/2010/main" w="9525">
                   <a:solidFill>
                     <a:srgbClr val="000000"/>
                   </a:solidFill>
@@ -6129,7 +6129,7 @@
             </a:ln>
             <a:extLst>
               <a:ext uri="{91240B29-F687-4f45-9708-019B960494DF}">
-                <a14:hiddenLine xmlns:a14="http://schemas.microsoft.com/office/drawing/2010/main" xmlns="" w="9525">
+                <a14:hiddenLine xmlns="" xmlns:a14="http://schemas.microsoft.com/office/drawing/2010/main" w="9525">
                   <a:solidFill>
                     <a:srgbClr val="000000"/>
                   </a:solidFill>
@@ -6191,7 +6191,7 @@
             </a:ln>
             <a:extLst>
               <a:ext uri="{91240B29-F687-4f45-9708-019B960494DF}">
-                <a14:hiddenLine xmlns:a14="http://schemas.microsoft.com/office/drawing/2010/main" xmlns="" w="9525">
+                <a14:hiddenLine xmlns="" xmlns:a14="http://schemas.microsoft.com/office/drawing/2010/main" w="9525">
                   <a:solidFill>
                     <a:srgbClr val="000000"/>
                   </a:solidFill>
@@ -6281,7 +6281,7 @@
             </a:ln>
             <a:extLst>
               <a:ext uri="{91240B29-F687-4f45-9708-019B960494DF}">
-                <a14:hiddenLine xmlns:a14="http://schemas.microsoft.com/office/drawing/2010/main" xmlns="" w="9525">
+                <a14:hiddenLine xmlns="" xmlns:a14="http://schemas.microsoft.com/office/drawing/2010/main" w="9525">
                   <a:solidFill>
                     <a:srgbClr val="000000"/>
                   </a:solidFill>
@@ -6371,7 +6371,7 @@
             </a:ln>
             <a:extLst>
               <a:ext uri="{91240B29-F687-4f45-9708-019B960494DF}">
-                <a14:hiddenLine xmlns:a14="http://schemas.microsoft.com/office/drawing/2010/main" xmlns="" w="9525">
+                <a14:hiddenLine xmlns="" xmlns:a14="http://schemas.microsoft.com/office/drawing/2010/main" w="9525">
                   <a:solidFill>
                     <a:srgbClr val="000000"/>
                   </a:solidFill>
@@ -6436,7 +6436,7 @@
             </a:ln>
             <a:extLst>
               <a:ext uri="{91240B29-F687-4f45-9708-019B960494DF}">
-                <a14:hiddenLine xmlns:a14="http://schemas.microsoft.com/office/drawing/2010/main" xmlns="" w="9525">
+                <a14:hiddenLine xmlns="" xmlns:a14="http://schemas.microsoft.com/office/drawing/2010/main" w="9525">
                   <a:solidFill>
                     <a:srgbClr val="000000"/>
                   </a:solidFill>
@@ -6498,7 +6498,7 @@
             </a:ln>
             <a:extLst>
               <a:ext uri="{91240B29-F687-4f45-9708-019B960494DF}">
-                <a14:hiddenLine xmlns:a14="http://schemas.microsoft.com/office/drawing/2010/main" xmlns="" w="9525">
+                <a14:hiddenLine xmlns="" xmlns:a14="http://schemas.microsoft.com/office/drawing/2010/main" w="9525">
                   <a:solidFill>
                     <a:srgbClr val="000000"/>
                   </a:solidFill>
@@ -6588,7 +6588,7 @@
             </a:ln>
             <a:extLst>
               <a:ext uri="{91240B29-F687-4f45-9708-019B960494DF}">
-                <a14:hiddenLine xmlns:a14="http://schemas.microsoft.com/office/drawing/2010/main" xmlns="" w="9525">
+                <a14:hiddenLine xmlns="" xmlns:a14="http://schemas.microsoft.com/office/drawing/2010/main" w="9525">
                   <a:solidFill>
                     <a:srgbClr val="000000"/>
                   </a:solidFill>
@@ -6678,7 +6678,7 @@
             </a:ln>
             <a:extLst>
               <a:ext uri="{91240B29-F687-4f45-9708-019B960494DF}">
-                <a14:hiddenLine xmlns:a14="http://schemas.microsoft.com/office/drawing/2010/main" xmlns="" w="9525">
+                <a14:hiddenLine xmlns="" xmlns:a14="http://schemas.microsoft.com/office/drawing/2010/main" w="9525">
                   <a:solidFill>
                     <a:srgbClr val="000000"/>
                   </a:solidFill>
@@ -6740,7 +6740,7 @@
             </a:ln>
             <a:extLst>
               <a:ext uri="{91240B29-F687-4f45-9708-019B960494DF}">
-                <a14:hiddenLine xmlns:a14="http://schemas.microsoft.com/office/drawing/2010/main" xmlns="" w="9525">
+                <a14:hiddenLine xmlns="" xmlns:a14="http://schemas.microsoft.com/office/drawing/2010/main" w="9525">
                   <a:solidFill>
                     <a:srgbClr val="000000"/>
                   </a:solidFill>
@@ -6860,7 +6860,7 @@
             </a:ln>
             <a:extLst>
               <a:ext uri="{91240B29-F687-4f45-9708-019B960494DF}">
-                <a14:hiddenLine xmlns:a14="http://schemas.microsoft.com/office/drawing/2010/main" xmlns="" w="9525">
+                <a14:hiddenLine xmlns="" xmlns:a14="http://schemas.microsoft.com/office/drawing/2010/main" w="9525">
                   <a:solidFill>
                     <a:srgbClr val="000000"/>
                   </a:solidFill>
@@ -6928,7 +6928,7 @@
             </a:ln>
             <a:extLst>
               <a:ext uri="{91240B29-F687-4f45-9708-019B960494DF}">
-                <a14:hiddenLine xmlns:a14="http://schemas.microsoft.com/office/drawing/2010/main" xmlns="" w="9525">
+                <a14:hiddenLine xmlns="" xmlns:a14="http://schemas.microsoft.com/office/drawing/2010/main" w="9525">
                   <a:solidFill>
                     <a:srgbClr val="000000"/>
                   </a:solidFill>
@@ -7018,7 +7018,7 @@
             </a:ln>
             <a:extLst>
               <a:ext uri="{91240B29-F687-4f45-9708-019B960494DF}">
-                <a14:hiddenLine xmlns:a14="http://schemas.microsoft.com/office/drawing/2010/main" xmlns="" w="9525">
+                <a14:hiddenLine xmlns="" xmlns:a14="http://schemas.microsoft.com/office/drawing/2010/main" w="9525">
                   <a:solidFill>
                     <a:srgbClr val="000000"/>
                   </a:solidFill>
@@ -7158,7 +7158,7 @@
           <a:p>
             <a:fld id="{5BCAD085-E8A6-8845-BD4E-CB4CCA059FC4}" type="datetimeFigureOut">
               <a:rPr lang="en-US" smtClean="0"/>
-              <a:t>6/10/2024</a:t>
+              <a:t>6/11/2024</a:t>
             </a:fld>
             <a:endParaRPr lang="en-US"/>
           </a:p>
@@ -7425,7 +7425,7 @@
           <a:p>
             <a:fld id="{5BCAD085-E8A6-8845-BD4E-CB4CCA059FC4}" type="datetimeFigureOut">
               <a:rPr lang="en-US" smtClean="0"/>
-              <a:t>6/10/2024</a:t>
+              <a:t>6/11/2024</a:t>
             </a:fld>
             <a:endParaRPr lang="en-US"/>
           </a:p>
@@ -7621,7 +7621,7 @@
           <a:p>
             <a:fld id="{5BCAD085-E8A6-8845-BD4E-CB4CCA059FC4}" type="datetimeFigureOut">
               <a:rPr lang="en-US" smtClean="0"/>
-              <a:t>6/10/2024</a:t>
+              <a:t>6/11/2024</a:t>
             </a:fld>
             <a:endParaRPr lang="en-US"/>
           </a:p>
@@ -7884,7 +7884,7 @@
           <a:p>
             <a:fld id="{5BCAD085-E8A6-8845-BD4E-CB4CCA059FC4}" type="datetimeFigureOut">
               <a:rPr lang="en-US" smtClean="0"/>
-              <a:t>6/10/2024</a:t>
+              <a:t>6/11/2024</a:t>
             </a:fld>
             <a:endParaRPr lang="en-US"/>
           </a:p>
@@ -8318,7 +8318,7 @@
           <a:p>
             <a:fld id="{5BCAD085-E8A6-8845-BD4E-CB4CCA059FC4}" type="datetimeFigureOut">
               <a:rPr lang="en-US" smtClean="0"/>
-              <a:t>6/10/2024</a:t>
+              <a:t>6/11/2024</a:t>
             </a:fld>
             <a:endParaRPr lang="en-US"/>
           </a:p>
@@ -8864,7 +8864,7 @@
           <a:p>
             <a:fld id="{5BCAD085-E8A6-8845-BD4E-CB4CCA059FC4}" type="datetimeFigureOut">
               <a:rPr lang="en-US" smtClean="0"/>
-              <a:t>6/10/2024</a:t>
+              <a:t>6/11/2024</a:t>
             </a:fld>
             <a:endParaRPr lang="en-US"/>
           </a:p>
@@ -9584,7 +9584,7 @@
           <a:p>
             <a:fld id="{5BCAD085-E8A6-8845-BD4E-CB4CCA059FC4}" type="datetimeFigureOut">
               <a:rPr lang="en-US" smtClean="0"/>
-              <a:t>6/10/2024</a:t>
+              <a:t>6/11/2024</a:t>
             </a:fld>
             <a:endParaRPr lang="en-US"/>
           </a:p>
@@ -9758,7 +9758,7 @@
           <a:p>
             <a:fld id="{5BCAD085-E8A6-8845-BD4E-CB4CCA059FC4}" type="datetimeFigureOut">
               <a:rPr lang="en-US" smtClean="0"/>
-              <a:t>6/10/2024</a:t>
+              <a:t>6/11/2024</a:t>
             </a:fld>
             <a:endParaRPr lang="en-US"/>
           </a:p>
@@ -9938,7 +9938,7 @@
           <a:p>
             <a:fld id="{5BCAD085-E8A6-8845-BD4E-CB4CCA059FC4}" type="datetimeFigureOut">
               <a:rPr lang="en-US" smtClean="0"/>
-              <a:t>6/10/2024</a:t>
+              <a:t>6/11/2024</a:t>
             </a:fld>
             <a:endParaRPr lang="en-US"/>
           </a:p>
@@ -10123,7 +10123,7 @@
           <a:p>
             <a:fld id="{5BCAD085-E8A6-8845-BD4E-CB4CCA059FC4}" type="datetimeFigureOut">
               <a:rPr lang="en-US" smtClean="0"/>
-              <a:t>6/10/2024</a:t>
+              <a:t>6/11/2024</a:t>
             </a:fld>
             <a:endParaRPr lang="en-US"/>
           </a:p>
@@ -10383,7 +10383,7 @@
           <a:p>
             <a:fld id="{5BCAD085-E8A6-8845-BD4E-CB4CCA059FC4}" type="datetimeFigureOut">
               <a:rPr lang="en-US" smtClean="0"/>
-              <a:t>6/10/2024</a:t>
+              <a:t>6/11/2024</a:t>
             </a:fld>
             <a:endParaRPr lang="en-US"/>
           </a:p>
@@ -10615,7 +10615,7 @@
           <a:p>
             <a:fld id="{5BCAD085-E8A6-8845-BD4E-CB4CCA059FC4}" type="datetimeFigureOut">
               <a:rPr lang="en-US" smtClean="0"/>
-              <a:t>6/10/2024</a:t>
+              <a:t>6/11/2024</a:t>
             </a:fld>
             <a:endParaRPr lang="en-US"/>
           </a:p>
@@ -10996,7 +10996,7 @@
           <a:p>
             <a:fld id="{5BCAD085-E8A6-8845-BD4E-CB4CCA059FC4}" type="datetimeFigureOut">
               <a:rPr lang="en-US" smtClean="0"/>
-              <a:t>6/10/2024</a:t>
+              <a:t>6/11/2024</a:t>
             </a:fld>
             <a:endParaRPr lang="en-US"/>
           </a:p>
@@ -11114,7 +11114,7 @@
           <a:p>
             <a:fld id="{5BCAD085-E8A6-8845-BD4E-CB4CCA059FC4}" type="datetimeFigureOut">
               <a:rPr lang="en-US" smtClean="0"/>
-              <a:t>6/10/2024</a:t>
+              <a:t>6/11/2024</a:t>
             </a:fld>
             <a:endParaRPr lang="en-US"/>
           </a:p>
@@ -11209,7 +11209,7 @@
           <a:p>
             <a:fld id="{5BCAD085-E8A6-8845-BD4E-CB4CCA059FC4}" type="datetimeFigureOut">
               <a:rPr lang="en-US" smtClean="0"/>
-              <a:t>6/10/2024</a:t>
+              <a:t>6/11/2024</a:t>
             </a:fld>
             <a:endParaRPr lang="en-US"/>
           </a:p>
@@ -11458,7 +11458,7 @@
           <a:p>
             <a:fld id="{5BCAD085-E8A6-8845-BD4E-CB4CCA059FC4}" type="datetimeFigureOut">
               <a:rPr lang="en-US" smtClean="0"/>
-              <a:t>6/10/2024</a:t>
+              <a:t>6/11/2024</a:t>
             </a:fld>
             <a:endParaRPr lang="en-US"/>
           </a:p>
@@ -11710,7 +11710,7 @@
           <a:p>
             <a:fld id="{5BCAD085-E8A6-8845-BD4E-CB4CCA059FC4}" type="datetimeFigureOut">
               <a:rPr lang="en-US" smtClean="0"/>
-              <a:t>6/10/2024</a:t>
+              <a:t>6/11/2024</a:t>
             </a:fld>
             <a:endParaRPr lang="en-US"/>
           </a:p>
@@ -11833,7 +11833,7 @@
           <a:noFill/>
           <a:extLst>
             <a:ext uri="{909E8E84-426E-40dd-AFC4-6F175D3DCCD1}">
-              <a14:hiddenFill xmlns:a14="http://schemas.microsoft.com/office/drawing/2010/main" xmlns="">
+              <a14:hiddenFill xmlns="" xmlns:a14="http://schemas.microsoft.com/office/drawing/2010/main">
                 <a:solidFill>
                   <a:srgbClr val="FFFFFF"/>
                 </a:solidFill>
@@ -11907,7 +11907,7 @@
               </a:ln>
               <a:extLst>
                 <a:ext uri="{91240B29-F687-4f45-9708-019B960494DF}">
-                  <a14:hiddenLine xmlns:a14="http://schemas.microsoft.com/office/drawing/2010/main" xmlns="" w="9525">
+                  <a14:hiddenLine xmlns="" xmlns:a14="http://schemas.microsoft.com/office/drawing/2010/main" w="9525">
                     <a:solidFill>
                       <a:srgbClr val="000000"/>
                     </a:solidFill>
@@ -11997,7 +11997,7 @@
               </a:ln>
               <a:extLst>
                 <a:ext uri="{91240B29-F687-4f45-9708-019B960494DF}">
-                  <a14:hiddenLine xmlns:a14="http://schemas.microsoft.com/office/drawing/2010/main" xmlns="" w="9525">
+                  <a14:hiddenLine xmlns="" xmlns:a14="http://schemas.microsoft.com/office/drawing/2010/main" w="9525">
                     <a:solidFill>
                       <a:srgbClr val="000000"/>
                     </a:solidFill>
@@ -12087,7 +12087,7 @@
               </a:ln>
               <a:extLst>
                 <a:ext uri="{91240B29-F687-4f45-9708-019B960494DF}">
-                  <a14:hiddenLine xmlns:a14="http://schemas.microsoft.com/office/drawing/2010/main" xmlns="" w="9525">
+                  <a14:hiddenLine xmlns="" xmlns:a14="http://schemas.microsoft.com/office/drawing/2010/main" w="9525">
                     <a:solidFill>
                       <a:srgbClr val="000000"/>
                     </a:solidFill>
@@ -12149,7 +12149,7 @@
               </a:ln>
               <a:extLst>
                 <a:ext uri="{91240B29-F687-4f45-9708-019B960494DF}">
-                  <a14:hiddenLine xmlns:a14="http://schemas.microsoft.com/office/drawing/2010/main" xmlns="" w="9525">
+                  <a14:hiddenLine xmlns="" xmlns:a14="http://schemas.microsoft.com/office/drawing/2010/main" w="9525">
                     <a:solidFill>
                       <a:srgbClr val="000000"/>
                     </a:solidFill>
@@ -12239,7 +12239,7 @@
               </a:ln>
               <a:extLst>
                 <a:ext uri="{91240B29-F687-4f45-9708-019B960494DF}">
-                  <a14:hiddenLine xmlns:a14="http://schemas.microsoft.com/office/drawing/2010/main" xmlns="" w="9525">
+                  <a14:hiddenLine xmlns="" xmlns:a14="http://schemas.microsoft.com/office/drawing/2010/main" w="9525">
                     <a:solidFill>
                       <a:srgbClr val="000000"/>
                     </a:solidFill>
@@ -12301,7 +12301,7 @@
               </a:ln>
               <a:extLst>
                 <a:ext uri="{91240B29-F687-4f45-9708-019B960494DF}">
-                  <a14:hiddenLine xmlns:a14="http://schemas.microsoft.com/office/drawing/2010/main" xmlns="" w="9525">
+                  <a14:hiddenLine xmlns="" xmlns:a14="http://schemas.microsoft.com/office/drawing/2010/main" w="9525">
                     <a:solidFill>
                       <a:srgbClr val="000000"/>
                     </a:solidFill>
@@ -12363,7 +12363,7 @@
               </a:ln>
               <a:extLst>
                 <a:ext uri="{91240B29-F687-4f45-9708-019B960494DF}">
-                  <a14:hiddenLine xmlns:a14="http://schemas.microsoft.com/office/drawing/2010/main" xmlns="" w="9525">
+                  <a14:hiddenLine xmlns="" xmlns:a14="http://schemas.microsoft.com/office/drawing/2010/main" w="9525">
                     <a:solidFill>
                       <a:srgbClr val="000000"/>
                     </a:solidFill>
@@ -12453,7 +12453,7 @@
               </a:ln>
               <a:extLst>
                 <a:ext uri="{91240B29-F687-4f45-9708-019B960494DF}">
-                  <a14:hiddenLine xmlns:a14="http://schemas.microsoft.com/office/drawing/2010/main" xmlns="" w="9525">
+                  <a14:hiddenLine xmlns="" xmlns:a14="http://schemas.microsoft.com/office/drawing/2010/main" w="9525">
                     <a:solidFill>
                       <a:srgbClr val="000000"/>
                     </a:solidFill>
@@ -12543,7 +12543,7 @@
               </a:ln>
               <a:extLst>
                 <a:ext uri="{91240B29-F687-4f45-9708-019B960494DF}">
-                  <a14:hiddenLine xmlns:a14="http://schemas.microsoft.com/office/drawing/2010/main" xmlns="" w="9525">
+                  <a14:hiddenLine xmlns="" xmlns:a14="http://schemas.microsoft.com/office/drawing/2010/main" w="9525">
                     <a:solidFill>
                       <a:srgbClr val="000000"/>
                     </a:solidFill>
@@ -12605,7 +12605,7 @@
               </a:ln>
               <a:extLst>
                 <a:ext uri="{91240B29-F687-4f45-9708-019B960494DF}">
-                  <a14:hiddenLine xmlns:a14="http://schemas.microsoft.com/office/drawing/2010/main" xmlns="" w="9525">
+                  <a14:hiddenLine xmlns="" xmlns:a14="http://schemas.microsoft.com/office/drawing/2010/main" w="9525">
                     <a:solidFill>
                       <a:srgbClr val="000000"/>
                     </a:solidFill>
@@ -12715,7 +12715,7 @@
               </a:ln>
               <a:extLst>
                 <a:ext uri="{91240B29-F687-4f45-9708-019B960494DF}">
-                  <a14:hiddenLine xmlns:a14="http://schemas.microsoft.com/office/drawing/2010/main" xmlns="" w="9525">
+                  <a14:hiddenLine xmlns="" xmlns:a14="http://schemas.microsoft.com/office/drawing/2010/main" w="9525">
                     <a:solidFill>
                       <a:srgbClr val="000000"/>
                     </a:solidFill>
@@ -12799,7 +12799,7 @@
               </a:ln>
               <a:extLst>
                 <a:ext uri="{91240B29-F687-4f45-9708-019B960494DF}">
-                  <a14:hiddenLine xmlns:a14="http://schemas.microsoft.com/office/drawing/2010/main" xmlns="" w="9525">
+                  <a14:hiddenLine xmlns="" xmlns:a14="http://schemas.microsoft.com/office/drawing/2010/main" w="9525">
                     <a:solidFill>
                       <a:srgbClr val="000000"/>
                     </a:solidFill>
@@ -12861,7 +12861,7 @@
               </a:ln>
               <a:extLst>
                 <a:ext uri="{91240B29-F687-4f45-9708-019B960494DF}">
-                  <a14:hiddenLine xmlns:a14="http://schemas.microsoft.com/office/drawing/2010/main" xmlns="" w="9525">
+                  <a14:hiddenLine xmlns="" xmlns:a14="http://schemas.microsoft.com/office/drawing/2010/main" w="9525">
                     <a:solidFill>
                       <a:srgbClr val="000000"/>
                     </a:solidFill>
@@ -12923,7 +12923,7 @@
               </a:ln>
               <a:extLst>
                 <a:ext uri="{91240B29-F687-4f45-9708-019B960494DF}">
-                  <a14:hiddenLine xmlns:a14="http://schemas.microsoft.com/office/drawing/2010/main" xmlns="" w="9525">
+                  <a14:hiddenLine xmlns="" xmlns:a14="http://schemas.microsoft.com/office/drawing/2010/main" w="9525">
                     <a:solidFill>
                       <a:srgbClr val="000000"/>
                     </a:solidFill>
@@ -13013,7 +13013,7 @@
               </a:ln>
               <a:extLst>
                 <a:ext uri="{91240B29-F687-4f45-9708-019B960494DF}">
-                  <a14:hiddenLine xmlns:a14="http://schemas.microsoft.com/office/drawing/2010/main" xmlns="" w="9525">
+                  <a14:hiddenLine xmlns="" xmlns:a14="http://schemas.microsoft.com/office/drawing/2010/main" w="9525">
                     <a:solidFill>
                       <a:srgbClr val="000000"/>
                     </a:solidFill>
@@ -13047,7 +13047,7 @@
               </a:ln>
               <a:extLst>
                 <a:ext uri="{91240B29-F687-4f45-9708-019B960494DF}">
-                  <a14:hiddenLine xmlns:a14="http://schemas.microsoft.com/office/drawing/2010/main" xmlns="" w="9525">
+                  <a14:hiddenLine xmlns="" xmlns:a14="http://schemas.microsoft.com/office/drawing/2010/main" w="9525">
                     <a:solidFill>
                       <a:srgbClr val="000000"/>
                     </a:solidFill>
@@ -13112,7 +13112,7 @@
               </a:ln>
               <a:extLst>
                 <a:ext uri="{91240B29-F687-4f45-9708-019B960494DF}">
-                  <a14:hiddenLine xmlns:a14="http://schemas.microsoft.com/office/drawing/2010/main" xmlns="" w="9525">
+                  <a14:hiddenLine xmlns="" xmlns:a14="http://schemas.microsoft.com/office/drawing/2010/main" w="9525">
                     <a:solidFill>
                       <a:srgbClr val="000000"/>
                     </a:solidFill>
@@ -13202,7 +13202,7 @@
               </a:ln>
               <a:extLst>
                 <a:ext uri="{91240B29-F687-4f45-9708-019B960494DF}">
-                  <a14:hiddenLine xmlns:a14="http://schemas.microsoft.com/office/drawing/2010/main" xmlns="" w="9525">
+                  <a14:hiddenLine xmlns="" xmlns:a14="http://schemas.microsoft.com/office/drawing/2010/main" w="9525">
                     <a:solidFill>
                       <a:srgbClr val="000000"/>
                     </a:solidFill>
@@ -13264,7 +13264,7 @@
               </a:ln>
               <a:extLst>
                 <a:ext uri="{91240B29-F687-4f45-9708-019B960494DF}">
-                  <a14:hiddenLine xmlns:a14="http://schemas.microsoft.com/office/drawing/2010/main" xmlns="" w="9525">
+                  <a14:hiddenLine xmlns="" xmlns:a14="http://schemas.microsoft.com/office/drawing/2010/main" w="9525">
                     <a:solidFill>
                       <a:srgbClr val="000000"/>
                     </a:solidFill>
@@ -13354,7 +13354,7 @@
               </a:ln>
               <a:extLst>
                 <a:ext uri="{91240B29-F687-4f45-9708-019B960494DF}">
-                  <a14:hiddenLine xmlns:a14="http://schemas.microsoft.com/office/drawing/2010/main" xmlns="" w="9525">
+                  <a14:hiddenLine xmlns="" xmlns:a14="http://schemas.microsoft.com/office/drawing/2010/main" w="9525">
                     <a:solidFill>
                       <a:srgbClr val="000000"/>
                     </a:solidFill>
@@ -13419,7 +13419,7 @@
               </a:ln>
               <a:extLst>
                 <a:ext uri="{91240B29-F687-4f45-9708-019B960494DF}">
-                  <a14:hiddenLine xmlns:a14="http://schemas.microsoft.com/office/drawing/2010/main" xmlns="" w="9525">
+                  <a14:hiddenLine xmlns="" xmlns:a14="http://schemas.microsoft.com/office/drawing/2010/main" w="9525">
                     <a:solidFill>
                       <a:srgbClr val="000000"/>
                     </a:solidFill>
@@ -13481,7 +13481,7 @@
               </a:ln>
               <a:extLst>
                 <a:ext uri="{91240B29-F687-4f45-9708-019B960494DF}">
-                  <a14:hiddenLine xmlns:a14="http://schemas.microsoft.com/office/drawing/2010/main" xmlns="" w="9525">
+                  <a14:hiddenLine xmlns="" xmlns:a14="http://schemas.microsoft.com/office/drawing/2010/main" w="9525">
                     <a:solidFill>
                       <a:srgbClr val="000000"/>
                     </a:solidFill>
@@ -13571,7 +13571,7 @@
               </a:ln>
               <a:extLst>
                 <a:ext uri="{91240B29-F687-4f45-9708-019B960494DF}">
-                  <a14:hiddenLine xmlns:a14="http://schemas.microsoft.com/office/drawing/2010/main" xmlns="" w="9525">
+                  <a14:hiddenLine xmlns="" xmlns:a14="http://schemas.microsoft.com/office/drawing/2010/main" w="9525">
                     <a:solidFill>
                       <a:srgbClr val="000000"/>
                     </a:solidFill>
@@ -13661,7 +13661,7 @@
               </a:ln>
               <a:extLst>
                 <a:ext uri="{91240B29-F687-4f45-9708-019B960494DF}">
-                  <a14:hiddenLine xmlns:a14="http://schemas.microsoft.com/office/drawing/2010/main" xmlns="" w="9525">
+                  <a14:hiddenLine xmlns="" xmlns:a14="http://schemas.microsoft.com/office/drawing/2010/main" w="9525">
                     <a:solidFill>
                       <a:srgbClr val="000000"/>
                     </a:solidFill>
@@ -13726,7 +13726,7 @@
               </a:ln>
               <a:extLst>
                 <a:ext uri="{91240B29-F687-4f45-9708-019B960494DF}">
-                  <a14:hiddenLine xmlns:a14="http://schemas.microsoft.com/office/drawing/2010/main" xmlns="" w="9525">
+                  <a14:hiddenLine xmlns="" xmlns:a14="http://schemas.microsoft.com/office/drawing/2010/main" w="9525">
                     <a:solidFill>
                       <a:srgbClr val="000000"/>
                     </a:solidFill>
@@ -13846,7 +13846,7 @@
               </a:ln>
               <a:extLst>
                 <a:ext uri="{91240B29-F687-4f45-9708-019B960494DF}">
-                  <a14:hiddenLine xmlns:a14="http://schemas.microsoft.com/office/drawing/2010/main" xmlns="" w="9525">
+                  <a14:hiddenLine xmlns="" xmlns:a14="http://schemas.microsoft.com/office/drawing/2010/main" w="9525">
                     <a:solidFill>
                       <a:srgbClr val="000000"/>
                     </a:solidFill>
@@ -13944,7 +13944,7 @@
               </a:ln>
               <a:extLst>
                 <a:ext uri="{91240B29-F687-4f45-9708-019B960494DF}">
-                  <a14:hiddenLine xmlns:a14="http://schemas.microsoft.com/office/drawing/2010/main" xmlns="" w="9525">
+                  <a14:hiddenLine xmlns="" xmlns:a14="http://schemas.microsoft.com/office/drawing/2010/main" w="9525">
                     <a:solidFill>
                       <a:srgbClr val="000000"/>
                     </a:solidFill>
@@ -14059,7 +14059,7 @@
               </a:ln>
               <a:extLst>
                 <a:ext uri="{91240B29-F687-4f45-9708-019B960494DF}">
-                  <a14:hiddenLine xmlns:a14="http://schemas.microsoft.com/office/drawing/2010/main" xmlns="" w="9525">
+                  <a14:hiddenLine xmlns="" xmlns:a14="http://schemas.microsoft.com/office/drawing/2010/main" w="9525">
                     <a:solidFill>
                       <a:srgbClr val="000000"/>
                     </a:solidFill>
@@ -14149,7 +14149,7 @@
               </a:ln>
               <a:extLst>
                 <a:ext uri="{91240B29-F687-4f45-9708-019B960494DF}">
-                  <a14:hiddenLine xmlns:a14="http://schemas.microsoft.com/office/drawing/2010/main" xmlns="" w="9525">
+                  <a14:hiddenLine xmlns="" xmlns:a14="http://schemas.microsoft.com/office/drawing/2010/main" w="9525">
                     <a:solidFill>
                       <a:srgbClr val="000000"/>
                     </a:solidFill>
@@ -14214,7 +14214,7 @@
               </a:ln>
               <a:extLst>
                 <a:ext uri="{91240B29-F687-4f45-9708-019B960494DF}">
-                  <a14:hiddenLine xmlns:a14="http://schemas.microsoft.com/office/drawing/2010/main" xmlns="" w="9525">
+                  <a14:hiddenLine xmlns="" xmlns:a14="http://schemas.microsoft.com/office/drawing/2010/main" w="9525">
                     <a:solidFill>
                       <a:srgbClr val="000000"/>
                     </a:solidFill>
@@ -14304,7 +14304,7 @@
               </a:ln>
               <a:extLst>
                 <a:ext uri="{91240B29-F687-4f45-9708-019B960494DF}">
-                  <a14:hiddenLine xmlns:a14="http://schemas.microsoft.com/office/drawing/2010/main" xmlns="" w="9525">
+                  <a14:hiddenLine xmlns="" xmlns:a14="http://schemas.microsoft.com/office/drawing/2010/main" w="9525">
                     <a:solidFill>
                       <a:srgbClr val="000000"/>
                     </a:solidFill>
@@ -14372,7 +14372,7 @@
               </a:ln>
               <a:extLst>
                 <a:ext uri="{91240B29-F687-4f45-9708-019B960494DF}">
-                  <a14:hiddenLine xmlns:a14="http://schemas.microsoft.com/office/drawing/2010/main" xmlns="" w="9525">
+                  <a14:hiddenLine xmlns="" xmlns:a14="http://schemas.microsoft.com/office/drawing/2010/main" w="9525">
                     <a:solidFill>
                       <a:srgbClr val="000000"/>
                     </a:solidFill>
@@ -14462,7 +14462,7 @@
               </a:ln>
               <a:extLst>
                 <a:ext uri="{91240B29-F687-4f45-9708-019B960494DF}">
-                  <a14:hiddenLine xmlns:a14="http://schemas.microsoft.com/office/drawing/2010/main" xmlns="" w="9525">
+                  <a14:hiddenLine xmlns="" xmlns:a14="http://schemas.microsoft.com/office/drawing/2010/main" w="9525">
                     <a:solidFill>
                       <a:srgbClr val="000000"/>
                     </a:solidFill>
@@ -14530,7 +14530,7 @@
               </a:ln>
               <a:extLst>
                 <a:ext uri="{91240B29-F687-4f45-9708-019B960494DF}">
-                  <a14:hiddenLine xmlns:a14="http://schemas.microsoft.com/office/drawing/2010/main" xmlns="" w="9525">
+                  <a14:hiddenLine xmlns="" xmlns:a14="http://schemas.microsoft.com/office/drawing/2010/main" w="9525">
                     <a:solidFill>
                       <a:srgbClr val="000000"/>
                     </a:solidFill>
@@ -14620,7 +14620,7 @@
               </a:ln>
               <a:extLst>
                 <a:ext uri="{91240B29-F687-4f45-9708-019B960494DF}">
-                  <a14:hiddenLine xmlns:a14="http://schemas.microsoft.com/office/drawing/2010/main" xmlns="" w="9525">
+                  <a14:hiddenLine xmlns="" xmlns:a14="http://schemas.microsoft.com/office/drawing/2010/main" w="9525">
                     <a:solidFill>
                       <a:srgbClr val="000000"/>
                     </a:solidFill>
@@ -14654,7 +14654,7 @@
               </a:ln>
               <a:extLst>
                 <a:ext uri="{91240B29-F687-4f45-9708-019B960494DF}">
-                  <a14:hiddenLine xmlns:a14="http://schemas.microsoft.com/office/drawing/2010/main" xmlns="" w="9525">
+                  <a14:hiddenLine xmlns="" xmlns:a14="http://schemas.microsoft.com/office/drawing/2010/main" w="9525">
                     <a:solidFill>
                       <a:srgbClr val="000000"/>
                     </a:solidFill>
@@ -14794,7 +14794,7 @@
           <a:p>
             <a:fld id="{5BCAD085-E8A6-8845-BD4E-CB4CCA059FC4}" type="datetimeFigureOut">
               <a:rPr lang="en-US" smtClean="0"/>
-              <a:t>6/10/2024</a:t>
+              <a:t>6/11/2024</a:t>
             </a:fld>
             <a:endParaRPr lang="en-US"/>
           </a:p>
@@ -16958,7 +16958,7 @@
           <a:p>
             <a:r>
               <a:rPr lang="hu-HU" sz="3200" cap="none" dirty="0"/>
-              <a:t>Vállalat irányítási rendszer bevezetése</a:t>
+              <a:t>Vállalatirányítási rendszer bevezetése</a:t>
             </a:r>
           </a:p>
           <a:p>
